--- a/doc/0221.pptx
+++ b/doc/0221.pptx
@@ -6,21 +6,25 @@
     <p:sldMasterId id="2147483660" r:id="rId2"/>
   </p:sldMasterIdLst>
   <p:sldIdLst>
-    <p:sldId id="264" r:id="rId3"/>
-    <p:sldId id="265" r:id="rId4"/>
-    <p:sldId id="263" r:id="rId5"/>
-    <p:sldId id="258" r:id="rId6"/>
-    <p:sldId id="257" r:id="rId7"/>
-    <p:sldId id="256" r:id="rId8"/>
-    <p:sldId id="266" r:id="rId9"/>
-    <p:sldId id="267" r:id="rId10"/>
-    <p:sldId id="269" r:id="rId11"/>
-    <p:sldId id="271" r:id="rId12"/>
-    <p:sldId id="273" r:id="rId13"/>
-    <p:sldId id="272" r:id="rId14"/>
-    <p:sldId id="268" r:id="rId15"/>
-    <p:sldId id="270" r:id="rId16"/>
-    <p:sldId id="262" r:id="rId17"/>
+    <p:sldId id="256" r:id="rId3"/>
+    <p:sldId id="262" r:id="rId4"/>
+    <p:sldId id="266" r:id="rId5"/>
+    <p:sldId id="267" r:id="rId6"/>
+    <p:sldId id="269" r:id="rId7"/>
+    <p:sldId id="271" r:id="rId8"/>
+    <p:sldId id="273" r:id="rId9"/>
+    <p:sldId id="272" r:id="rId10"/>
+    <p:sldId id="268" r:id="rId11"/>
+    <p:sldId id="270" r:id="rId12"/>
+    <p:sldId id="274" r:id="rId13"/>
+    <p:sldId id="264" r:id="rId14"/>
+    <p:sldId id="275" r:id="rId15"/>
+    <p:sldId id="265" r:id="rId16"/>
+    <p:sldId id="258" r:id="rId17"/>
+    <p:sldId id="257" r:id="rId18"/>
+    <p:sldId id="263" r:id="rId19"/>
+    <p:sldId id="276" r:id="rId20"/>
+    <p:sldId id="277" r:id="rId21"/>
   </p:sldIdLst>
   <p:sldSz cx="12192000" cy="6858000"/>
   <p:notesSz cx="6858000" cy="9144000"/>
@@ -274,7 +278,7 @@
           <a:p>
             <a:fld id="{49C90431-B350-42E9-96A5-A07B551460A1}" type="datetimeFigureOut">
               <a:rPr lang="zh-CN" altLang="en-US" smtClean="0"/>
-              <a:t>2023/2/20</a:t>
+              <a:t>2023/2/21</a:t>
             </a:fld>
             <a:endParaRPr lang="zh-CN" altLang="en-US"/>
           </a:p>
@@ -472,7 +476,7 @@
           <a:p>
             <a:fld id="{49C90431-B350-42E9-96A5-A07B551460A1}" type="datetimeFigureOut">
               <a:rPr lang="zh-CN" altLang="en-US" smtClean="0"/>
-              <a:t>2023/2/20</a:t>
+              <a:t>2023/2/21</a:t>
             </a:fld>
             <a:endParaRPr lang="zh-CN" altLang="en-US"/>
           </a:p>
@@ -680,7 +684,7 @@
           <a:p>
             <a:fld id="{49C90431-B350-42E9-96A5-A07B551460A1}" type="datetimeFigureOut">
               <a:rPr lang="zh-CN" altLang="en-US" smtClean="0"/>
-              <a:t>2023/2/20</a:t>
+              <a:t>2023/2/21</a:t>
             </a:fld>
             <a:endParaRPr lang="zh-CN" altLang="en-US"/>
           </a:p>
@@ -900,7 +904,7 @@
           <a:p>
             <a:fld id="{219F273E-891D-473E-943D-9327A318BFD0}" type="datetimeFigureOut">
               <a:rPr lang="zh-CN" altLang="en-US" smtClean="0"/>
-              <a:t>2023/2/20</a:t>
+              <a:t>2023/2/21</a:t>
             </a:fld>
             <a:endParaRPr lang="zh-CN" altLang="en-US"/>
           </a:p>
@@ -1098,7 +1102,7 @@
           <a:p>
             <a:fld id="{219F273E-891D-473E-943D-9327A318BFD0}" type="datetimeFigureOut">
               <a:rPr lang="zh-CN" altLang="en-US" smtClean="0"/>
-              <a:t>2023/2/20</a:t>
+              <a:t>2023/2/21</a:t>
             </a:fld>
             <a:endParaRPr lang="zh-CN" altLang="en-US"/>
           </a:p>
@@ -1373,7 +1377,7 @@
           <a:p>
             <a:fld id="{219F273E-891D-473E-943D-9327A318BFD0}" type="datetimeFigureOut">
               <a:rPr lang="zh-CN" altLang="en-US" smtClean="0"/>
-              <a:t>2023/2/20</a:t>
+              <a:t>2023/2/21</a:t>
             </a:fld>
             <a:endParaRPr lang="zh-CN" altLang="en-US"/>
           </a:p>
@@ -1638,7 +1642,7 @@
           <a:p>
             <a:fld id="{219F273E-891D-473E-943D-9327A318BFD0}" type="datetimeFigureOut">
               <a:rPr lang="zh-CN" altLang="en-US" smtClean="0"/>
-              <a:t>2023/2/20</a:t>
+              <a:t>2023/2/21</a:t>
             </a:fld>
             <a:endParaRPr lang="zh-CN" altLang="en-US"/>
           </a:p>
@@ -2050,7 +2054,7 @@
           <a:p>
             <a:fld id="{219F273E-891D-473E-943D-9327A318BFD0}" type="datetimeFigureOut">
               <a:rPr lang="zh-CN" altLang="en-US" smtClean="0"/>
-              <a:t>2023/2/20</a:t>
+              <a:t>2023/2/21</a:t>
             </a:fld>
             <a:endParaRPr lang="zh-CN" altLang="en-US"/>
           </a:p>
@@ -2191,7 +2195,7 @@
           <a:p>
             <a:fld id="{219F273E-891D-473E-943D-9327A318BFD0}" type="datetimeFigureOut">
               <a:rPr lang="zh-CN" altLang="en-US" smtClean="0"/>
-              <a:t>2023/2/20</a:t>
+              <a:t>2023/2/21</a:t>
             </a:fld>
             <a:endParaRPr lang="zh-CN" altLang="en-US"/>
           </a:p>
@@ -2304,7 +2308,7 @@
           <a:p>
             <a:fld id="{219F273E-891D-473E-943D-9327A318BFD0}" type="datetimeFigureOut">
               <a:rPr lang="zh-CN" altLang="en-US" smtClean="0"/>
-              <a:t>2023/2/20</a:t>
+              <a:t>2023/2/21</a:t>
             </a:fld>
             <a:endParaRPr lang="zh-CN" altLang="en-US"/>
           </a:p>
@@ -2615,7 +2619,7 @@
           <a:p>
             <a:fld id="{219F273E-891D-473E-943D-9327A318BFD0}" type="datetimeFigureOut">
               <a:rPr lang="zh-CN" altLang="en-US" smtClean="0"/>
-              <a:t>2023/2/20</a:t>
+              <a:t>2023/2/21</a:t>
             </a:fld>
             <a:endParaRPr lang="zh-CN" altLang="en-US"/>
           </a:p>
@@ -2813,7 +2817,7 @@
           <a:p>
             <a:fld id="{49C90431-B350-42E9-96A5-A07B551460A1}" type="datetimeFigureOut">
               <a:rPr lang="zh-CN" altLang="en-US" smtClean="0"/>
-              <a:t>2023/2/20</a:t>
+              <a:t>2023/2/21</a:t>
             </a:fld>
             <a:endParaRPr lang="zh-CN" altLang="en-US"/>
           </a:p>
@@ -3101,7 +3105,7 @@
           <a:p>
             <a:fld id="{219F273E-891D-473E-943D-9327A318BFD0}" type="datetimeFigureOut">
               <a:rPr lang="zh-CN" altLang="en-US" smtClean="0"/>
-              <a:t>2023/2/20</a:t>
+              <a:t>2023/2/21</a:t>
             </a:fld>
             <a:endParaRPr lang="zh-CN" altLang="en-US"/>
           </a:p>
@@ -3299,7 +3303,7 @@
           <a:p>
             <a:fld id="{219F273E-891D-473E-943D-9327A318BFD0}" type="datetimeFigureOut">
               <a:rPr lang="zh-CN" altLang="en-US" smtClean="0"/>
-              <a:t>2023/2/20</a:t>
+              <a:t>2023/2/21</a:t>
             </a:fld>
             <a:endParaRPr lang="zh-CN" altLang="en-US"/>
           </a:p>
@@ -3507,7 +3511,7 @@
           <a:p>
             <a:fld id="{219F273E-891D-473E-943D-9327A318BFD0}" type="datetimeFigureOut">
               <a:rPr lang="zh-CN" altLang="en-US" smtClean="0"/>
-              <a:t>2023/2/20</a:t>
+              <a:t>2023/2/21</a:t>
             </a:fld>
             <a:endParaRPr lang="zh-CN" altLang="en-US"/>
           </a:p>
@@ -3782,7 +3786,7 @@
           <a:p>
             <a:fld id="{49C90431-B350-42E9-96A5-A07B551460A1}" type="datetimeFigureOut">
               <a:rPr lang="zh-CN" altLang="en-US" smtClean="0"/>
-              <a:t>2023/2/20</a:t>
+              <a:t>2023/2/21</a:t>
             </a:fld>
             <a:endParaRPr lang="zh-CN" altLang="en-US"/>
           </a:p>
@@ -4047,7 +4051,7 @@
           <a:p>
             <a:fld id="{49C90431-B350-42E9-96A5-A07B551460A1}" type="datetimeFigureOut">
               <a:rPr lang="zh-CN" altLang="en-US" smtClean="0"/>
-              <a:t>2023/2/20</a:t>
+              <a:t>2023/2/21</a:t>
             </a:fld>
             <a:endParaRPr lang="zh-CN" altLang="en-US"/>
           </a:p>
@@ -4459,7 +4463,7 @@
           <a:p>
             <a:fld id="{49C90431-B350-42E9-96A5-A07B551460A1}" type="datetimeFigureOut">
               <a:rPr lang="zh-CN" altLang="en-US" smtClean="0"/>
-              <a:t>2023/2/20</a:t>
+              <a:t>2023/2/21</a:t>
             </a:fld>
             <a:endParaRPr lang="zh-CN" altLang="en-US"/>
           </a:p>
@@ -4600,7 +4604,7 @@
           <a:p>
             <a:fld id="{49C90431-B350-42E9-96A5-A07B551460A1}" type="datetimeFigureOut">
               <a:rPr lang="zh-CN" altLang="en-US" smtClean="0"/>
-              <a:t>2023/2/20</a:t>
+              <a:t>2023/2/21</a:t>
             </a:fld>
             <a:endParaRPr lang="zh-CN" altLang="en-US"/>
           </a:p>
@@ -4713,7 +4717,7 @@
           <a:p>
             <a:fld id="{49C90431-B350-42E9-96A5-A07B551460A1}" type="datetimeFigureOut">
               <a:rPr lang="zh-CN" altLang="en-US" smtClean="0"/>
-              <a:t>2023/2/20</a:t>
+              <a:t>2023/2/21</a:t>
             </a:fld>
             <a:endParaRPr lang="zh-CN" altLang="en-US"/>
           </a:p>
@@ -5024,7 +5028,7 @@
           <a:p>
             <a:fld id="{49C90431-B350-42E9-96A5-A07B551460A1}" type="datetimeFigureOut">
               <a:rPr lang="zh-CN" altLang="en-US" smtClean="0"/>
-              <a:t>2023/2/20</a:t>
+              <a:t>2023/2/21</a:t>
             </a:fld>
             <a:endParaRPr lang="zh-CN" altLang="en-US"/>
           </a:p>
@@ -5312,7 +5316,7 @@
           <a:p>
             <a:fld id="{49C90431-B350-42E9-96A5-A07B551460A1}" type="datetimeFigureOut">
               <a:rPr lang="zh-CN" altLang="en-US" smtClean="0"/>
-              <a:t>2023/2/20</a:t>
+              <a:t>2023/2/21</a:t>
             </a:fld>
             <a:endParaRPr lang="zh-CN" altLang="en-US"/>
           </a:p>
@@ -5553,7 +5557,7 @@
           <a:p>
             <a:fld id="{49C90431-B350-42E9-96A5-A07B551460A1}" type="datetimeFigureOut">
               <a:rPr lang="zh-CN" altLang="en-US" smtClean="0"/>
-              <a:t>2023/2/20</a:t>
+              <a:t>2023/2/21</a:t>
             </a:fld>
             <a:endParaRPr lang="zh-CN" altLang="en-US"/>
           </a:p>
@@ -6121,7 +6125,7 @@
           <a:p>
             <a:fld id="{219F273E-891D-473E-943D-9327A318BFD0}" type="datetimeFigureOut">
               <a:rPr lang="zh-CN" altLang="en-US" smtClean="0"/>
-              <a:t>2023/2/20</a:t>
+              <a:t>2023/2/21</a:t>
             </a:fld>
             <a:endParaRPr lang="zh-CN" altLang="en-US"/>
           </a:p>
@@ -6540,10 +6544,10 @@
       </p:grpSpPr>
       <p:sp>
         <p:nvSpPr>
-          <p:cNvPr id="4" name="文本框 3">
-            <a:extLst>
-              <a:ext uri="{FF2B5EF4-FFF2-40B4-BE49-F238E27FC236}">
-                <a16:creationId xmlns:a16="http://schemas.microsoft.com/office/drawing/2014/main" id="{D0615F25-CF0E-0920-3A69-5ACB5F07D617}"/>
+          <p:cNvPr id="5" name="文本框 4">
+            <a:extLst>
+              <a:ext uri="{FF2B5EF4-FFF2-40B4-BE49-F238E27FC236}">
+                <a16:creationId xmlns:a16="http://schemas.microsoft.com/office/drawing/2014/main" id="{5235E127-25AB-75EB-C78F-EE5E65843079}"/>
               </a:ext>
             </a:extLst>
           </p:cNvPr>
@@ -6552,8 +6556,8 @@
         </p:nvSpPr>
         <p:spPr>
           <a:xfrm>
-            <a:off x="344555" y="212035"/>
-            <a:ext cx="7748916" cy="646331"/>
+            <a:off x="959467" y="1565185"/>
+            <a:ext cx="7945994" cy="3316742"/>
           </a:xfrm>
           <a:prstGeom prst="rect">
             <a:avLst/>
@@ -6561,6 +6565,193 @@
           <a:noFill/>
         </p:spPr>
         <p:txBody>
+          <a:bodyPr wrap="square" rtlCol="0">
+            <a:spAutoFit/>
+          </a:bodyPr>
+          <a:lstStyle/>
+          <a:p>
+            <a:pPr marL="742950" marR="0" lvl="0" indent="-742950" algn="l" defTabSz="914400" rtl="0" eaLnBrk="1" fontAlgn="auto" latinLnBrk="0" hangingPunct="1">
+              <a:lnSpc>
+                <a:spcPct val="150000"/>
+              </a:lnSpc>
+              <a:spcBef>
+                <a:spcPts val="0"/>
+              </a:spcBef>
+              <a:spcAft>
+                <a:spcPts val="0"/>
+              </a:spcAft>
+              <a:buClrTx/>
+              <a:buSzTx/>
+              <a:buFontTx/>
+              <a:buAutoNum type="arabicPeriod"/>
+              <a:tabLst/>
+              <a:defRPr/>
+            </a:pPr>
+            <a:r>
+              <a:rPr kumimoji="0" lang="en-US" altLang="zh-CN" sz="3600" b="1" i="0" u="none" strike="noStrike" kern="1200" cap="none" spc="0" normalizeH="0" baseline="0" noProof="0" dirty="0">
+                <a:ln>
+                  <a:noFill/>
+                </a:ln>
+                <a:solidFill>
+                  <a:prstClr val="black"/>
+                </a:solidFill>
+                <a:effectLst/>
+                <a:uLnTx/>
+                <a:uFillTx/>
+                <a:latin typeface="Times New Roman" panose="02020603050405020304" pitchFamily="18" charset="0"/>
+                <a:ea typeface="等线" panose="02010600030101010101" pitchFamily="2" charset="-122"/>
+                <a:cs typeface="Times New Roman" panose="02020603050405020304" pitchFamily="18" charset="0"/>
+              </a:rPr>
+              <a:t>Preprocessing</a:t>
+            </a:r>
+          </a:p>
+          <a:p>
+            <a:pPr marL="742950" marR="0" lvl="0" indent="-742950" algn="l" defTabSz="914400" rtl="0" eaLnBrk="1" fontAlgn="auto" latinLnBrk="0" hangingPunct="1">
+              <a:lnSpc>
+                <a:spcPct val="150000"/>
+              </a:lnSpc>
+              <a:spcBef>
+                <a:spcPts val="0"/>
+              </a:spcBef>
+              <a:spcAft>
+                <a:spcPts val="0"/>
+              </a:spcAft>
+              <a:buClrTx/>
+              <a:buSzTx/>
+              <a:buFontTx/>
+              <a:buAutoNum type="arabicPeriod"/>
+              <a:tabLst/>
+              <a:defRPr/>
+            </a:pPr>
+            <a:r>
+              <a:rPr kumimoji="0" lang="en-US" altLang="zh-CN" sz="3600" b="1" i="0" u="none" strike="noStrike" kern="1200" cap="none" spc="0" normalizeH="0" baseline="0" noProof="0" dirty="0">
+                <a:ln>
+                  <a:noFill/>
+                </a:ln>
+                <a:solidFill>
+                  <a:srgbClr val="FF0000"/>
+                </a:solidFill>
+                <a:effectLst/>
+                <a:uLnTx/>
+                <a:uFillTx/>
+                <a:latin typeface="Times New Roman" panose="02020603050405020304" pitchFamily="18" charset="0"/>
+                <a:ea typeface="等线" panose="02010600030101010101" pitchFamily="2" charset="-122"/>
+                <a:cs typeface="Times New Roman" panose="02020603050405020304" pitchFamily="18" charset="0"/>
+              </a:rPr>
+              <a:t>Feature Extraction</a:t>
+            </a:r>
+          </a:p>
+          <a:p>
+            <a:pPr marL="742950" marR="0" lvl="0" indent="-742950" algn="l" defTabSz="914400" rtl="0" eaLnBrk="1" fontAlgn="auto" latinLnBrk="0" hangingPunct="1">
+              <a:lnSpc>
+                <a:spcPct val="150000"/>
+              </a:lnSpc>
+              <a:spcBef>
+                <a:spcPts val="0"/>
+              </a:spcBef>
+              <a:spcAft>
+                <a:spcPts val="0"/>
+              </a:spcAft>
+              <a:buClrTx/>
+              <a:buSzTx/>
+              <a:buFontTx/>
+              <a:buAutoNum type="arabicPeriod"/>
+              <a:tabLst/>
+              <a:defRPr/>
+            </a:pPr>
+            <a:r>
+              <a:rPr kumimoji="0" lang="en-US" altLang="zh-CN" sz="3600" b="1" i="0" u="none" strike="noStrike" kern="1200" cap="none" spc="0" normalizeH="0" baseline="0" noProof="0" dirty="0">
+                <a:ln>
+                  <a:noFill/>
+                </a:ln>
+                <a:solidFill>
+                  <a:srgbClr val="FF0000"/>
+                </a:solidFill>
+                <a:effectLst/>
+                <a:uLnTx/>
+                <a:uFillTx/>
+                <a:latin typeface="Times New Roman" panose="02020603050405020304" pitchFamily="18" charset="0"/>
+                <a:ea typeface="等线" panose="02010600030101010101" pitchFamily="2" charset="-122"/>
+                <a:cs typeface="Times New Roman" panose="02020603050405020304" pitchFamily="18" charset="0"/>
+              </a:rPr>
+              <a:t>Feature Selection</a:t>
+            </a:r>
+          </a:p>
+          <a:p>
+            <a:pPr marL="742950" marR="0" lvl="0" indent="-742950" algn="l" defTabSz="914400" rtl="0" eaLnBrk="1" fontAlgn="auto" latinLnBrk="0" hangingPunct="1">
+              <a:lnSpc>
+                <a:spcPct val="150000"/>
+              </a:lnSpc>
+              <a:spcBef>
+                <a:spcPts val="0"/>
+              </a:spcBef>
+              <a:spcAft>
+                <a:spcPts val="0"/>
+              </a:spcAft>
+              <a:buClrTx/>
+              <a:buSzTx/>
+              <a:buFontTx/>
+              <a:buAutoNum type="arabicPeriod"/>
+              <a:tabLst/>
+              <a:defRPr/>
+            </a:pPr>
+            <a:r>
+              <a:rPr kumimoji="0" lang="en-US" altLang="zh-CN" sz="3600" b="1" i="0" u="none" strike="noStrike" kern="1200" cap="none" spc="0" normalizeH="0" baseline="0" noProof="0" dirty="0">
+                <a:ln>
+                  <a:noFill/>
+                </a:ln>
+                <a:solidFill>
+                  <a:prstClr val="black"/>
+                </a:solidFill>
+                <a:effectLst/>
+                <a:uLnTx/>
+                <a:uFillTx/>
+                <a:latin typeface="Times New Roman" panose="02020603050405020304" pitchFamily="18" charset="0"/>
+                <a:ea typeface="等线" panose="02010600030101010101" pitchFamily="2" charset="-122"/>
+                <a:cs typeface="Times New Roman" panose="02020603050405020304" pitchFamily="18" charset="0"/>
+              </a:rPr>
+              <a:t>Classification</a:t>
+            </a:r>
+            <a:endParaRPr kumimoji="0" lang="zh-CN" altLang="en-US" sz="3600" b="1" i="0" u="none" strike="noStrike" kern="1200" cap="none" spc="0" normalizeH="0" baseline="0" noProof="0" dirty="0">
+              <a:ln>
+                <a:noFill/>
+              </a:ln>
+              <a:solidFill>
+                <a:prstClr val="black"/>
+              </a:solidFill>
+              <a:effectLst/>
+              <a:uLnTx/>
+              <a:uFillTx/>
+              <a:latin typeface="Times New Roman" panose="02020603050405020304" pitchFamily="18" charset="0"/>
+              <a:ea typeface="等线" panose="02010600030101010101" pitchFamily="2" charset="-122"/>
+              <a:cs typeface="Times New Roman" panose="02020603050405020304" pitchFamily="18" charset="0"/>
+            </a:endParaRPr>
+          </a:p>
+        </p:txBody>
+      </p:sp>
+      <p:sp>
+        <p:nvSpPr>
+          <p:cNvPr id="2" name="文本框 1">
+            <a:extLst>
+              <a:ext uri="{FF2B5EF4-FFF2-40B4-BE49-F238E27FC236}">
+                <a16:creationId xmlns:a16="http://schemas.microsoft.com/office/drawing/2014/main" id="{86B047C0-16ED-6839-6CEC-3C760D73BF93}"/>
+              </a:ext>
+            </a:extLst>
+          </p:cNvPr>
+          <p:cNvSpPr txBox="1"/>
+          <p:nvPr/>
+        </p:nvSpPr>
+        <p:spPr>
+          <a:xfrm>
+            <a:off x="344555" y="212035"/>
+            <a:ext cx="4053674" cy="646331"/>
+          </a:xfrm>
+          <a:prstGeom prst="rect">
+            <a:avLst/>
+          </a:prstGeom>
+          <a:noFill/>
+        </p:spPr>
+        <p:txBody>
           <a:bodyPr wrap="none" rtlCol="0">
             <a:spAutoFit/>
           </a:bodyPr>
@@ -6571,14 +6762,7 @@
                 <a:latin typeface="Times New Roman" panose="02020603050405020304" pitchFamily="18" charset="0"/>
                 <a:cs typeface="Times New Roman" panose="02020603050405020304" pitchFamily="18" charset="0"/>
               </a:rPr>
-              <a:t>Pipeline: Radiomic Features + </a:t>
-            </a:r>
-            <a:r>
-              <a:rPr lang="en-US" altLang="zh-CN" sz="3600" b="1" dirty="0" err="1">
-                <a:latin typeface="Times New Roman" panose="02020603050405020304" pitchFamily="18" charset="0"/>
-                <a:cs typeface="Times New Roman" panose="02020603050405020304" pitchFamily="18" charset="0"/>
-              </a:rPr>
-              <a:t>mRMR</a:t>
+              <a:t>Survey: Procedures</a:t>
             </a:r>
             <a:endParaRPr lang="zh-CN" altLang="en-US" sz="3600" b="1" dirty="0">
               <a:latin typeface="Times New Roman" panose="02020603050405020304" pitchFamily="18" charset="0"/>
@@ -6587,12 +6771,42 @@
           </a:p>
         </p:txBody>
       </p:sp>
-      <p:sp>
-        <p:nvSpPr>
-          <p:cNvPr id="13" name="文本框 12">
-            <a:extLst>
-              <a:ext uri="{FF2B5EF4-FFF2-40B4-BE49-F238E27FC236}">
-                <a16:creationId xmlns:a16="http://schemas.microsoft.com/office/drawing/2014/main" id="{4D28E66D-D00D-F611-9704-A05F10068EEB}"/>
+    </p:spTree>
+    <p:extLst>
+      <p:ext uri="{BB962C8B-B14F-4D97-AF65-F5344CB8AC3E}">
+        <p14:creationId xmlns:p14="http://schemas.microsoft.com/office/powerpoint/2010/main" val="1160979486"/>
+      </p:ext>
+    </p:extLst>
+  </p:cSld>
+  <p:clrMapOvr>
+    <a:masterClrMapping/>
+  </p:clrMapOvr>
+</p:sld>
+</file>
+
+<file path=ppt/slides/slide10.xml><?xml version="1.0" encoding="utf-8"?>
+<p:sld xmlns:a="http://schemas.openxmlformats.org/drawingml/2006/main" xmlns:r="http://schemas.openxmlformats.org/officeDocument/2006/relationships" xmlns:p="http://schemas.openxmlformats.org/presentationml/2006/main">
+  <p:cSld>
+    <p:spTree>
+      <p:nvGrpSpPr>
+        <p:cNvPr id="1" name=""/>
+        <p:cNvGrpSpPr/>
+        <p:nvPr/>
+      </p:nvGrpSpPr>
+      <p:grpSpPr>
+        <a:xfrm>
+          <a:off x="0" y="0"/>
+          <a:ext cx="0" cy="0"/>
+          <a:chOff x="0" y="0"/>
+          <a:chExt cx="0" cy="0"/>
+        </a:xfrm>
+      </p:grpSpPr>
+      <p:sp>
+        <p:nvSpPr>
+          <p:cNvPr id="4" name="文本框 3">
+            <a:extLst>
+              <a:ext uri="{FF2B5EF4-FFF2-40B4-BE49-F238E27FC236}">
+                <a16:creationId xmlns:a16="http://schemas.microsoft.com/office/drawing/2014/main" id="{D0615F25-CF0E-0920-3A69-5ACB5F07D617}"/>
               </a:ext>
             </a:extLst>
           </p:cNvPr>
@@ -6601,7 +6815,343 @@
         </p:nvSpPr>
         <p:spPr>
           <a:xfrm>
-            <a:off x="327196" y="2844224"/>
+            <a:off x="344555" y="212035"/>
+            <a:ext cx="6787307" cy="646331"/>
+          </a:xfrm>
+          <a:prstGeom prst="rect">
+            <a:avLst/>
+          </a:prstGeom>
+          <a:noFill/>
+        </p:spPr>
+        <p:txBody>
+          <a:bodyPr wrap="none" rtlCol="0">
+            <a:spAutoFit/>
+          </a:bodyPr>
+          <a:lstStyle/>
+          <a:p>
+            <a:r>
+              <a:rPr lang="en-US" altLang="zh-CN" sz="3600" b="1" dirty="0">
+                <a:latin typeface="Times New Roman" panose="02020603050405020304" pitchFamily="18" charset="0"/>
+                <a:cs typeface="Times New Roman" panose="02020603050405020304" pitchFamily="18" charset="0"/>
+              </a:rPr>
+              <a:t>Survey: Feature Selection (N=11)</a:t>
+            </a:r>
+            <a:endParaRPr lang="zh-CN" altLang="en-US" sz="3600" b="1" dirty="0">
+              <a:latin typeface="Times New Roman" panose="02020603050405020304" pitchFamily="18" charset="0"/>
+              <a:cs typeface="Times New Roman" panose="02020603050405020304" pitchFamily="18" charset="0"/>
+            </a:endParaRPr>
+          </a:p>
+        </p:txBody>
+      </p:sp>
+      <p:sp>
+        <p:nvSpPr>
+          <p:cNvPr id="3" name="文本框 2">
+            <a:extLst>
+              <a:ext uri="{FF2B5EF4-FFF2-40B4-BE49-F238E27FC236}">
+                <a16:creationId xmlns:a16="http://schemas.microsoft.com/office/drawing/2014/main" id="{25EFD457-4A1B-E272-4D21-7E89964A9C51}"/>
+              </a:ext>
+            </a:extLst>
+          </p:cNvPr>
+          <p:cNvSpPr txBox="1"/>
+          <p:nvPr/>
+        </p:nvSpPr>
+        <p:spPr>
+          <a:xfrm>
+            <a:off x="874437" y="1482569"/>
+            <a:ext cx="10443125" cy="3892861"/>
+          </a:xfrm>
+          <a:prstGeom prst="rect">
+            <a:avLst/>
+          </a:prstGeom>
+          <a:noFill/>
+        </p:spPr>
+        <p:txBody>
+          <a:bodyPr wrap="square" rtlCol="0">
+            <a:spAutoFit/>
+          </a:bodyPr>
+          <a:lstStyle/>
+          <a:p>
+            <a:pPr marL="742950" indent="-742950">
+              <a:lnSpc>
+                <a:spcPct val="150000"/>
+              </a:lnSpc>
+              <a:buAutoNum type="arabicPeriod"/>
+            </a:pPr>
+            <a:r>
+              <a:rPr lang="en-US" altLang="zh-CN" sz="2800" dirty="0">
+                <a:latin typeface="Times New Roman" panose="02020603050405020304" pitchFamily="18" charset="0"/>
+                <a:cs typeface="Times New Roman" panose="02020603050405020304" pitchFamily="18" charset="0"/>
+              </a:rPr>
+              <a:t>LASSO: 6</a:t>
+            </a:r>
+          </a:p>
+          <a:p>
+            <a:pPr marL="742950" indent="-742950">
+              <a:lnSpc>
+                <a:spcPct val="150000"/>
+              </a:lnSpc>
+              <a:buAutoNum type="arabicPeriod"/>
+            </a:pPr>
+            <a:r>
+              <a:rPr lang="en-US" altLang="zh-CN" sz="2800" dirty="0" err="1">
+                <a:latin typeface="Times New Roman" panose="02020603050405020304" pitchFamily="18" charset="0"/>
+                <a:cs typeface="Times New Roman" panose="02020603050405020304" pitchFamily="18" charset="0"/>
+              </a:rPr>
+              <a:t>mRMR</a:t>
+            </a:r>
+            <a:r>
+              <a:rPr lang="en-US" altLang="zh-CN" sz="2800" dirty="0">
+                <a:latin typeface="Times New Roman" panose="02020603050405020304" pitchFamily="18" charset="0"/>
+                <a:cs typeface="Times New Roman" panose="02020603050405020304" pitchFamily="18" charset="0"/>
+              </a:rPr>
+              <a:t>: 3</a:t>
+            </a:r>
+          </a:p>
+          <a:p>
+            <a:pPr marL="742950" indent="-742950">
+              <a:lnSpc>
+                <a:spcPct val="150000"/>
+              </a:lnSpc>
+              <a:buAutoNum type="arabicPeriod"/>
+            </a:pPr>
+            <a:r>
+              <a:rPr lang="en-US" altLang="zh-CN" sz="2800" dirty="0">
+                <a:latin typeface="Times New Roman" panose="02020603050405020304" pitchFamily="18" charset="0"/>
+                <a:cs typeface="Times New Roman" panose="02020603050405020304" pitchFamily="18" charset="0"/>
+              </a:rPr>
+              <a:t>PCA:3</a:t>
+            </a:r>
+          </a:p>
+          <a:p>
+            <a:pPr marL="742950" indent="-742950">
+              <a:lnSpc>
+                <a:spcPct val="150000"/>
+              </a:lnSpc>
+              <a:buAutoNum type="arabicPeriod"/>
+            </a:pPr>
+            <a:r>
+              <a:rPr lang="en-US" altLang="zh-CN" sz="2800" dirty="0">
+                <a:latin typeface="Times New Roman" panose="02020603050405020304" pitchFamily="18" charset="0"/>
+                <a:cs typeface="Times New Roman" panose="02020603050405020304" pitchFamily="18" charset="0"/>
+              </a:rPr>
+              <a:t>Pearson’s Correlation Coefficient: 2</a:t>
+            </a:r>
+          </a:p>
+          <a:p>
+            <a:pPr marL="742950" indent="-742950">
+              <a:lnSpc>
+                <a:spcPct val="150000"/>
+              </a:lnSpc>
+              <a:buAutoNum type="arabicPeriod"/>
+            </a:pPr>
+            <a:r>
+              <a:rPr lang="en-US" altLang="zh-CN" sz="2800" dirty="0">
+                <a:latin typeface="Times New Roman" panose="02020603050405020304" pitchFamily="18" charset="0"/>
+                <a:cs typeface="Times New Roman" panose="02020603050405020304" pitchFamily="18" charset="0"/>
+              </a:rPr>
+              <a:t>NCA, Chi2, </a:t>
+            </a:r>
+            <a:r>
+              <a:rPr lang="en-US" altLang="zh-CN" sz="2800" dirty="0" err="1">
+                <a:latin typeface="Times New Roman" panose="02020603050405020304" pitchFamily="18" charset="0"/>
+                <a:cs typeface="Times New Roman" panose="02020603050405020304" pitchFamily="18" charset="0"/>
+              </a:rPr>
+              <a:t>ReliefF</a:t>
+            </a:r>
+            <a:r>
+              <a:rPr lang="en-US" altLang="zh-CN" sz="2800" dirty="0">
+                <a:latin typeface="Times New Roman" panose="02020603050405020304" pitchFamily="18" charset="0"/>
+                <a:cs typeface="Times New Roman" panose="02020603050405020304" pitchFamily="18" charset="0"/>
+              </a:rPr>
+              <a:t>, </a:t>
+            </a:r>
+            <a:r>
+              <a:rPr lang="en-US" altLang="zh-CN" sz="2800" dirty="0" err="1">
+                <a:latin typeface="Times New Roman" panose="02020603050405020304" pitchFamily="18" charset="0"/>
+                <a:cs typeface="Times New Roman" panose="02020603050405020304" pitchFamily="18" charset="0"/>
+              </a:rPr>
+              <a:t>ReliefA</a:t>
+            </a:r>
+            <a:r>
+              <a:rPr lang="en-US" altLang="zh-CN" sz="2800" dirty="0">
+                <a:latin typeface="Times New Roman" panose="02020603050405020304" pitchFamily="18" charset="0"/>
+                <a:cs typeface="Times New Roman" panose="02020603050405020304" pitchFamily="18" charset="0"/>
+              </a:rPr>
+              <a:t>, t-test, ILFS, LLBCFS, UMCFS, MDFSA, CSFA, FSASL, UFSOL …</a:t>
+            </a:r>
+            <a:endParaRPr lang="zh-CN" altLang="en-US" sz="2800" dirty="0">
+              <a:latin typeface="Times New Roman" panose="02020603050405020304" pitchFamily="18" charset="0"/>
+              <a:cs typeface="Times New Roman" panose="02020603050405020304" pitchFamily="18" charset="0"/>
+            </a:endParaRPr>
+          </a:p>
+        </p:txBody>
+      </p:sp>
+    </p:spTree>
+    <p:extLst>
+      <p:ext uri="{BB962C8B-B14F-4D97-AF65-F5344CB8AC3E}">
+        <p14:creationId xmlns:p14="http://schemas.microsoft.com/office/powerpoint/2010/main" val="357976359"/>
+      </p:ext>
+    </p:extLst>
+  </p:cSld>
+  <p:clrMapOvr>
+    <a:masterClrMapping/>
+  </p:clrMapOvr>
+</p:sld>
+</file>
+
+<file path=ppt/slides/slide11.xml><?xml version="1.0" encoding="utf-8"?>
+<p:sld xmlns:a="http://schemas.openxmlformats.org/drawingml/2006/main" xmlns:r="http://schemas.openxmlformats.org/officeDocument/2006/relationships" xmlns:p="http://schemas.openxmlformats.org/presentationml/2006/main">
+  <p:cSld>
+    <p:spTree>
+      <p:nvGrpSpPr>
+        <p:cNvPr id="1" name=""/>
+        <p:cNvGrpSpPr/>
+        <p:nvPr/>
+      </p:nvGrpSpPr>
+      <p:grpSpPr>
+        <a:xfrm>
+          <a:off x="0" y="0"/>
+          <a:ext cx="0" cy="0"/>
+          <a:chOff x="0" y="0"/>
+          <a:chExt cx="0" cy="0"/>
+        </a:xfrm>
+      </p:grpSpPr>
+      <p:sp>
+        <p:nvSpPr>
+          <p:cNvPr id="4" name="文本框 3">
+            <a:extLst>
+              <a:ext uri="{FF2B5EF4-FFF2-40B4-BE49-F238E27FC236}">
+                <a16:creationId xmlns:a16="http://schemas.microsoft.com/office/drawing/2014/main" id="{D0615F25-CF0E-0920-3A69-5ACB5F07D617}"/>
+              </a:ext>
+            </a:extLst>
+          </p:cNvPr>
+          <p:cNvSpPr txBox="1"/>
+          <p:nvPr/>
+        </p:nvSpPr>
+        <p:spPr>
+          <a:xfrm>
+            <a:off x="344555" y="212035"/>
+            <a:ext cx="2890535" cy="646331"/>
+          </a:xfrm>
+          <a:prstGeom prst="rect">
+            <a:avLst/>
+          </a:prstGeom>
+          <a:noFill/>
+        </p:spPr>
+        <p:txBody>
+          <a:bodyPr wrap="none" rtlCol="0">
+            <a:spAutoFit/>
+          </a:bodyPr>
+          <a:lstStyle/>
+          <a:p>
+            <a:r>
+              <a:rPr lang="en-US" altLang="zh-CN" sz="3600" b="1" dirty="0">
+                <a:latin typeface="Times New Roman" panose="02020603050405020304" pitchFamily="18" charset="0"/>
+                <a:cs typeface="Times New Roman" panose="02020603050405020304" pitchFamily="18" charset="0"/>
+              </a:rPr>
+              <a:t>Survey: ROIs</a:t>
+            </a:r>
+            <a:endParaRPr lang="zh-CN" altLang="en-US" sz="3600" b="1" dirty="0">
+              <a:latin typeface="Times New Roman" panose="02020603050405020304" pitchFamily="18" charset="0"/>
+              <a:cs typeface="Times New Roman" panose="02020603050405020304" pitchFamily="18" charset="0"/>
+            </a:endParaRPr>
+          </a:p>
+        </p:txBody>
+      </p:sp>
+    </p:spTree>
+    <p:extLst>
+      <p:ext uri="{BB962C8B-B14F-4D97-AF65-F5344CB8AC3E}">
+        <p14:creationId xmlns:p14="http://schemas.microsoft.com/office/powerpoint/2010/main" val="1009771137"/>
+      </p:ext>
+    </p:extLst>
+  </p:cSld>
+  <p:clrMapOvr>
+    <a:masterClrMapping/>
+  </p:clrMapOvr>
+</p:sld>
+</file>
+
+<file path=ppt/slides/slide12.xml><?xml version="1.0" encoding="utf-8"?>
+<p:sld xmlns:a="http://schemas.openxmlformats.org/drawingml/2006/main" xmlns:r="http://schemas.openxmlformats.org/officeDocument/2006/relationships" xmlns:p="http://schemas.openxmlformats.org/presentationml/2006/main">
+  <p:cSld>
+    <p:spTree>
+      <p:nvGrpSpPr>
+        <p:cNvPr id="1" name=""/>
+        <p:cNvGrpSpPr/>
+        <p:nvPr/>
+      </p:nvGrpSpPr>
+      <p:grpSpPr>
+        <a:xfrm>
+          <a:off x="0" y="0"/>
+          <a:ext cx="0" cy="0"/>
+          <a:chOff x="0" y="0"/>
+          <a:chExt cx="0" cy="0"/>
+        </a:xfrm>
+      </p:grpSpPr>
+      <p:sp>
+        <p:nvSpPr>
+          <p:cNvPr id="4" name="文本框 3">
+            <a:extLst>
+              <a:ext uri="{FF2B5EF4-FFF2-40B4-BE49-F238E27FC236}">
+                <a16:creationId xmlns:a16="http://schemas.microsoft.com/office/drawing/2014/main" id="{D0615F25-CF0E-0920-3A69-5ACB5F07D617}"/>
+              </a:ext>
+            </a:extLst>
+          </p:cNvPr>
+          <p:cNvSpPr txBox="1"/>
+          <p:nvPr/>
+        </p:nvSpPr>
+        <p:spPr>
+          <a:xfrm>
+            <a:off x="344555" y="212035"/>
+            <a:ext cx="7748916" cy="646331"/>
+          </a:xfrm>
+          <a:prstGeom prst="rect">
+            <a:avLst/>
+          </a:prstGeom>
+          <a:noFill/>
+        </p:spPr>
+        <p:txBody>
+          <a:bodyPr wrap="none" rtlCol="0">
+            <a:spAutoFit/>
+          </a:bodyPr>
+          <a:lstStyle/>
+          <a:p>
+            <a:r>
+              <a:rPr lang="en-US" altLang="zh-CN" sz="3600" b="1" dirty="0">
+                <a:latin typeface="Times New Roman" panose="02020603050405020304" pitchFamily="18" charset="0"/>
+                <a:cs typeface="Times New Roman" panose="02020603050405020304" pitchFamily="18" charset="0"/>
+              </a:rPr>
+              <a:t>Pipeline: Radiomic Features + </a:t>
+            </a:r>
+            <a:r>
+              <a:rPr lang="en-US" altLang="zh-CN" sz="3600" b="1" dirty="0" err="1">
+                <a:latin typeface="Times New Roman" panose="02020603050405020304" pitchFamily="18" charset="0"/>
+                <a:cs typeface="Times New Roman" panose="02020603050405020304" pitchFamily="18" charset="0"/>
+              </a:rPr>
+              <a:t>mRMR</a:t>
+            </a:r>
+            <a:endParaRPr lang="zh-CN" altLang="en-US" sz="3600" b="1" dirty="0">
+              <a:latin typeface="Times New Roman" panose="02020603050405020304" pitchFamily="18" charset="0"/>
+              <a:cs typeface="Times New Roman" panose="02020603050405020304" pitchFamily="18" charset="0"/>
+            </a:endParaRPr>
+          </a:p>
+        </p:txBody>
+      </p:sp>
+      <p:sp>
+        <p:nvSpPr>
+          <p:cNvPr id="13" name="文本框 12">
+            <a:extLst>
+              <a:ext uri="{FF2B5EF4-FFF2-40B4-BE49-F238E27FC236}">
+                <a16:creationId xmlns:a16="http://schemas.microsoft.com/office/drawing/2014/main" id="{4D28E66D-D00D-F611-9704-A05F10068EEB}"/>
+              </a:ext>
+            </a:extLst>
+          </p:cNvPr>
+          <p:cNvSpPr txBox="1"/>
+          <p:nvPr/>
+        </p:nvSpPr>
+        <p:spPr>
+          <a:xfrm>
+            <a:off x="207928" y="2844224"/>
             <a:ext cx="1024639" cy="523220"/>
           </a:xfrm>
           <a:prstGeom prst="rect">
@@ -6648,7 +7198,7 @@
         </p:nvSpPr>
         <p:spPr>
           <a:xfrm>
-            <a:off x="1699082" y="1470704"/>
+            <a:off x="1579814" y="1470704"/>
             <a:ext cx="1082348" cy="830997"/>
           </a:xfrm>
           <a:prstGeom prst="rect">
@@ -6706,7 +7256,7 @@
         </p:nvSpPr>
         <p:spPr>
           <a:xfrm>
-            <a:off x="1699082" y="2690336"/>
+            <a:off x="1579814" y="2690336"/>
             <a:ext cx="1991251" cy="830997"/>
           </a:xfrm>
           <a:prstGeom prst="rect">
@@ -6778,7 +7328,7 @@
         </p:nvSpPr>
         <p:spPr>
           <a:xfrm>
-            <a:off x="1699082" y="3913041"/>
+            <a:off x="1579814" y="3913041"/>
             <a:ext cx="1192954" cy="830997"/>
           </a:xfrm>
           <a:prstGeom prst="rect">
@@ -6846,8 +7396,8 @@
         </p:nvSpPr>
         <p:spPr>
           <a:xfrm>
-            <a:off x="2430052" y="5151976"/>
-            <a:ext cx="1260281" cy="523220"/>
+            <a:off x="1557729" y="5090418"/>
+            <a:ext cx="1236236" cy="646331"/>
           </a:xfrm>
           <a:prstGeom prst="rect">
             <a:avLst/>
@@ -6865,17 +7415,31 @@
           </a:bodyPr>
           <a:lstStyle/>
           <a:p>
-            <a:r>
-              <a:rPr lang="en-US" altLang="zh-CN" sz="2800" dirty="0" err="1">
+            <a:pPr algn="ctr"/>
+            <a:r>
+              <a:rPr lang="en-US" altLang="zh-CN" dirty="0">
                 <a:solidFill>
                   <a:srgbClr val="FF0000"/>
                 </a:solidFill>
                 <a:latin typeface="Times New Roman" panose="02020603050405020304" pitchFamily="18" charset="0"/>
                 <a:cs typeface="Times New Roman" panose="02020603050405020304" pitchFamily="18" charset="0"/>
               </a:rPr>
-              <a:t>mRMR</a:t>
-            </a:r>
-            <a:endParaRPr lang="zh-CN" altLang="en-US" sz="2800" dirty="0">
+              <a:t>Correlation</a:t>
+            </a:r>
+          </a:p>
+          <a:p>
+            <a:pPr algn="ctr"/>
+            <a:r>
+              <a:rPr lang="en-US" altLang="zh-CN" dirty="0">
+                <a:solidFill>
+                  <a:srgbClr val="FF0000"/>
+                </a:solidFill>
+                <a:latin typeface="Times New Roman" panose="02020603050405020304" pitchFamily="18" charset="0"/>
+                <a:cs typeface="Times New Roman" panose="02020603050405020304" pitchFamily="18" charset="0"/>
+              </a:rPr>
+              <a:t>Analysis</a:t>
+            </a:r>
+            <a:endParaRPr lang="zh-CN" altLang="en-US" dirty="0">
               <a:solidFill>
                 <a:srgbClr val="FF0000"/>
               </a:solidFill>
@@ -6895,18 +7459,21 @@
             </a:extLst>
           </p:cNvPr>
           <p:cNvCxnSpPr>
+            <a:cxnSpLocks/>
             <a:stCxn id="5" idx="2"/>
-            <a:endCxn id="11" idx="1"/>
+            <a:endCxn id="11" idx="0"/>
           </p:cNvCxnSpPr>
           <p:nvPr/>
         </p:nvCxnSpPr>
         <p:spPr>
-          <a:xfrm rot="16200000" flipH="1">
-            <a:off x="2028031" y="5011565"/>
-            <a:ext cx="669548" cy="134493"/>
-          </a:xfrm>
-          <a:prstGeom prst="bentConnector2">
-            <a:avLst/>
+          <a:xfrm rot="5400000">
+            <a:off x="2002879" y="4917006"/>
+            <a:ext cx="346380" cy="444"/>
+          </a:xfrm>
+          <a:prstGeom prst="bentConnector3">
+            <a:avLst>
+              <a:gd name="adj1" fmla="val 50000"/>
+            </a:avLst>
           </a:prstGeom>
           <a:ln>
             <a:tailEnd type="triangle"/>
@@ -6941,7 +7508,7 @@
         </p:nvSpPr>
         <p:spPr>
           <a:xfrm>
-            <a:off x="4111364" y="4998087"/>
+            <a:off x="4349900" y="4998087"/>
             <a:ext cx="803425" cy="830997"/>
           </a:xfrm>
           <a:prstGeom prst="rect">
@@ -7003,7 +7570,7 @@
         </p:nvSpPr>
         <p:spPr>
           <a:xfrm>
-            <a:off x="5101232" y="4998087"/>
+            <a:off x="5339768" y="4998087"/>
             <a:ext cx="803425" cy="830997"/>
           </a:xfrm>
           <a:prstGeom prst="rect">
@@ -7065,7 +7632,7 @@
         </p:nvSpPr>
         <p:spPr>
           <a:xfrm>
-            <a:off x="7080968" y="4998086"/>
+            <a:off x="7319504" y="4998086"/>
             <a:ext cx="1124027" cy="830997"/>
           </a:xfrm>
           <a:prstGeom prst="rect">
@@ -7127,7 +7694,7 @@
         </p:nvSpPr>
         <p:spPr>
           <a:xfrm>
-            <a:off x="6091100" y="4998086"/>
+            <a:off x="6329636" y="4998086"/>
             <a:ext cx="803425" cy="830997"/>
           </a:xfrm>
           <a:prstGeom prst="rect">
@@ -7185,15 +7752,16 @@
             </a:extLst>
           </p:cNvPr>
           <p:cNvCxnSpPr>
-            <a:stCxn id="11" idx="3"/>
+            <a:cxnSpLocks/>
+            <a:stCxn id="6" idx="3"/>
             <a:endCxn id="19" idx="1"/>
           </p:cNvCxnSpPr>
           <p:nvPr/>
         </p:nvCxnSpPr>
         <p:spPr>
           <a:xfrm>
-            <a:off x="3690333" y="5413586"/>
-            <a:ext cx="421031" cy="0"/>
+            <a:off x="4193524" y="5413584"/>
+            <a:ext cx="156376" cy="2"/>
           </a:xfrm>
           <a:prstGeom prst="straightConnector1">
             <a:avLst/>
@@ -7459,8 +8027,8 @@
         </p:nvCxnSpPr>
         <p:spPr>
           <a:xfrm>
-            <a:off x="2781430" y="1886203"/>
-            <a:ext cx="1482629" cy="340289"/>
+            <a:off x="2662162" y="1886203"/>
+            <a:ext cx="1601897" cy="340289"/>
           </a:xfrm>
           <a:prstGeom prst="bentConnector3">
             <a:avLst/>
@@ -7501,8 +8069,8 @@
         </p:nvCxnSpPr>
         <p:spPr>
           <a:xfrm flipV="1">
-            <a:off x="3690333" y="2226492"/>
-            <a:ext cx="573726" cy="879343"/>
+            <a:off x="3571065" y="2226492"/>
+            <a:ext cx="692994" cy="879343"/>
           </a:xfrm>
           <a:prstGeom prst="bentConnector3">
             <a:avLst/>
@@ -7657,9 +8225,9 @@
           <p:nvPr/>
         </p:nvCxnSpPr>
         <p:spPr>
-          <a:xfrm rot="5400000" flipH="1" flipV="1">
-            <a:off x="4319568" y="4568528"/>
-            <a:ext cx="623069" cy="236051"/>
+          <a:xfrm rot="16200000" flipV="1">
+            <a:off x="4438837" y="4685310"/>
+            <a:ext cx="623069" cy="2485"/>
           </a:xfrm>
           <a:prstGeom prst="bentConnector3">
             <a:avLst/>
@@ -7701,8 +8269,8 @@
         </p:nvCxnSpPr>
         <p:spPr>
           <a:xfrm rot="16200000" flipV="1">
-            <a:off x="4814503" y="4309644"/>
-            <a:ext cx="623069" cy="753817"/>
+            <a:off x="4933771" y="4190376"/>
+            <a:ext cx="623069" cy="992353"/>
           </a:xfrm>
           <a:prstGeom prst="bentConnector3">
             <a:avLst>
@@ -7746,8 +8314,8 @@
         </p:nvCxnSpPr>
         <p:spPr>
           <a:xfrm rot="16200000" flipV="1">
-            <a:off x="5309437" y="3814709"/>
-            <a:ext cx="623068" cy="1743685"/>
+            <a:off x="5428705" y="3695441"/>
+            <a:ext cx="623068" cy="1982221"/>
           </a:xfrm>
           <a:prstGeom prst="bentConnector3">
             <a:avLst>
@@ -7791,8 +8359,8 @@
         </p:nvCxnSpPr>
         <p:spPr>
           <a:xfrm rot="16200000" flipV="1">
-            <a:off x="5884521" y="3239625"/>
-            <a:ext cx="623068" cy="2893854"/>
+            <a:off x="6003789" y="3120357"/>
+            <a:ext cx="623068" cy="3132390"/>
           </a:xfrm>
           <a:prstGeom prst="bentConnector3">
             <a:avLst>
@@ -8311,7 +8879,7 @@
         </p:nvCxnSpPr>
         <p:spPr>
           <a:xfrm flipV="1">
-            <a:off x="1351835" y="1886203"/>
+            <a:off x="1232567" y="1886203"/>
             <a:ext cx="347247" cy="1219631"/>
           </a:xfrm>
           <a:prstGeom prst="bentConnector3">
@@ -8354,7 +8922,7 @@
         </p:nvCxnSpPr>
         <p:spPr>
           <a:xfrm>
-            <a:off x="1351835" y="3105834"/>
+            <a:off x="1232567" y="3105834"/>
             <a:ext cx="347247" cy="1"/>
           </a:xfrm>
           <a:prstGeom prst="bentConnector3">
@@ -8399,13 +8967,109 @@
         </p:nvCxnSpPr>
         <p:spPr>
           <a:xfrm>
-            <a:off x="1351835" y="3105834"/>
+            <a:off x="1232567" y="3105834"/>
             <a:ext cx="347247" cy="1222706"/>
           </a:xfrm>
           <a:prstGeom prst="bentConnector3">
             <a:avLst>
               <a:gd name="adj1" fmla="val 50000"/>
             </a:avLst>
+          </a:prstGeom>
+          <a:ln>
+            <a:tailEnd type="triangle"/>
+          </a:ln>
+        </p:spPr>
+        <p:style>
+          <a:lnRef idx="1">
+            <a:schemeClr val="dk1"/>
+          </a:lnRef>
+          <a:fillRef idx="0">
+            <a:schemeClr val="dk1"/>
+          </a:fillRef>
+          <a:effectRef idx="0">
+            <a:schemeClr val="dk1"/>
+          </a:effectRef>
+          <a:fontRef idx="minor">
+            <a:schemeClr val="tx1"/>
+          </a:fontRef>
+        </p:style>
+      </p:cxnSp>
+      <p:sp>
+        <p:nvSpPr>
+          <p:cNvPr id="6" name="文本框 5">
+            <a:extLst>
+              <a:ext uri="{FF2B5EF4-FFF2-40B4-BE49-F238E27FC236}">
+                <a16:creationId xmlns:a16="http://schemas.microsoft.com/office/drawing/2014/main" id="{AC2391F9-F9D5-73AB-0E10-24F870355DE9}"/>
+              </a:ext>
+            </a:extLst>
+          </p:cNvPr>
+          <p:cNvSpPr txBox="1"/>
+          <p:nvPr/>
+        </p:nvSpPr>
+        <p:spPr>
+          <a:xfrm>
+            <a:off x="2933243" y="5151974"/>
+            <a:ext cx="1260281" cy="523220"/>
+          </a:xfrm>
+          <a:prstGeom prst="rect">
+            <a:avLst/>
+          </a:prstGeom>
+          <a:noFill/>
+          <a:ln>
+            <a:solidFill>
+              <a:schemeClr val="tx1"/>
+            </a:solidFill>
+          </a:ln>
+        </p:spPr>
+        <p:txBody>
+          <a:bodyPr wrap="none" rtlCol="0">
+            <a:spAutoFit/>
+          </a:bodyPr>
+          <a:lstStyle/>
+          <a:p>
+            <a:r>
+              <a:rPr lang="en-US" altLang="zh-CN" sz="2800" dirty="0" err="1">
+                <a:solidFill>
+                  <a:srgbClr val="FF0000"/>
+                </a:solidFill>
+                <a:latin typeface="Times New Roman" panose="02020603050405020304" pitchFamily="18" charset="0"/>
+                <a:cs typeface="Times New Roman" panose="02020603050405020304" pitchFamily="18" charset="0"/>
+              </a:rPr>
+              <a:t>mRMR</a:t>
+            </a:r>
+            <a:endParaRPr lang="zh-CN" altLang="en-US" sz="2800" dirty="0">
+              <a:solidFill>
+                <a:srgbClr val="FF0000"/>
+              </a:solidFill>
+              <a:latin typeface="Times New Roman" panose="02020603050405020304" pitchFamily="18" charset="0"/>
+              <a:cs typeface="Times New Roman" panose="02020603050405020304" pitchFamily="18" charset="0"/>
+            </a:endParaRPr>
+          </a:p>
+        </p:txBody>
+      </p:sp>
+      <p:cxnSp>
+        <p:nvCxnSpPr>
+          <p:cNvPr id="23" name="直接箭头连接符 22">
+            <a:extLst>
+              <a:ext uri="{FF2B5EF4-FFF2-40B4-BE49-F238E27FC236}">
+                <a16:creationId xmlns:a16="http://schemas.microsoft.com/office/drawing/2014/main" id="{6B2EF0F1-79A0-0CD0-9799-B23B8D4C9958}"/>
+              </a:ext>
+            </a:extLst>
+          </p:cNvPr>
+          <p:cNvCxnSpPr>
+            <a:cxnSpLocks/>
+            <a:stCxn id="11" idx="3"/>
+            <a:endCxn id="6" idx="1"/>
+          </p:cNvCxnSpPr>
+          <p:nvPr/>
+        </p:nvCxnSpPr>
+        <p:spPr>
+          <a:xfrm>
+            <a:off x="2793965" y="5413584"/>
+            <a:ext cx="139278" cy="0"/>
+          </a:xfrm>
+          <a:prstGeom prst="straightConnector1">
+            <a:avLst/>
           </a:prstGeom>
           <a:ln>
             <a:tailEnd type="triangle"/>
@@ -8439,587 +9103,6 @@
 </p:sld>
 </file>
 
-<file path=ppt/slides/slide10.xml><?xml version="1.0" encoding="utf-8"?>
-<p:sld xmlns:a="http://schemas.openxmlformats.org/drawingml/2006/main" xmlns:r="http://schemas.openxmlformats.org/officeDocument/2006/relationships" xmlns:p="http://schemas.openxmlformats.org/presentationml/2006/main">
-  <p:cSld>
-    <p:spTree>
-      <p:nvGrpSpPr>
-        <p:cNvPr id="1" name=""/>
-        <p:cNvGrpSpPr/>
-        <p:nvPr/>
-      </p:nvGrpSpPr>
-      <p:grpSpPr>
-        <a:xfrm>
-          <a:off x="0" y="0"/>
-          <a:ext cx="0" cy="0"/>
-          <a:chOff x="0" y="0"/>
-          <a:chExt cx="0" cy="0"/>
-        </a:xfrm>
-      </p:grpSpPr>
-      <p:sp>
-        <p:nvSpPr>
-          <p:cNvPr id="4" name="文本框 3">
-            <a:extLst>
-              <a:ext uri="{FF2B5EF4-FFF2-40B4-BE49-F238E27FC236}">
-                <a16:creationId xmlns:a16="http://schemas.microsoft.com/office/drawing/2014/main" id="{D0615F25-CF0E-0920-3A69-5ACB5F07D617}"/>
-              </a:ext>
-            </a:extLst>
-          </p:cNvPr>
-          <p:cNvSpPr txBox="1"/>
-          <p:nvPr/>
-        </p:nvSpPr>
-        <p:spPr>
-          <a:xfrm>
-            <a:off x="344555" y="212035"/>
-            <a:ext cx="9110827" cy="646331"/>
-          </a:xfrm>
-          <a:prstGeom prst="rect">
-            <a:avLst/>
-          </a:prstGeom>
-          <a:noFill/>
-        </p:spPr>
-        <p:txBody>
-          <a:bodyPr wrap="none" rtlCol="0">
-            <a:spAutoFit/>
-          </a:bodyPr>
-          <a:lstStyle/>
-          <a:p>
-            <a:r>
-              <a:rPr lang="en-US" altLang="zh-CN" sz="3600" b="1" dirty="0">
-                <a:latin typeface="Times New Roman" panose="02020603050405020304" pitchFamily="18" charset="0"/>
-                <a:cs typeface="Times New Roman" panose="02020603050405020304" pitchFamily="18" charset="0"/>
-              </a:rPr>
-              <a:t>Survey: Feature Extraction (texture features)</a:t>
-            </a:r>
-            <a:endParaRPr lang="zh-CN" altLang="en-US" sz="3600" b="1" dirty="0">
-              <a:latin typeface="Times New Roman" panose="02020603050405020304" pitchFamily="18" charset="0"/>
-              <a:cs typeface="Times New Roman" panose="02020603050405020304" pitchFamily="18" charset="0"/>
-            </a:endParaRPr>
-          </a:p>
-        </p:txBody>
-      </p:sp>
-      <p:pic>
-        <p:nvPicPr>
-          <p:cNvPr id="6" name="图片 5" descr="图示&#10;&#10;描述已自动生成">
-            <a:extLst>
-              <a:ext uri="{FF2B5EF4-FFF2-40B4-BE49-F238E27FC236}">
-                <a16:creationId xmlns:a16="http://schemas.microsoft.com/office/drawing/2014/main" id="{0EE9DD67-CF17-5460-A616-5E8A3EF2269B}"/>
-              </a:ext>
-            </a:extLst>
-          </p:cNvPr>
-          <p:cNvPicPr>
-            <a:picLocks noChangeAspect="1"/>
-          </p:cNvPicPr>
-          <p:nvPr/>
-        </p:nvPicPr>
-        <p:blipFill>
-          <a:blip r:embed="rId2">
-            <a:extLst>
-              <a:ext uri="{28A0092B-C50C-407E-A947-70E740481C1C}">
-                <a14:useLocalDpi xmlns:a14="http://schemas.microsoft.com/office/drawing/2010/main" val="0"/>
-              </a:ext>
-            </a:extLst>
-          </a:blip>
-          <a:stretch>
-            <a:fillRect/>
-          </a:stretch>
-        </p:blipFill>
-        <p:spPr>
-          <a:xfrm>
-            <a:off x="898581" y="1555803"/>
-            <a:ext cx="10394837" cy="4361293"/>
-          </a:xfrm>
-          <a:prstGeom prst="rect">
-            <a:avLst/>
-          </a:prstGeom>
-        </p:spPr>
-      </p:pic>
-    </p:spTree>
-    <p:extLst>
-      <p:ext uri="{BB962C8B-B14F-4D97-AF65-F5344CB8AC3E}">
-        <p14:creationId xmlns:p14="http://schemas.microsoft.com/office/powerpoint/2010/main" val="2976536119"/>
-      </p:ext>
-    </p:extLst>
-  </p:cSld>
-  <p:clrMapOvr>
-    <a:masterClrMapping/>
-  </p:clrMapOvr>
-</p:sld>
-</file>
-
-<file path=ppt/slides/slide11.xml><?xml version="1.0" encoding="utf-8"?>
-<p:sld xmlns:a="http://schemas.openxmlformats.org/drawingml/2006/main" xmlns:r="http://schemas.openxmlformats.org/officeDocument/2006/relationships" xmlns:p="http://schemas.openxmlformats.org/presentationml/2006/main">
-  <p:cSld>
-    <p:spTree>
-      <p:nvGrpSpPr>
-        <p:cNvPr id="1" name=""/>
-        <p:cNvGrpSpPr/>
-        <p:nvPr/>
-      </p:nvGrpSpPr>
-      <p:grpSpPr>
-        <a:xfrm>
-          <a:off x="0" y="0"/>
-          <a:ext cx="0" cy="0"/>
-          <a:chOff x="0" y="0"/>
-          <a:chExt cx="0" cy="0"/>
-        </a:xfrm>
-      </p:grpSpPr>
-      <p:sp>
-        <p:nvSpPr>
-          <p:cNvPr id="4" name="文本框 3">
-            <a:extLst>
-              <a:ext uri="{FF2B5EF4-FFF2-40B4-BE49-F238E27FC236}">
-                <a16:creationId xmlns:a16="http://schemas.microsoft.com/office/drawing/2014/main" id="{D0615F25-CF0E-0920-3A69-5ACB5F07D617}"/>
-              </a:ext>
-            </a:extLst>
-          </p:cNvPr>
-          <p:cNvSpPr txBox="1"/>
-          <p:nvPr/>
-        </p:nvSpPr>
-        <p:spPr>
-          <a:xfrm>
-            <a:off x="344555" y="212035"/>
-            <a:ext cx="9110827" cy="646331"/>
-          </a:xfrm>
-          <a:prstGeom prst="rect">
-            <a:avLst/>
-          </a:prstGeom>
-          <a:noFill/>
-        </p:spPr>
-        <p:txBody>
-          <a:bodyPr wrap="none" rtlCol="0">
-            <a:spAutoFit/>
-          </a:bodyPr>
-          <a:lstStyle/>
-          <a:p>
-            <a:r>
-              <a:rPr lang="en-US" altLang="zh-CN" sz="3600" b="1" dirty="0">
-                <a:latin typeface="Times New Roman" panose="02020603050405020304" pitchFamily="18" charset="0"/>
-                <a:cs typeface="Times New Roman" panose="02020603050405020304" pitchFamily="18" charset="0"/>
-              </a:rPr>
-              <a:t>Survey: Feature Extraction (texture features)</a:t>
-            </a:r>
-            <a:endParaRPr lang="zh-CN" altLang="en-US" sz="3600" b="1" dirty="0">
-              <a:latin typeface="Times New Roman" panose="02020603050405020304" pitchFamily="18" charset="0"/>
-              <a:cs typeface="Times New Roman" panose="02020603050405020304" pitchFamily="18" charset="0"/>
-            </a:endParaRPr>
-          </a:p>
-        </p:txBody>
-      </p:sp>
-      <p:sp>
-        <p:nvSpPr>
-          <p:cNvPr id="2" name="文本框 1">
-            <a:extLst>
-              <a:ext uri="{FF2B5EF4-FFF2-40B4-BE49-F238E27FC236}">
-                <a16:creationId xmlns:a16="http://schemas.microsoft.com/office/drawing/2014/main" id="{1D47101D-764A-FE93-7FE2-B50EF656E9E6}"/>
-              </a:ext>
-            </a:extLst>
-          </p:cNvPr>
-          <p:cNvSpPr txBox="1"/>
-          <p:nvPr/>
-        </p:nvSpPr>
-        <p:spPr>
-          <a:xfrm>
-            <a:off x="641414" y="1094736"/>
-            <a:ext cx="11013873" cy="5324535"/>
-          </a:xfrm>
-          <a:prstGeom prst="rect">
-            <a:avLst/>
-          </a:prstGeom>
-          <a:noFill/>
-        </p:spPr>
-        <p:txBody>
-          <a:bodyPr wrap="square" rtlCol="0">
-            <a:spAutoFit/>
-          </a:bodyPr>
-          <a:lstStyle/>
-          <a:p>
-            <a:r>
-              <a:rPr lang="en-US" altLang="zh-CN" sz="2800" dirty="0">
-                <a:latin typeface="Times New Roman" panose="02020603050405020304" pitchFamily="18" charset="0"/>
-                <a:cs typeface="Times New Roman" panose="02020603050405020304" pitchFamily="18" charset="0"/>
-              </a:rPr>
-              <a:t>Texture features extracted by </a:t>
-            </a:r>
-            <a:r>
-              <a:rPr lang="en-US" altLang="zh-CN" sz="2800" dirty="0" err="1">
-                <a:latin typeface="Times New Roman" panose="02020603050405020304" pitchFamily="18" charset="0"/>
-                <a:cs typeface="Times New Roman" panose="02020603050405020304" pitchFamily="18" charset="0"/>
-              </a:rPr>
-              <a:t>PyRadiomics</a:t>
-            </a:r>
-            <a:endParaRPr lang="en-US" altLang="zh-CN" sz="2800" dirty="0">
-              <a:latin typeface="Times New Roman" panose="02020603050405020304" pitchFamily="18" charset="0"/>
-              <a:cs typeface="Times New Roman" panose="02020603050405020304" pitchFamily="18" charset="0"/>
-            </a:endParaRPr>
-          </a:p>
-          <a:p>
-            <a:pPr marL="742950" indent="-742950">
-              <a:buAutoNum type="arabicPeriod"/>
-            </a:pPr>
-            <a:r>
-              <a:rPr lang="en-US" altLang="zh-CN" sz="2400" dirty="0">
-                <a:solidFill>
-                  <a:srgbClr val="FF0000"/>
-                </a:solidFill>
-                <a:latin typeface="Times New Roman" panose="02020603050405020304" pitchFamily="18" charset="0"/>
-                <a:cs typeface="Times New Roman" panose="02020603050405020304" pitchFamily="18" charset="0"/>
-              </a:rPr>
-              <a:t>First-order</a:t>
-            </a:r>
-            <a:r>
-              <a:rPr lang="en-US" altLang="zh-CN" sz="2400" dirty="0">
-                <a:latin typeface="Times New Roman" panose="02020603050405020304" pitchFamily="18" charset="0"/>
-                <a:cs typeface="Times New Roman" panose="02020603050405020304" pitchFamily="18" charset="0"/>
-              </a:rPr>
-              <a:t>: Statistical</a:t>
-            </a:r>
-          </a:p>
-          <a:p>
-            <a:pPr lvl="1"/>
-            <a:r>
-              <a:rPr lang="en-US" altLang="zh-CN" sz="2400" dirty="0">
-                <a:latin typeface="Times New Roman" panose="02020603050405020304" pitchFamily="18" charset="0"/>
-                <a:cs typeface="Times New Roman" panose="02020603050405020304" pitchFamily="18" charset="0"/>
-              </a:rPr>
-              <a:t>	avg, variance, kurtosis, skewness, energy …</a:t>
-            </a:r>
-          </a:p>
-          <a:p>
-            <a:pPr marL="742950" indent="-742950">
-              <a:buAutoNum type="arabicPeriod"/>
-            </a:pPr>
-            <a:r>
-              <a:rPr lang="en-US" altLang="zh-CN" sz="2400" dirty="0">
-                <a:solidFill>
-                  <a:srgbClr val="FF0000"/>
-                </a:solidFill>
-                <a:latin typeface="Times New Roman" panose="02020603050405020304" pitchFamily="18" charset="0"/>
-                <a:cs typeface="Times New Roman" panose="02020603050405020304" pitchFamily="18" charset="0"/>
-              </a:rPr>
-              <a:t>Shape</a:t>
-            </a:r>
-            <a:r>
-              <a:rPr lang="en-US" altLang="zh-CN" sz="2400" dirty="0">
-                <a:latin typeface="Times New Roman" panose="02020603050405020304" pitchFamily="18" charset="0"/>
-                <a:cs typeface="Times New Roman" panose="02020603050405020304" pitchFamily="18" charset="0"/>
-              </a:rPr>
-              <a:t>:</a:t>
-            </a:r>
-          </a:p>
-          <a:p>
-            <a:pPr lvl="1"/>
-            <a:r>
-              <a:rPr lang="en-US" altLang="zh-CN" sz="2400" dirty="0">
-                <a:latin typeface="Times New Roman" panose="02020603050405020304" pitchFamily="18" charset="0"/>
-                <a:cs typeface="Times New Roman" panose="02020603050405020304" pitchFamily="18" charset="0"/>
-              </a:rPr>
-              <a:t>	Not used due to registration (all ROIs have the same shape)</a:t>
-            </a:r>
-          </a:p>
-          <a:p>
-            <a:pPr marL="742950" indent="-742950">
-              <a:buAutoNum type="arabicPeriod"/>
-            </a:pPr>
-            <a:r>
-              <a:rPr lang="en-US" altLang="zh-CN" sz="2400" dirty="0">
-                <a:solidFill>
-                  <a:srgbClr val="FF0000"/>
-                </a:solidFill>
-                <a:latin typeface="Times New Roman" panose="02020603050405020304" pitchFamily="18" charset="0"/>
-                <a:cs typeface="Times New Roman" panose="02020603050405020304" pitchFamily="18" charset="0"/>
-              </a:rPr>
-              <a:t>GLCM</a:t>
-            </a:r>
-            <a:r>
-              <a:rPr lang="en-US" altLang="zh-CN" sz="2400" dirty="0">
-                <a:latin typeface="Times New Roman" panose="02020603050405020304" pitchFamily="18" charset="0"/>
-                <a:cs typeface="Times New Roman" panose="02020603050405020304" pitchFamily="18" charset="0"/>
-              </a:rPr>
-              <a:t>: Gray Level Co-occurrence Matrix</a:t>
-            </a:r>
-          </a:p>
-          <a:p>
-            <a:pPr lvl="1"/>
-            <a:r>
-              <a:rPr lang="en-US" altLang="zh-CN" sz="2400" dirty="0">
-                <a:latin typeface="Times New Roman" panose="02020603050405020304" pitchFamily="18" charset="0"/>
-                <a:cs typeface="Times New Roman" panose="02020603050405020304" pitchFamily="18" charset="0"/>
-              </a:rPr>
-              <a:t>	The distribution of co-occurring pixel values at a given offset</a:t>
-            </a:r>
-          </a:p>
-          <a:p>
-            <a:pPr marL="742950" indent="-742950">
-              <a:buAutoNum type="arabicPeriod"/>
-            </a:pPr>
-            <a:r>
-              <a:rPr lang="en-US" altLang="zh-CN" sz="2400" dirty="0">
-                <a:solidFill>
-                  <a:srgbClr val="FF0000"/>
-                </a:solidFill>
-                <a:latin typeface="Times New Roman" panose="02020603050405020304" pitchFamily="18" charset="0"/>
-                <a:cs typeface="Times New Roman" panose="02020603050405020304" pitchFamily="18" charset="0"/>
-              </a:rPr>
-              <a:t>GLRLM</a:t>
-            </a:r>
-            <a:r>
-              <a:rPr lang="en-US" altLang="zh-CN" sz="2400" dirty="0">
-                <a:latin typeface="Times New Roman" panose="02020603050405020304" pitchFamily="18" charset="0"/>
-                <a:cs typeface="Times New Roman" panose="02020603050405020304" pitchFamily="18" charset="0"/>
-              </a:rPr>
-              <a:t>: Gray Level Run Length Matrix</a:t>
-            </a:r>
-          </a:p>
-          <a:p>
-            <a:pPr lvl="1"/>
-            <a:r>
-              <a:rPr lang="en-US" altLang="zh-CN" sz="2400" dirty="0">
-                <a:latin typeface="Times New Roman" panose="02020603050405020304" pitchFamily="18" charset="0"/>
-                <a:cs typeface="Times New Roman" panose="02020603050405020304" pitchFamily="18" charset="0"/>
-              </a:rPr>
-              <a:t>	A line of pixels in a certain direction with the same intensity value</a:t>
-            </a:r>
-          </a:p>
-          <a:p>
-            <a:pPr marL="742950" indent="-742950">
-              <a:buAutoNum type="arabicPeriod"/>
-            </a:pPr>
-            <a:r>
-              <a:rPr lang="en-US" altLang="zh-CN" sz="2400" dirty="0">
-                <a:solidFill>
-                  <a:srgbClr val="FF0000"/>
-                </a:solidFill>
-                <a:latin typeface="Times New Roman" panose="02020603050405020304" pitchFamily="18" charset="0"/>
-                <a:cs typeface="Times New Roman" panose="02020603050405020304" pitchFamily="18" charset="0"/>
-              </a:rPr>
-              <a:t>GLSZM</a:t>
-            </a:r>
-            <a:r>
-              <a:rPr lang="en-US" altLang="zh-CN" sz="2400" dirty="0">
-                <a:latin typeface="Times New Roman" panose="02020603050405020304" pitchFamily="18" charset="0"/>
-                <a:cs typeface="Times New Roman" panose="02020603050405020304" pitchFamily="18" charset="0"/>
-              </a:rPr>
-              <a:t>: Gray Level Size Zone Matrix</a:t>
-            </a:r>
-          </a:p>
-          <a:p>
-            <a:pPr lvl="1"/>
-            <a:r>
-              <a:rPr lang="en-US" altLang="zh-CN" sz="2400" dirty="0">
-                <a:latin typeface="Times New Roman" panose="02020603050405020304" pitchFamily="18" charset="0"/>
-                <a:cs typeface="Times New Roman" panose="02020603050405020304" pitchFamily="18" charset="0"/>
-              </a:rPr>
-              <a:t>	The number of connected voxels that share the same gray level intensity</a:t>
-            </a:r>
-          </a:p>
-          <a:p>
-            <a:pPr marL="742950" indent="-742950">
-              <a:buAutoNum type="arabicPeriod"/>
-            </a:pPr>
-            <a:r>
-              <a:rPr lang="en-US" altLang="zh-CN" sz="2400" dirty="0">
-                <a:solidFill>
-                  <a:srgbClr val="FF0000"/>
-                </a:solidFill>
-                <a:latin typeface="Times New Roman" panose="02020603050405020304" pitchFamily="18" charset="0"/>
-                <a:cs typeface="Times New Roman" panose="02020603050405020304" pitchFamily="18" charset="0"/>
-              </a:rPr>
-              <a:t>GLDM</a:t>
-            </a:r>
-            <a:r>
-              <a:rPr lang="en-US" altLang="zh-CN" sz="2400" dirty="0">
-                <a:latin typeface="Times New Roman" panose="02020603050405020304" pitchFamily="18" charset="0"/>
-                <a:cs typeface="Times New Roman" panose="02020603050405020304" pitchFamily="18" charset="0"/>
-              </a:rPr>
-              <a:t>: Gray Level Dependence Matrix</a:t>
-            </a:r>
-          </a:p>
-          <a:p>
-            <a:pPr lvl="1"/>
-            <a:r>
-              <a:rPr lang="en-US" altLang="zh-CN" sz="2400" dirty="0">
-                <a:latin typeface="Times New Roman" panose="02020603050405020304" pitchFamily="18" charset="0"/>
-                <a:cs typeface="Times New Roman" panose="02020603050405020304" pitchFamily="18" charset="0"/>
-              </a:rPr>
-              <a:t>	The number of connected voxels within distance that are dependent on the center 	voxel</a:t>
-            </a:r>
-          </a:p>
-        </p:txBody>
-      </p:sp>
-    </p:spTree>
-    <p:extLst>
-      <p:ext uri="{BB962C8B-B14F-4D97-AF65-F5344CB8AC3E}">
-        <p14:creationId xmlns:p14="http://schemas.microsoft.com/office/powerpoint/2010/main" val="943650723"/>
-      </p:ext>
-    </p:extLst>
-  </p:cSld>
-  <p:clrMapOvr>
-    <a:masterClrMapping/>
-  </p:clrMapOvr>
-</p:sld>
-</file>
-
-<file path=ppt/slides/slide12.xml><?xml version="1.0" encoding="utf-8"?>
-<p:sld xmlns:a="http://schemas.openxmlformats.org/drawingml/2006/main" xmlns:r="http://schemas.openxmlformats.org/officeDocument/2006/relationships" xmlns:p="http://schemas.openxmlformats.org/presentationml/2006/main">
-  <p:cSld>
-    <p:spTree>
-      <p:nvGrpSpPr>
-        <p:cNvPr id="1" name=""/>
-        <p:cNvGrpSpPr/>
-        <p:nvPr/>
-      </p:nvGrpSpPr>
-      <p:grpSpPr>
-        <a:xfrm>
-          <a:off x="0" y="0"/>
-          <a:ext cx="0" cy="0"/>
-          <a:chOff x="0" y="0"/>
-          <a:chExt cx="0" cy="0"/>
-        </a:xfrm>
-      </p:grpSpPr>
-      <p:sp>
-        <p:nvSpPr>
-          <p:cNvPr id="4" name="文本框 3">
-            <a:extLst>
-              <a:ext uri="{FF2B5EF4-FFF2-40B4-BE49-F238E27FC236}">
-                <a16:creationId xmlns:a16="http://schemas.microsoft.com/office/drawing/2014/main" id="{D0615F25-CF0E-0920-3A69-5ACB5F07D617}"/>
-              </a:ext>
-            </a:extLst>
-          </p:cNvPr>
-          <p:cNvSpPr txBox="1"/>
-          <p:nvPr/>
-        </p:nvSpPr>
-        <p:spPr>
-          <a:xfrm>
-            <a:off x="344555" y="212035"/>
-            <a:ext cx="8101577" cy="646331"/>
-          </a:xfrm>
-          <a:prstGeom prst="rect">
-            <a:avLst/>
-          </a:prstGeom>
-          <a:noFill/>
-        </p:spPr>
-        <p:txBody>
-          <a:bodyPr wrap="none" rtlCol="0">
-            <a:spAutoFit/>
-          </a:bodyPr>
-          <a:lstStyle/>
-          <a:p>
-            <a:r>
-              <a:rPr lang="en-US" altLang="zh-CN" sz="3600" b="1" dirty="0">
-                <a:latin typeface="Times New Roman" panose="02020603050405020304" pitchFamily="18" charset="0"/>
-                <a:cs typeface="Times New Roman" panose="02020603050405020304" pitchFamily="18" charset="0"/>
-              </a:rPr>
-              <a:t>Survey: Feature Extraction (raw voxels)</a:t>
-            </a:r>
-            <a:endParaRPr lang="zh-CN" altLang="en-US" sz="3600" b="1" dirty="0">
-              <a:latin typeface="Times New Roman" panose="02020603050405020304" pitchFamily="18" charset="0"/>
-              <a:cs typeface="Times New Roman" panose="02020603050405020304" pitchFamily="18" charset="0"/>
-            </a:endParaRPr>
-          </a:p>
-        </p:txBody>
-      </p:sp>
-      <p:sp>
-        <p:nvSpPr>
-          <p:cNvPr id="2" name="文本框 1">
-            <a:extLst>
-              <a:ext uri="{FF2B5EF4-FFF2-40B4-BE49-F238E27FC236}">
-                <a16:creationId xmlns:a16="http://schemas.microsoft.com/office/drawing/2014/main" id="{86E6C079-FF0D-5788-1C3B-4B5E6AADF5B1}"/>
-              </a:ext>
-            </a:extLst>
-          </p:cNvPr>
-          <p:cNvSpPr txBox="1"/>
-          <p:nvPr/>
-        </p:nvSpPr>
-        <p:spPr>
-          <a:xfrm>
-            <a:off x="659192" y="1066838"/>
-            <a:ext cx="1245912" cy="830997"/>
-          </a:xfrm>
-          <a:prstGeom prst="rect">
-            <a:avLst/>
-          </a:prstGeom>
-          <a:noFill/>
-        </p:spPr>
-        <p:txBody>
-          <a:bodyPr wrap="square" rtlCol="0">
-            <a:spAutoFit/>
-          </a:bodyPr>
-          <a:lstStyle/>
-          <a:p>
-            <a:r>
-              <a:rPr lang="en-US" altLang="zh-CN" sz="2400" dirty="0">
-                <a:solidFill>
-                  <a:schemeClr val="bg1">
-                    <a:lumMod val="65000"/>
-                  </a:schemeClr>
-                </a:solidFill>
-                <a:latin typeface="Times New Roman" panose="02020603050405020304" pitchFamily="18" charset="0"/>
-                <a:cs typeface="Times New Roman" panose="02020603050405020304" pitchFamily="18" charset="0"/>
-              </a:rPr>
-              <a:t>PCA</a:t>
-            </a:r>
-          </a:p>
-          <a:p>
-            <a:r>
-              <a:rPr lang="en-US" altLang="zh-CN" sz="2400" dirty="0">
-                <a:latin typeface="Times New Roman" panose="02020603050405020304" pitchFamily="18" charset="0"/>
-                <a:cs typeface="Times New Roman" panose="02020603050405020304" pitchFamily="18" charset="0"/>
-              </a:rPr>
-              <a:t>ICA</a:t>
-            </a:r>
-          </a:p>
-        </p:txBody>
-      </p:sp>
-      <p:pic>
-        <p:nvPicPr>
-          <p:cNvPr id="3" name="图片 2">
-            <a:extLst>
-              <a:ext uri="{FF2B5EF4-FFF2-40B4-BE49-F238E27FC236}">
-                <a16:creationId xmlns:a16="http://schemas.microsoft.com/office/drawing/2014/main" id="{D3714938-6A41-5890-A45F-55E809E269B1}"/>
-              </a:ext>
-            </a:extLst>
-          </p:cNvPr>
-          <p:cNvPicPr>
-            <a:picLocks noChangeAspect="1"/>
-          </p:cNvPicPr>
-          <p:nvPr/>
-        </p:nvPicPr>
-        <p:blipFill>
-          <a:blip r:embed="rId2">
-            <a:extLst>
-              <a:ext uri="{28A0092B-C50C-407E-A947-70E740481C1C}">
-                <a14:useLocalDpi xmlns:a14="http://schemas.microsoft.com/office/drawing/2010/main" val="0"/>
-              </a:ext>
-            </a:extLst>
-          </a:blip>
-          <a:stretch>
-            <a:fillRect/>
-          </a:stretch>
-        </p:blipFill>
-        <p:spPr>
-          <a:xfrm>
-            <a:off x="2219740" y="858366"/>
-            <a:ext cx="9014640" cy="5719950"/>
-          </a:xfrm>
-          <a:prstGeom prst="rect">
-            <a:avLst/>
-          </a:prstGeom>
-        </p:spPr>
-      </p:pic>
-    </p:spTree>
-    <p:extLst>
-      <p:ext uri="{BB962C8B-B14F-4D97-AF65-F5344CB8AC3E}">
-        <p14:creationId xmlns:p14="http://schemas.microsoft.com/office/powerpoint/2010/main" val="1412007093"/>
-      </p:ext>
-    </p:extLst>
-  </p:cSld>
-  <p:clrMapOvr>
-    <a:masterClrMapping/>
-  </p:clrMapOvr>
-</p:sld>
-</file>
-
 <file path=ppt/slides/slide13.xml><?xml version="1.0" encoding="utf-8"?>
 <p:sld xmlns:a="http://schemas.openxmlformats.org/drawingml/2006/main" xmlns:r="http://schemas.openxmlformats.org/officeDocument/2006/relationships" xmlns:p="http://schemas.openxmlformats.org/presentationml/2006/main">
   <p:cSld>
@@ -9052,7 +9135,7 @@
         <p:spPr>
           <a:xfrm>
             <a:off x="344555" y="212035"/>
-            <a:ext cx="5254644" cy="646331"/>
+            <a:ext cx="10256397" cy="646331"/>
           </a:xfrm>
           <a:prstGeom prst="rect">
             <a:avLst/>
@@ -9070,7 +9153,7 @@
                 <a:latin typeface="Times New Roman" panose="02020603050405020304" pitchFamily="18" charset="0"/>
                 <a:cs typeface="Times New Roman" panose="02020603050405020304" pitchFamily="18" charset="0"/>
               </a:rPr>
-              <a:t>Survey: Feature Selection</a:t>
+              <a:t>Radiomic Features: Pearson’s Correlation Analysis</a:t>
             </a:r>
             <a:endParaRPr lang="zh-CN" altLang="en-US" sz="3600" b="1" dirty="0">
               <a:latin typeface="Times New Roman" panose="02020603050405020304" pitchFamily="18" charset="0"/>
@@ -9079,12 +9162,72 @@
           </a:p>
         </p:txBody>
       </p:sp>
-      <p:sp>
-        <p:nvSpPr>
-          <p:cNvPr id="3" name="文本框 2">
-            <a:extLst>
-              <a:ext uri="{FF2B5EF4-FFF2-40B4-BE49-F238E27FC236}">
-                <a16:creationId xmlns:a16="http://schemas.microsoft.com/office/drawing/2014/main" id="{25EFD457-4A1B-E272-4D21-7E89964A9C51}"/>
+      <p:pic>
+        <p:nvPicPr>
+          <p:cNvPr id="7" name="图片 6">
+            <a:extLst>
+              <a:ext uri="{FF2B5EF4-FFF2-40B4-BE49-F238E27FC236}">
+                <a16:creationId xmlns:a16="http://schemas.microsoft.com/office/drawing/2014/main" id="{7CE05060-3B31-C4F7-A0AA-FB607D120CAD}"/>
+              </a:ext>
+            </a:extLst>
+          </p:cNvPr>
+          <p:cNvPicPr>
+            <a:picLocks noChangeAspect="1"/>
+          </p:cNvPicPr>
+          <p:nvPr/>
+        </p:nvPicPr>
+        <p:blipFill>
+          <a:blip r:embed="rId2"/>
+          <a:stretch>
+            <a:fillRect/>
+          </a:stretch>
+        </p:blipFill>
+        <p:spPr>
+          <a:xfrm>
+            <a:off x="212036" y="2171073"/>
+            <a:ext cx="6660029" cy="3924924"/>
+          </a:xfrm>
+          <a:prstGeom prst="rect">
+            <a:avLst/>
+          </a:prstGeom>
+        </p:spPr>
+      </p:pic>
+      <p:pic>
+        <p:nvPicPr>
+          <p:cNvPr id="9" name="图片 8">
+            <a:extLst>
+              <a:ext uri="{FF2B5EF4-FFF2-40B4-BE49-F238E27FC236}">
+                <a16:creationId xmlns:a16="http://schemas.microsoft.com/office/drawing/2014/main" id="{AA46E244-FDAB-2FC9-DFF2-374AEBB355CC}"/>
+              </a:ext>
+            </a:extLst>
+          </p:cNvPr>
+          <p:cNvPicPr>
+            <a:picLocks noChangeAspect="1"/>
+          </p:cNvPicPr>
+          <p:nvPr/>
+        </p:nvPicPr>
+        <p:blipFill>
+          <a:blip r:embed="rId3"/>
+          <a:stretch>
+            <a:fillRect/>
+          </a:stretch>
+        </p:blipFill>
+        <p:spPr>
+          <a:xfrm>
+            <a:off x="7209183" y="2171073"/>
+            <a:ext cx="4440291" cy="3922257"/>
+          </a:xfrm>
+          <a:prstGeom prst="rect">
+            <a:avLst/>
+          </a:prstGeom>
+        </p:spPr>
+      </p:pic>
+      <p:sp>
+        <p:nvSpPr>
+          <p:cNvPr id="17" name="文本框 16">
+            <a:extLst>
+              <a:ext uri="{FF2B5EF4-FFF2-40B4-BE49-F238E27FC236}">
+                <a16:creationId xmlns:a16="http://schemas.microsoft.com/office/drawing/2014/main" id="{078A3136-D849-4F29-DF1B-6F2E2D47CC19}"/>
               </a:ext>
             </a:extLst>
           </p:cNvPr>
@@ -9093,139 +9236,86 @@
         </p:nvSpPr>
         <p:spPr>
           <a:xfrm>
-            <a:off x="966092" y="1803724"/>
-            <a:ext cx="10443125" cy="3416320"/>
+            <a:off x="3091964" y="1400803"/>
+            <a:ext cx="1063112" cy="523220"/>
           </a:xfrm>
           <a:prstGeom prst="rect">
             <a:avLst/>
           </a:prstGeom>
           <a:noFill/>
-        </p:spPr>
-        <p:txBody>
-          <a:bodyPr wrap="square" rtlCol="0">
+          <a:ln>
+            <a:noFill/>
+          </a:ln>
+        </p:spPr>
+        <p:txBody>
+          <a:bodyPr wrap="none" rtlCol="0">
             <a:spAutoFit/>
           </a:bodyPr>
           <a:lstStyle/>
           <a:p>
-            <a:pPr marL="742950" indent="-742950">
-              <a:buAutoNum type="arabicPeriod"/>
-            </a:pPr>
-            <a:r>
-              <a:rPr lang="en-US" altLang="zh-CN" sz="3600" dirty="0">
-                <a:latin typeface="Times New Roman" panose="02020603050405020304" pitchFamily="18" charset="0"/>
-                <a:cs typeface="Times New Roman" panose="02020603050405020304" pitchFamily="18" charset="0"/>
-              </a:rPr>
-              <a:t>Data-driven methods</a:t>
-            </a:r>
-          </a:p>
-          <a:p>
-            <a:pPr lvl="1"/>
-            <a:r>
-              <a:rPr lang="en-US" altLang="zh-CN" sz="3600" dirty="0">
-                <a:latin typeface="Times New Roman" panose="02020603050405020304" pitchFamily="18" charset="0"/>
-                <a:cs typeface="Times New Roman" panose="02020603050405020304" pitchFamily="18" charset="0"/>
-              </a:rPr>
-              <a:t>	</a:t>
-            </a:r>
-            <a:r>
-              <a:rPr lang="en-US" altLang="zh-CN" sz="3600" dirty="0" err="1">
-                <a:solidFill>
-                  <a:srgbClr val="FF0000"/>
-                </a:solidFill>
-                <a:latin typeface="Times New Roman" panose="02020603050405020304" pitchFamily="18" charset="0"/>
-                <a:cs typeface="Times New Roman" panose="02020603050405020304" pitchFamily="18" charset="0"/>
-              </a:rPr>
-              <a:t>mRMR</a:t>
-            </a:r>
-            <a:r>
-              <a:rPr lang="en-US" altLang="zh-CN" sz="3600" dirty="0">
-                <a:latin typeface="Times New Roman" panose="02020603050405020304" pitchFamily="18" charset="0"/>
-                <a:cs typeface="Times New Roman" panose="02020603050405020304" pitchFamily="18" charset="0"/>
-              </a:rPr>
-              <a:t>(</a:t>
-            </a:r>
-            <a:r>
-              <a:rPr lang="zh-CN" altLang="en-US" sz="3600" dirty="0">
-                <a:latin typeface="Times New Roman" panose="02020603050405020304" pitchFamily="18" charset="0"/>
-                <a:cs typeface="Times New Roman" panose="02020603050405020304" pitchFamily="18" charset="0"/>
-              </a:rPr>
-              <a:t>最大相关和最小冗余</a:t>
-            </a:r>
-            <a:r>
-              <a:rPr lang="en-US" altLang="zh-CN" sz="3600" dirty="0">
-                <a:latin typeface="Times New Roman" panose="02020603050405020304" pitchFamily="18" charset="0"/>
-                <a:cs typeface="Times New Roman" panose="02020603050405020304" pitchFamily="18" charset="0"/>
-              </a:rPr>
-              <a:t>), PCA, ICA</a:t>
-            </a:r>
-          </a:p>
-          <a:p>
-            <a:pPr marL="742950" indent="-742950">
-              <a:buAutoNum type="arabicPeriod"/>
-            </a:pPr>
-            <a:r>
-              <a:rPr lang="en-US" altLang="zh-CN" sz="3600" dirty="0">
-                <a:latin typeface="Times New Roman" panose="02020603050405020304" pitchFamily="18" charset="0"/>
-                <a:cs typeface="Times New Roman" panose="02020603050405020304" pitchFamily="18" charset="0"/>
-              </a:rPr>
-              <a:t>Statistical methods</a:t>
-            </a:r>
-          </a:p>
-          <a:p>
-            <a:pPr lvl="1"/>
-            <a:r>
-              <a:rPr lang="en-US" altLang="zh-CN" sz="3600" dirty="0">
-                <a:latin typeface="Times New Roman" panose="02020603050405020304" pitchFamily="18" charset="0"/>
-                <a:cs typeface="Times New Roman" panose="02020603050405020304" pitchFamily="18" charset="0"/>
-              </a:rPr>
-              <a:t>	T-test, Chi2, Pearson’s Correlation Coefficient</a:t>
-            </a:r>
-          </a:p>
-          <a:p>
-            <a:pPr marL="742950" indent="-742950">
-              <a:buAutoNum type="arabicPeriod"/>
-            </a:pPr>
-            <a:r>
-              <a:rPr lang="en-US" altLang="zh-CN" sz="3600" dirty="0">
-                <a:latin typeface="Times New Roman" panose="02020603050405020304" pitchFamily="18" charset="0"/>
-                <a:cs typeface="Times New Roman" panose="02020603050405020304" pitchFamily="18" charset="0"/>
-              </a:rPr>
-              <a:t>Regression/Classification models</a:t>
-            </a:r>
-          </a:p>
-          <a:p>
-            <a:pPr lvl="1"/>
-            <a:r>
-              <a:rPr lang="en-US" altLang="zh-CN" sz="3600" dirty="0">
-                <a:latin typeface="Times New Roman" panose="02020603050405020304" pitchFamily="18" charset="0"/>
-                <a:cs typeface="Times New Roman" panose="02020603050405020304" pitchFamily="18" charset="0"/>
-              </a:rPr>
-              <a:t>	</a:t>
-            </a:r>
-            <a:r>
-              <a:rPr lang="en-US" altLang="zh-CN" sz="3600" dirty="0">
-                <a:solidFill>
-                  <a:srgbClr val="FF0000"/>
-                </a:solidFill>
-                <a:latin typeface="Times New Roman" panose="02020603050405020304" pitchFamily="18" charset="0"/>
-                <a:cs typeface="Times New Roman" panose="02020603050405020304" pitchFamily="18" charset="0"/>
-              </a:rPr>
-              <a:t>LASSO</a:t>
-            </a:r>
-            <a:endParaRPr lang="zh-CN" altLang="en-US" sz="3600" dirty="0">
-              <a:solidFill>
-                <a:srgbClr val="FF0000"/>
-              </a:solidFill>
+            <a:r>
+              <a:rPr lang="en-US" altLang="zh-CN" sz="2800" dirty="0" err="1">
+                <a:latin typeface="Times New Roman" panose="02020603050405020304" pitchFamily="18" charset="0"/>
+                <a:cs typeface="Times New Roman" panose="02020603050405020304" pitchFamily="18" charset="0"/>
+              </a:rPr>
+              <a:t>rCAU</a:t>
+            </a:r>
+            <a:endParaRPr lang="zh-CN" altLang="en-US" sz="2800" dirty="0">
               <a:latin typeface="Times New Roman" panose="02020603050405020304" pitchFamily="18" charset="0"/>
               <a:cs typeface="Times New Roman" panose="02020603050405020304" pitchFamily="18" charset="0"/>
             </a:endParaRPr>
           </a:p>
         </p:txBody>
       </p:sp>
+      <p:sp>
+        <p:nvSpPr>
+          <p:cNvPr id="18" name="文本框 17">
+            <a:extLst>
+              <a:ext uri="{FF2B5EF4-FFF2-40B4-BE49-F238E27FC236}">
+                <a16:creationId xmlns:a16="http://schemas.microsoft.com/office/drawing/2014/main" id="{1842E6FE-1FD1-6FDB-990B-2297B551EE77}"/>
+              </a:ext>
+            </a:extLst>
+          </p:cNvPr>
+          <p:cNvSpPr txBox="1"/>
+          <p:nvPr/>
+        </p:nvSpPr>
+        <p:spPr>
+          <a:xfrm>
+            <a:off x="8559841" y="1327916"/>
+            <a:ext cx="1063112" cy="523220"/>
+          </a:xfrm>
+          <a:prstGeom prst="rect">
+            <a:avLst/>
+          </a:prstGeom>
+          <a:noFill/>
+          <a:ln>
+            <a:noFill/>
+          </a:ln>
+        </p:spPr>
+        <p:txBody>
+          <a:bodyPr wrap="none" rtlCol="0">
+            <a:spAutoFit/>
+          </a:bodyPr>
+          <a:lstStyle/>
+          <a:p>
+            <a:r>
+              <a:rPr lang="en-US" altLang="zh-CN" sz="2800" dirty="0" err="1">
+                <a:latin typeface="Times New Roman" panose="02020603050405020304" pitchFamily="18" charset="0"/>
+                <a:cs typeface="Times New Roman" panose="02020603050405020304" pitchFamily="18" charset="0"/>
+              </a:rPr>
+              <a:t>lCAU</a:t>
+            </a:r>
+            <a:endParaRPr lang="zh-CN" altLang="en-US" sz="2800" dirty="0">
+              <a:latin typeface="Times New Roman" panose="02020603050405020304" pitchFamily="18" charset="0"/>
+              <a:cs typeface="Times New Roman" panose="02020603050405020304" pitchFamily="18" charset="0"/>
+            </a:endParaRPr>
+          </a:p>
+        </p:txBody>
+      </p:sp>
     </p:spTree>
     <p:extLst>
       <p:ext uri="{BB962C8B-B14F-4D97-AF65-F5344CB8AC3E}">
-        <p14:creationId xmlns:p14="http://schemas.microsoft.com/office/powerpoint/2010/main" val="1435040135"/>
+        <p14:creationId xmlns:p14="http://schemas.microsoft.com/office/powerpoint/2010/main" val="2644075740"/>
       </p:ext>
     </p:extLst>
   </p:cSld>
@@ -9267,469 +9357,6 @@
         <p:spPr>
           <a:xfrm>
             <a:off x="344555" y="212035"/>
-            <a:ext cx="6787307" cy="646331"/>
-          </a:xfrm>
-          <a:prstGeom prst="rect">
-            <a:avLst/>
-          </a:prstGeom>
-          <a:noFill/>
-        </p:spPr>
-        <p:txBody>
-          <a:bodyPr wrap="none" rtlCol="0">
-            <a:spAutoFit/>
-          </a:bodyPr>
-          <a:lstStyle/>
-          <a:p>
-            <a:r>
-              <a:rPr lang="en-US" altLang="zh-CN" sz="3600" b="1" dirty="0">
-                <a:latin typeface="Times New Roman" panose="02020603050405020304" pitchFamily="18" charset="0"/>
-                <a:cs typeface="Times New Roman" panose="02020603050405020304" pitchFamily="18" charset="0"/>
-              </a:rPr>
-              <a:t>Survey: Feature Selection (N=11)</a:t>
-            </a:r>
-            <a:endParaRPr lang="zh-CN" altLang="en-US" sz="3600" b="1" dirty="0">
-              <a:latin typeface="Times New Roman" panose="02020603050405020304" pitchFamily="18" charset="0"/>
-              <a:cs typeface="Times New Roman" panose="02020603050405020304" pitchFamily="18" charset="0"/>
-            </a:endParaRPr>
-          </a:p>
-        </p:txBody>
-      </p:sp>
-      <p:sp>
-        <p:nvSpPr>
-          <p:cNvPr id="3" name="文本框 2">
-            <a:extLst>
-              <a:ext uri="{FF2B5EF4-FFF2-40B4-BE49-F238E27FC236}">
-                <a16:creationId xmlns:a16="http://schemas.microsoft.com/office/drawing/2014/main" id="{25EFD457-4A1B-E272-4D21-7E89964A9C51}"/>
-              </a:ext>
-            </a:extLst>
-          </p:cNvPr>
-          <p:cNvSpPr txBox="1"/>
-          <p:nvPr/>
-        </p:nvSpPr>
-        <p:spPr>
-          <a:xfrm>
-            <a:off x="874437" y="1482569"/>
-            <a:ext cx="10443125" cy="3892861"/>
-          </a:xfrm>
-          <a:prstGeom prst="rect">
-            <a:avLst/>
-          </a:prstGeom>
-          <a:noFill/>
-        </p:spPr>
-        <p:txBody>
-          <a:bodyPr wrap="square" rtlCol="0">
-            <a:spAutoFit/>
-          </a:bodyPr>
-          <a:lstStyle/>
-          <a:p>
-            <a:pPr marL="742950" indent="-742950">
-              <a:lnSpc>
-                <a:spcPct val="150000"/>
-              </a:lnSpc>
-              <a:buAutoNum type="arabicPeriod"/>
-            </a:pPr>
-            <a:r>
-              <a:rPr lang="en-US" altLang="zh-CN" sz="2800" dirty="0">
-                <a:latin typeface="Times New Roman" panose="02020603050405020304" pitchFamily="18" charset="0"/>
-                <a:cs typeface="Times New Roman" panose="02020603050405020304" pitchFamily="18" charset="0"/>
-              </a:rPr>
-              <a:t>LASSO: 6</a:t>
-            </a:r>
-          </a:p>
-          <a:p>
-            <a:pPr marL="742950" indent="-742950">
-              <a:lnSpc>
-                <a:spcPct val="150000"/>
-              </a:lnSpc>
-              <a:buAutoNum type="arabicPeriod"/>
-            </a:pPr>
-            <a:r>
-              <a:rPr lang="en-US" altLang="zh-CN" sz="2800" dirty="0" err="1">
-                <a:latin typeface="Times New Roman" panose="02020603050405020304" pitchFamily="18" charset="0"/>
-                <a:cs typeface="Times New Roman" panose="02020603050405020304" pitchFamily="18" charset="0"/>
-              </a:rPr>
-              <a:t>mRMR</a:t>
-            </a:r>
-            <a:r>
-              <a:rPr lang="en-US" altLang="zh-CN" sz="2800" dirty="0">
-                <a:latin typeface="Times New Roman" panose="02020603050405020304" pitchFamily="18" charset="0"/>
-                <a:cs typeface="Times New Roman" panose="02020603050405020304" pitchFamily="18" charset="0"/>
-              </a:rPr>
-              <a:t>: 3</a:t>
-            </a:r>
-          </a:p>
-          <a:p>
-            <a:pPr marL="742950" indent="-742950">
-              <a:lnSpc>
-                <a:spcPct val="150000"/>
-              </a:lnSpc>
-              <a:buAutoNum type="arabicPeriod"/>
-            </a:pPr>
-            <a:r>
-              <a:rPr lang="en-US" altLang="zh-CN" sz="2800" dirty="0">
-                <a:latin typeface="Times New Roman" panose="02020603050405020304" pitchFamily="18" charset="0"/>
-                <a:cs typeface="Times New Roman" panose="02020603050405020304" pitchFamily="18" charset="0"/>
-              </a:rPr>
-              <a:t>PCA:3</a:t>
-            </a:r>
-          </a:p>
-          <a:p>
-            <a:pPr marL="742950" indent="-742950">
-              <a:lnSpc>
-                <a:spcPct val="150000"/>
-              </a:lnSpc>
-              <a:buAutoNum type="arabicPeriod"/>
-            </a:pPr>
-            <a:r>
-              <a:rPr lang="en-US" altLang="zh-CN" sz="2800" dirty="0">
-                <a:latin typeface="Times New Roman" panose="02020603050405020304" pitchFamily="18" charset="0"/>
-                <a:cs typeface="Times New Roman" panose="02020603050405020304" pitchFamily="18" charset="0"/>
-              </a:rPr>
-              <a:t>Pearson’s Correlation Coefficient: 2</a:t>
-            </a:r>
-          </a:p>
-          <a:p>
-            <a:pPr marL="742950" indent="-742950">
-              <a:lnSpc>
-                <a:spcPct val="150000"/>
-              </a:lnSpc>
-              <a:buAutoNum type="arabicPeriod"/>
-            </a:pPr>
-            <a:r>
-              <a:rPr lang="en-US" altLang="zh-CN" sz="2800" dirty="0">
-                <a:latin typeface="Times New Roman" panose="02020603050405020304" pitchFamily="18" charset="0"/>
-                <a:cs typeface="Times New Roman" panose="02020603050405020304" pitchFamily="18" charset="0"/>
-              </a:rPr>
-              <a:t>NCA, Chi2, </a:t>
-            </a:r>
-            <a:r>
-              <a:rPr lang="en-US" altLang="zh-CN" sz="2800" dirty="0" err="1">
-                <a:latin typeface="Times New Roman" panose="02020603050405020304" pitchFamily="18" charset="0"/>
-                <a:cs typeface="Times New Roman" panose="02020603050405020304" pitchFamily="18" charset="0"/>
-              </a:rPr>
-              <a:t>ReliefF</a:t>
-            </a:r>
-            <a:r>
-              <a:rPr lang="en-US" altLang="zh-CN" sz="2800" dirty="0">
-                <a:latin typeface="Times New Roman" panose="02020603050405020304" pitchFamily="18" charset="0"/>
-                <a:cs typeface="Times New Roman" panose="02020603050405020304" pitchFamily="18" charset="0"/>
-              </a:rPr>
-              <a:t>, </a:t>
-            </a:r>
-            <a:r>
-              <a:rPr lang="en-US" altLang="zh-CN" sz="2800" dirty="0" err="1">
-                <a:latin typeface="Times New Roman" panose="02020603050405020304" pitchFamily="18" charset="0"/>
-                <a:cs typeface="Times New Roman" panose="02020603050405020304" pitchFamily="18" charset="0"/>
-              </a:rPr>
-              <a:t>ReliefA</a:t>
-            </a:r>
-            <a:r>
-              <a:rPr lang="en-US" altLang="zh-CN" sz="2800" dirty="0">
-                <a:latin typeface="Times New Roman" panose="02020603050405020304" pitchFamily="18" charset="0"/>
-                <a:cs typeface="Times New Roman" panose="02020603050405020304" pitchFamily="18" charset="0"/>
-              </a:rPr>
-              <a:t>, t-test, ILFS, LLBCFS, UMCFS, MDFSA, CSFA, FSASL, UFSOL …</a:t>
-            </a:r>
-            <a:endParaRPr lang="zh-CN" altLang="en-US" sz="2800" dirty="0">
-              <a:latin typeface="Times New Roman" panose="02020603050405020304" pitchFamily="18" charset="0"/>
-              <a:cs typeface="Times New Roman" panose="02020603050405020304" pitchFamily="18" charset="0"/>
-            </a:endParaRPr>
-          </a:p>
-        </p:txBody>
-      </p:sp>
-    </p:spTree>
-    <p:extLst>
-      <p:ext uri="{BB962C8B-B14F-4D97-AF65-F5344CB8AC3E}">
-        <p14:creationId xmlns:p14="http://schemas.microsoft.com/office/powerpoint/2010/main" val="357976359"/>
-      </p:ext>
-    </p:extLst>
-  </p:cSld>
-  <p:clrMapOvr>
-    <a:masterClrMapping/>
-  </p:clrMapOvr>
-</p:sld>
-</file>
-
-<file path=ppt/slides/slide15.xml><?xml version="1.0" encoding="utf-8"?>
-<p:sld xmlns:a="http://schemas.openxmlformats.org/drawingml/2006/main" xmlns:r="http://schemas.openxmlformats.org/officeDocument/2006/relationships" xmlns:p="http://schemas.openxmlformats.org/presentationml/2006/main">
-  <p:cSld>
-    <p:spTree>
-      <p:nvGrpSpPr>
-        <p:cNvPr id="1" name=""/>
-        <p:cNvGrpSpPr/>
-        <p:nvPr/>
-      </p:nvGrpSpPr>
-      <p:grpSpPr>
-        <a:xfrm>
-          <a:off x="0" y="0"/>
-          <a:ext cx="0" cy="0"/>
-          <a:chOff x="0" y="0"/>
-          <a:chExt cx="0" cy="0"/>
-        </a:xfrm>
-      </p:grpSpPr>
-      <p:sp>
-        <p:nvSpPr>
-          <p:cNvPr id="4" name="文本框 3">
-            <a:extLst>
-              <a:ext uri="{FF2B5EF4-FFF2-40B4-BE49-F238E27FC236}">
-                <a16:creationId xmlns:a16="http://schemas.microsoft.com/office/drawing/2014/main" id="{0165F166-86FF-18CC-E95C-8F1D8DBF0AFE}"/>
-              </a:ext>
-            </a:extLst>
-          </p:cNvPr>
-          <p:cNvSpPr txBox="1"/>
-          <p:nvPr/>
-        </p:nvSpPr>
-        <p:spPr>
-          <a:xfrm>
-            <a:off x="959468" y="126500"/>
-            <a:ext cx="10361427" cy="707886"/>
-          </a:xfrm>
-          <a:prstGeom prst="rect">
-            <a:avLst/>
-          </a:prstGeom>
-          <a:noFill/>
-        </p:spPr>
-        <p:txBody>
-          <a:bodyPr wrap="square" rtlCol="0">
-            <a:spAutoFit/>
-          </a:bodyPr>
-          <a:lstStyle/>
-          <a:p>
-            <a:r>
-              <a:rPr lang="en-US" altLang="zh-CN" sz="2000" b="1" dirty="0">
-                <a:latin typeface="Times New Roman" panose="02020603050405020304" pitchFamily="18" charset="0"/>
-                <a:cs typeface="Times New Roman" panose="02020603050405020304" pitchFamily="18" charset="0"/>
-              </a:rPr>
-              <a:t>3D Textural, Morphological and Statistical Analysis of Voxel of Interests in 3T MRI Scans for the Detection of Parkinson’s Disease Using Artificial Neural Networks</a:t>
-            </a:r>
-          </a:p>
-        </p:txBody>
-      </p:sp>
-      <p:pic>
-        <p:nvPicPr>
-          <p:cNvPr id="5" name="图片 4">
-            <a:extLst>
-              <a:ext uri="{FF2B5EF4-FFF2-40B4-BE49-F238E27FC236}">
-                <a16:creationId xmlns:a16="http://schemas.microsoft.com/office/drawing/2014/main" id="{94889758-4EDD-151F-821B-2BC7E8DB39C1}"/>
-              </a:ext>
-            </a:extLst>
-          </p:cNvPr>
-          <p:cNvPicPr>
-            <a:picLocks noChangeAspect="1"/>
-          </p:cNvPicPr>
-          <p:nvPr/>
-        </p:nvPicPr>
-        <p:blipFill>
-          <a:blip r:embed="rId2">
-            <a:extLst>
-              <a:ext uri="{28A0092B-C50C-407E-A947-70E740481C1C}">
-                <a14:useLocalDpi xmlns:a14="http://schemas.microsoft.com/office/drawing/2010/main" val="0"/>
-              </a:ext>
-            </a:extLst>
-          </a:blip>
-          <a:stretch>
-            <a:fillRect/>
-          </a:stretch>
-        </p:blipFill>
-        <p:spPr>
-          <a:xfrm>
-            <a:off x="1095321" y="834386"/>
-            <a:ext cx="5984593" cy="5737865"/>
-          </a:xfrm>
-          <a:prstGeom prst="rect">
-            <a:avLst/>
-          </a:prstGeom>
-        </p:spPr>
-      </p:pic>
-      <p:sp>
-        <p:nvSpPr>
-          <p:cNvPr id="7" name="文本框 6">
-            <a:extLst>
-              <a:ext uri="{FF2B5EF4-FFF2-40B4-BE49-F238E27FC236}">
-                <a16:creationId xmlns:a16="http://schemas.microsoft.com/office/drawing/2014/main" id="{3EED79D0-6288-FC38-5B7A-E901B1F66AA2}"/>
-              </a:ext>
-            </a:extLst>
-          </p:cNvPr>
-          <p:cNvSpPr txBox="1"/>
-          <p:nvPr/>
-        </p:nvSpPr>
-        <p:spPr>
-          <a:xfrm>
-            <a:off x="7372350" y="1076330"/>
-            <a:ext cx="4194030" cy="2862322"/>
-          </a:xfrm>
-          <a:prstGeom prst="rect">
-            <a:avLst/>
-          </a:prstGeom>
-          <a:noFill/>
-        </p:spPr>
-        <p:txBody>
-          <a:bodyPr wrap="square">
-            <a:spAutoFit/>
-          </a:bodyPr>
-          <a:lstStyle/>
-          <a:p>
-            <a:r>
-              <a:rPr lang="zh-CN" altLang="en-US" sz="2000" dirty="0">
-                <a:solidFill>
-                  <a:srgbClr val="FF0000"/>
-                </a:solidFill>
-                <a:latin typeface="Times New Roman" panose="02020603050405020304" pitchFamily="18" charset="0"/>
-                <a:cs typeface="Times New Roman" panose="02020603050405020304" pitchFamily="18" charset="0"/>
-              </a:rPr>
-              <a:t>Recursive feature elimination</a:t>
-            </a:r>
-            <a:r>
-              <a:rPr lang="zh-CN" altLang="en-US" sz="2000" dirty="0">
-                <a:latin typeface="Times New Roman" panose="02020603050405020304" pitchFamily="18" charset="0"/>
-                <a:cs typeface="Times New Roman" panose="02020603050405020304" pitchFamily="18" charset="0"/>
-              </a:rPr>
-              <a:t> is a greedy optimization algorithm which aims to find the best performing feature subset. It repeatedly creates </a:t>
-            </a:r>
-            <a:r>
-              <a:rPr lang="zh-CN" altLang="en-US" sz="2000" dirty="0">
-                <a:solidFill>
-                  <a:srgbClr val="FF0000"/>
-                </a:solidFill>
-                <a:latin typeface="Times New Roman" panose="02020603050405020304" pitchFamily="18" charset="0"/>
-                <a:cs typeface="Times New Roman" panose="02020603050405020304" pitchFamily="18" charset="0"/>
-              </a:rPr>
-              <a:t>baseline models</a:t>
-            </a:r>
-            <a:r>
-              <a:rPr lang="zh-CN" altLang="en-US" sz="2000" dirty="0">
-                <a:latin typeface="Times New Roman" panose="02020603050405020304" pitchFamily="18" charset="0"/>
-                <a:cs typeface="Times New Roman" panose="02020603050405020304" pitchFamily="18" charset="0"/>
-              </a:rPr>
-              <a:t> and </a:t>
-            </a:r>
-            <a:r>
-              <a:rPr lang="zh-CN" altLang="en-US" sz="2000" dirty="0">
-                <a:solidFill>
-                  <a:srgbClr val="FF0000"/>
-                </a:solidFill>
-                <a:latin typeface="Times New Roman" panose="02020603050405020304" pitchFamily="18" charset="0"/>
-                <a:cs typeface="Times New Roman" panose="02020603050405020304" pitchFamily="18" charset="0"/>
-              </a:rPr>
-              <a:t>keeps aside the best or the worst performing feature at each iteration</a:t>
-            </a:r>
-            <a:r>
-              <a:rPr lang="zh-CN" altLang="en-US" sz="2000" dirty="0">
-                <a:latin typeface="Times New Roman" panose="02020603050405020304" pitchFamily="18" charset="0"/>
-                <a:cs typeface="Times New Roman" panose="02020603050405020304" pitchFamily="18" charset="0"/>
-              </a:rPr>
-              <a:t> until all the features are exhausted. It then </a:t>
-            </a:r>
-            <a:r>
-              <a:rPr lang="zh-CN" altLang="en-US" sz="2000" dirty="0">
-                <a:solidFill>
-                  <a:srgbClr val="FF0000"/>
-                </a:solidFill>
-                <a:latin typeface="Times New Roman" panose="02020603050405020304" pitchFamily="18" charset="0"/>
-                <a:cs typeface="Times New Roman" panose="02020603050405020304" pitchFamily="18" charset="0"/>
-              </a:rPr>
-              <a:t>ranks the features based on the order of their elimination</a:t>
-            </a:r>
-            <a:r>
-              <a:rPr lang="zh-CN" altLang="en-US" sz="2000" dirty="0">
-                <a:latin typeface="Times New Roman" panose="02020603050405020304" pitchFamily="18" charset="0"/>
-                <a:cs typeface="Times New Roman" panose="02020603050405020304" pitchFamily="18" charset="0"/>
-              </a:rPr>
-              <a:t>.</a:t>
-            </a:r>
-          </a:p>
-        </p:txBody>
-      </p:sp>
-      <p:sp>
-        <p:nvSpPr>
-          <p:cNvPr id="9" name="文本框 8">
-            <a:extLst>
-              <a:ext uri="{FF2B5EF4-FFF2-40B4-BE49-F238E27FC236}">
-                <a16:creationId xmlns:a16="http://schemas.microsoft.com/office/drawing/2014/main" id="{3EB1D072-1D3D-FD5B-B0E6-F6B2873955D4}"/>
-              </a:ext>
-            </a:extLst>
-          </p:cNvPr>
-          <p:cNvSpPr txBox="1"/>
-          <p:nvPr/>
-        </p:nvSpPr>
-        <p:spPr>
-          <a:xfrm>
-            <a:off x="7372350" y="4131117"/>
-            <a:ext cx="4194030" cy="1631216"/>
-          </a:xfrm>
-          <a:prstGeom prst="rect">
-            <a:avLst/>
-          </a:prstGeom>
-          <a:noFill/>
-        </p:spPr>
-        <p:txBody>
-          <a:bodyPr wrap="square">
-            <a:spAutoFit/>
-          </a:bodyPr>
-          <a:lstStyle/>
-          <a:p>
-            <a:r>
-              <a:rPr lang="en-US" altLang="zh-CN" sz="2000" dirty="0">
-                <a:latin typeface="Times New Roman" panose="02020603050405020304" pitchFamily="18" charset="0"/>
-                <a:cs typeface="Times New Roman" panose="02020603050405020304" pitchFamily="18" charset="0"/>
-              </a:rPr>
-              <a:t>ROIs: </a:t>
-            </a:r>
-            <a:r>
-              <a:rPr lang="zh-CN" altLang="en-US" sz="2000" dirty="0">
-                <a:latin typeface="Times New Roman" panose="02020603050405020304" pitchFamily="18" charset="0"/>
-                <a:cs typeface="Times New Roman" panose="02020603050405020304" pitchFamily="18" charset="0"/>
-              </a:rPr>
-              <a:t>caudate nucleus, putamen, globus pallidus internus and externus (GPi &amp; GPe), thalamus, STN, substantia nigra (SN), and red nucleus (RN)</a:t>
-            </a:r>
-          </a:p>
-        </p:txBody>
-      </p:sp>
-    </p:spTree>
-    <p:extLst>
-      <p:ext uri="{BB962C8B-B14F-4D97-AF65-F5344CB8AC3E}">
-        <p14:creationId xmlns:p14="http://schemas.microsoft.com/office/powerpoint/2010/main" val="4109769891"/>
-      </p:ext>
-    </p:extLst>
-  </p:cSld>
-  <p:clrMapOvr>
-    <a:masterClrMapping/>
-  </p:clrMapOvr>
-</p:sld>
-</file>
-
-<file path=ppt/slides/slide2.xml><?xml version="1.0" encoding="utf-8"?>
-<p:sld xmlns:a="http://schemas.openxmlformats.org/drawingml/2006/main" xmlns:r="http://schemas.openxmlformats.org/officeDocument/2006/relationships" xmlns:p="http://schemas.openxmlformats.org/presentationml/2006/main">
-  <p:cSld>
-    <p:spTree>
-      <p:nvGrpSpPr>
-        <p:cNvPr id="1" name=""/>
-        <p:cNvGrpSpPr/>
-        <p:nvPr/>
-      </p:nvGrpSpPr>
-      <p:grpSpPr>
-        <a:xfrm>
-          <a:off x="0" y="0"/>
-          <a:ext cx="0" cy="0"/>
-          <a:chOff x="0" y="0"/>
-          <a:chExt cx="0" cy="0"/>
-        </a:xfrm>
-      </p:grpSpPr>
-      <p:sp>
-        <p:nvSpPr>
-          <p:cNvPr id="4" name="文本框 3">
-            <a:extLst>
-              <a:ext uri="{FF2B5EF4-FFF2-40B4-BE49-F238E27FC236}">
-                <a16:creationId xmlns:a16="http://schemas.microsoft.com/office/drawing/2014/main" id="{D0615F25-CF0E-0920-3A69-5ACB5F07D617}"/>
-              </a:ext>
-            </a:extLst>
-          </p:cNvPr>
-          <p:cNvSpPr txBox="1"/>
-          <p:nvPr/>
-        </p:nvSpPr>
-        <p:spPr>
-          <a:xfrm>
-            <a:off x="344555" y="212035"/>
             <a:ext cx="5665012" cy="646331"/>
           </a:xfrm>
           <a:prstGeom prst="rect">
@@ -10149,7 +9776,7 @@
                 <a:latin typeface="Times New Roman" panose="02020603050405020304" pitchFamily="18" charset="0"/>
                 <a:cs typeface="Times New Roman" panose="02020603050405020304" pitchFamily="18" charset="0"/>
               </a:rPr>
-              <a:t>Radiomics: 88 </a:t>
+              <a:t>Radiomics: 86 </a:t>
             </a:r>
           </a:p>
           <a:p>
@@ -10297,7 +9924,7 @@
                 <a:latin typeface="Times New Roman" panose="02020603050405020304" pitchFamily="18" charset="0"/>
                 <a:cs typeface="Times New Roman" panose="02020603050405020304" pitchFamily="18" charset="0"/>
               </a:rPr>
-              <a:t>Rank: 20</a:t>
+              <a:t>Rank: 50</a:t>
             </a:r>
           </a:p>
           <a:p>
@@ -10333,7 +9960,7 @@
                 <a:latin typeface="Times New Roman" panose="02020603050405020304" pitchFamily="18" charset="0"/>
                 <a:cs typeface="Times New Roman" panose="02020603050405020304" pitchFamily="18" charset="0"/>
               </a:rPr>
-              <a:t>Feature 20</a:t>
+              <a:t>Feature 50</a:t>
             </a:r>
           </a:p>
         </p:txBody>
@@ -10492,7 +10119,7 @@
                 <a:latin typeface="Times New Roman" panose="02020603050405020304" pitchFamily="18" charset="0"/>
                 <a:cs typeface="Times New Roman" panose="02020603050405020304" pitchFamily="18" charset="0"/>
               </a:rPr>
-              <a:t>Feature 1+2+…+20</a:t>
+              <a:t>Feature 1+2+…+50</a:t>
             </a:r>
           </a:p>
         </p:txBody>
@@ -10553,6 +10180,1788 @@
 </p:sld>
 </file>
 
+<file path=ppt/slides/slide15.xml><?xml version="1.0" encoding="utf-8"?>
+<p:sld xmlns:a="http://schemas.openxmlformats.org/drawingml/2006/main" xmlns:r="http://schemas.openxmlformats.org/officeDocument/2006/relationships" xmlns:p="http://schemas.openxmlformats.org/presentationml/2006/main">
+  <p:cSld>
+    <p:spTree>
+      <p:nvGrpSpPr>
+        <p:cNvPr id="1" name=""/>
+        <p:cNvGrpSpPr/>
+        <p:nvPr/>
+      </p:nvGrpSpPr>
+      <p:grpSpPr>
+        <a:xfrm>
+          <a:off x="0" y="0"/>
+          <a:ext cx="0" cy="0"/>
+          <a:chOff x="0" y="0"/>
+          <a:chExt cx="0" cy="0"/>
+        </a:xfrm>
+      </p:grpSpPr>
+      <p:sp>
+        <p:nvSpPr>
+          <p:cNvPr id="4" name="文本框 3">
+            <a:extLst>
+              <a:ext uri="{FF2B5EF4-FFF2-40B4-BE49-F238E27FC236}">
+                <a16:creationId xmlns:a16="http://schemas.microsoft.com/office/drawing/2014/main" id="{D0615F25-CF0E-0920-3A69-5ACB5F07D617}"/>
+              </a:ext>
+            </a:extLst>
+          </p:cNvPr>
+          <p:cNvSpPr txBox="1"/>
+          <p:nvPr/>
+        </p:nvSpPr>
+        <p:spPr>
+          <a:xfrm>
+            <a:off x="344555" y="212035"/>
+            <a:ext cx="6346609" cy="646331"/>
+          </a:xfrm>
+          <a:prstGeom prst="rect">
+            <a:avLst/>
+          </a:prstGeom>
+          <a:noFill/>
+        </p:spPr>
+        <p:txBody>
+          <a:bodyPr wrap="none" rtlCol="0">
+            <a:spAutoFit/>
+          </a:bodyPr>
+          <a:lstStyle/>
+          <a:p>
+            <a:r>
+              <a:rPr lang="en-US" altLang="zh-CN" sz="3600" b="1" dirty="0">
+                <a:latin typeface="Times New Roman" panose="02020603050405020304" pitchFamily="18" charset="0"/>
+                <a:cs typeface="Times New Roman" panose="02020603050405020304" pitchFamily="18" charset="0"/>
+              </a:rPr>
+              <a:t>Results: SVM w/ </a:t>
+            </a:r>
+            <a:r>
+              <a:rPr lang="en-US" altLang="zh-CN" sz="3600" b="1" dirty="0" err="1">
+                <a:latin typeface="Times New Roman" panose="02020603050405020304" pitchFamily="18" charset="0"/>
+                <a:cs typeface="Times New Roman" panose="02020603050405020304" pitchFamily="18" charset="0"/>
+              </a:rPr>
+              <a:t>mRMR</a:t>
+            </a:r>
+            <a:r>
+              <a:rPr lang="en-US" altLang="zh-CN" sz="3600" b="1" dirty="0">
+                <a:latin typeface="Times New Roman" panose="02020603050405020304" pitchFamily="18" charset="0"/>
+                <a:cs typeface="Times New Roman" panose="02020603050405020304" pitchFamily="18" charset="0"/>
+              </a:rPr>
+              <a:t> (N=3)</a:t>
+            </a:r>
+            <a:endParaRPr lang="zh-CN" altLang="en-US" sz="3600" b="1" dirty="0">
+              <a:latin typeface="Times New Roman" panose="02020603050405020304" pitchFamily="18" charset="0"/>
+              <a:cs typeface="Times New Roman" panose="02020603050405020304" pitchFamily="18" charset="0"/>
+            </a:endParaRPr>
+          </a:p>
+        </p:txBody>
+      </p:sp>
+      <p:sp>
+        <p:nvSpPr>
+          <p:cNvPr id="13" name="文本框 12">
+            <a:extLst>
+              <a:ext uri="{FF2B5EF4-FFF2-40B4-BE49-F238E27FC236}">
+                <a16:creationId xmlns:a16="http://schemas.microsoft.com/office/drawing/2014/main" id="{4D28E66D-D00D-F611-9704-A05F10068EEB}"/>
+              </a:ext>
+            </a:extLst>
+          </p:cNvPr>
+          <p:cNvSpPr txBox="1"/>
+          <p:nvPr/>
+        </p:nvSpPr>
+        <p:spPr>
+          <a:xfrm>
+            <a:off x="978382" y="1753189"/>
+            <a:ext cx="2650084" cy="1384995"/>
+          </a:xfrm>
+          <a:prstGeom prst="rect">
+            <a:avLst/>
+          </a:prstGeom>
+          <a:noFill/>
+        </p:spPr>
+        <p:txBody>
+          <a:bodyPr wrap="none" rtlCol="0">
+            <a:spAutoFit/>
+          </a:bodyPr>
+          <a:lstStyle/>
+          <a:p>
+            <a:r>
+              <a:rPr lang="en-US" altLang="zh-CN" sz="2800" b="1" dirty="0" err="1">
+                <a:latin typeface="Times New Roman" panose="02020603050405020304" pitchFamily="18" charset="0"/>
+                <a:cs typeface="Times New Roman" panose="02020603050405020304" pitchFamily="18" charset="0"/>
+              </a:rPr>
+              <a:t>Demo+Clinic</a:t>
+            </a:r>
+            <a:r>
+              <a:rPr lang="en-US" altLang="zh-CN" sz="2800" b="1" dirty="0">
+                <a:latin typeface="Times New Roman" panose="02020603050405020304" pitchFamily="18" charset="0"/>
+                <a:cs typeface="Times New Roman" panose="02020603050405020304" pitchFamily="18" charset="0"/>
+              </a:rPr>
+              <a:t>:</a:t>
+            </a:r>
+          </a:p>
+          <a:p>
+            <a:r>
+              <a:rPr lang="fr-FR" altLang="zh-CN" sz="2800" b="1" dirty="0">
+                <a:latin typeface="Times New Roman" panose="02020603050405020304" pitchFamily="18" charset="0"/>
+                <a:cs typeface="Times New Roman" panose="02020603050405020304" pitchFamily="18" charset="0"/>
+              </a:rPr>
+              <a:t>AUC train: 0.76</a:t>
+            </a:r>
+          </a:p>
+          <a:p>
+            <a:r>
+              <a:rPr lang="fr-FR" altLang="zh-CN" sz="2800" b="1" dirty="0">
+                <a:latin typeface="Times New Roman" panose="02020603050405020304" pitchFamily="18" charset="0"/>
+                <a:cs typeface="Times New Roman" panose="02020603050405020304" pitchFamily="18" charset="0"/>
+              </a:rPr>
+              <a:t>AUC test: 0.71</a:t>
+            </a:r>
+            <a:endParaRPr lang="zh-CN" altLang="en-US" sz="2800" b="1" dirty="0">
+              <a:latin typeface="Times New Roman" panose="02020603050405020304" pitchFamily="18" charset="0"/>
+              <a:cs typeface="Times New Roman" panose="02020603050405020304" pitchFamily="18" charset="0"/>
+            </a:endParaRPr>
+          </a:p>
+        </p:txBody>
+      </p:sp>
+      <p:sp>
+        <p:nvSpPr>
+          <p:cNvPr id="14" name="文本框 13">
+            <a:extLst>
+              <a:ext uri="{FF2B5EF4-FFF2-40B4-BE49-F238E27FC236}">
+                <a16:creationId xmlns:a16="http://schemas.microsoft.com/office/drawing/2014/main" id="{76D36F27-ED73-AA89-6D17-D6F9028C78C1}"/>
+              </a:ext>
+            </a:extLst>
+          </p:cNvPr>
+          <p:cNvSpPr txBox="1"/>
+          <p:nvPr/>
+        </p:nvSpPr>
+        <p:spPr>
+          <a:xfrm>
+            <a:off x="978382" y="4660051"/>
+            <a:ext cx="3148619" cy="1384995"/>
+          </a:xfrm>
+          <a:prstGeom prst="rect">
+            <a:avLst/>
+          </a:prstGeom>
+          <a:noFill/>
+        </p:spPr>
+        <p:txBody>
+          <a:bodyPr wrap="none" rtlCol="0">
+            <a:spAutoFit/>
+          </a:bodyPr>
+          <a:lstStyle/>
+          <a:p>
+            <a:r>
+              <a:rPr lang="en-US" altLang="zh-CN" sz="2800" b="1" dirty="0" err="1">
+                <a:latin typeface="Times New Roman" panose="02020603050405020304" pitchFamily="18" charset="0"/>
+                <a:cs typeface="Times New Roman" panose="02020603050405020304" pitchFamily="18" charset="0"/>
+              </a:rPr>
+              <a:t>Demo+Clinic+Img</a:t>
+            </a:r>
+            <a:r>
+              <a:rPr lang="en-US" altLang="zh-CN" sz="2800" b="1" dirty="0">
+                <a:latin typeface="Times New Roman" panose="02020603050405020304" pitchFamily="18" charset="0"/>
+                <a:cs typeface="Times New Roman" panose="02020603050405020304" pitchFamily="18" charset="0"/>
+              </a:rPr>
+              <a:t>:</a:t>
+            </a:r>
+          </a:p>
+          <a:p>
+            <a:r>
+              <a:rPr lang="fr-FR" altLang="zh-CN" sz="2800" b="1" dirty="0">
+                <a:latin typeface="Times New Roman" panose="02020603050405020304" pitchFamily="18" charset="0"/>
+                <a:cs typeface="Times New Roman" panose="02020603050405020304" pitchFamily="18" charset="0"/>
+              </a:rPr>
+              <a:t>AUC train: 0.79</a:t>
+            </a:r>
+          </a:p>
+          <a:p>
+            <a:r>
+              <a:rPr lang="fr-FR" altLang="zh-CN" sz="2800" b="1" dirty="0">
+                <a:latin typeface="Times New Roman" panose="02020603050405020304" pitchFamily="18" charset="0"/>
+                <a:cs typeface="Times New Roman" panose="02020603050405020304" pitchFamily="18" charset="0"/>
+              </a:rPr>
+              <a:t>AUC test: 0.76</a:t>
+            </a:r>
+            <a:endParaRPr lang="zh-CN" altLang="en-US" sz="2800" b="1" dirty="0">
+              <a:latin typeface="Times New Roman" panose="02020603050405020304" pitchFamily="18" charset="0"/>
+              <a:cs typeface="Times New Roman" panose="02020603050405020304" pitchFamily="18" charset="0"/>
+            </a:endParaRPr>
+          </a:p>
+        </p:txBody>
+      </p:sp>
+      <p:pic>
+        <p:nvPicPr>
+          <p:cNvPr id="8" name="图片 7">
+            <a:extLst>
+              <a:ext uri="{FF2B5EF4-FFF2-40B4-BE49-F238E27FC236}">
+                <a16:creationId xmlns:a16="http://schemas.microsoft.com/office/drawing/2014/main" id="{8F1E659E-78C6-A09B-4B3A-708958F9D6EE}"/>
+              </a:ext>
+            </a:extLst>
+          </p:cNvPr>
+          <p:cNvPicPr>
+            <a:picLocks noChangeAspect="1"/>
+          </p:cNvPicPr>
+          <p:nvPr/>
+        </p:nvPicPr>
+        <p:blipFill>
+          <a:blip r:embed="rId2"/>
+          <a:stretch>
+            <a:fillRect/>
+          </a:stretch>
+        </p:blipFill>
+        <p:spPr>
+          <a:xfrm>
+            <a:off x="4756081" y="1158465"/>
+            <a:ext cx="3270390" cy="2574442"/>
+          </a:xfrm>
+          <a:prstGeom prst="rect">
+            <a:avLst/>
+          </a:prstGeom>
+        </p:spPr>
+      </p:pic>
+      <p:pic>
+        <p:nvPicPr>
+          <p:cNvPr id="10" name="图片 9">
+            <a:extLst>
+              <a:ext uri="{FF2B5EF4-FFF2-40B4-BE49-F238E27FC236}">
+                <a16:creationId xmlns:a16="http://schemas.microsoft.com/office/drawing/2014/main" id="{DDEBC69B-F4F9-6D20-CF8D-1E3DFB6999D2}"/>
+              </a:ext>
+            </a:extLst>
+          </p:cNvPr>
+          <p:cNvPicPr>
+            <a:picLocks noChangeAspect="1"/>
+          </p:cNvPicPr>
+          <p:nvPr/>
+        </p:nvPicPr>
+        <p:blipFill>
+          <a:blip r:embed="rId3"/>
+          <a:stretch>
+            <a:fillRect/>
+          </a:stretch>
+        </p:blipFill>
+        <p:spPr>
+          <a:xfrm>
+            <a:off x="8699741" y="1220431"/>
+            <a:ext cx="2948919" cy="2450510"/>
+          </a:xfrm>
+          <a:prstGeom prst="rect">
+            <a:avLst/>
+          </a:prstGeom>
+        </p:spPr>
+      </p:pic>
+      <p:pic>
+        <p:nvPicPr>
+          <p:cNvPr id="20" name="图片 19">
+            <a:extLst>
+              <a:ext uri="{FF2B5EF4-FFF2-40B4-BE49-F238E27FC236}">
+                <a16:creationId xmlns:a16="http://schemas.microsoft.com/office/drawing/2014/main" id="{2A11E2DD-D662-C8AB-00D3-59BE5255EB64}"/>
+              </a:ext>
+            </a:extLst>
+          </p:cNvPr>
+          <p:cNvPicPr>
+            <a:picLocks noChangeAspect="1"/>
+          </p:cNvPicPr>
+          <p:nvPr/>
+        </p:nvPicPr>
+        <p:blipFill>
+          <a:blip r:embed="rId4"/>
+          <a:stretch>
+            <a:fillRect/>
+          </a:stretch>
+        </p:blipFill>
+        <p:spPr>
+          <a:xfrm>
+            <a:off x="4756081" y="4065327"/>
+            <a:ext cx="3270390" cy="2574442"/>
+          </a:xfrm>
+          <a:prstGeom prst="rect">
+            <a:avLst/>
+          </a:prstGeom>
+        </p:spPr>
+      </p:pic>
+      <p:pic>
+        <p:nvPicPr>
+          <p:cNvPr id="22" name="图片 21">
+            <a:extLst>
+              <a:ext uri="{FF2B5EF4-FFF2-40B4-BE49-F238E27FC236}">
+                <a16:creationId xmlns:a16="http://schemas.microsoft.com/office/drawing/2014/main" id="{7AEF55D5-F492-5AC1-C672-0D1A97CB9ED5}"/>
+              </a:ext>
+            </a:extLst>
+          </p:cNvPr>
+          <p:cNvPicPr>
+            <a:picLocks noChangeAspect="1"/>
+          </p:cNvPicPr>
+          <p:nvPr/>
+        </p:nvPicPr>
+        <p:blipFill>
+          <a:blip r:embed="rId5"/>
+          <a:stretch>
+            <a:fillRect/>
+          </a:stretch>
+        </p:blipFill>
+        <p:spPr>
+          <a:xfrm>
+            <a:off x="8699741" y="4127293"/>
+            <a:ext cx="2895518" cy="2450510"/>
+          </a:xfrm>
+          <a:prstGeom prst="rect">
+            <a:avLst/>
+          </a:prstGeom>
+        </p:spPr>
+      </p:pic>
+    </p:spTree>
+    <p:extLst>
+      <p:ext uri="{BB962C8B-B14F-4D97-AF65-F5344CB8AC3E}">
+        <p14:creationId xmlns:p14="http://schemas.microsoft.com/office/powerpoint/2010/main" val="2937670652"/>
+      </p:ext>
+    </p:extLst>
+  </p:cSld>
+  <p:clrMapOvr>
+    <a:masterClrMapping/>
+  </p:clrMapOvr>
+</p:sld>
+</file>
+
+<file path=ppt/slides/slide16.xml><?xml version="1.0" encoding="utf-8"?>
+<p:sld xmlns:a="http://schemas.openxmlformats.org/drawingml/2006/main" xmlns:r="http://schemas.openxmlformats.org/officeDocument/2006/relationships" xmlns:p="http://schemas.openxmlformats.org/presentationml/2006/main">
+  <p:cSld>
+    <p:spTree>
+      <p:nvGrpSpPr>
+        <p:cNvPr id="1" name=""/>
+        <p:cNvGrpSpPr/>
+        <p:nvPr/>
+      </p:nvGrpSpPr>
+      <p:grpSpPr>
+        <a:xfrm>
+          <a:off x="0" y="0"/>
+          <a:ext cx="0" cy="0"/>
+          <a:chOff x="0" y="0"/>
+          <a:chExt cx="0" cy="0"/>
+        </a:xfrm>
+      </p:grpSpPr>
+      <p:sp>
+        <p:nvSpPr>
+          <p:cNvPr id="4" name="文本框 3">
+            <a:extLst>
+              <a:ext uri="{FF2B5EF4-FFF2-40B4-BE49-F238E27FC236}">
+                <a16:creationId xmlns:a16="http://schemas.microsoft.com/office/drawing/2014/main" id="{D0615F25-CF0E-0920-3A69-5ACB5F07D617}"/>
+              </a:ext>
+            </a:extLst>
+          </p:cNvPr>
+          <p:cNvSpPr txBox="1"/>
+          <p:nvPr/>
+        </p:nvSpPr>
+        <p:spPr>
+          <a:xfrm>
+            <a:off x="344555" y="212035"/>
+            <a:ext cx="7116051" cy="646331"/>
+          </a:xfrm>
+          <a:prstGeom prst="rect">
+            <a:avLst/>
+          </a:prstGeom>
+          <a:noFill/>
+        </p:spPr>
+        <p:txBody>
+          <a:bodyPr wrap="none" rtlCol="0">
+            <a:spAutoFit/>
+          </a:bodyPr>
+          <a:lstStyle/>
+          <a:p>
+            <a:r>
+              <a:rPr lang="en-US" altLang="zh-CN" sz="3600" b="1" dirty="0">
+                <a:latin typeface="Times New Roman" panose="02020603050405020304" pitchFamily="18" charset="0"/>
+                <a:cs typeface="Times New Roman" panose="02020603050405020304" pitchFamily="18" charset="0"/>
+              </a:rPr>
+              <a:t>Results: </a:t>
+            </a:r>
+            <a:r>
+              <a:rPr lang="en-US" altLang="zh-CN" sz="3600" b="1" dirty="0" err="1">
+                <a:latin typeface="Times New Roman" panose="02020603050405020304" pitchFamily="18" charset="0"/>
+                <a:cs typeface="Times New Roman" panose="02020603050405020304" pitchFamily="18" charset="0"/>
+              </a:rPr>
+              <a:t>XGBoost</a:t>
+            </a:r>
+            <a:r>
+              <a:rPr lang="en-US" altLang="zh-CN" sz="3600" b="1" dirty="0">
+                <a:latin typeface="Times New Roman" panose="02020603050405020304" pitchFamily="18" charset="0"/>
+                <a:cs typeface="Times New Roman" panose="02020603050405020304" pitchFamily="18" charset="0"/>
+              </a:rPr>
+              <a:t> w/ </a:t>
+            </a:r>
+            <a:r>
+              <a:rPr lang="en-US" altLang="zh-CN" sz="3600" b="1" dirty="0" err="1">
+                <a:latin typeface="Times New Roman" panose="02020603050405020304" pitchFamily="18" charset="0"/>
+                <a:cs typeface="Times New Roman" panose="02020603050405020304" pitchFamily="18" charset="0"/>
+              </a:rPr>
+              <a:t>mRMR</a:t>
+            </a:r>
+            <a:r>
+              <a:rPr lang="en-US" altLang="zh-CN" sz="3600" b="1" dirty="0">
+                <a:latin typeface="Times New Roman" panose="02020603050405020304" pitchFamily="18" charset="0"/>
+                <a:cs typeface="Times New Roman" panose="02020603050405020304" pitchFamily="18" charset="0"/>
+              </a:rPr>
+              <a:t> (N=2)</a:t>
+            </a:r>
+            <a:endParaRPr lang="zh-CN" altLang="en-US" sz="3600" b="1" dirty="0">
+              <a:latin typeface="Times New Roman" panose="02020603050405020304" pitchFamily="18" charset="0"/>
+              <a:cs typeface="Times New Roman" panose="02020603050405020304" pitchFamily="18" charset="0"/>
+            </a:endParaRPr>
+          </a:p>
+        </p:txBody>
+      </p:sp>
+      <p:sp>
+        <p:nvSpPr>
+          <p:cNvPr id="13" name="文本框 12">
+            <a:extLst>
+              <a:ext uri="{FF2B5EF4-FFF2-40B4-BE49-F238E27FC236}">
+                <a16:creationId xmlns:a16="http://schemas.microsoft.com/office/drawing/2014/main" id="{4D28E66D-D00D-F611-9704-A05F10068EEB}"/>
+              </a:ext>
+            </a:extLst>
+          </p:cNvPr>
+          <p:cNvSpPr txBox="1"/>
+          <p:nvPr/>
+        </p:nvSpPr>
+        <p:spPr>
+          <a:xfrm>
+            <a:off x="978382" y="1753189"/>
+            <a:ext cx="2650084" cy="1384995"/>
+          </a:xfrm>
+          <a:prstGeom prst="rect">
+            <a:avLst/>
+          </a:prstGeom>
+          <a:noFill/>
+        </p:spPr>
+        <p:txBody>
+          <a:bodyPr wrap="none" rtlCol="0">
+            <a:spAutoFit/>
+          </a:bodyPr>
+          <a:lstStyle/>
+          <a:p>
+            <a:r>
+              <a:rPr lang="en-US" altLang="zh-CN" sz="2800" b="1" dirty="0" err="1">
+                <a:latin typeface="Times New Roman" panose="02020603050405020304" pitchFamily="18" charset="0"/>
+                <a:cs typeface="Times New Roman" panose="02020603050405020304" pitchFamily="18" charset="0"/>
+              </a:rPr>
+              <a:t>Demo+Clinic</a:t>
+            </a:r>
+            <a:r>
+              <a:rPr lang="en-US" altLang="zh-CN" sz="2800" b="1" dirty="0">
+                <a:latin typeface="Times New Roman" panose="02020603050405020304" pitchFamily="18" charset="0"/>
+                <a:cs typeface="Times New Roman" panose="02020603050405020304" pitchFamily="18" charset="0"/>
+              </a:rPr>
+              <a:t>:</a:t>
+            </a:r>
+          </a:p>
+          <a:p>
+            <a:r>
+              <a:rPr lang="fr-FR" altLang="zh-CN" sz="2800" b="1" dirty="0">
+                <a:latin typeface="Times New Roman" panose="02020603050405020304" pitchFamily="18" charset="0"/>
+                <a:cs typeface="Times New Roman" panose="02020603050405020304" pitchFamily="18" charset="0"/>
+              </a:rPr>
+              <a:t>AUC train: 0.98</a:t>
+            </a:r>
+          </a:p>
+          <a:p>
+            <a:r>
+              <a:rPr lang="fr-FR" altLang="zh-CN" sz="2800" b="1" dirty="0">
+                <a:latin typeface="Times New Roman" panose="02020603050405020304" pitchFamily="18" charset="0"/>
+                <a:cs typeface="Times New Roman" panose="02020603050405020304" pitchFamily="18" charset="0"/>
+              </a:rPr>
+              <a:t>AUC test: 0.76</a:t>
+            </a:r>
+            <a:endParaRPr lang="zh-CN" altLang="en-US" sz="2800" b="1" dirty="0">
+              <a:latin typeface="Times New Roman" panose="02020603050405020304" pitchFamily="18" charset="0"/>
+              <a:cs typeface="Times New Roman" panose="02020603050405020304" pitchFamily="18" charset="0"/>
+            </a:endParaRPr>
+          </a:p>
+        </p:txBody>
+      </p:sp>
+      <p:sp>
+        <p:nvSpPr>
+          <p:cNvPr id="14" name="文本框 13">
+            <a:extLst>
+              <a:ext uri="{FF2B5EF4-FFF2-40B4-BE49-F238E27FC236}">
+                <a16:creationId xmlns:a16="http://schemas.microsoft.com/office/drawing/2014/main" id="{76D36F27-ED73-AA89-6D17-D6F9028C78C1}"/>
+              </a:ext>
+            </a:extLst>
+          </p:cNvPr>
+          <p:cNvSpPr txBox="1"/>
+          <p:nvPr/>
+        </p:nvSpPr>
+        <p:spPr>
+          <a:xfrm>
+            <a:off x="978382" y="4660051"/>
+            <a:ext cx="3148619" cy="1384995"/>
+          </a:xfrm>
+          <a:prstGeom prst="rect">
+            <a:avLst/>
+          </a:prstGeom>
+          <a:noFill/>
+        </p:spPr>
+        <p:txBody>
+          <a:bodyPr wrap="none" rtlCol="0">
+            <a:spAutoFit/>
+          </a:bodyPr>
+          <a:lstStyle/>
+          <a:p>
+            <a:r>
+              <a:rPr lang="en-US" altLang="zh-CN" sz="2800" b="1" dirty="0" err="1">
+                <a:latin typeface="Times New Roman" panose="02020603050405020304" pitchFamily="18" charset="0"/>
+                <a:cs typeface="Times New Roman" panose="02020603050405020304" pitchFamily="18" charset="0"/>
+              </a:rPr>
+              <a:t>Demo+Clinic+Img</a:t>
+            </a:r>
+            <a:r>
+              <a:rPr lang="en-US" altLang="zh-CN" sz="2800" b="1" dirty="0">
+                <a:latin typeface="Times New Roman" panose="02020603050405020304" pitchFamily="18" charset="0"/>
+                <a:cs typeface="Times New Roman" panose="02020603050405020304" pitchFamily="18" charset="0"/>
+              </a:rPr>
+              <a:t>:</a:t>
+            </a:r>
+          </a:p>
+          <a:p>
+            <a:r>
+              <a:rPr lang="fr-FR" altLang="zh-CN" sz="2800" b="1" dirty="0">
+                <a:latin typeface="Times New Roman" panose="02020603050405020304" pitchFamily="18" charset="0"/>
+                <a:cs typeface="Times New Roman" panose="02020603050405020304" pitchFamily="18" charset="0"/>
+              </a:rPr>
+              <a:t>AUC train: 0.99</a:t>
+            </a:r>
+          </a:p>
+          <a:p>
+            <a:r>
+              <a:rPr lang="fr-FR" altLang="zh-CN" sz="2800" b="1" dirty="0">
+                <a:latin typeface="Times New Roman" panose="02020603050405020304" pitchFamily="18" charset="0"/>
+                <a:cs typeface="Times New Roman" panose="02020603050405020304" pitchFamily="18" charset="0"/>
+              </a:rPr>
+              <a:t>AUC test: 0.83</a:t>
+            </a:r>
+            <a:endParaRPr lang="zh-CN" altLang="en-US" sz="2800" b="1" dirty="0">
+              <a:latin typeface="Times New Roman" panose="02020603050405020304" pitchFamily="18" charset="0"/>
+              <a:cs typeface="Times New Roman" panose="02020603050405020304" pitchFamily="18" charset="0"/>
+            </a:endParaRPr>
+          </a:p>
+        </p:txBody>
+      </p:sp>
+      <p:pic>
+        <p:nvPicPr>
+          <p:cNvPr id="5" name="图片 4">
+            <a:extLst>
+              <a:ext uri="{FF2B5EF4-FFF2-40B4-BE49-F238E27FC236}">
+                <a16:creationId xmlns:a16="http://schemas.microsoft.com/office/drawing/2014/main" id="{B0362FF9-64E3-AE1D-CC02-31EBED63C203}"/>
+              </a:ext>
+            </a:extLst>
+          </p:cNvPr>
+          <p:cNvPicPr>
+            <a:picLocks noChangeAspect="1"/>
+          </p:cNvPicPr>
+          <p:nvPr/>
+        </p:nvPicPr>
+        <p:blipFill>
+          <a:blip r:embed="rId2"/>
+          <a:stretch>
+            <a:fillRect/>
+          </a:stretch>
+        </p:blipFill>
+        <p:spPr>
+          <a:xfrm>
+            <a:off x="4756081" y="4071523"/>
+            <a:ext cx="3270390" cy="2574442"/>
+          </a:xfrm>
+          <a:prstGeom prst="rect">
+            <a:avLst/>
+          </a:prstGeom>
+        </p:spPr>
+      </p:pic>
+      <p:pic>
+        <p:nvPicPr>
+          <p:cNvPr id="8" name="图片 7">
+            <a:extLst>
+              <a:ext uri="{FF2B5EF4-FFF2-40B4-BE49-F238E27FC236}">
+                <a16:creationId xmlns:a16="http://schemas.microsoft.com/office/drawing/2014/main" id="{819100FD-AB72-729F-65B3-2A79FFBBF042}"/>
+              </a:ext>
+            </a:extLst>
+          </p:cNvPr>
+          <p:cNvPicPr>
+            <a:picLocks noChangeAspect="1"/>
+          </p:cNvPicPr>
+          <p:nvPr/>
+        </p:nvPicPr>
+        <p:blipFill>
+          <a:blip r:embed="rId3"/>
+          <a:stretch>
+            <a:fillRect/>
+          </a:stretch>
+        </p:blipFill>
+        <p:spPr>
+          <a:xfrm>
+            <a:off x="8699741" y="4132253"/>
+            <a:ext cx="2883797" cy="2440590"/>
+          </a:xfrm>
+          <a:prstGeom prst="rect">
+            <a:avLst/>
+          </a:prstGeom>
+        </p:spPr>
+      </p:pic>
+      <p:pic>
+        <p:nvPicPr>
+          <p:cNvPr id="6" name="图片 5">
+            <a:extLst>
+              <a:ext uri="{FF2B5EF4-FFF2-40B4-BE49-F238E27FC236}">
+                <a16:creationId xmlns:a16="http://schemas.microsoft.com/office/drawing/2014/main" id="{B8A61EB7-52B7-4067-DAB0-FD32B270BC1E}"/>
+              </a:ext>
+            </a:extLst>
+          </p:cNvPr>
+          <p:cNvPicPr>
+            <a:picLocks noChangeAspect="1"/>
+          </p:cNvPicPr>
+          <p:nvPr/>
+        </p:nvPicPr>
+        <p:blipFill>
+          <a:blip r:embed="rId4"/>
+          <a:stretch>
+            <a:fillRect/>
+          </a:stretch>
+        </p:blipFill>
+        <p:spPr>
+          <a:xfrm>
+            <a:off x="4756081" y="1158465"/>
+            <a:ext cx="3270390" cy="2574442"/>
+          </a:xfrm>
+          <a:prstGeom prst="rect">
+            <a:avLst/>
+          </a:prstGeom>
+        </p:spPr>
+      </p:pic>
+      <p:pic>
+        <p:nvPicPr>
+          <p:cNvPr id="10" name="图片 9">
+            <a:extLst>
+              <a:ext uri="{FF2B5EF4-FFF2-40B4-BE49-F238E27FC236}">
+                <a16:creationId xmlns:a16="http://schemas.microsoft.com/office/drawing/2014/main" id="{8FBE5AB7-5422-7D6B-289E-3925C5B5EF33}"/>
+              </a:ext>
+            </a:extLst>
+          </p:cNvPr>
+          <p:cNvPicPr>
+            <a:picLocks noChangeAspect="1"/>
+          </p:cNvPicPr>
+          <p:nvPr/>
+        </p:nvPicPr>
+        <p:blipFill>
+          <a:blip r:embed="rId5"/>
+          <a:stretch>
+            <a:fillRect/>
+          </a:stretch>
+        </p:blipFill>
+        <p:spPr>
+          <a:xfrm>
+            <a:off x="8699740" y="1225391"/>
+            <a:ext cx="2883797" cy="2440590"/>
+          </a:xfrm>
+          <a:prstGeom prst="rect">
+            <a:avLst/>
+          </a:prstGeom>
+        </p:spPr>
+      </p:pic>
+    </p:spTree>
+    <p:extLst>
+      <p:ext uri="{BB962C8B-B14F-4D97-AF65-F5344CB8AC3E}">
+        <p14:creationId xmlns:p14="http://schemas.microsoft.com/office/powerpoint/2010/main" val="2013663108"/>
+      </p:ext>
+    </p:extLst>
+  </p:cSld>
+  <p:clrMapOvr>
+    <a:masterClrMapping/>
+  </p:clrMapOvr>
+</p:sld>
+</file>
+
+<file path=ppt/slides/slide17.xml><?xml version="1.0" encoding="utf-8"?>
+<p:sld xmlns:a="http://schemas.openxmlformats.org/drawingml/2006/main" xmlns:r="http://schemas.openxmlformats.org/officeDocument/2006/relationships" xmlns:p="http://schemas.openxmlformats.org/presentationml/2006/main">
+  <p:cSld>
+    <p:spTree>
+      <p:nvGrpSpPr>
+        <p:cNvPr id="1" name=""/>
+        <p:cNvGrpSpPr/>
+        <p:nvPr/>
+      </p:nvGrpSpPr>
+      <p:grpSpPr>
+        <a:xfrm>
+          <a:off x="0" y="0"/>
+          <a:ext cx="0" cy="0"/>
+          <a:chOff x="0" y="0"/>
+          <a:chExt cx="0" cy="0"/>
+        </a:xfrm>
+      </p:grpSpPr>
+      <p:sp>
+        <p:nvSpPr>
+          <p:cNvPr id="4" name="文本框 3">
+            <a:extLst>
+              <a:ext uri="{FF2B5EF4-FFF2-40B4-BE49-F238E27FC236}">
+                <a16:creationId xmlns:a16="http://schemas.microsoft.com/office/drawing/2014/main" id="{D0615F25-CF0E-0920-3A69-5ACB5F07D617}"/>
+              </a:ext>
+            </a:extLst>
+          </p:cNvPr>
+          <p:cNvSpPr txBox="1"/>
+          <p:nvPr/>
+        </p:nvSpPr>
+        <p:spPr>
+          <a:xfrm>
+            <a:off x="344555" y="212035"/>
+            <a:ext cx="11038471" cy="646331"/>
+          </a:xfrm>
+          <a:prstGeom prst="rect">
+            <a:avLst/>
+          </a:prstGeom>
+          <a:noFill/>
+        </p:spPr>
+        <p:txBody>
+          <a:bodyPr wrap="none" rtlCol="0">
+            <a:spAutoFit/>
+          </a:bodyPr>
+          <a:lstStyle/>
+          <a:p>
+            <a:r>
+              <a:rPr lang="en-US" altLang="zh-CN" sz="3600" b="1" dirty="0">
+                <a:latin typeface="Times New Roman" panose="02020603050405020304" pitchFamily="18" charset="0"/>
+                <a:cs typeface="Times New Roman" panose="02020603050405020304" pitchFamily="18" charset="0"/>
+              </a:rPr>
+              <a:t>Results: SVM/</a:t>
+            </a:r>
+            <a:r>
+              <a:rPr lang="en-US" altLang="zh-CN" sz="3600" b="1" dirty="0" err="1">
+                <a:latin typeface="Times New Roman" panose="02020603050405020304" pitchFamily="18" charset="0"/>
+                <a:cs typeface="Times New Roman" panose="02020603050405020304" pitchFamily="18" charset="0"/>
+              </a:rPr>
+              <a:t>XGBoost</a:t>
+            </a:r>
+            <a:r>
+              <a:rPr lang="en-US" altLang="zh-CN" sz="3600" b="1" dirty="0">
+                <a:latin typeface="Times New Roman" panose="02020603050405020304" pitchFamily="18" charset="0"/>
+                <a:cs typeface="Times New Roman" panose="02020603050405020304" pitchFamily="18" charset="0"/>
+              </a:rPr>
+              <a:t> AUC against Feature Numbers</a:t>
+            </a:r>
+            <a:endParaRPr lang="zh-CN" altLang="en-US" sz="3600" b="1" dirty="0">
+              <a:latin typeface="Times New Roman" panose="02020603050405020304" pitchFamily="18" charset="0"/>
+              <a:cs typeface="Times New Roman" panose="02020603050405020304" pitchFamily="18" charset="0"/>
+            </a:endParaRPr>
+          </a:p>
+        </p:txBody>
+      </p:sp>
+      <p:pic>
+        <p:nvPicPr>
+          <p:cNvPr id="9" name="图片 8">
+            <a:extLst>
+              <a:ext uri="{FF2B5EF4-FFF2-40B4-BE49-F238E27FC236}">
+                <a16:creationId xmlns:a16="http://schemas.microsoft.com/office/drawing/2014/main" id="{1549DC52-75C9-345E-50DB-037670EACF5F}"/>
+              </a:ext>
+            </a:extLst>
+          </p:cNvPr>
+          <p:cNvPicPr>
+            <a:picLocks noChangeAspect="1"/>
+          </p:cNvPicPr>
+          <p:nvPr/>
+        </p:nvPicPr>
+        <p:blipFill>
+          <a:blip r:embed="rId2"/>
+          <a:stretch>
+            <a:fillRect/>
+          </a:stretch>
+        </p:blipFill>
+        <p:spPr>
+          <a:xfrm>
+            <a:off x="525528" y="1185032"/>
+            <a:ext cx="5210175" cy="4143375"/>
+          </a:xfrm>
+          <a:prstGeom prst="rect">
+            <a:avLst/>
+          </a:prstGeom>
+        </p:spPr>
+      </p:pic>
+      <p:pic>
+        <p:nvPicPr>
+          <p:cNvPr id="12" name="图片 11">
+            <a:extLst>
+              <a:ext uri="{FF2B5EF4-FFF2-40B4-BE49-F238E27FC236}">
+                <a16:creationId xmlns:a16="http://schemas.microsoft.com/office/drawing/2014/main" id="{4B78B9A8-1E85-F585-6A8F-05EC75C16895}"/>
+              </a:ext>
+            </a:extLst>
+          </p:cNvPr>
+          <p:cNvPicPr>
+            <a:picLocks noChangeAspect="1"/>
+          </p:cNvPicPr>
+          <p:nvPr/>
+        </p:nvPicPr>
+        <p:blipFill>
+          <a:blip r:embed="rId3"/>
+          <a:stretch>
+            <a:fillRect/>
+          </a:stretch>
+        </p:blipFill>
+        <p:spPr>
+          <a:xfrm>
+            <a:off x="6456299" y="1185031"/>
+            <a:ext cx="5295900" cy="4143375"/>
+          </a:xfrm>
+          <a:prstGeom prst="rect">
+            <a:avLst/>
+          </a:prstGeom>
+        </p:spPr>
+      </p:pic>
+    </p:spTree>
+    <p:extLst>
+      <p:ext uri="{BB962C8B-B14F-4D97-AF65-F5344CB8AC3E}">
+        <p14:creationId xmlns:p14="http://schemas.microsoft.com/office/powerpoint/2010/main" val="2098087733"/>
+      </p:ext>
+    </p:extLst>
+  </p:cSld>
+  <p:clrMapOvr>
+    <a:masterClrMapping/>
+  </p:clrMapOvr>
+</p:sld>
+</file>
+
+<file path=ppt/slides/slide18.xml><?xml version="1.0" encoding="utf-8"?>
+<p:sld xmlns:a="http://schemas.openxmlformats.org/drawingml/2006/main" xmlns:r="http://schemas.openxmlformats.org/officeDocument/2006/relationships" xmlns:p="http://schemas.openxmlformats.org/presentationml/2006/main">
+  <p:cSld>
+    <p:spTree>
+      <p:nvGrpSpPr>
+        <p:cNvPr id="1" name=""/>
+        <p:cNvGrpSpPr/>
+        <p:nvPr/>
+      </p:nvGrpSpPr>
+      <p:grpSpPr>
+        <a:xfrm>
+          <a:off x="0" y="0"/>
+          <a:ext cx="0" cy="0"/>
+          <a:chOff x="0" y="0"/>
+          <a:chExt cx="0" cy="0"/>
+        </a:xfrm>
+      </p:grpSpPr>
+      <p:sp>
+        <p:nvSpPr>
+          <p:cNvPr id="4" name="文本框 3">
+            <a:extLst>
+              <a:ext uri="{FF2B5EF4-FFF2-40B4-BE49-F238E27FC236}">
+                <a16:creationId xmlns:a16="http://schemas.microsoft.com/office/drawing/2014/main" id="{D0615F25-CF0E-0920-3A69-5ACB5F07D617}"/>
+              </a:ext>
+            </a:extLst>
+          </p:cNvPr>
+          <p:cNvSpPr txBox="1"/>
+          <p:nvPr/>
+        </p:nvSpPr>
+        <p:spPr>
+          <a:xfrm>
+            <a:off x="344555" y="212035"/>
+            <a:ext cx="7103227" cy="646331"/>
+          </a:xfrm>
+          <a:prstGeom prst="rect">
+            <a:avLst/>
+          </a:prstGeom>
+          <a:noFill/>
+        </p:spPr>
+        <p:txBody>
+          <a:bodyPr wrap="none" rtlCol="0">
+            <a:spAutoFit/>
+          </a:bodyPr>
+          <a:lstStyle/>
+          <a:p>
+            <a:r>
+              <a:rPr lang="en-US" altLang="zh-CN" sz="3600" b="1" dirty="0">
+                <a:latin typeface="Times New Roman" panose="02020603050405020304" pitchFamily="18" charset="0"/>
+                <a:cs typeface="Times New Roman" panose="02020603050405020304" pitchFamily="18" charset="0"/>
+              </a:rPr>
+              <a:t>Results: SVM w/ </a:t>
+            </a:r>
+            <a:r>
+              <a:rPr lang="en-US" altLang="zh-CN" sz="3600" b="1" dirty="0" err="1">
+                <a:latin typeface="Times New Roman" panose="02020603050405020304" pitchFamily="18" charset="0"/>
+                <a:cs typeface="Times New Roman" panose="02020603050405020304" pitchFamily="18" charset="0"/>
+              </a:rPr>
+              <a:t>mRMR</a:t>
+            </a:r>
+            <a:r>
+              <a:rPr lang="en-US" altLang="zh-CN" sz="3600" b="1" dirty="0">
+                <a:latin typeface="Times New Roman" panose="02020603050405020304" pitchFamily="18" charset="0"/>
+                <a:cs typeface="Times New Roman" panose="02020603050405020304" pitchFamily="18" charset="0"/>
+              </a:rPr>
+              <a:t> + LASSO</a:t>
+            </a:r>
+            <a:endParaRPr lang="zh-CN" altLang="en-US" sz="3600" b="1" dirty="0">
+              <a:latin typeface="Times New Roman" panose="02020603050405020304" pitchFamily="18" charset="0"/>
+              <a:cs typeface="Times New Roman" panose="02020603050405020304" pitchFamily="18" charset="0"/>
+            </a:endParaRPr>
+          </a:p>
+        </p:txBody>
+      </p:sp>
+      <p:sp>
+        <p:nvSpPr>
+          <p:cNvPr id="13" name="文本框 12">
+            <a:extLst>
+              <a:ext uri="{FF2B5EF4-FFF2-40B4-BE49-F238E27FC236}">
+                <a16:creationId xmlns:a16="http://schemas.microsoft.com/office/drawing/2014/main" id="{4D28E66D-D00D-F611-9704-A05F10068EEB}"/>
+              </a:ext>
+            </a:extLst>
+          </p:cNvPr>
+          <p:cNvSpPr txBox="1"/>
+          <p:nvPr/>
+        </p:nvSpPr>
+        <p:spPr>
+          <a:xfrm>
+            <a:off x="978382" y="1753189"/>
+            <a:ext cx="2650084" cy="1384995"/>
+          </a:xfrm>
+          <a:prstGeom prst="rect">
+            <a:avLst/>
+          </a:prstGeom>
+          <a:noFill/>
+        </p:spPr>
+        <p:txBody>
+          <a:bodyPr wrap="none" rtlCol="0">
+            <a:spAutoFit/>
+          </a:bodyPr>
+          <a:lstStyle/>
+          <a:p>
+            <a:r>
+              <a:rPr lang="en-US" altLang="zh-CN" sz="2800" b="1" dirty="0" err="1">
+                <a:latin typeface="Times New Roman" panose="02020603050405020304" pitchFamily="18" charset="0"/>
+                <a:cs typeface="Times New Roman" panose="02020603050405020304" pitchFamily="18" charset="0"/>
+              </a:rPr>
+              <a:t>Demo+Clinic</a:t>
+            </a:r>
+            <a:r>
+              <a:rPr lang="en-US" altLang="zh-CN" sz="2800" b="1" dirty="0">
+                <a:latin typeface="Times New Roman" panose="02020603050405020304" pitchFamily="18" charset="0"/>
+                <a:cs typeface="Times New Roman" panose="02020603050405020304" pitchFamily="18" charset="0"/>
+              </a:rPr>
+              <a:t>:</a:t>
+            </a:r>
+          </a:p>
+          <a:p>
+            <a:r>
+              <a:rPr lang="fr-FR" altLang="zh-CN" sz="2800" b="1" dirty="0">
+                <a:latin typeface="Times New Roman" panose="02020603050405020304" pitchFamily="18" charset="0"/>
+                <a:cs typeface="Times New Roman" panose="02020603050405020304" pitchFamily="18" charset="0"/>
+              </a:rPr>
+              <a:t>AUC train: 0.76</a:t>
+            </a:r>
+          </a:p>
+          <a:p>
+            <a:r>
+              <a:rPr lang="fr-FR" altLang="zh-CN" sz="2800" b="1" dirty="0">
+                <a:latin typeface="Times New Roman" panose="02020603050405020304" pitchFamily="18" charset="0"/>
+                <a:cs typeface="Times New Roman" panose="02020603050405020304" pitchFamily="18" charset="0"/>
+              </a:rPr>
+              <a:t>AUC test: 0.71</a:t>
+            </a:r>
+            <a:endParaRPr lang="zh-CN" altLang="en-US" sz="2800" b="1" dirty="0">
+              <a:latin typeface="Times New Roman" panose="02020603050405020304" pitchFamily="18" charset="0"/>
+              <a:cs typeface="Times New Roman" panose="02020603050405020304" pitchFamily="18" charset="0"/>
+            </a:endParaRPr>
+          </a:p>
+        </p:txBody>
+      </p:sp>
+      <p:sp>
+        <p:nvSpPr>
+          <p:cNvPr id="14" name="文本框 13">
+            <a:extLst>
+              <a:ext uri="{FF2B5EF4-FFF2-40B4-BE49-F238E27FC236}">
+                <a16:creationId xmlns:a16="http://schemas.microsoft.com/office/drawing/2014/main" id="{76D36F27-ED73-AA89-6D17-D6F9028C78C1}"/>
+              </a:ext>
+            </a:extLst>
+          </p:cNvPr>
+          <p:cNvSpPr txBox="1"/>
+          <p:nvPr/>
+        </p:nvSpPr>
+        <p:spPr>
+          <a:xfrm>
+            <a:off x="978382" y="4660051"/>
+            <a:ext cx="3148619" cy="1384995"/>
+          </a:xfrm>
+          <a:prstGeom prst="rect">
+            <a:avLst/>
+          </a:prstGeom>
+          <a:noFill/>
+        </p:spPr>
+        <p:txBody>
+          <a:bodyPr wrap="none" rtlCol="0">
+            <a:spAutoFit/>
+          </a:bodyPr>
+          <a:lstStyle/>
+          <a:p>
+            <a:r>
+              <a:rPr lang="en-US" altLang="zh-CN" sz="2800" b="1" dirty="0" err="1">
+                <a:latin typeface="Times New Roman" panose="02020603050405020304" pitchFamily="18" charset="0"/>
+                <a:cs typeface="Times New Roman" panose="02020603050405020304" pitchFamily="18" charset="0"/>
+              </a:rPr>
+              <a:t>Demo+Clinic+Img</a:t>
+            </a:r>
+            <a:r>
+              <a:rPr lang="en-US" altLang="zh-CN" sz="2800" b="1" dirty="0">
+                <a:latin typeface="Times New Roman" panose="02020603050405020304" pitchFamily="18" charset="0"/>
+                <a:cs typeface="Times New Roman" panose="02020603050405020304" pitchFamily="18" charset="0"/>
+              </a:rPr>
+              <a:t>:</a:t>
+            </a:r>
+          </a:p>
+          <a:p>
+            <a:r>
+              <a:rPr lang="fr-FR" altLang="zh-CN" sz="2800" b="1" dirty="0">
+                <a:latin typeface="Times New Roman" panose="02020603050405020304" pitchFamily="18" charset="0"/>
+                <a:cs typeface="Times New Roman" panose="02020603050405020304" pitchFamily="18" charset="0"/>
+              </a:rPr>
+              <a:t>AUC train: 0.78</a:t>
+            </a:r>
+          </a:p>
+          <a:p>
+            <a:r>
+              <a:rPr lang="fr-FR" altLang="zh-CN" sz="2800" b="1" dirty="0">
+                <a:latin typeface="Times New Roman" panose="02020603050405020304" pitchFamily="18" charset="0"/>
+                <a:cs typeface="Times New Roman" panose="02020603050405020304" pitchFamily="18" charset="0"/>
+              </a:rPr>
+              <a:t>AUC test: 0.76</a:t>
+            </a:r>
+            <a:endParaRPr lang="zh-CN" altLang="en-US" sz="2800" b="1" dirty="0">
+              <a:latin typeface="Times New Roman" panose="02020603050405020304" pitchFamily="18" charset="0"/>
+              <a:cs typeface="Times New Roman" panose="02020603050405020304" pitchFamily="18" charset="0"/>
+            </a:endParaRPr>
+          </a:p>
+        </p:txBody>
+      </p:sp>
+      <p:pic>
+        <p:nvPicPr>
+          <p:cNvPr id="8" name="图片 7">
+            <a:extLst>
+              <a:ext uri="{FF2B5EF4-FFF2-40B4-BE49-F238E27FC236}">
+                <a16:creationId xmlns:a16="http://schemas.microsoft.com/office/drawing/2014/main" id="{8F1E659E-78C6-A09B-4B3A-708958F9D6EE}"/>
+              </a:ext>
+            </a:extLst>
+          </p:cNvPr>
+          <p:cNvPicPr>
+            <a:picLocks noChangeAspect="1"/>
+          </p:cNvPicPr>
+          <p:nvPr/>
+        </p:nvPicPr>
+        <p:blipFill>
+          <a:blip r:embed="rId2"/>
+          <a:stretch>
+            <a:fillRect/>
+          </a:stretch>
+        </p:blipFill>
+        <p:spPr>
+          <a:xfrm>
+            <a:off x="4756081" y="1158465"/>
+            <a:ext cx="3270390" cy="2574442"/>
+          </a:xfrm>
+          <a:prstGeom prst="rect">
+            <a:avLst/>
+          </a:prstGeom>
+        </p:spPr>
+      </p:pic>
+      <p:pic>
+        <p:nvPicPr>
+          <p:cNvPr id="10" name="图片 9">
+            <a:extLst>
+              <a:ext uri="{FF2B5EF4-FFF2-40B4-BE49-F238E27FC236}">
+                <a16:creationId xmlns:a16="http://schemas.microsoft.com/office/drawing/2014/main" id="{DDEBC69B-F4F9-6D20-CF8D-1E3DFB6999D2}"/>
+              </a:ext>
+            </a:extLst>
+          </p:cNvPr>
+          <p:cNvPicPr>
+            <a:picLocks noChangeAspect="1"/>
+          </p:cNvPicPr>
+          <p:nvPr/>
+        </p:nvPicPr>
+        <p:blipFill>
+          <a:blip r:embed="rId3"/>
+          <a:stretch>
+            <a:fillRect/>
+          </a:stretch>
+        </p:blipFill>
+        <p:spPr>
+          <a:xfrm>
+            <a:off x="8699741" y="1220431"/>
+            <a:ext cx="2948919" cy="2450510"/>
+          </a:xfrm>
+          <a:prstGeom prst="rect">
+            <a:avLst/>
+          </a:prstGeom>
+        </p:spPr>
+      </p:pic>
+      <p:pic>
+        <p:nvPicPr>
+          <p:cNvPr id="3" name="图片 2">
+            <a:extLst>
+              <a:ext uri="{FF2B5EF4-FFF2-40B4-BE49-F238E27FC236}">
+                <a16:creationId xmlns:a16="http://schemas.microsoft.com/office/drawing/2014/main" id="{E235B2D7-3670-7E98-5956-01726B7F9EDC}"/>
+              </a:ext>
+            </a:extLst>
+          </p:cNvPr>
+          <p:cNvPicPr>
+            <a:picLocks noChangeAspect="1"/>
+          </p:cNvPicPr>
+          <p:nvPr/>
+        </p:nvPicPr>
+        <p:blipFill>
+          <a:blip r:embed="rId4"/>
+          <a:stretch>
+            <a:fillRect/>
+          </a:stretch>
+        </p:blipFill>
+        <p:spPr>
+          <a:xfrm>
+            <a:off x="4756081" y="4071523"/>
+            <a:ext cx="3270390" cy="2574442"/>
+          </a:xfrm>
+          <a:prstGeom prst="rect">
+            <a:avLst/>
+          </a:prstGeom>
+        </p:spPr>
+      </p:pic>
+      <p:pic>
+        <p:nvPicPr>
+          <p:cNvPr id="6" name="图片 5">
+            <a:extLst>
+              <a:ext uri="{FF2B5EF4-FFF2-40B4-BE49-F238E27FC236}">
+                <a16:creationId xmlns:a16="http://schemas.microsoft.com/office/drawing/2014/main" id="{D7E2C1A8-7158-DDD0-0083-6B7F64D3C330}"/>
+              </a:ext>
+            </a:extLst>
+          </p:cNvPr>
+          <p:cNvPicPr>
+            <a:picLocks noChangeAspect="1"/>
+          </p:cNvPicPr>
+          <p:nvPr/>
+        </p:nvPicPr>
+        <p:blipFill>
+          <a:blip r:embed="rId5"/>
+          <a:stretch>
+            <a:fillRect/>
+          </a:stretch>
+        </p:blipFill>
+        <p:spPr>
+          <a:xfrm>
+            <a:off x="8699741" y="4127126"/>
+            <a:ext cx="2895911" cy="2450843"/>
+          </a:xfrm>
+          <a:prstGeom prst="rect">
+            <a:avLst/>
+          </a:prstGeom>
+        </p:spPr>
+      </p:pic>
+    </p:spTree>
+    <p:extLst>
+      <p:ext uri="{BB962C8B-B14F-4D97-AF65-F5344CB8AC3E}">
+        <p14:creationId xmlns:p14="http://schemas.microsoft.com/office/powerpoint/2010/main" val="1143426746"/>
+      </p:ext>
+    </p:extLst>
+  </p:cSld>
+  <p:clrMapOvr>
+    <a:masterClrMapping/>
+  </p:clrMapOvr>
+</p:sld>
+</file>
+
+<file path=ppt/slides/slide19.xml><?xml version="1.0" encoding="utf-8"?>
+<p:sld xmlns:a="http://schemas.openxmlformats.org/drawingml/2006/main" xmlns:r="http://schemas.openxmlformats.org/officeDocument/2006/relationships" xmlns:p="http://schemas.openxmlformats.org/presentationml/2006/main">
+  <p:cSld>
+    <p:spTree>
+      <p:nvGrpSpPr>
+        <p:cNvPr id="1" name=""/>
+        <p:cNvGrpSpPr/>
+        <p:nvPr/>
+      </p:nvGrpSpPr>
+      <p:grpSpPr>
+        <a:xfrm>
+          <a:off x="0" y="0"/>
+          <a:ext cx="0" cy="0"/>
+          <a:chOff x="0" y="0"/>
+          <a:chExt cx="0" cy="0"/>
+        </a:xfrm>
+      </p:grpSpPr>
+      <p:sp>
+        <p:nvSpPr>
+          <p:cNvPr id="4" name="文本框 3">
+            <a:extLst>
+              <a:ext uri="{FF2B5EF4-FFF2-40B4-BE49-F238E27FC236}">
+                <a16:creationId xmlns:a16="http://schemas.microsoft.com/office/drawing/2014/main" id="{D0615F25-CF0E-0920-3A69-5ACB5F07D617}"/>
+              </a:ext>
+            </a:extLst>
+          </p:cNvPr>
+          <p:cNvSpPr txBox="1"/>
+          <p:nvPr/>
+        </p:nvSpPr>
+        <p:spPr>
+          <a:xfrm>
+            <a:off x="344555" y="212035"/>
+            <a:ext cx="7872668" cy="646331"/>
+          </a:xfrm>
+          <a:prstGeom prst="rect">
+            <a:avLst/>
+          </a:prstGeom>
+          <a:noFill/>
+        </p:spPr>
+        <p:txBody>
+          <a:bodyPr wrap="none" rtlCol="0">
+            <a:spAutoFit/>
+          </a:bodyPr>
+          <a:lstStyle/>
+          <a:p>
+            <a:r>
+              <a:rPr lang="en-US" altLang="zh-CN" sz="3600" b="1" dirty="0">
+                <a:latin typeface="Times New Roman" panose="02020603050405020304" pitchFamily="18" charset="0"/>
+                <a:cs typeface="Times New Roman" panose="02020603050405020304" pitchFamily="18" charset="0"/>
+              </a:rPr>
+              <a:t>Results: </a:t>
+            </a:r>
+            <a:r>
+              <a:rPr lang="en-US" altLang="zh-CN" sz="3600" b="1" dirty="0" err="1">
+                <a:latin typeface="Times New Roman" panose="02020603050405020304" pitchFamily="18" charset="0"/>
+                <a:cs typeface="Times New Roman" panose="02020603050405020304" pitchFamily="18" charset="0"/>
+              </a:rPr>
+              <a:t>XGBoost</a:t>
+            </a:r>
+            <a:r>
+              <a:rPr lang="en-US" altLang="zh-CN" sz="3600" b="1" dirty="0">
+                <a:latin typeface="Times New Roman" panose="02020603050405020304" pitchFamily="18" charset="0"/>
+                <a:cs typeface="Times New Roman" panose="02020603050405020304" pitchFamily="18" charset="0"/>
+              </a:rPr>
+              <a:t> w/ </a:t>
+            </a:r>
+            <a:r>
+              <a:rPr lang="en-US" altLang="zh-CN" sz="3600" b="1" dirty="0" err="1">
+                <a:latin typeface="Times New Roman" panose="02020603050405020304" pitchFamily="18" charset="0"/>
+                <a:cs typeface="Times New Roman" panose="02020603050405020304" pitchFamily="18" charset="0"/>
+              </a:rPr>
+              <a:t>mRMR</a:t>
+            </a:r>
+            <a:r>
+              <a:rPr lang="en-US" altLang="zh-CN" sz="3600" b="1" dirty="0">
+                <a:latin typeface="Times New Roman" panose="02020603050405020304" pitchFamily="18" charset="0"/>
+                <a:cs typeface="Times New Roman" panose="02020603050405020304" pitchFamily="18" charset="0"/>
+              </a:rPr>
+              <a:t> + LASSO</a:t>
+            </a:r>
+            <a:endParaRPr lang="zh-CN" altLang="en-US" sz="3600" b="1" dirty="0">
+              <a:latin typeface="Times New Roman" panose="02020603050405020304" pitchFamily="18" charset="0"/>
+              <a:cs typeface="Times New Roman" panose="02020603050405020304" pitchFamily="18" charset="0"/>
+            </a:endParaRPr>
+          </a:p>
+        </p:txBody>
+      </p:sp>
+      <p:sp>
+        <p:nvSpPr>
+          <p:cNvPr id="13" name="文本框 12">
+            <a:extLst>
+              <a:ext uri="{FF2B5EF4-FFF2-40B4-BE49-F238E27FC236}">
+                <a16:creationId xmlns:a16="http://schemas.microsoft.com/office/drawing/2014/main" id="{4D28E66D-D00D-F611-9704-A05F10068EEB}"/>
+              </a:ext>
+            </a:extLst>
+          </p:cNvPr>
+          <p:cNvSpPr txBox="1"/>
+          <p:nvPr/>
+        </p:nvSpPr>
+        <p:spPr>
+          <a:xfrm>
+            <a:off x="978382" y="1753189"/>
+            <a:ext cx="2650084" cy="1384995"/>
+          </a:xfrm>
+          <a:prstGeom prst="rect">
+            <a:avLst/>
+          </a:prstGeom>
+          <a:noFill/>
+        </p:spPr>
+        <p:txBody>
+          <a:bodyPr wrap="none" rtlCol="0">
+            <a:spAutoFit/>
+          </a:bodyPr>
+          <a:lstStyle/>
+          <a:p>
+            <a:r>
+              <a:rPr lang="en-US" altLang="zh-CN" sz="2800" b="1" dirty="0" err="1">
+                <a:latin typeface="Times New Roman" panose="02020603050405020304" pitchFamily="18" charset="0"/>
+                <a:cs typeface="Times New Roman" panose="02020603050405020304" pitchFamily="18" charset="0"/>
+              </a:rPr>
+              <a:t>Demo+Clinic</a:t>
+            </a:r>
+            <a:r>
+              <a:rPr lang="en-US" altLang="zh-CN" sz="2800" b="1" dirty="0">
+                <a:latin typeface="Times New Roman" panose="02020603050405020304" pitchFamily="18" charset="0"/>
+                <a:cs typeface="Times New Roman" panose="02020603050405020304" pitchFamily="18" charset="0"/>
+              </a:rPr>
+              <a:t>:</a:t>
+            </a:r>
+          </a:p>
+          <a:p>
+            <a:r>
+              <a:rPr lang="fr-FR" altLang="zh-CN" sz="2800" b="1" dirty="0">
+                <a:latin typeface="Times New Roman" panose="02020603050405020304" pitchFamily="18" charset="0"/>
+                <a:cs typeface="Times New Roman" panose="02020603050405020304" pitchFamily="18" charset="0"/>
+              </a:rPr>
+              <a:t>AUC train: 0.98</a:t>
+            </a:r>
+          </a:p>
+          <a:p>
+            <a:r>
+              <a:rPr lang="fr-FR" altLang="zh-CN" sz="2800" b="1" dirty="0">
+                <a:latin typeface="Times New Roman" panose="02020603050405020304" pitchFamily="18" charset="0"/>
+                <a:cs typeface="Times New Roman" panose="02020603050405020304" pitchFamily="18" charset="0"/>
+              </a:rPr>
+              <a:t>AUC test: 0.76</a:t>
+            </a:r>
+            <a:endParaRPr lang="zh-CN" altLang="en-US" sz="2800" b="1" dirty="0">
+              <a:latin typeface="Times New Roman" panose="02020603050405020304" pitchFamily="18" charset="0"/>
+              <a:cs typeface="Times New Roman" panose="02020603050405020304" pitchFamily="18" charset="0"/>
+            </a:endParaRPr>
+          </a:p>
+        </p:txBody>
+      </p:sp>
+      <p:sp>
+        <p:nvSpPr>
+          <p:cNvPr id="14" name="文本框 13">
+            <a:extLst>
+              <a:ext uri="{FF2B5EF4-FFF2-40B4-BE49-F238E27FC236}">
+                <a16:creationId xmlns:a16="http://schemas.microsoft.com/office/drawing/2014/main" id="{76D36F27-ED73-AA89-6D17-D6F9028C78C1}"/>
+              </a:ext>
+            </a:extLst>
+          </p:cNvPr>
+          <p:cNvSpPr txBox="1"/>
+          <p:nvPr/>
+        </p:nvSpPr>
+        <p:spPr>
+          <a:xfrm>
+            <a:off x="978382" y="4660051"/>
+            <a:ext cx="3148619" cy="1384995"/>
+          </a:xfrm>
+          <a:prstGeom prst="rect">
+            <a:avLst/>
+          </a:prstGeom>
+          <a:noFill/>
+        </p:spPr>
+        <p:txBody>
+          <a:bodyPr wrap="none" rtlCol="0">
+            <a:spAutoFit/>
+          </a:bodyPr>
+          <a:lstStyle/>
+          <a:p>
+            <a:r>
+              <a:rPr lang="en-US" altLang="zh-CN" sz="2800" b="1" dirty="0" err="1">
+                <a:latin typeface="Times New Roman" panose="02020603050405020304" pitchFamily="18" charset="0"/>
+                <a:cs typeface="Times New Roman" panose="02020603050405020304" pitchFamily="18" charset="0"/>
+              </a:rPr>
+              <a:t>Demo+Clinic+Img</a:t>
+            </a:r>
+            <a:r>
+              <a:rPr lang="en-US" altLang="zh-CN" sz="2800" b="1" dirty="0">
+                <a:latin typeface="Times New Roman" panose="02020603050405020304" pitchFamily="18" charset="0"/>
+                <a:cs typeface="Times New Roman" panose="02020603050405020304" pitchFamily="18" charset="0"/>
+              </a:rPr>
+              <a:t>:</a:t>
+            </a:r>
+          </a:p>
+          <a:p>
+            <a:r>
+              <a:rPr lang="fr-FR" altLang="zh-CN" sz="2800" b="1" dirty="0">
+                <a:latin typeface="Times New Roman" panose="02020603050405020304" pitchFamily="18" charset="0"/>
+                <a:cs typeface="Times New Roman" panose="02020603050405020304" pitchFamily="18" charset="0"/>
+              </a:rPr>
+              <a:t>AUC train: 0.999</a:t>
+            </a:r>
+          </a:p>
+          <a:p>
+            <a:r>
+              <a:rPr lang="fr-FR" altLang="zh-CN" sz="2800" b="1" dirty="0">
+                <a:latin typeface="Times New Roman" panose="02020603050405020304" pitchFamily="18" charset="0"/>
+                <a:cs typeface="Times New Roman" panose="02020603050405020304" pitchFamily="18" charset="0"/>
+              </a:rPr>
+              <a:t>AUC test: 0.66</a:t>
+            </a:r>
+            <a:endParaRPr lang="zh-CN" altLang="en-US" sz="2800" b="1" dirty="0">
+              <a:latin typeface="Times New Roman" panose="02020603050405020304" pitchFamily="18" charset="0"/>
+              <a:cs typeface="Times New Roman" panose="02020603050405020304" pitchFamily="18" charset="0"/>
+            </a:endParaRPr>
+          </a:p>
+        </p:txBody>
+      </p:sp>
+      <p:pic>
+        <p:nvPicPr>
+          <p:cNvPr id="6" name="图片 5">
+            <a:extLst>
+              <a:ext uri="{FF2B5EF4-FFF2-40B4-BE49-F238E27FC236}">
+                <a16:creationId xmlns:a16="http://schemas.microsoft.com/office/drawing/2014/main" id="{B8A61EB7-52B7-4067-DAB0-FD32B270BC1E}"/>
+              </a:ext>
+            </a:extLst>
+          </p:cNvPr>
+          <p:cNvPicPr>
+            <a:picLocks noChangeAspect="1"/>
+          </p:cNvPicPr>
+          <p:nvPr/>
+        </p:nvPicPr>
+        <p:blipFill>
+          <a:blip r:embed="rId2"/>
+          <a:stretch>
+            <a:fillRect/>
+          </a:stretch>
+        </p:blipFill>
+        <p:spPr>
+          <a:xfrm>
+            <a:off x="4756081" y="1158465"/>
+            <a:ext cx="3270390" cy="2574442"/>
+          </a:xfrm>
+          <a:prstGeom prst="rect">
+            <a:avLst/>
+          </a:prstGeom>
+        </p:spPr>
+      </p:pic>
+      <p:pic>
+        <p:nvPicPr>
+          <p:cNvPr id="10" name="图片 9">
+            <a:extLst>
+              <a:ext uri="{FF2B5EF4-FFF2-40B4-BE49-F238E27FC236}">
+                <a16:creationId xmlns:a16="http://schemas.microsoft.com/office/drawing/2014/main" id="{8FBE5AB7-5422-7D6B-289E-3925C5B5EF33}"/>
+              </a:ext>
+            </a:extLst>
+          </p:cNvPr>
+          <p:cNvPicPr>
+            <a:picLocks noChangeAspect="1"/>
+          </p:cNvPicPr>
+          <p:nvPr/>
+        </p:nvPicPr>
+        <p:blipFill>
+          <a:blip r:embed="rId3"/>
+          <a:stretch>
+            <a:fillRect/>
+          </a:stretch>
+        </p:blipFill>
+        <p:spPr>
+          <a:xfrm>
+            <a:off x="8699740" y="1225391"/>
+            <a:ext cx="2883797" cy="2440590"/>
+          </a:xfrm>
+          <a:prstGeom prst="rect">
+            <a:avLst/>
+          </a:prstGeom>
+        </p:spPr>
+      </p:pic>
+      <p:pic>
+        <p:nvPicPr>
+          <p:cNvPr id="3" name="图片 2">
+            <a:extLst>
+              <a:ext uri="{FF2B5EF4-FFF2-40B4-BE49-F238E27FC236}">
+                <a16:creationId xmlns:a16="http://schemas.microsoft.com/office/drawing/2014/main" id="{5AFCAF43-C541-F61D-90D6-04F61EFD819E}"/>
+              </a:ext>
+            </a:extLst>
+          </p:cNvPr>
+          <p:cNvPicPr>
+            <a:picLocks noChangeAspect="1"/>
+          </p:cNvPicPr>
+          <p:nvPr/>
+        </p:nvPicPr>
+        <p:blipFill>
+          <a:blip r:embed="rId4"/>
+          <a:stretch>
+            <a:fillRect/>
+          </a:stretch>
+        </p:blipFill>
+        <p:spPr>
+          <a:xfrm>
+            <a:off x="4756081" y="4065327"/>
+            <a:ext cx="3270390" cy="2574442"/>
+          </a:xfrm>
+          <a:prstGeom prst="rect">
+            <a:avLst/>
+          </a:prstGeom>
+        </p:spPr>
+      </p:pic>
+      <p:pic>
+        <p:nvPicPr>
+          <p:cNvPr id="9" name="图片 8">
+            <a:extLst>
+              <a:ext uri="{FF2B5EF4-FFF2-40B4-BE49-F238E27FC236}">
+                <a16:creationId xmlns:a16="http://schemas.microsoft.com/office/drawing/2014/main" id="{447AF7C2-BD73-3C4C-5F24-E784867F0BB6}"/>
+              </a:ext>
+            </a:extLst>
+          </p:cNvPr>
+          <p:cNvPicPr>
+            <a:picLocks noChangeAspect="1"/>
+          </p:cNvPicPr>
+          <p:nvPr/>
+        </p:nvPicPr>
+        <p:blipFill>
+          <a:blip r:embed="rId5"/>
+          <a:stretch>
+            <a:fillRect/>
+          </a:stretch>
+        </p:blipFill>
+        <p:spPr>
+          <a:xfrm>
+            <a:off x="8699740" y="4127292"/>
+            <a:ext cx="2948921" cy="2450512"/>
+          </a:xfrm>
+          <a:prstGeom prst="rect">
+            <a:avLst/>
+          </a:prstGeom>
+        </p:spPr>
+      </p:pic>
+    </p:spTree>
+    <p:extLst>
+      <p:ext uri="{BB962C8B-B14F-4D97-AF65-F5344CB8AC3E}">
+        <p14:creationId xmlns:p14="http://schemas.microsoft.com/office/powerpoint/2010/main" val="988956521"/>
+      </p:ext>
+    </p:extLst>
+  </p:cSld>
+  <p:clrMapOvr>
+    <a:masterClrMapping/>
+  </p:clrMapOvr>
+</p:sld>
+</file>
+
+<file path=ppt/slides/slide2.xml><?xml version="1.0" encoding="utf-8"?>
+<p:sld xmlns:a="http://schemas.openxmlformats.org/drawingml/2006/main" xmlns:r="http://schemas.openxmlformats.org/officeDocument/2006/relationships" xmlns:p="http://schemas.openxmlformats.org/presentationml/2006/main">
+  <p:cSld>
+    <p:spTree>
+      <p:nvGrpSpPr>
+        <p:cNvPr id="1" name=""/>
+        <p:cNvGrpSpPr/>
+        <p:nvPr/>
+      </p:nvGrpSpPr>
+      <p:grpSpPr>
+        <a:xfrm>
+          <a:off x="0" y="0"/>
+          <a:ext cx="0" cy="0"/>
+          <a:chOff x="0" y="0"/>
+          <a:chExt cx="0" cy="0"/>
+        </a:xfrm>
+      </p:grpSpPr>
+      <p:sp>
+        <p:nvSpPr>
+          <p:cNvPr id="4" name="文本框 3">
+            <a:extLst>
+              <a:ext uri="{FF2B5EF4-FFF2-40B4-BE49-F238E27FC236}">
+                <a16:creationId xmlns:a16="http://schemas.microsoft.com/office/drawing/2014/main" id="{0165F166-86FF-18CC-E95C-8F1D8DBF0AFE}"/>
+              </a:ext>
+            </a:extLst>
+          </p:cNvPr>
+          <p:cNvSpPr txBox="1"/>
+          <p:nvPr/>
+        </p:nvSpPr>
+        <p:spPr>
+          <a:xfrm>
+            <a:off x="959468" y="126500"/>
+            <a:ext cx="10361427" cy="707886"/>
+          </a:xfrm>
+          <a:prstGeom prst="rect">
+            <a:avLst/>
+          </a:prstGeom>
+          <a:noFill/>
+        </p:spPr>
+        <p:txBody>
+          <a:bodyPr wrap="square" rtlCol="0">
+            <a:spAutoFit/>
+          </a:bodyPr>
+          <a:lstStyle/>
+          <a:p>
+            <a:r>
+              <a:rPr lang="en-US" altLang="zh-CN" sz="2000" b="1" dirty="0">
+                <a:latin typeface="Times New Roman" panose="02020603050405020304" pitchFamily="18" charset="0"/>
+                <a:cs typeface="Times New Roman" panose="02020603050405020304" pitchFamily="18" charset="0"/>
+              </a:rPr>
+              <a:t>3D Textural, Morphological and Statistical Analysis of Voxel of Interests in 3T MRI Scans for the Detection of Parkinson’s Disease Using Artificial Neural Networks</a:t>
+            </a:r>
+          </a:p>
+        </p:txBody>
+      </p:sp>
+      <p:pic>
+        <p:nvPicPr>
+          <p:cNvPr id="5" name="图片 4">
+            <a:extLst>
+              <a:ext uri="{FF2B5EF4-FFF2-40B4-BE49-F238E27FC236}">
+                <a16:creationId xmlns:a16="http://schemas.microsoft.com/office/drawing/2014/main" id="{94889758-4EDD-151F-821B-2BC7E8DB39C1}"/>
+              </a:ext>
+            </a:extLst>
+          </p:cNvPr>
+          <p:cNvPicPr>
+            <a:picLocks noChangeAspect="1"/>
+          </p:cNvPicPr>
+          <p:nvPr/>
+        </p:nvPicPr>
+        <p:blipFill>
+          <a:blip r:embed="rId2">
+            <a:extLst>
+              <a:ext uri="{28A0092B-C50C-407E-A947-70E740481C1C}">
+                <a14:useLocalDpi xmlns:a14="http://schemas.microsoft.com/office/drawing/2010/main" val="0"/>
+              </a:ext>
+            </a:extLst>
+          </a:blip>
+          <a:stretch>
+            <a:fillRect/>
+          </a:stretch>
+        </p:blipFill>
+        <p:spPr>
+          <a:xfrm>
+            <a:off x="1095321" y="834386"/>
+            <a:ext cx="5984593" cy="5737865"/>
+          </a:xfrm>
+          <a:prstGeom prst="rect">
+            <a:avLst/>
+          </a:prstGeom>
+        </p:spPr>
+      </p:pic>
+      <p:sp>
+        <p:nvSpPr>
+          <p:cNvPr id="7" name="文本框 6">
+            <a:extLst>
+              <a:ext uri="{FF2B5EF4-FFF2-40B4-BE49-F238E27FC236}">
+                <a16:creationId xmlns:a16="http://schemas.microsoft.com/office/drawing/2014/main" id="{3EED79D0-6288-FC38-5B7A-E901B1F66AA2}"/>
+              </a:ext>
+            </a:extLst>
+          </p:cNvPr>
+          <p:cNvSpPr txBox="1"/>
+          <p:nvPr/>
+        </p:nvSpPr>
+        <p:spPr>
+          <a:xfrm>
+            <a:off x="7372350" y="1076330"/>
+            <a:ext cx="4194030" cy="2862322"/>
+          </a:xfrm>
+          <a:prstGeom prst="rect">
+            <a:avLst/>
+          </a:prstGeom>
+          <a:noFill/>
+        </p:spPr>
+        <p:txBody>
+          <a:bodyPr wrap="square">
+            <a:spAutoFit/>
+          </a:bodyPr>
+          <a:lstStyle/>
+          <a:p>
+            <a:r>
+              <a:rPr lang="zh-CN" altLang="en-US" sz="2000" dirty="0">
+                <a:solidFill>
+                  <a:srgbClr val="FF0000"/>
+                </a:solidFill>
+                <a:latin typeface="Times New Roman" panose="02020603050405020304" pitchFamily="18" charset="0"/>
+                <a:cs typeface="Times New Roman" panose="02020603050405020304" pitchFamily="18" charset="0"/>
+              </a:rPr>
+              <a:t>Recursive feature elimination</a:t>
+            </a:r>
+            <a:r>
+              <a:rPr lang="zh-CN" altLang="en-US" sz="2000" dirty="0">
+                <a:latin typeface="Times New Roman" panose="02020603050405020304" pitchFamily="18" charset="0"/>
+                <a:cs typeface="Times New Roman" panose="02020603050405020304" pitchFamily="18" charset="0"/>
+              </a:rPr>
+              <a:t> is a greedy optimization algorithm which aims to find the best performing feature subset. It repeatedly creates </a:t>
+            </a:r>
+            <a:r>
+              <a:rPr lang="zh-CN" altLang="en-US" sz="2000" dirty="0">
+                <a:solidFill>
+                  <a:srgbClr val="FF0000"/>
+                </a:solidFill>
+                <a:latin typeface="Times New Roman" panose="02020603050405020304" pitchFamily="18" charset="0"/>
+                <a:cs typeface="Times New Roman" panose="02020603050405020304" pitchFamily="18" charset="0"/>
+              </a:rPr>
+              <a:t>baseline models</a:t>
+            </a:r>
+            <a:r>
+              <a:rPr lang="zh-CN" altLang="en-US" sz="2000" dirty="0">
+                <a:latin typeface="Times New Roman" panose="02020603050405020304" pitchFamily="18" charset="0"/>
+                <a:cs typeface="Times New Roman" panose="02020603050405020304" pitchFamily="18" charset="0"/>
+              </a:rPr>
+              <a:t> and </a:t>
+            </a:r>
+            <a:r>
+              <a:rPr lang="zh-CN" altLang="en-US" sz="2000" dirty="0">
+                <a:solidFill>
+                  <a:srgbClr val="FF0000"/>
+                </a:solidFill>
+                <a:latin typeface="Times New Roman" panose="02020603050405020304" pitchFamily="18" charset="0"/>
+                <a:cs typeface="Times New Roman" panose="02020603050405020304" pitchFamily="18" charset="0"/>
+              </a:rPr>
+              <a:t>keeps aside the best or the worst performing feature at each iteration</a:t>
+            </a:r>
+            <a:r>
+              <a:rPr lang="zh-CN" altLang="en-US" sz="2000" dirty="0">
+                <a:latin typeface="Times New Roman" panose="02020603050405020304" pitchFamily="18" charset="0"/>
+                <a:cs typeface="Times New Roman" panose="02020603050405020304" pitchFamily="18" charset="0"/>
+              </a:rPr>
+              <a:t> until all the features are exhausted. It then </a:t>
+            </a:r>
+            <a:r>
+              <a:rPr lang="zh-CN" altLang="en-US" sz="2000" dirty="0">
+                <a:solidFill>
+                  <a:srgbClr val="FF0000"/>
+                </a:solidFill>
+                <a:latin typeface="Times New Roman" panose="02020603050405020304" pitchFamily="18" charset="0"/>
+                <a:cs typeface="Times New Roman" panose="02020603050405020304" pitchFamily="18" charset="0"/>
+              </a:rPr>
+              <a:t>ranks the features based on the order of their elimination</a:t>
+            </a:r>
+            <a:r>
+              <a:rPr lang="zh-CN" altLang="en-US" sz="2000" dirty="0">
+                <a:latin typeface="Times New Roman" panose="02020603050405020304" pitchFamily="18" charset="0"/>
+                <a:cs typeface="Times New Roman" panose="02020603050405020304" pitchFamily="18" charset="0"/>
+              </a:rPr>
+              <a:t>.</a:t>
+            </a:r>
+          </a:p>
+        </p:txBody>
+      </p:sp>
+      <p:sp>
+        <p:nvSpPr>
+          <p:cNvPr id="9" name="文本框 8">
+            <a:extLst>
+              <a:ext uri="{FF2B5EF4-FFF2-40B4-BE49-F238E27FC236}">
+                <a16:creationId xmlns:a16="http://schemas.microsoft.com/office/drawing/2014/main" id="{3EB1D072-1D3D-FD5B-B0E6-F6B2873955D4}"/>
+              </a:ext>
+            </a:extLst>
+          </p:cNvPr>
+          <p:cNvSpPr txBox="1"/>
+          <p:nvPr/>
+        </p:nvSpPr>
+        <p:spPr>
+          <a:xfrm>
+            <a:off x="7372350" y="4131117"/>
+            <a:ext cx="4194030" cy="1631216"/>
+          </a:xfrm>
+          <a:prstGeom prst="rect">
+            <a:avLst/>
+          </a:prstGeom>
+          <a:noFill/>
+        </p:spPr>
+        <p:txBody>
+          <a:bodyPr wrap="square">
+            <a:spAutoFit/>
+          </a:bodyPr>
+          <a:lstStyle/>
+          <a:p>
+            <a:r>
+              <a:rPr lang="en-US" altLang="zh-CN" sz="2000" dirty="0">
+                <a:latin typeface="Times New Roman" panose="02020603050405020304" pitchFamily="18" charset="0"/>
+                <a:cs typeface="Times New Roman" panose="02020603050405020304" pitchFamily="18" charset="0"/>
+              </a:rPr>
+              <a:t>ROIs: </a:t>
+            </a:r>
+            <a:r>
+              <a:rPr lang="zh-CN" altLang="en-US" sz="2000" dirty="0">
+                <a:latin typeface="Times New Roman" panose="02020603050405020304" pitchFamily="18" charset="0"/>
+                <a:cs typeface="Times New Roman" panose="02020603050405020304" pitchFamily="18" charset="0"/>
+              </a:rPr>
+              <a:t>caudate nucleus, putamen, globus pallidus internus and externus (GPi &amp; GPe), thalamus, STN, substantia nigra (SN), and red nucleus (RN)</a:t>
+            </a:r>
+          </a:p>
+        </p:txBody>
+      </p:sp>
+    </p:spTree>
+    <p:extLst>
+      <p:ext uri="{BB962C8B-B14F-4D97-AF65-F5344CB8AC3E}">
+        <p14:creationId xmlns:p14="http://schemas.microsoft.com/office/powerpoint/2010/main" val="4109769891"/>
+      </p:ext>
+    </p:extLst>
+  </p:cSld>
+  <p:clrMapOvr>
+    <a:masterClrMapping/>
+  </p:clrMapOvr>
+</p:sld>
+</file>
+
 <file path=ppt/slides/slide3.xml><?xml version="1.0" encoding="utf-8"?>
 <p:sld xmlns:a="http://schemas.openxmlformats.org/drawingml/2006/main" xmlns:r="http://schemas.openxmlformats.org/officeDocument/2006/relationships" xmlns:p="http://schemas.openxmlformats.org/presentationml/2006/main">
   <p:cSld>
@@ -10585,7 +11994,7 @@
         <p:spPr>
           <a:xfrm>
             <a:off x="344555" y="212035"/>
-            <a:ext cx="11038471" cy="646331"/>
+            <a:ext cx="5588068" cy="646331"/>
           </a:xfrm>
           <a:prstGeom prst="rect">
             <a:avLst/>
@@ -10603,21 +12012,7 @@
                 <a:latin typeface="Times New Roman" panose="02020603050405020304" pitchFamily="18" charset="0"/>
                 <a:cs typeface="Times New Roman" panose="02020603050405020304" pitchFamily="18" charset="0"/>
               </a:rPr>
-              <a:t>Results: SVM/</a:t>
-            </a:r>
-            <a:r>
-              <a:rPr lang="en-US" altLang="zh-CN" sz="3600" b="1" dirty="0" err="1">
-                <a:latin typeface="Times New Roman" panose="02020603050405020304" pitchFamily="18" charset="0"/>
-                <a:cs typeface="Times New Roman" panose="02020603050405020304" pitchFamily="18" charset="0"/>
-              </a:rPr>
-              <a:t>XGBoost</a:t>
-            </a:r>
-            <a:r>
-              <a:rPr lang="en-US" altLang="zh-CN" sz="3600" b="1" dirty="0">
-                <a:latin typeface="Times New Roman" panose="02020603050405020304" pitchFamily="18" charset="0"/>
-                <a:cs typeface="Times New Roman" panose="02020603050405020304" pitchFamily="18" charset="0"/>
-              </a:rPr>
-              <a:t> AUC against Feature Numbers</a:t>
+              <a:t>Survey: Feature Extraction</a:t>
             </a:r>
             <a:endParaRPr lang="zh-CN" altLang="en-US" sz="3600" b="1" dirty="0">
               <a:latin typeface="Times New Roman" panose="02020603050405020304" pitchFamily="18" charset="0"/>
@@ -10626,70 +12021,161 @@
           </a:p>
         </p:txBody>
       </p:sp>
-      <p:pic>
-        <p:nvPicPr>
-          <p:cNvPr id="7" name="图片 6">
-            <a:extLst>
-              <a:ext uri="{FF2B5EF4-FFF2-40B4-BE49-F238E27FC236}">
-                <a16:creationId xmlns:a16="http://schemas.microsoft.com/office/drawing/2014/main" id="{E47125CA-AF92-B233-29E1-B7C603964631}"/>
-              </a:ext>
-            </a:extLst>
-          </p:cNvPr>
-          <p:cNvPicPr>
-            <a:picLocks noChangeAspect="1"/>
-          </p:cNvPicPr>
+      <p:sp>
+        <p:nvSpPr>
+          <p:cNvPr id="2" name="文本框 1">
+            <a:extLst>
+              <a:ext uri="{FF2B5EF4-FFF2-40B4-BE49-F238E27FC236}">
+                <a16:creationId xmlns:a16="http://schemas.microsoft.com/office/drawing/2014/main" id="{B53C574A-F68D-5B0F-DDF1-CB43D8DCBEF9}"/>
+              </a:ext>
+            </a:extLst>
+          </p:cNvPr>
+          <p:cNvSpPr txBox="1"/>
           <p:nvPr/>
-        </p:nvPicPr>
-        <p:blipFill>
-          <a:blip r:embed="rId2"/>
-          <a:stretch>
-            <a:fillRect/>
-          </a:stretch>
-        </p:blipFill>
-        <p:spPr>
-          <a:xfrm>
-            <a:off x="6456296" y="1185032"/>
-            <a:ext cx="5210175" cy="4143375"/>
+        </p:nvSpPr>
+        <p:spPr>
+          <a:xfrm>
+            <a:off x="966092" y="1346528"/>
+            <a:ext cx="10650943" cy="3970318"/>
           </a:xfrm>
           <a:prstGeom prst="rect">
             <a:avLst/>
           </a:prstGeom>
-        </p:spPr>
-      </p:pic>
-      <p:pic>
-        <p:nvPicPr>
-          <p:cNvPr id="10" name="图片 9">
-            <a:extLst>
-              <a:ext uri="{FF2B5EF4-FFF2-40B4-BE49-F238E27FC236}">
-                <a16:creationId xmlns:a16="http://schemas.microsoft.com/office/drawing/2014/main" id="{DEC1BC60-BA08-0477-444D-01B3CE0F9B1E}"/>
-              </a:ext>
-            </a:extLst>
-          </p:cNvPr>
-          <p:cNvPicPr>
-            <a:picLocks noChangeAspect="1"/>
-          </p:cNvPicPr>
-          <p:nvPr/>
-        </p:nvPicPr>
-        <p:blipFill>
-          <a:blip r:embed="rId3"/>
-          <a:stretch>
-            <a:fillRect/>
-          </a:stretch>
-        </p:blipFill>
-        <p:spPr>
-          <a:xfrm>
-            <a:off x="525530" y="1185031"/>
-            <a:ext cx="5210175" cy="4143375"/>
-          </a:xfrm>
-          <a:prstGeom prst="rect">
-            <a:avLst/>
-          </a:prstGeom>
-        </p:spPr>
-      </p:pic>
+          <a:noFill/>
+        </p:spPr>
+        <p:txBody>
+          <a:bodyPr wrap="square" rtlCol="0">
+            <a:spAutoFit/>
+          </a:bodyPr>
+          <a:lstStyle/>
+          <a:p>
+            <a:pPr marL="742950" indent="-742950">
+              <a:buAutoNum type="arabicPeriod"/>
+            </a:pPr>
+            <a:r>
+              <a:rPr lang="en-US" altLang="zh-CN" sz="2800" dirty="0">
+                <a:latin typeface="Times New Roman" panose="02020603050405020304" pitchFamily="18" charset="0"/>
+                <a:cs typeface="Times New Roman" panose="02020603050405020304" pitchFamily="18" charset="0"/>
+              </a:rPr>
+              <a:t>Statistical features (whole brain/ROIs)</a:t>
+            </a:r>
+          </a:p>
+          <a:p>
+            <a:pPr marL="1200150" lvl="1" indent="-742950">
+              <a:buAutoNum type="arabicPeriod"/>
+            </a:pPr>
+            <a:r>
+              <a:rPr lang="en-US" altLang="zh-CN" sz="2800" dirty="0">
+                <a:latin typeface="Times New Roman" panose="02020603050405020304" pitchFamily="18" charset="0"/>
+                <a:cs typeface="Times New Roman" panose="02020603050405020304" pitchFamily="18" charset="0"/>
+              </a:rPr>
+              <a:t>Volume, cortical thickness</a:t>
+            </a:r>
+          </a:p>
+          <a:p>
+            <a:pPr marL="1200150" lvl="1" indent="-742950">
+              <a:buAutoNum type="arabicPeriod"/>
+            </a:pPr>
+            <a:r>
+              <a:rPr lang="en-US" altLang="zh-CN" sz="2800" dirty="0">
+                <a:latin typeface="Times New Roman" panose="02020603050405020304" pitchFamily="18" charset="0"/>
+                <a:cs typeface="Times New Roman" panose="02020603050405020304" pitchFamily="18" charset="0"/>
+              </a:rPr>
+              <a:t>Cortical information</a:t>
+            </a:r>
+          </a:p>
+          <a:p>
+            <a:pPr marL="742950" indent="-742950">
+              <a:buAutoNum type="arabicPeriod"/>
+            </a:pPr>
+            <a:r>
+              <a:rPr lang="en-US" altLang="zh-CN" sz="2800" dirty="0">
+                <a:latin typeface="Times New Roman" panose="02020603050405020304" pitchFamily="18" charset="0"/>
+                <a:cs typeface="Times New Roman" panose="02020603050405020304" pitchFamily="18" charset="0"/>
+              </a:rPr>
+              <a:t>Texture features (using </a:t>
+            </a:r>
+            <a:r>
+              <a:rPr lang="en-US" altLang="zh-CN" sz="2800" dirty="0" err="1">
+                <a:latin typeface="Times New Roman" panose="02020603050405020304" pitchFamily="18" charset="0"/>
+                <a:cs typeface="Times New Roman" panose="02020603050405020304" pitchFamily="18" charset="0"/>
+              </a:rPr>
+              <a:t>PyRadiomics</a:t>
+            </a:r>
+            <a:r>
+              <a:rPr lang="en-US" altLang="zh-CN" sz="2800" dirty="0">
+                <a:latin typeface="Times New Roman" panose="02020603050405020304" pitchFamily="18" charset="0"/>
+                <a:cs typeface="Times New Roman" panose="02020603050405020304" pitchFamily="18" charset="0"/>
+              </a:rPr>
+              <a:t>)</a:t>
+            </a:r>
+          </a:p>
+          <a:p>
+            <a:pPr marL="1200150" lvl="1" indent="-742950">
+              <a:buAutoNum type="arabicPeriod"/>
+            </a:pPr>
+            <a:r>
+              <a:rPr lang="en-US" altLang="zh-CN" sz="2800" dirty="0">
+                <a:latin typeface="Times New Roman" panose="02020603050405020304" pitchFamily="18" charset="0"/>
+                <a:cs typeface="Times New Roman" panose="02020603050405020304" pitchFamily="18" charset="0"/>
+              </a:rPr>
+              <a:t>First-order: average, central moments, entropy</a:t>
+            </a:r>
+          </a:p>
+          <a:p>
+            <a:pPr marL="1200150" lvl="1" indent="-742950">
+              <a:buAutoNum type="arabicPeriod"/>
+            </a:pPr>
+            <a:r>
+              <a:rPr lang="en-US" altLang="zh-CN" sz="2800" dirty="0">
+                <a:latin typeface="Times New Roman" panose="02020603050405020304" pitchFamily="18" charset="0"/>
+                <a:cs typeface="Times New Roman" panose="02020603050405020304" pitchFamily="18" charset="0"/>
+              </a:rPr>
+              <a:t>Second-order: GLCM, GLSZM, run length matrix</a:t>
+            </a:r>
+          </a:p>
+          <a:p>
+            <a:pPr marL="742950" indent="-742950">
+              <a:buAutoNum type="arabicPeriod"/>
+            </a:pPr>
+            <a:r>
+              <a:rPr lang="en-US" altLang="zh-CN" sz="2800" dirty="0">
+                <a:latin typeface="Times New Roman" panose="02020603050405020304" pitchFamily="18" charset="0"/>
+                <a:cs typeface="Times New Roman" panose="02020603050405020304" pitchFamily="18" charset="0"/>
+              </a:rPr>
+              <a:t>Raw voxels</a:t>
+            </a:r>
+          </a:p>
+          <a:p>
+            <a:pPr marL="1200150" lvl="1" indent="-742950">
+              <a:buAutoNum type="arabicPeriod"/>
+            </a:pPr>
+            <a:r>
+              <a:rPr lang="en-US" altLang="zh-CN" sz="2800" dirty="0">
+                <a:latin typeface="Times New Roman" panose="02020603050405020304" pitchFamily="18" charset="0"/>
+                <a:cs typeface="Times New Roman" panose="02020603050405020304" pitchFamily="18" charset="0"/>
+              </a:rPr>
+              <a:t>Anatomical ROI-based</a:t>
+            </a:r>
+          </a:p>
+          <a:p>
+            <a:pPr marL="1200150" lvl="1" indent="-742950">
+              <a:buAutoNum type="arabicPeriod"/>
+            </a:pPr>
+            <a:r>
+              <a:rPr lang="en-US" altLang="zh-CN" sz="2800" dirty="0">
+                <a:latin typeface="Times New Roman" panose="02020603050405020304" pitchFamily="18" charset="0"/>
+                <a:cs typeface="Times New Roman" panose="02020603050405020304" pitchFamily="18" charset="0"/>
+              </a:rPr>
+              <a:t>Statistical voxel-based</a:t>
+            </a:r>
+          </a:p>
+        </p:txBody>
+      </p:sp>
     </p:spTree>
     <p:extLst>
       <p:ext uri="{BB962C8B-B14F-4D97-AF65-F5344CB8AC3E}">
-        <p14:creationId xmlns:p14="http://schemas.microsoft.com/office/powerpoint/2010/main" val="2098087733"/>
+        <p14:creationId xmlns:p14="http://schemas.microsoft.com/office/powerpoint/2010/main" val="1615271057"/>
       </p:ext>
     </p:extLst>
   </p:cSld>
@@ -10731,1182 +12217,6 @@
         <p:spPr>
           <a:xfrm>
             <a:off x="344555" y="212035"/>
-            <a:ext cx="6346609" cy="646331"/>
-          </a:xfrm>
-          <a:prstGeom prst="rect">
-            <a:avLst/>
-          </a:prstGeom>
-          <a:noFill/>
-        </p:spPr>
-        <p:txBody>
-          <a:bodyPr wrap="none" rtlCol="0">
-            <a:spAutoFit/>
-          </a:bodyPr>
-          <a:lstStyle/>
-          <a:p>
-            <a:r>
-              <a:rPr lang="en-US" altLang="zh-CN" sz="3600" b="1" dirty="0">
-                <a:latin typeface="Times New Roman" panose="02020603050405020304" pitchFamily="18" charset="0"/>
-                <a:cs typeface="Times New Roman" panose="02020603050405020304" pitchFamily="18" charset="0"/>
-              </a:rPr>
-              <a:t>Results: SVM w/ </a:t>
-            </a:r>
-            <a:r>
-              <a:rPr lang="en-US" altLang="zh-CN" sz="3600" b="1" dirty="0" err="1">
-                <a:latin typeface="Times New Roman" panose="02020603050405020304" pitchFamily="18" charset="0"/>
-                <a:cs typeface="Times New Roman" panose="02020603050405020304" pitchFamily="18" charset="0"/>
-              </a:rPr>
-              <a:t>mRMR</a:t>
-            </a:r>
-            <a:r>
-              <a:rPr lang="en-US" altLang="zh-CN" sz="3600" b="1" dirty="0">
-                <a:latin typeface="Times New Roman" panose="02020603050405020304" pitchFamily="18" charset="0"/>
-                <a:cs typeface="Times New Roman" panose="02020603050405020304" pitchFamily="18" charset="0"/>
-              </a:rPr>
-              <a:t> (N=4)</a:t>
-            </a:r>
-            <a:endParaRPr lang="zh-CN" altLang="en-US" sz="3600" b="1" dirty="0">
-              <a:latin typeface="Times New Roman" panose="02020603050405020304" pitchFamily="18" charset="0"/>
-              <a:cs typeface="Times New Roman" panose="02020603050405020304" pitchFamily="18" charset="0"/>
-            </a:endParaRPr>
-          </a:p>
-        </p:txBody>
-      </p:sp>
-      <p:sp>
-        <p:nvSpPr>
-          <p:cNvPr id="13" name="文本框 12">
-            <a:extLst>
-              <a:ext uri="{FF2B5EF4-FFF2-40B4-BE49-F238E27FC236}">
-                <a16:creationId xmlns:a16="http://schemas.microsoft.com/office/drawing/2014/main" id="{4D28E66D-D00D-F611-9704-A05F10068EEB}"/>
-              </a:ext>
-            </a:extLst>
-          </p:cNvPr>
-          <p:cNvSpPr txBox="1"/>
-          <p:nvPr/>
-        </p:nvSpPr>
-        <p:spPr>
-          <a:xfrm>
-            <a:off x="978382" y="1753189"/>
-            <a:ext cx="2739853" cy="1384995"/>
-          </a:xfrm>
-          <a:prstGeom prst="rect">
-            <a:avLst/>
-          </a:prstGeom>
-          <a:noFill/>
-        </p:spPr>
-        <p:txBody>
-          <a:bodyPr wrap="none" rtlCol="0">
-            <a:spAutoFit/>
-          </a:bodyPr>
-          <a:lstStyle/>
-          <a:p>
-            <a:r>
-              <a:rPr lang="en-US" altLang="zh-CN" sz="2800" b="1" dirty="0" err="1">
-                <a:latin typeface="Times New Roman" panose="02020603050405020304" pitchFamily="18" charset="0"/>
-                <a:cs typeface="Times New Roman" panose="02020603050405020304" pitchFamily="18" charset="0"/>
-              </a:rPr>
-              <a:t>Demo+Clinic</a:t>
-            </a:r>
-            <a:r>
-              <a:rPr lang="en-US" altLang="zh-CN" sz="2800" b="1" dirty="0">
-                <a:latin typeface="Times New Roman" panose="02020603050405020304" pitchFamily="18" charset="0"/>
-                <a:cs typeface="Times New Roman" panose="02020603050405020304" pitchFamily="18" charset="0"/>
-              </a:rPr>
-              <a:t>:</a:t>
-            </a:r>
-          </a:p>
-          <a:p>
-            <a:r>
-              <a:rPr lang="fr-FR" altLang="zh-CN" sz="2800" b="1" dirty="0">
-                <a:latin typeface="Times New Roman" panose="02020603050405020304" pitchFamily="18" charset="0"/>
-                <a:cs typeface="Times New Roman" panose="02020603050405020304" pitchFamily="18" charset="0"/>
-              </a:rPr>
-              <a:t>AUC train: 0.73</a:t>
-            </a:r>
-          </a:p>
-          <a:p>
-            <a:r>
-              <a:rPr lang="fr-FR" altLang="zh-CN" sz="2800" b="1" dirty="0">
-                <a:latin typeface="Times New Roman" panose="02020603050405020304" pitchFamily="18" charset="0"/>
-                <a:cs typeface="Times New Roman" panose="02020603050405020304" pitchFamily="18" charset="0"/>
-              </a:rPr>
-              <a:t>AUC test: 0.73</a:t>
-            </a:r>
-            <a:endParaRPr lang="zh-CN" altLang="en-US" sz="2800" b="1" dirty="0">
-              <a:latin typeface="Times New Roman" panose="02020603050405020304" pitchFamily="18" charset="0"/>
-              <a:cs typeface="Times New Roman" panose="02020603050405020304" pitchFamily="18" charset="0"/>
-            </a:endParaRPr>
-          </a:p>
-        </p:txBody>
-      </p:sp>
-      <p:sp>
-        <p:nvSpPr>
-          <p:cNvPr id="14" name="文本框 13">
-            <a:extLst>
-              <a:ext uri="{FF2B5EF4-FFF2-40B4-BE49-F238E27FC236}">
-                <a16:creationId xmlns:a16="http://schemas.microsoft.com/office/drawing/2014/main" id="{76D36F27-ED73-AA89-6D17-D6F9028C78C1}"/>
-              </a:ext>
-            </a:extLst>
-          </p:cNvPr>
-          <p:cNvSpPr txBox="1"/>
-          <p:nvPr/>
-        </p:nvSpPr>
-        <p:spPr>
-          <a:xfrm>
-            <a:off x="978382" y="4660051"/>
-            <a:ext cx="3148619" cy="1384995"/>
-          </a:xfrm>
-          <a:prstGeom prst="rect">
-            <a:avLst/>
-          </a:prstGeom>
-          <a:noFill/>
-        </p:spPr>
-        <p:txBody>
-          <a:bodyPr wrap="none" rtlCol="0">
-            <a:spAutoFit/>
-          </a:bodyPr>
-          <a:lstStyle/>
-          <a:p>
-            <a:r>
-              <a:rPr lang="en-US" altLang="zh-CN" sz="2800" b="1" dirty="0" err="1">
-                <a:latin typeface="Times New Roman" panose="02020603050405020304" pitchFamily="18" charset="0"/>
-                <a:cs typeface="Times New Roman" panose="02020603050405020304" pitchFamily="18" charset="0"/>
-              </a:rPr>
-              <a:t>Demo+Clinic+Img</a:t>
-            </a:r>
-            <a:r>
-              <a:rPr lang="en-US" altLang="zh-CN" sz="2800" b="1" dirty="0">
-                <a:latin typeface="Times New Roman" panose="02020603050405020304" pitchFamily="18" charset="0"/>
-                <a:cs typeface="Times New Roman" panose="02020603050405020304" pitchFamily="18" charset="0"/>
-              </a:rPr>
-              <a:t>:</a:t>
-            </a:r>
-          </a:p>
-          <a:p>
-            <a:r>
-              <a:rPr lang="fr-FR" altLang="zh-CN" sz="2800" b="1" dirty="0">
-                <a:latin typeface="Times New Roman" panose="02020603050405020304" pitchFamily="18" charset="0"/>
-                <a:cs typeface="Times New Roman" panose="02020603050405020304" pitchFamily="18" charset="0"/>
-              </a:rPr>
-              <a:t>AUC train: 0.73</a:t>
-            </a:r>
-          </a:p>
-          <a:p>
-            <a:r>
-              <a:rPr lang="fr-FR" altLang="zh-CN" sz="2800" b="1" dirty="0">
-                <a:latin typeface="Times New Roman" panose="02020603050405020304" pitchFamily="18" charset="0"/>
-                <a:cs typeface="Times New Roman" panose="02020603050405020304" pitchFamily="18" charset="0"/>
-              </a:rPr>
-              <a:t>AUC test: 0.74</a:t>
-            </a:r>
-            <a:endParaRPr lang="zh-CN" altLang="en-US" sz="2800" b="1" dirty="0">
-              <a:latin typeface="Times New Roman" panose="02020603050405020304" pitchFamily="18" charset="0"/>
-              <a:cs typeface="Times New Roman" panose="02020603050405020304" pitchFamily="18" charset="0"/>
-            </a:endParaRPr>
-          </a:p>
-        </p:txBody>
-      </p:sp>
-      <p:pic>
-        <p:nvPicPr>
-          <p:cNvPr id="3" name="图片 2">
-            <a:extLst>
-              <a:ext uri="{FF2B5EF4-FFF2-40B4-BE49-F238E27FC236}">
-                <a16:creationId xmlns:a16="http://schemas.microsoft.com/office/drawing/2014/main" id="{CFDB26A9-C90E-B736-036A-5D684303433E}"/>
-              </a:ext>
-            </a:extLst>
-          </p:cNvPr>
-          <p:cNvPicPr>
-            <a:picLocks noChangeAspect="1"/>
-          </p:cNvPicPr>
-          <p:nvPr/>
-        </p:nvPicPr>
-        <p:blipFill>
-          <a:blip r:embed="rId2"/>
-          <a:stretch>
-            <a:fillRect/>
-          </a:stretch>
-        </p:blipFill>
-        <p:spPr>
-          <a:xfrm>
-            <a:off x="4756081" y="1158467"/>
-            <a:ext cx="3270390" cy="2574442"/>
-          </a:xfrm>
-          <a:prstGeom prst="rect">
-            <a:avLst/>
-          </a:prstGeom>
-        </p:spPr>
-      </p:pic>
-      <p:pic>
-        <p:nvPicPr>
-          <p:cNvPr id="7" name="图片 6">
-            <a:extLst>
-              <a:ext uri="{FF2B5EF4-FFF2-40B4-BE49-F238E27FC236}">
-                <a16:creationId xmlns:a16="http://schemas.microsoft.com/office/drawing/2014/main" id="{EB117333-C7E8-1E9B-7134-A109D797983F}"/>
-              </a:ext>
-            </a:extLst>
-          </p:cNvPr>
-          <p:cNvPicPr>
-            <a:picLocks noChangeAspect="1"/>
-          </p:cNvPicPr>
-          <p:nvPr/>
-        </p:nvPicPr>
-        <p:blipFill>
-          <a:blip r:embed="rId3"/>
-          <a:stretch>
-            <a:fillRect/>
-          </a:stretch>
-        </p:blipFill>
-        <p:spPr>
-          <a:xfrm>
-            <a:off x="8699742" y="1225391"/>
-            <a:ext cx="2883797" cy="2440590"/>
-          </a:xfrm>
-          <a:prstGeom prst="rect">
-            <a:avLst/>
-          </a:prstGeom>
-        </p:spPr>
-      </p:pic>
-      <p:pic>
-        <p:nvPicPr>
-          <p:cNvPr id="11" name="图片 10">
-            <a:extLst>
-              <a:ext uri="{FF2B5EF4-FFF2-40B4-BE49-F238E27FC236}">
-                <a16:creationId xmlns:a16="http://schemas.microsoft.com/office/drawing/2014/main" id="{D3EB1AD2-A112-3542-4384-5BB2FAD170BF}"/>
-              </a:ext>
-            </a:extLst>
-          </p:cNvPr>
-          <p:cNvPicPr>
-            <a:picLocks noChangeAspect="1"/>
-          </p:cNvPicPr>
-          <p:nvPr/>
-        </p:nvPicPr>
-        <p:blipFill>
-          <a:blip r:embed="rId4"/>
-          <a:stretch>
-            <a:fillRect/>
-          </a:stretch>
-        </p:blipFill>
-        <p:spPr>
-          <a:xfrm>
-            <a:off x="4756081" y="4071523"/>
-            <a:ext cx="3270390" cy="2574442"/>
-          </a:xfrm>
-          <a:prstGeom prst="rect">
-            <a:avLst/>
-          </a:prstGeom>
-        </p:spPr>
-      </p:pic>
-      <p:pic>
-        <p:nvPicPr>
-          <p:cNvPr id="16" name="图片 15">
-            <a:extLst>
-              <a:ext uri="{FF2B5EF4-FFF2-40B4-BE49-F238E27FC236}">
-                <a16:creationId xmlns:a16="http://schemas.microsoft.com/office/drawing/2014/main" id="{579683E2-EDFA-C718-8C2C-FE6C345F18FF}"/>
-              </a:ext>
-            </a:extLst>
-          </p:cNvPr>
-          <p:cNvPicPr>
-            <a:picLocks noChangeAspect="1"/>
-          </p:cNvPicPr>
-          <p:nvPr/>
-        </p:nvPicPr>
-        <p:blipFill>
-          <a:blip r:embed="rId5"/>
-          <a:stretch>
-            <a:fillRect/>
-          </a:stretch>
-        </p:blipFill>
-        <p:spPr>
-          <a:xfrm>
-            <a:off x="8699742" y="4127293"/>
-            <a:ext cx="2948919" cy="2450510"/>
-          </a:xfrm>
-          <a:prstGeom prst="rect">
-            <a:avLst/>
-          </a:prstGeom>
-        </p:spPr>
-      </p:pic>
-    </p:spTree>
-    <p:extLst>
-      <p:ext uri="{BB962C8B-B14F-4D97-AF65-F5344CB8AC3E}">
-        <p14:creationId xmlns:p14="http://schemas.microsoft.com/office/powerpoint/2010/main" val="2937670652"/>
-      </p:ext>
-    </p:extLst>
-  </p:cSld>
-  <p:clrMapOvr>
-    <a:masterClrMapping/>
-  </p:clrMapOvr>
-</p:sld>
-</file>
-
-<file path=ppt/slides/slide5.xml><?xml version="1.0" encoding="utf-8"?>
-<p:sld xmlns:a="http://schemas.openxmlformats.org/drawingml/2006/main" xmlns:r="http://schemas.openxmlformats.org/officeDocument/2006/relationships" xmlns:p="http://schemas.openxmlformats.org/presentationml/2006/main">
-  <p:cSld>
-    <p:spTree>
-      <p:nvGrpSpPr>
-        <p:cNvPr id="1" name=""/>
-        <p:cNvGrpSpPr/>
-        <p:nvPr/>
-      </p:nvGrpSpPr>
-      <p:grpSpPr>
-        <a:xfrm>
-          <a:off x="0" y="0"/>
-          <a:ext cx="0" cy="0"/>
-          <a:chOff x="0" y="0"/>
-          <a:chExt cx="0" cy="0"/>
-        </a:xfrm>
-      </p:grpSpPr>
-      <p:sp>
-        <p:nvSpPr>
-          <p:cNvPr id="4" name="文本框 3">
-            <a:extLst>
-              <a:ext uri="{FF2B5EF4-FFF2-40B4-BE49-F238E27FC236}">
-                <a16:creationId xmlns:a16="http://schemas.microsoft.com/office/drawing/2014/main" id="{D0615F25-CF0E-0920-3A69-5ACB5F07D617}"/>
-              </a:ext>
-            </a:extLst>
-          </p:cNvPr>
-          <p:cNvSpPr txBox="1"/>
-          <p:nvPr/>
-        </p:nvSpPr>
-        <p:spPr>
-          <a:xfrm>
-            <a:off x="344555" y="212035"/>
-            <a:ext cx="7116051" cy="646331"/>
-          </a:xfrm>
-          <a:prstGeom prst="rect">
-            <a:avLst/>
-          </a:prstGeom>
-          <a:noFill/>
-        </p:spPr>
-        <p:txBody>
-          <a:bodyPr wrap="none" rtlCol="0">
-            <a:spAutoFit/>
-          </a:bodyPr>
-          <a:lstStyle/>
-          <a:p>
-            <a:r>
-              <a:rPr lang="en-US" altLang="zh-CN" sz="3600" b="1" dirty="0">
-                <a:latin typeface="Times New Roman" panose="02020603050405020304" pitchFamily="18" charset="0"/>
-                <a:cs typeface="Times New Roman" panose="02020603050405020304" pitchFamily="18" charset="0"/>
-              </a:rPr>
-              <a:t>Results: </a:t>
-            </a:r>
-            <a:r>
-              <a:rPr lang="en-US" altLang="zh-CN" sz="3600" b="1" dirty="0" err="1">
-                <a:latin typeface="Times New Roman" panose="02020603050405020304" pitchFamily="18" charset="0"/>
-                <a:cs typeface="Times New Roman" panose="02020603050405020304" pitchFamily="18" charset="0"/>
-              </a:rPr>
-              <a:t>XGBoost</a:t>
-            </a:r>
-            <a:r>
-              <a:rPr lang="en-US" altLang="zh-CN" sz="3600" b="1" dirty="0">
-                <a:latin typeface="Times New Roman" panose="02020603050405020304" pitchFamily="18" charset="0"/>
-                <a:cs typeface="Times New Roman" panose="02020603050405020304" pitchFamily="18" charset="0"/>
-              </a:rPr>
-              <a:t> w/ </a:t>
-            </a:r>
-            <a:r>
-              <a:rPr lang="en-US" altLang="zh-CN" sz="3600" b="1" dirty="0" err="1">
-                <a:latin typeface="Times New Roman" panose="02020603050405020304" pitchFamily="18" charset="0"/>
-                <a:cs typeface="Times New Roman" panose="02020603050405020304" pitchFamily="18" charset="0"/>
-              </a:rPr>
-              <a:t>mRMR</a:t>
-            </a:r>
-            <a:r>
-              <a:rPr lang="en-US" altLang="zh-CN" sz="3600" b="1" dirty="0">
-                <a:latin typeface="Times New Roman" panose="02020603050405020304" pitchFamily="18" charset="0"/>
-                <a:cs typeface="Times New Roman" panose="02020603050405020304" pitchFamily="18" charset="0"/>
-              </a:rPr>
-              <a:t> (N=2)</a:t>
-            </a:r>
-            <a:endParaRPr lang="zh-CN" altLang="en-US" sz="3600" b="1" dirty="0">
-              <a:latin typeface="Times New Roman" panose="02020603050405020304" pitchFamily="18" charset="0"/>
-              <a:cs typeface="Times New Roman" panose="02020603050405020304" pitchFamily="18" charset="0"/>
-            </a:endParaRPr>
-          </a:p>
-        </p:txBody>
-      </p:sp>
-      <p:sp>
-        <p:nvSpPr>
-          <p:cNvPr id="13" name="文本框 12">
-            <a:extLst>
-              <a:ext uri="{FF2B5EF4-FFF2-40B4-BE49-F238E27FC236}">
-                <a16:creationId xmlns:a16="http://schemas.microsoft.com/office/drawing/2014/main" id="{4D28E66D-D00D-F611-9704-A05F10068EEB}"/>
-              </a:ext>
-            </a:extLst>
-          </p:cNvPr>
-          <p:cNvSpPr txBox="1"/>
-          <p:nvPr/>
-        </p:nvSpPr>
-        <p:spPr>
-          <a:xfrm>
-            <a:off x="978382" y="1753189"/>
-            <a:ext cx="2739853" cy="1384995"/>
-          </a:xfrm>
-          <a:prstGeom prst="rect">
-            <a:avLst/>
-          </a:prstGeom>
-          <a:noFill/>
-        </p:spPr>
-        <p:txBody>
-          <a:bodyPr wrap="none" rtlCol="0">
-            <a:spAutoFit/>
-          </a:bodyPr>
-          <a:lstStyle/>
-          <a:p>
-            <a:r>
-              <a:rPr lang="en-US" altLang="zh-CN" sz="2800" b="1" dirty="0" err="1">
-                <a:latin typeface="Times New Roman" panose="02020603050405020304" pitchFamily="18" charset="0"/>
-                <a:cs typeface="Times New Roman" panose="02020603050405020304" pitchFamily="18" charset="0"/>
-              </a:rPr>
-              <a:t>Demo+Clinic</a:t>
-            </a:r>
-            <a:r>
-              <a:rPr lang="en-US" altLang="zh-CN" sz="2800" b="1" dirty="0">
-                <a:latin typeface="Times New Roman" panose="02020603050405020304" pitchFamily="18" charset="0"/>
-                <a:cs typeface="Times New Roman" panose="02020603050405020304" pitchFamily="18" charset="0"/>
-              </a:rPr>
-              <a:t>:</a:t>
-            </a:r>
-          </a:p>
-          <a:p>
-            <a:r>
-              <a:rPr lang="fr-FR" altLang="zh-CN" sz="2800" b="1" dirty="0">
-                <a:latin typeface="Times New Roman" panose="02020603050405020304" pitchFamily="18" charset="0"/>
-                <a:cs typeface="Times New Roman" panose="02020603050405020304" pitchFamily="18" charset="0"/>
-              </a:rPr>
-              <a:t>AUC train: 0.97</a:t>
-            </a:r>
-          </a:p>
-          <a:p>
-            <a:r>
-              <a:rPr lang="fr-FR" altLang="zh-CN" sz="2800" b="1" dirty="0">
-                <a:latin typeface="Times New Roman" panose="02020603050405020304" pitchFamily="18" charset="0"/>
-                <a:cs typeface="Times New Roman" panose="02020603050405020304" pitchFamily="18" charset="0"/>
-              </a:rPr>
-              <a:t>AUC test: 0.74</a:t>
-            </a:r>
-            <a:endParaRPr lang="zh-CN" altLang="en-US" sz="2800" b="1" dirty="0">
-              <a:latin typeface="Times New Roman" panose="02020603050405020304" pitchFamily="18" charset="0"/>
-              <a:cs typeface="Times New Roman" panose="02020603050405020304" pitchFamily="18" charset="0"/>
-            </a:endParaRPr>
-          </a:p>
-        </p:txBody>
-      </p:sp>
-      <p:sp>
-        <p:nvSpPr>
-          <p:cNvPr id="14" name="文本框 13">
-            <a:extLst>
-              <a:ext uri="{FF2B5EF4-FFF2-40B4-BE49-F238E27FC236}">
-                <a16:creationId xmlns:a16="http://schemas.microsoft.com/office/drawing/2014/main" id="{76D36F27-ED73-AA89-6D17-D6F9028C78C1}"/>
-              </a:ext>
-            </a:extLst>
-          </p:cNvPr>
-          <p:cNvSpPr txBox="1"/>
-          <p:nvPr/>
-        </p:nvSpPr>
-        <p:spPr>
-          <a:xfrm>
-            <a:off x="978382" y="4660051"/>
-            <a:ext cx="3148619" cy="1384995"/>
-          </a:xfrm>
-          <a:prstGeom prst="rect">
-            <a:avLst/>
-          </a:prstGeom>
-          <a:noFill/>
-        </p:spPr>
-        <p:txBody>
-          <a:bodyPr wrap="none" rtlCol="0">
-            <a:spAutoFit/>
-          </a:bodyPr>
-          <a:lstStyle/>
-          <a:p>
-            <a:r>
-              <a:rPr lang="en-US" altLang="zh-CN" sz="2800" b="1" dirty="0" err="1">
-                <a:latin typeface="Times New Roman" panose="02020603050405020304" pitchFamily="18" charset="0"/>
-                <a:cs typeface="Times New Roman" panose="02020603050405020304" pitchFamily="18" charset="0"/>
-              </a:rPr>
-              <a:t>Demo+Clinic+Img</a:t>
-            </a:r>
-            <a:r>
-              <a:rPr lang="en-US" altLang="zh-CN" sz="2800" b="1" dirty="0">
-                <a:latin typeface="Times New Roman" panose="02020603050405020304" pitchFamily="18" charset="0"/>
-                <a:cs typeface="Times New Roman" panose="02020603050405020304" pitchFamily="18" charset="0"/>
-              </a:rPr>
-              <a:t>:</a:t>
-            </a:r>
-          </a:p>
-          <a:p>
-            <a:r>
-              <a:rPr lang="fr-FR" altLang="zh-CN" sz="2800" b="1" dirty="0">
-                <a:latin typeface="Times New Roman" panose="02020603050405020304" pitchFamily="18" charset="0"/>
-                <a:cs typeface="Times New Roman" panose="02020603050405020304" pitchFamily="18" charset="0"/>
-              </a:rPr>
-              <a:t>AUC train: 0.99</a:t>
-            </a:r>
-          </a:p>
-          <a:p>
-            <a:r>
-              <a:rPr lang="fr-FR" altLang="zh-CN" sz="2800" b="1" dirty="0">
-                <a:latin typeface="Times New Roman" panose="02020603050405020304" pitchFamily="18" charset="0"/>
-                <a:cs typeface="Times New Roman" panose="02020603050405020304" pitchFamily="18" charset="0"/>
-              </a:rPr>
-              <a:t>AUC test: 0.83</a:t>
-            </a:r>
-            <a:endParaRPr lang="zh-CN" altLang="en-US" sz="2800" b="1" dirty="0">
-              <a:latin typeface="Times New Roman" panose="02020603050405020304" pitchFamily="18" charset="0"/>
-              <a:cs typeface="Times New Roman" panose="02020603050405020304" pitchFamily="18" charset="0"/>
-            </a:endParaRPr>
-          </a:p>
-        </p:txBody>
-      </p:sp>
-      <p:pic>
-        <p:nvPicPr>
-          <p:cNvPr id="3" name="图片 2">
-            <a:extLst>
-              <a:ext uri="{FF2B5EF4-FFF2-40B4-BE49-F238E27FC236}">
-                <a16:creationId xmlns:a16="http://schemas.microsoft.com/office/drawing/2014/main" id="{338B2CBB-0AEB-9300-A2BB-275A08DA6B3F}"/>
-              </a:ext>
-            </a:extLst>
-          </p:cNvPr>
-          <p:cNvPicPr>
-            <a:picLocks noChangeAspect="1"/>
-          </p:cNvPicPr>
-          <p:nvPr/>
-        </p:nvPicPr>
-        <p:blipFill>
-          <a:blip r:embed="rId2"/>
-          <a:stretch>
-            <a:fillRect/>
-          </a:stretch>
-        </p:blipFill>
-        <p:spPr>
-          <a:xfrm>
-            <a:off x="4756081" y="1158465"/>
-            <a:ext cx="3270390" cy="2574442"/>
-          </a:xfrm>
-          <a:prstGeom prst="rect">
-            <a:avLst/>
-          </a:prstGeom>
-        </p:spPr>
-      </p:pic>
-      <p:pic>
-        <p:nvPicPr>
-          <p:cNvPr id="7" name="图片 6">
-            <a:extLst>
-              <a:ext uri="{FF2B5EF4-FFF2-40B4-BE49-F238E27FC236}">
-                <a16:creationId xmlns:a16="http://schemas.microsoft.com/office/drawing/2014/main" id="{62341A2F-DA13-B6FC-F4F9-BC6854779064}"/>
-              </a:ext>
-            </a:extLst>
-          </p:cNvPr>
-          <p:cNvPicPr>
-            <a:picLocks noChangeAspect="1"/>
-          </p:cNvPicPr>
-          <p:nvPr/>
-        </p:nvPicPr>
-        <p:blipFill>
-          <a:blip r:embed="rId3"/>
-          <a:stretch>
-            <a:fillRect/>
-          </a:stretch>
-        </p:blipFill>
-        <p:spPr>
-          <a:xfrm>
-            <a:off x="8699742" y="1225391"/>
-            <a:ext cx="2883797" cy="2440590"/>
-          </a:xfrm>
-          <a:prstGeom prst="rect">
-            <a:avLst/>
-          </a:prstGeom>
-        </p:spPr>
-      </p:pic>
-      <p:pic>
-        <p:nvPicPr>
-          <p:cNvPr id="5" name="图片 4">
-            <a:extLst>
-              <a:ext uri="{FF2B5EF4-FFF2-40B4-BE49-F238E27FC236}">
-                <a16:creationId xmlns:a16="http://schemas.microsoft.com/office/drawing/2014/main" id="{B0362FF9-64E3-AE1D-CC02-31EBED63C203}"/>
-              </a:ext>
-            </a:extLst>
-          </p:cNvPr>
-          <p:cNvPicPr>
-            <a:picLocks noChangeAspect="1"/>
-          </p:cNvPicPr>
-          <p:nvPr/>
-        </p:nvPicPr>
-        <p:blipFill>
-          <a:blip r:embed="rId4"/>
-          <a:stretch>
-            <a:fillRect/>
-          </a:stretch>
-        </p:blipFill>
-        <p:spPr>
-          <a:xfrm>
-            <a:off x="4756081" y="4071523"/>
-            <a:ext cx="3270390" cy="2574442"/>
-          </a:xfrm>
-          <a:prstGeom prst="rect">
-            <a:avLst/>
-          </a:prstGeom>
-        </p:spPr>
-      </p:pic>
-      <p:pic>
-        <p:nvPicPr>
-          <p:cNvPr id="8" name="图片 7">
-            <a:extLst>
-              <a:ext uri="{FF2B5EF4-FFF2-40B4-BE49-F238E27FC236}">
-                <a16:creationId xmlns:a16="http://schemas.microsoft.com/office/drawing/2014/main" id="{819100FD-AB72-729F-65B3-2A79FFBBF042}"/>
-              </a:ext>
-            </a:extLst>
-          </p:cNvPr>
-          <p:cNvPicPr>
-            <a:picLocks noChangeAspect="1"/>
-          </p:cNvPicPr>
-          <p:nvPr/>
-        </p:nvPicPr>
-        <p:blipFill>
-          <a:blip r:embed="rId5"/>
-          <a:stretch>
-            <a:fillRect/>
-          </a:stretch>
-        </p:blipFill>
-        <p:spPr>
-          <a:xfrm>
-            <a:off x="8699741" y="4132253"/>
-            <a:ext cx="2883797" cy="2440590"/>
-          </a:xfrm>
-          <a:prstGeom prst="rect">
-            <a:avLst/>
-          </a:prstGeom>
-        </p:spPr>
-      </p:pic>
-    </p:spTree>
-    <p:extLst>
-      <p:ext uri="{BB962C8B-B14F-4D97-AF65-F5344CB8AC3E}">
-        <p14:creationId xmlns:p14="http://schemas.microsoft.com/office/powerpoint/2010/main" val="2013663108"/>
-      </p:ext>
-    </p:extLst>
-  </p:cSld>
-  <p:clrMapOvr>
-    <a:masterClrMapping/>
-  </p:clrMapOvr>
-</p:sld>
-</file>
-
-<file path=ppt/slides/slide6.xml><?xml version="1.0" encoding="utf-8"?>
-<p:sld xmlns:a="http://schemas.openxmlformats.org/drawingml/2006/main" xmlns:r="http://schemas.openxmlformats.org/officeDocument/2006/relationships" xmlns:p="http://schemas.openxmlformats.org/presentationml/2006/main">
-  <p:cSld>
-    <p:spTree>
-      <p:nvGrpSpPr>
-        <p:cNvPr id="1" name=""/>
-        <p:cNvGrpSpPr/>
-        <p:nvPr/>
-      </p:nvGrpSpPr>
-      <p:grpSpPr>
-        <a:xfrm>
-          <a:off x="0" y="0"/>
-          <a:ext cx="0" cy="0"/>
-          <a:chOff x="0" y="0"/>
-          <a:chExt cx="0" cy="0"/>
-        </a:xfrm>
-      </p:grpSpPr>
-      <p:sp>
-        <p:nvSpPr>
-          <p:cNvPr id="5" name="文本框 4">
-            <a:extLst>
-              <a:ext uri="{FF2B5EF4-FFF2-40B4-BE49-F238E27FC236}">
-                <a16:creationId xmlns:a16="http://schemas.microsoft.com/office/drawing/2014/main" id="{5235E127-25AB-75EB-C78F-EE5E65843079}"/>
-              </a:ext>
-            </a:extLst>
-          </p:cNvPr>
-          <p:cNvSpPr txBox="1"/>
-          <p:nvPr/>
-        </p:nvSpPr>
-        <p:spPr>
-          <a:xfrm>
-            <a:off x="959467" y="1565185"/>
-            <a:ext cx="7945994" cy="3316742"/>
-          </a:xfrm>
-          <a:prstGeom prst="rect">
-            <a:avLst/>
-          </a:prstGeom>
-          <a:noFill/>
-        </p:spPr>
-        <p:txBody>
-          <a:bodyPr wrap="square" rtlCol="0">
-            <a:spAutoFit/>
-          </a:bodyPr>
-          <a:lstStyle/>
-          <a:p>
-            <a:pPr marL="742950" marR="0" lvl="0" indent="-742950" algn="l" defTabSz="914400" rtl="0" eaLnBrk="1" fontAlgn="auto" latinLnBrk="0" hangingPunct="1">
-              <a:lnSpc>
-                <a:spcPct val="150000"/>
-              </a:lnSpc>
-              <a:spcBef>
-                <a:spcPts val="0"/>
-              </a:spcBef>
-              <a:spcAft>
-                <a:spcPts val="0"/>
-              </a:spcAft>
-              <a:buClrTx/>
-              <a:buSzTx/>
-              <a:buFontTx/>
-              <a:buAutoNum type="arabicPeriod"/>
-              <a:tabLst/>
-              <a:defRPr/>
-            </a:pPr>
-            <a:r>
-              <a:rPr kumimoji="0" lang="en-US" altLang="zh-CN" sz="3600" b="1" i="0" u="none" strike="noStrike" kern="1200" cap="none" spc="0" normalizeH="0" baseline="0" noProof="0" dirty="0">
-                <a:ln>
-                  <a:noFill/>
-                </a:ln>
-                <a:solidFill>
-                  <a:prstClr val="black"/>
-                </a:solidFill>
-                <a:effectLst/>
-                <a:uLnTx/>
-                <a:uFillTx/>
-                <a:latin typeface="Times New Roman" panose="02020603050405020304" pitchFamily="18" charset="0"/>
-                <a:ea typeface="等线" panose="02010600030101010101" pitchFamily="2" charset="-122"/>
-                <a:cs typeface="Times New Roman" panose="02020603050405020304" pitchFamily="18" charset="0"/>
-              </a:rPr>
-              <a:t>Preprocessing</a:t>
-            </a:r>
-          </a:p>
-          <a:p>
-            <a:pPr marL="742950" marR="0" lvl="0" indent="-742950" algn="l" defTabSz="914400" rtl="0" eaLnBrk="1" fontAlgn="auto" latinLnBrk="0" hangingPunct="1">
-              <a:lnSpc>
-                <a:spcPct val="150000"/>
-              </a:lnSpc>
-              <a:spcBef>
-                <a:spcPts val="0"/>
-              </a:spcBef>
-              <a:spcAft>
-                <a:spcPts val="0"/>
-              </a:spcAft>
-              <a:buClrTx/>
-              <a:buSzTx/>
-              <a:buFontTx/>
-              <a:buAutoNum type="arabicPeriod"/>
-              <a:tabLst/>
-              <a:defRPr/>
-            </a:pPr>
-            <a:r>
-              <a:rPr kumimoji="0" lang="en-US" altLang="zh-CN" sz="3600" b="1" i="0" u="none" strike="noStrike" kern="1200" cap="none" spc="0" normalizeH="0" baseline="0" noProof="0" dirty="0">
-                <a:ln>
-                  <a:noFill/>
-                </a:ln>
-                <a:solidFill>
-                  <a:srgbClr val="FF0000"/>
-                </a:solidFill>
-                <a:effectLst/>
-                <a:uLnTx/>
-                <a:uFillTx/>
-                <a:latin typeface="Times New Roman" panose="02020603050405020304" pitchFamily="18" charset="0"/>
-                <a:ea typeface="等线" panose="02010600030101010101" pitchFamily="2" charset="-122"/>
-                <a:cs typeface="Times New Roman" panose="02020603050405020304" pitchFamily="18" charset="0"/>
-              </a:rPr>
-              <a:t>Feature Extraction</a:t>
-            </a:r>
-          </a:p>
-          <a:p>
-            <a:pPr marL="742950" marR="0" lvl="0" indent="-742950" algn="l" defTabSz="914400" rtl="0" eaLnBrk="1" fontAlgn="auto" latinLnBrk="0" hangingPunct="1">
-              <a:lnSpc>
-                <a:spcPct val="150000"/>
-              </a:lnSpc>
-              <a:spcBef>
-                <a:spcPts val="0"/>
-              </a:spcBef>
-              <a:spcAft>
-                <a:spcPts val="0"/>
-              </a:spcAft>
-              <a:buClrTx/>
-              <a:buSzTx/>
-              <a:buFontTx/>
-              <a:buAutoNum type="arabicPeriod"/>
-              <a:tabLst/>
-              <a:defRPr/>
-            </a:pPr>
-            <a:r>
-              <a:rPr kumimoji="0" lang="en-US" altLang="zh-CN" sz="3600" b="1" i="0" u="none" strike="noStrike" kern="1200" cap="none" spc="0" normalizeH="0" baseline="0" noProof="0" dirty="0">
-                <a:ln>
-                  <a:noFill/>
-                </a:ln>
-                <a:solidFill>
-                  <a:srgbClr val="FF0000"/>
-                </a:solidFill>
-                <a:effectLst/>
-                <a:uLnTx/>
-                <a:uFillTx/>
-                <a:latin typeface="Times New Roman" panose="02020603050405020304" pitchFamily="18" charset="0"/>
-                <a:ea typeface="等线" panose="02010600030101010101" pitchFamily="2" charset="-122"/>
-                <a:cs typeface="Times New Roman" panose="02020603050405020304" pitchFamily="18" charset="0"/>
-              </a:rPr>
-              <a:t>Feature Selection</a:t>
-            </a:r>
-          </a:p>
-          <a:p>
-            <a:pPr marL="742950" marR="0" lvl="0" indent="-742950" algn="l" defTabSz="914400" rtl="0" eaLnBrk="1" fontAlgn="auto" latinLnBrk="0" hangingPunct="1">
-              <a:lnSpc>
-                <a:spcPct val="150000"/>
-              </a:lnSpc>
-              <a:spcBef>
-                <a:spcPts val="0"/>
-              </a:spcBef>
-              <a:spcAft>
-                <a:spcPts val="0"/>
-              </a:spcAft>
-              <a:buClrTx/>
-              <a:buSzTx/>
-              <a:buFontTx/>
-              <a:buAutoNum type="arabicPeriod"/>
-              <a:tabLst/>
-              <a:defRPr/>
-            </a:pPr>
-            <a:r>
-              <a:rPr kumimoji="0" lang="en-US" altLang="zh-CN" sz="3600" b="1" i="0" u="none" strike="noStrike" kern="1200" cap="none" spc="0" normalizeH="0" baseline="0" noProof="0" dirty="0">
-                <a:ln>
-                  <a:noFill/>
-                </a:ln>
-                <a:solidFill>
-                  <a:prstClr val="black"/>
-                </a:solidFill>
-                <a:effectLst/>
-                <a:uLnTx/>
-                <a:uFillTx/>
-                <a:latin typeface="Times New Roman" panose="02020603050405020304" pitchFamily="18" charset="0"/>
-                <a:ea typeface="等线" panose="02010600030101010101" pitchFamily="2" charset="-122"/>
-                <a:cs typeface="Times New Roman" panose="02020603050405020304" pitchFamily="18" charset="0"/>
-              </a:rPr>
-              <a:t>Classification</a:t>
-            </a:r>
-            <a:endParaRPr kumimoji="0" lang="zh-CN" altLang="en-US" sz="3600" b="1" i="0" u="none" strike="noStrike" kern="1200" cap="none" spc="0" normalizeH="0" baseline="0" noProof="0" dirty="0">
-              <a:ln>
-                <a:noFill/>
-              </a:ln>
-              <a:solidFill>
-                <a:prstClr val="black"/>
-              </a:solidFill>
-              <a:effectLst/>
-              <a:uLnTx/>
-              <a:uFillTx/>
-              <a:latin typeface="Times New Roman" panose="02020603050405020304" pitchFamily="18" charset="0"/>
-              <a:ea typeface="等线" panose="02010600030101010101" pitchFamily="2" charset="-122"/>
-              <a:cs typeface="Times New Roman" panose="02020603050405020304" pitchFamily="18" charset="0"/>
-            </a:endParaRPr>
-          </a:p>
-        </p:txBody>
-      </p:sp>
-      <p:sp>
-        <p:nvSpPr>
-          <p:cNvPr id="2" name="文本框 1">
-            <a:extLst>
-              <a:ext uri="{FF2B5EF4-FFF2-40B4-BE49-F238E27FC236}">
-                <a16:creationId xmlns:a16="http://schemas.microsoft.com/office/drawing/2014/main" id="{86B047C0-16ED-6839-6CEC-3C760D73BF93}"/>
-              </a:ext>
-            </a:extLst>
-          </p:cNvPr>
-          <p:cNvSpPr txBox="1"/>
-          <p:nvPr/>
-        </p:nvSpPr>
-        <p:spPr>
-          <a:xfrm>
-            <a:off x="344555" y="212035"/>
-            <a:ext cx="4053674" cy="646331"/>
-          </a:xfrm>
-          <a:prstGeom prst="rect">
-            <a:avLst/>
-          </a:prstGeom>
-          <a:noFill/>
-        </p:spPr>
-        <p:txBody>
-          <a:bodyPr wrap="none" rtlCol="0">
-            <a:spAutoFit/>
-          </a:bodyPr>
-          <a:lstStyle/>
-          <a:p>
-            <a:r>
-              <a:rPr lang="en-US" altLang="zh-CN" sz="3600" b="1" dirty="0">
-                <a:latin typeface="Times New Roman" panose="02020603050405020304" pitchFamily="18" charset="0"/>
-                <a:cs typeface="Times New Roman" panose="02020603050405020304" pitchFamily="18" charset="0"/>
-              </a:rPr>
-              <a:t>Survey: Procedures</a:t>
-            </a:r>
-            <a:endParaRPr lang="zh-CN" altLang="en-US" sz="3600" b="1" dirty="0">
-              <a:latin typeface="Times New Roman" panose="02020603050405020304" pitchFamily="18" charset="0"/>
-              <a:cs typeface="Times New Roman" panose="02020603050405020304" pitchFamily="18" charset="0"/>
-            </a:endParaRPr>
-          </a:p>
-        </p:txBody>
-      </p:sp>
-    </p:spTree>
-    <p:extLst>
-      <p:ext uri="{BB962C8B-B14F-4D97-AF65-F5344CB8AC3E}">
-        <p14:creationId xmlns:p14="http://schemas.microsoft.com/office/powerpoint/2010/main" val="1160979486"/>
-      </p:ext>
-    </p:extLst>
-  </p:cSld>
-  <p:clrMapOvr>
-    <a:masterClrMapping/>
-  </p:clrMapOvr>
-</p:sld>
-</file>
-
-<file path=ppt/slides/slide7.xml><?xml version="1.0" encoding="utf-8"?>
-<p:sld xmlns:a="http://schemas.openxmlformats.org/drawingml/2006/main" xmlns:r="http://schemas.openxmlformats.org/officeDocument/2006/relationships" xmlns:p="http://schemas.openxmlformats.org/presentationml/2006/main">
-  <p:cSld>
-    <p:spTree>
-      <p:nvGrpSpPr>
-        <p:cNvPr id="1" name=""/>
-        <p:cNvGrpSpPr/>
-        <p:nvPr/>
-      </p:nvGrpSpPr>
-      <p:grpSpPr>
-        <a:xfrm>
-          <a:off x="0" y="0"/>
-          <a:ext cx="0" cy="0"/>
-          <a:chOff x="0" y="0"/>
-          <a:chExt cx="0" cy="0"/>
-        </a:xfrm>
-      </p:grpSpPr>
-      <p:sp>
-        <p:nvSpPr>
-          <p:cNvPr id="4" name="文本框 3">
-            <a:extLst>
-              <a:ext uri="{FF2B5EF4-FFF2-40B4-BE49-F238E27FC236}">
-                <a16:creationId xmlns:a16="http://schemas.microsoft.com/office/drawing/2014/main" id="{D0615F25-CF0E-0920-3A69-5ACB5F07D617}"/>
-              </a:ext>
-            </a:extLst>
-          </p:cNvPr>
-          <p:cNvSpPr txBox="1"/>
-          <p:nvPr/>
-        </p:nvSpPr>
-        <p:spPr>
-          <a:xfrm>
-            <a:off x="344555" y="212035"/>
-            <a:ext cx="5588068" cy="646331"/>
-          </a:xfrm>
-          <a:prstGeom prst="rect">
-            <a:avLst/>
-          </a:prstGeom>
-          <a:noFill/>
-        </p:spPr>
-        <p:txBody>
-          <a:bodyPr wrap="none" rtlCol="0">
-            <a:spAutoFit/>
-          </a:bodyPr>
-          <a:lstStyle/>
-          <a:p>
-            <a:r>
-              <a:rPr lang="en-US" altLang="zh-CN" sz="3600" b="1" dirty="0">
-                <a:latin typeface="Times New Roman" panose="02020603050405020304" pitchFamily="18" charset="0"/>
-                <a:cs typeface="Times New Roman" panose="02020603050405020304" pitchFamily="18" charset="0"/>
-              </a:rPr>
-              <a:t>Survey: Feature Extraction</a:t>
-            </a:r>
-            <a:endParaRPr lang="zh-CN" altLang="en-US" sz="3600" b="1" dirty="0">
-              <a:latin typeface="Times New Roman" panose="02020603050405020304" pitchFamily="18" charset="0"/>
-              <a:cs typeface="Times New Roman" panose="02020603050405020304" pitchFamily="18" charset="0"/>
-            </a:endParaRPr>
-          </a:p>
-        </p:txBody>
-      </p:sp>
-      <p:sp>
-        <p:nvSpPr>
-          <p:cNvPr id="2" name="文本框 1">
-            <a:extLst>
-              <a:ext uri="{FF2B5EF4-FFF2-40B4-BE49-F238E27FC236}">
-                <a16:creationId xmlns:a16="http://schemas.microsoft.com/office/drawing/2014/main" id="{B53C574A-F68D-5B0F-DDF1-CB43D8DCBEF9}"/>
-              </a:ext>
-            </a:extLst>
-          </p:cNvPr>
-          <p:cNvSpPr txBox="1"/>
-          <p:nvPr/>
-        </p:nvSpPr>
-        <p:spPr>
-          <a:xfrm>
-            <a:off x="966092" y="1346528"/>
-            <a:ext cx="10650943" cy="3970318"/>
-          </a:xfrm>
-          <a:prstGeom prst="rect">
-            <a:avLst/>
-          </a:prstGeom>
-          <a:noFill/>
-        </p:spPr>
-        <p:txBody>
-          <a:bodyPr wrap="square" rtlCol="0">
-            <a:spAutoFit/>
-          </a:bodyPr>
-          <a:lstStyle/>
-          <a:p>
-            <a:pPr marL="742950" indent="-742950">
-              <a:buAutoNum type="arabicPeriod"/>
-            </a:pPr>
-            <a:r>
-              <a:rPr lang="en-US" altLang="zh-CN" sz="2800" dirty="0">
-                <a:latin typeface="Times New Roman" panose="02020603050405020304" pitchFamily="18" charset="0"/>
-                <a:cs typeface="Times New Roman" panose="02020603050405020304" pitchFamily="18" charset="0"/>
-              </a:rPr>
-              <a:t>Statistical features (whole brain/ROIs)</a:t>
-            </a:r>
-          </a:p>
-          <a:p>
-            <a:pPr marL="1200150" lvl="1" indent="-742950">
-              <a:buAutoNum type="arabicPeriod"/>
-            </a:pPr>
-            <a:r>
-              <a:rPr lang="en-US" altLang="zh-CN" sz="2800" dirty="0">
-                <a:latin typeface="Times New Roman" panose="02020603050405020304" pitchFamily="18" charset="0"/>
-                <a:cs typeface="Times New Roman" panose="02020603050405020304" pitchFamily="18" charset="0"/>
-              </a:rPr>
-              <a:t>Volume, cortical thickness</a:t>
-            </a:r>
-          </a:p>
-          <a:p>
-            <a:pPr marL="1200150" lvl="1" indent="-742950">
-              <a:buAutoNum type="arabicPeriod"/>
-            </a:pPr>
-            <a:r>
-              <a:rPr lang="en-US" altLang="zh-CN" sz="2800" dirty="0">
-                <a:latin typeface="Times New Roman" panose="02020603050405020304" pitchFamily="18" charset="0"/>
-                <a:cs typeface="Times New Roman" panose="02020603050405020304" pitchFamily="18" charset="0"/>
-              </a:rPr>
-              <a:t>Cortical information</a:t>
-            </a:r>
-          </a:p>
-          <a:p>
-            <a:pPr marL="742950" indent="-742950">
-              <a:buAutoNum type="arabicPeriod"/>
-            </a:pPr>
-            <a:r>
-              <a:rPr lang="en-US" altLang="zh-CN" sz="2800" dirty="0">
-                <a:latin typeface="Times New Roman" panose="02020603050405020304" pitchFamily="18" charset="0"/>
-                <a:cs typeface="Times New Roman" panose="02020603050405020304" pitchFamily="18" charset="0"/>
-              </a:rPr>
-              <a:t>Texture features (using </a:t>
-            </a:r>
-            <a:r>
-              <a:rPr lang="en-US" altLang="zh-CN" sz="2800" dirty="0" err="1">
-                <a:latin typeface="Times New Roman" panose="02020603050405020304" pitchFamily="18" charset="0"/>
-                <a:cs typeface="Times New Roman" panose="02020603050405020304" pitchFamily="18" charset="0"/>
-              </a:rPr>
-              <a:t>PyRadiomics</a:t>
-            </a:r>
-            <a:r>
-              <a:rPr lang="en-US" altLang="zh-CN" sz="2800" dirty="0">
-                <a:latin typeface="Times New Roman" panose="02020603050405020304" pitchFamily="18" charset="0"/>
-                <a:cs typeface="Times New Roman" panose="02020603050405020304" pitchFamily="18" charset="0"/>
-              </a:rPr>
-              <a:t>)</a:t>
-            </a:r>
-          </a:p>
-          <a:p>
-            <a:pPr marL="1200150" lvl="1" indent="-742950">
-              <a:buAutoNum type="arabicPeriod"/>
-            </a:pPr>
-            <a:r>
-              <a:rPr lang="en-US" altLang="zh-CN" sz="2800" dirty="0">
-                <a:latin typeface="Times New Roman" panose="02020603050405020304" pitchFamily="18" charset="0"/>
-                <a:cs typeface="Times New Roman" panose="02020603050405020304" pitchFamily="18" charset="0"/>
-              </a:rPr>
-              <a:t>First-order: average, central moments, entropy</a:t>
-            </a:r>
-          </a:p>
-          <a:p>
-            <a:pPr marL="1200150" lvl="1" indent="-742950">
-              <a:buAutoNum type="arabicPeriod"/>
-            </a:pPr>
-            <a:r>
-              <a:rPr lang="en-US" altLang="zh-CN" sz="2800" dirty="0">
-                <a:latin typeface="Times New Roman" panose="02020603050405020304" pitchFamily="18" charset="0"/>
-                <a:cs typeface="Times New Roman" panose="02020603050405020304" pitchFamily="18" charset="0"/>
-              </a:rPr>
-              <a:t>Second-order: GLCM, GLSZM, run length matrix</a:t>
-            </a:r>
-          </a:p>
-          <a:p>
-            <a:pPr marL="742950" indent="-742950">
-              <a:buAutoNum type="arabicPeriod"/>
-            </a:pPr>
-            <a:r>
-              <a:rPr lang="en-US" altLang="zh-CN" sz="2800" dirty="0">
-                <a:latin typeface="Times New Roman" panose="02020603050405020304" pitchFamily="18" charset="0"/>
-                <a:cs typeface="Times New Roman" panose="02020603050405020304" pitchFamily="18" charset="0"/>
-              </a:rPr>
-              <a:t>Raw voxels</a:t>
-            </a:r>
-          </a:p>
-          <a:p>
-            <a:pPr marL="1200150" lvl="1" indent="-742950">
-              <a:buAutoNum type="arabicPeriod"/>
-            </a:pPr>
-            <a:r>
-              <a:rPr lang="en-US" altLang="zh-CN" sz="2800" dirty="0">
-                <a:latin typeface="Times New Roman" panose="02020603050405020304" pitchFamily="18" charset="0"/>
-                <a:cs typeface="Times New Roman" panose="02020603050405020304" pitchFamily="18" charset="0"/>
-              </a:rPr>
-              <a:t>Anatomical ROI-based</a:t>
-            </a:r>
-          </a:p>
-          <a:p>
-            <a:pPr marL="1200150" lvl="1" indent="-742950">
-              <a:buAutoNum type="arabicPeriod"/>
-            </a:pPr>
-            <a:r>
-              <a:rPr lang="en-US" altLang="zh-CN" sz="2800" dirty="0">
-                <a:latin typeface="Times New Roman" panose="02020603050405020304" pitchFamily="18" charset="0"/>
-                <a:cs typeface="Times New Roman" panose="02020603050405020304" pitchFamily="18" charset="0"/>
-              </a:rPr>
-              <a:t>Statistical voxel-based</a:t>
-            </a:r>
-          </a:p>
-        </p:txBody>
-      </p:sp>
-    </p:spTree>
-    <p:extLst>
-      <p:ext uri="{BB962C8B-B14F-4D97-AF65-F5344CB8AC3E}">
-        <p14:creationId xmlns:p14="http://schemas.microsoft.com/office/powerpoint/2010/main" val="1615271057"/>
-      </p:ext>
-    </p:extLst>
-  </p:cSld>
-  <p:clrMapOvr>
-    <a:masterClrMapping/>
-  </p:clrMapOvr>
-</p:sld>
-</file>
-
-<file path=ppt/slides/slide8.xml><?xml version="1.0" encoding="utf-8"?>
-<p:sld xmlns:a="http://schemas.openxmlformats.org/drawingml/2006/main" xmlns:r="http://schemas.openxmlformats.org/officeDocument/2006/relationships" xmlns:p="http://schemas.openxmlformats.org/presentationml/2006/main">
-  <p:cSld>
-    <p:spTree>
-      <p:nvGrpSpPr>
-        <p:cNvPr id="1" name=""/>
-        <p:cNvGrpSpPr/>
-        <p:nvPr/>
-      </p:nvGrpSpPr>
-      <p:grpSpPr>
-        <a:xfrm>
-          <a:off x="0" y="0"/>
-          <a:ext cx="0" cy="0"/>
-          <a:chOff x="0" y="0"/>
-          <a:chExt cx="0" cy="0"/>
-        </a:xfrm>
-      </p:grpSpPr>
-      <p:sp>
-        <p:nvSpPr>
-          <p:cNvPr id="4" name="文本框 3">
-            <a:extLst>
-              <a:ext uri="{FF2B5EF4-FFF2-40B4-BE49-F238E27FC236}">
-                <a16:creationId xmlns:a16="http://schemas.microsoft.com/office/drawing/2014/main" id="{D0615F25-CF0E-0920-3A69-5ACB5F07D617}"/>
-              </a:ext>
-            </a:extLst>
-          </p:cNvPr>
-          <p:cNvSpPr txBox="1"/>
-          <p:nvPr/>
-        </p:nvSpPr>
-        <p:spPr>
-          <a:xfrm>
-            <a:off x="344555" y="212035"/>
             <a:ext cx="5588068" cy="646331"/>
           </a:xfrm>
           <a:prstGeom prst="rect">
@@ -12959,96 +13269,6 @@
             <a:avLst/>
           </a:prstGeom>
           <a:ln>
-            <a:tailEnd type="triangle"/>
-          </a:ln>
-        </p:spPr>
-        <p:style>
-          <a:lnRef idx="1">
-            <a:schemeClr val="dk1"/>
-          </a:lnRef>
-          <a:fillRef idx="0">
-            <a:schemeClr val="dk1"/>
-          </a:fillRef>
-          <a:effectRef idx="0">
-            <a:schemeClr val="dk1"/>
-          </a:effectRef>
-          <a:fontRef idx="minor">
-            <a:schemeClr val="tx1"/>
-          </a:fontRef>
-        </p:style>
-      </p:cxnSp>
-      <p:cxnSp>
-        <p:nvCxnSpPr>
-          <p:cNvPr id="61" name="连接符: 肘形 60">
-            <a:extLst>
-              <a:ext uri="{FF2B5EF4-FFF2-40B4-BE49-F238E27FC236}">
-                <a16:creationId xmlns:a16="http://schemas.microsoft.com/office/drawing/2014/main" id="{CD4D6BC9-332C-B4F5-9CFC-A4C845EAA9C0}"/>
-              </a:ext>
-            </a:extLst>
-          </p:cNvPr>
-          <p:cNvCxnSpPr>
-            <a:cxnSpLocks/>
-            <a:stCxn id="5" idx="0"/>
-            <a:endCxn id="55" idx="0"/>
-          </p:cNvCxnSpPr>
-          <p:nvPr/>
-        </p:nvCxnSpPr>
-        <p:spPr>
-          <a:xfrm rot="5400000" flipH="1" flipV="1">
-            <a:off x="7359946" y="-1947218"/>
-            <a:ext cx="12700" cy="7290259"/>
-          </a:xfrm>
-          <a:prstGeom prst="bentConnector3">
-            <a:avLst>
-              <a:gd name="adj1" fmla="val 1800000"/>
-            </a:avLst>
-          </a:prstGeom>
-          <a:ln>
-            <a:tailEnd type="triangle"/>
-          </a:ln>
-        </p:spPr>
-        <p:style>
-          <a:lnRef idx="1">
-            <a:schemeClr val="dk1"/>
-          </a:lnRef>
-          <a:fillRef idx="0">
-            <a:schemeClr val="dk1"/>
-          </a:fillRef>
-          <a:effectRef idx="0">
-            <a:schemeClr val="dk1"/>
-          </a:effectRef>
-          <a:fontRef idx="minor">
-            <a:schemeClr val="tx1"/>
-          </a:fontRef>
-        </p:style>
-      </p:cxnSp>
-      <p:cxnSp>
-        <p:nvCxnSpPr>
-          <p:cNvPr id="67" name="连接符: 肘形 66">
-            <a:extLst>
-              <a:ext uri="{FF2B5EF4-FFF2-40B4-BE49-F238E27FC236}">
-                <a16:creationId xmlns:a16="http://schemas.microsoft.com/office/drawing/2014/main" id="{0367AA18-01E0-A01A-462F-F8FEEC89AC7A}"/>
-              </a:ext>
-            </a:extLst>
-          </p:cNvPr>
-          <p:cNvCxnSpPr>
-            <a:stCxn id="22" idx="2"/>
-            <a:endCxn id="55" idx="2"/>
-          </p:cNvCxnSpPr>
-          <p:nvPr/>
-        </p:nvCxnSpPr>
-        <p:spPr>
-          <a:xfrm rot="5400000" flipH="1" flipV="1">
-            <a:off x="6203693" y="-267746"/>
-            <a:ext cx="2312505" cy="7290260"/>
-          </a:xfrm>
-          <a:prstGeom prst="bentConnector3">
-            <a:avLst>
-              <a:gd name="adj1" fmla="val -67478"/>
-            </a:avLst>
-          </a:prstGeom>
-          <a:ln>
-            <a:prstDash val="lgDashDot"/>
             <a:tailEnd type="triangle"/>
           </a:ln>
         </p:spPr>
@@ -13121,6 +13341,844 @@
 </p:sld>
 </file>
 
+<file path=ppt/slides/slide5.xml><?xml version="1.0" encoding="utf-8"?>
+<p:sld xmlns:a="http://schemas.openxmlformats.org/drawingml/2006/main" xmlns:r="http://schemas.openxmlformats.org/officeDocument/2006/relationships" xmlns:p="http://schemas.openxmlformats.org/presentationml/2006/main">
+  <p:cSld>
+    <p:spTree>
+      <p:nvGrpSpPr>
+        <p:cNvPr id="1" name=""/>
+        <p:cNvGrpSpPr/>
+        <p:nvPr/>
+      </p:nvGrpSpPr>
+      <p:grpSpPr>
+        <a:xfrm>
+          <a:off x="0" y="0"/>
+          <a:ext cx="0" cy="0"/>
+          <a:chOff x="0" y="0"/>
+          <a:chExt cx="0" cy="0"/>
+        </a:xfrm>
+      </p:grpSpPr>
+      <p:sp>
+        <p:nvSpPr>
+          <p:cNvPr id="4" name="文本框 3">
+            <a:extLst>
+              <a:ext uri="{FF2B5EF4-FFF2-40B4-BE49-F238E27FC236}">
+                <a16:creationId xmlns:a16="http://schemas.microsoft.com/office/drawing/2014/main" id="{D0615F25-CF0E-0920-3A69-5ACB5F07D617}"/>
+              </a:ext>
+            </a:extLst>
+          </p:cNvPr>
+          <p:cNvSpPr txBox="1"/>
+          <p:nvPr/>
+        </p:nvSpPr>
+        <p:spPr>
+          <a:xfrm>
+            <a:off x="344555" y="212035"/>
+            <a:ext cx="9580828" cy="646331"/>
+          </a:xfrm>
+          <a:prstGeom prst="rect">
+            <a:avLst/>
+          </a:prstGeom>
+          <a:noFill/>
+        </p:spPr>
+        <p:txBody>
+          <a:bodyPr wrap="none" rtlCol="0">
+            <a:spAutoFit/>
+          </a:bodyPr>
+          <a:lstStyle/>
+          <a:p>
+            <a:r>
+              <a:rPr lang="en-US" altLang="zh-CN" sz="3600" b="1" dirty="0">
+                <a:latin typeface="Times New Roman" panose="02020603050405020304" pitchFamily="18" charset="0"/>
+                <a:cs typeface="Times New Roman" panose="02020603050405020304" pitchFamily="18" charset="0"/>
+              </a:rPr>
+              <a:t>Survey: Feature Extraction (statistical features)</a:t>
+            </a:r>
+            <a:endParaRPr lang="zh-CN" altLang="en-US" sz="3600" b="1" dirty="0">
+              <a:latin typeface="Times New Roman" panose="02020603050405020304" pitchFamily="18" charset="0"/>
+              <a:cs typeface="Times New Roman" panose="02020603050405020304" pitchFamily="18" charset="0"/>
+            </a:endParaRPr>
+          </a:p>
+        </p:txBody>
+      </p:sp>
+      <p:sp>
+        <p:nvSpPr>
+          <p:cNvPr id="3" name="文本框 2">
+            <a:extLst>
+              <a:ext uri="{FF2B5EF4-FFF2-40B4-BE49-F238E27FC236}">
+                <a16:creationId xmlns:a16="http://schemas.microsoft.com/office/drawing/2014/main" id="{1CBE41C3-4C28-D818-525E-CB7220D82001}"/>
+              </a:ext>
+            </a:extLst>
+          </p:cNvPr>
+          <p:cNvSpPr txBox="1"/>
+          <p:nvPr/>
+        </p:nvSpPr>
+        <p:spPr>
+          <a:xfrm>
+            <a:off x="8265766" y="1309907"/>
+            <a:ext cx="3694322" cy="3477875"/>
+          </a:xfrm>
+          <a:prstGeom prst="rect">
+            <a:avLst/>
+          </a:prstGeom>
+          <a:noFill/>
+        </p:spPr>
+        <p:txBody>
+          <a:bodyPr wrap="square" rtlCol="0">
+            <a:spAutoFit/>
+          </a:bodyPr>
+          <a:lstStyle/>
+          <a:p>
+            <a:r>
+              <a:rPr lang="en-US" altLang="zh-CN" sz="2000" dirty="0">
+                <a:solidFill>
+                  <a:srgbClr val="FF0000"/>
+                </a:solidFill>
+                <a:latin typeface="Times New Roman" panose="02020603050405020304" pitchFamily="18" charset="0"/>
+                <a:cs typeface="Times New Roman" panose="02020603050405020304" pitchFamily="18" charset="0"/>
+              </a:rPr>
+              <a:t>Volume</a:t>
+            </a:r>
+            <a:r>
+              <a:rPr lang="en-US" altLang="zh-CN" sz="2000" dirty="0">
+                <a:latin typeface="Times New Roman" panose="02020603050405020304" pitchFamily="18" charset="0"/>
+                <a:cs typeface="Times New Roman" panose="02020603050405020304" pitchFamily="18" charset="0"/>
+              </a:rPr>
+              <a:t>: GM, WM, subcortical</a:t>
+            </a:r>
+          </a:p>
+          <a:p>
+            <a:r>
+              <a:rPr lang="en-US" altLang="zh-CN" sz="2000" dirty="0">
+                <a:solidFill>
+                  <a:srgbClr val="FF0000"/>
+                </a:solidFill>
+                <a:latin typeface="Times New Roman" panose="02020603050405020304" pitchFamily="18" charset="0"/>
+                <a:cs typeface="Times New Roman" panose="02020603050405020304" pitchFamily="18" charset="0"/>
+              </a:rPr>
+              <a:t>CT</a:t>
+            </a:r>
+            <a:r>
+              <a:rPr lang="en-US" altLang="zh-CN" sz="2000" dirty="0">
+                <a:latin typeface="Times New Roman" panose="02020603050405020304" pitchFamily="18" charset="0"/>
+                <a:cs typeface="Times New Roman" panose="02020603050405020304" pitchFamily="18" charset="0"/>
+              </a:rPr>
+              <a:t> (cortical thickness)</a:t>
+            </a:r>
+          </a:p>
+          <a:p>
+            <a:r>
+              <a:rPr lang="en-US" altLang="zh-CN" sz="2000" dirty="0">
+                <a:solidFill>
+                  <a:srgbClr val="FF0000"/>
+                </a:solidFill>
+                <a:latin typeface="Times New Roman" panose="02020603050405020304" pitchFamily="18" charset="0"/>
+                <a:cs typeface="Times New Roman" panose="02020603050405020304" pitchFamily="18" charset="0"/>
+              </a:rPr>
+              <a:t>AI</a:t>
+            </a:r>
+            <a:r>
+              <a:rPr lang="en-US" altLang="zh-CN" sz="2000" dirty="0">
+                <a:latin typeface="Times New Roman" panose="02020603050405020304" pitchFamily="18" charset="0"/>
+                <a:cs typeface="Times New Roman" panose="02020603050405020304" pitchFamily="18" charset="0"/>
+              </a:rPr>
+              <a:t> (asymmetry degree)</a:t>
+            </a:r>
+          </a:p>
+          <a:p>
+            <a:r>
+              <a:rPr lang="en-US" altLang="zh-CN" sz="2000" dirty="0">
+                <a:solidFill>
+                  <a:srgbClr val="FF0000"/>
+                </a:solidFill>
+                <a:latin typeface="Times New Roman" panose="02020603050405020304" pitchFamily="18" charset="0"/>
+                <a:cs typeface="Times New Roman" panose="02020603050405020304" pitchFamily="18" charset="0"/>
+              </a:rPr>
+              <a:t>LGI</a:t>
+            </a:r>
+            <a:r>
+              <a:rPr lang="en-US" altLang="zh-CN" sz="2000" dirty="0">
+                <a:latin typeface="Times New Roman" panose="02020603050405020304" pitchFamily="18" charset="0"/>
+                <a:cs typeface="Times New Roman" panose="02020603050405020304" pitchFamily="18" charset="0"/>
+              </a:rPr>
+              <a:t>: the degree of gyrification at the vertex level</a:t>
+            </a:r>
+          </a:p>
+          <a:p>
+            <a:r>
+              <a:rPr lang="en-US" altLang="zh-CN" sz="2000" dirty="0">
+                <a:solidFill>
+                  <a:srgbClr val="FF0000"/>
+                </a:solidFill>
+                <a:latin typeface="Times New Roman" panose="02020603050405020304" pitchFamily="18" charset="0"/>
+                <a:cs typeface="Times New Roman" panose="02020603050405020304" pitchFamily="18" charset="0"/>
+              </a:rPr>
+              <a:t>LFD</a:t>
+            </a:r>
+            <a:r>
+              <a:rPr lang="en-US" altLang="zh-CN" sz="2000" dirty="0">
+                <a:latin typeface="Times New Roman" panose="02020603050405020304" pitchFamily="18" charset="0"/>
+                <a:cs typeface="Times New Roman" panose="02020603050405020304" pitchFamily="18" charset="0"/>
+              </a:rPr>
+              <a:t>: structural complexity in the cerebral cortex</a:t>
+            </a:r>
+          </a:p>
+          <a:p>
+            <a:r>
+              <a:rPr lang="en-US" altLang="zh-CN" sz="2000" dirty="0">
+                <a:solidFill>
+                  <a:srgbClr val="FF0000"/>
+                </a:solidFill>
+                <a:latin typeface="Times New Roman" panose="02020603050405020304" pitchFamily="18" charset="0"/>
+                <a:cs typeface="Times New Roman" panose="02020603050405020304" pitchFamily="18" charset="0"/>
+              </a:rPr>
+              <a:t>SD</a:t>
+            </a:r>
+            <a:r>
+              <a:rPr lang="en-US" altLang="zh-CN" sz="2000" dirty="0">
+                <a:latin typeface="Times New Roman" panose="02020603050405020304" pitchFamily="18" charset="0"/>
+                <a:cs typeface="Times New Roman" panose="02020603050405020304" pitchFamily="18" charset="0"/>
+              </a:rPr>
+              <a:t>: the linear distance from the inner surface of the brain to the outer surface</a:t>
+            </a:r>
+          </a:p>
+          <a:p>
+            <a:endParaRPr lang="en-US" altLang="zh-CN" sz="2000" dirty="0">
+              <a:latin typeface="Times New Roman" panose="02020603050405020304" pitchFamily="18" charset="0"/>
+              <a:cs typeface="Times New Roman" panose="02020603050405020304" pitchFamily="18" charset="0"/>
+            </a:endParaRPr>
+          </a:p>
+        </p:txBody>
+      </p:sp>
+      <p:pic>
+        <p:nvPicPr>
+          <p:cNvPr id="5" name="图片 4">
+            <a:extLst>
+              <a:ext uri="{FF2B5EF4-FFF2-40B4-BE49-F238E27FC236}">
+                <a16:creationId xmlns:a16="http://schemas.microsoft.com/office/drawing/2014/main" id="{6C8119E0-BDCF-88DA-A5F7-D3EB8436D96F}"/>
+              </a:ext>
+            </a:extLst>
+          </p:cNvPr>
+          <p:cNvPicPr>
+            <a:picLocks noChangeAspect="1"/>
+          </p:cNvPicPr>
+          <p:nvPr/>
+        </p:nvPicPr>
+        <p:blipFill>
+          <a:blip r:embed="rId2">
+            <a:extLst>
+              <a:ext uri="{28A0092B-C50C-407E-A947-70E740481C1C}">
+                <a14:useLocalDpi xmlns:a14="http://schemas.microsoft.com/office/drawing/2010/main" val="0"/>
+              </a:ext>
+            </a:extLst>
+          </a:blip>
+          <a:stretch>
+            <a:fillRect/>
+          </a:stretch>
+        </p:blipFill>
+        <p:spPr>
+          <a:xfrm>
+            <a:off x="140277" y="1136956"/>
+            <a:ext cx="7958552" cy="5492444"/>
+          </a:xfrm>
+          <a:prstGeom prst="rect">
+            <a:avLst/>
+          </a:prstGeom>
+        </p:spPr>
+      </p:pic>
+    </p:spTree>
+    <p:extLst>
+      <p:ext uri="{BB962C8B-B14F-4D97-AF65-F5344CB8AC3E}">
+        <p14:creationId xmlns:p14="http://schemas.microsoft.com/office/powerpoint/2010/main" val="4138953656"/>
+      </p:ext>
+    </p:extLst>
+  </p:cSld>
+  <p:clrMapOvr>
+    <a:masterClrMapping/>
+  </p:clrMapOvr>
+</p:sld>
+</file>
+
+<file path=ppt/slides/slide6.xml><?xml version="1.0" encoding="utf-8"?>
+<p:sld xmlns:a="http://schemas.openxmlformats.org/drawingml/2006/main" xmlns:r="http://schemas.openxmlformats.org/officeDocument/2006/relationships" xmlns:p="http://schemas.openxmlformats.org/presentationml/2006/main">
+  <p:cSld>
+    <p:spTree>
+      <p:nvGrpSpPr>
+        <p:cNvPr id="1" name=""/>
+        <p:cNvGrpSpPr/>
+        <p:nvPr/>
+      </p:nvGrpSpPr>
+      <p:grpSpPr>
+        <a:xfrm>
+          <a:off x="0" y="0"/>
+          <a:ext cx="0" cy="0"/>
+          <a:chOff x="0" y="0"/>
+          <a:chExt cx="0" cy="0"/>
+        </a:xfrm>
+      </p:grpSpPr>
+      <p:sp>
+        <p:nvSpPr>
+          <p:cNvPr id="4" name="文本框 3">
+            <a:extLst>
+              <a:ext uri="{FF2B5EF4-FFF2-40B4-BE49-F238E27FC236}">
+                <a16:creationId xmlns:a16="http://schemas.microsoft.com/office/drawing/2014/main" id="{D0615F25-CF0E-0920-3A69-5ACB5F07D617}"/>
+              </a:ext>
+            </a:extLst>
+          </p:cNvPr>
+          <p:cNvSpPr txBox="1"/>
+          <p:nvPr/>
+        </p:nvSpPr>
+        <p:spPr>
+          <a:xfrm>
+            <a:off x="344555" y="212035"/>
+            <a:ext cx="9110827" cy="646331"/>
+          </a:xfrm>
+          <a:prstGeom prst="rect">
+            <a:avLst/>
+          </a:prstGeom>
+          <a:noFill/>
+        </p:spPr>
+        <p:txBody>
+          <a:bodyPr wrap="none" rtlCol="0">
+            <a:spAutoFit/>
+          </a:bodyPr>
+          <a:lstStyle/>
+          <a:p>
+            <a:r>
+              <a:rPr lang="en-US" altLang="zh-CN" sz="3600" b="1" dirty="0">
+                <a:latin typeface="Times New Roman" panose="02020603050405020304" pitchFamily="18" charset="0"/>
+                <a:cs typeface="Times New Roman" panose="02020603050405020304" pitchFamily="18" charset="0"/>
+              </a:rPr>
+              <a:t>Survey: Feature Extraction (texture features)</a:t>
+            </a:r>
+            <a:endParaRPr lang="zh-CN" altLang="en-US" sz="3600" b="1" dirty="0">
+              <a:latin typeface="Times New Roman" panose="02020603050405020304" pitchFamily="18" charset="0"/>
+              <a:cs typeface="Times New Roman" panose="02020603050405020304" pitchFamily="18" charset="0"/>
+            </a:endParaRPr>
+          </a:p>
+        </p:txBody>
+      </p:sp>
+      <p:pic>
+        <p:nvPicPr>
+          <p:cNvPr id="6" name="图片 5" descr="图示&#10;&#10;描述已自动生成">
+            <a:extLst>
+              <a:ext uri="{FF2B5EF4-FFF2-40B4-BE49-F238E27FC236}">
+                <a16:creationId xmlns:a16="http://schemas.microsoft.com/office/drawing/2014/main" id="{0EE9DD67-CF17-5460-A616-5E8A3EF2269B}"/>
+              </a:ext>
+            </a:extLst>
+          </p:cNvPr>
+          <p:cNvPicPr>
+            <a:picLocks noChangeAspect="1"/>
+          </p:cNvPicPr>
+          <p:nvPr/>
+        </p:nvPicPr>
+        <p:blipFill>
+          <a:blip r:embed="rId2">
+            <a:extLst>
+              <a:ext uri="{28A0092B-C50C-407E-A947-70E740481C1C}">
+                <a14:useLocalDpi xmlns:a14="http://schemas.microsoft.com/office/drawing/2010/main" val="0"/>
+              </a:ext>
+            </a:extLst>
+          </a:blip>
+          <a:stretch>
+            <a:fillRect/>
+          </a:stretch>
+        </p:blipFill>
+        <p:spPr>
+          <a:xfrm>
+            <a:off x="898581" y="1555803"/>
+            <a:ext cx="10394837" cy="4361293"/>
+          </a:xfrm>
+          <a:prstGeom prst="rect">
+            <a:avLst/>
+          </a:prstGeom>
+        </p:spPr>
+      </p:pic>
+    </p:spTree>
+    <p:extLst>
+      <p:ext uri="{BB962C8B-B14F-4D97-AF65-F5344CB8AC3E}">
+        <p14:creationId xmlns:p14="http://schemas.microsoft.com/office/powerpoint/2010/main" val="2976536119"/>
+      </p:ext>
+    </p:extLst>
+  </p:cSld>
+  <p:clrMapOvr>
+    <a:masterClrMapping/>
+  </p:clrMapOvr>
+</p:sld>
+</file>
+
+<file path=ppt/slides/slide7.xml><?xml version="1.0" encoding="utf-8"?>
+<p:sld xmlns:a="http://schemas.openxmlformats.org/drawingml/2006/main" xmlns:r="http://schemas.openxmlformats.org/officeDocument/2006/relationships" xmlns:p="http://schemas.openxmlformats.org/presentationml/2006/main">
+  <p:cSld>
+    <p:spTree>
+      <p:nvGrpSpPr>
+        <p:cNvPr id="1" name=""/>
+        <p:cNvGrpSpPr/>
+        <p:nvPr/>
+      </p:nvGrpSpPr>
+      <p:grpSpPr>
+        <a:xfrm>
+          <a:off x="0" y="0"/>
+          <a:ext cx="0" cy="0"/>
+          <a:chOff x="0" y="0"/>
+          <a:chExt cx="0" cy="0"/>
+        </a:xfrm>
+      </p:grpSpPr>
+      <p:sp>
+        <p:nvSpPr>
+          <p:cNvPr id="4" name="文本框 3">
+            <a:extLst>
+              <a:ext uri="{FF2B5EF4-FFF2-40B4-BE49-F238E27FC236}">
+                <a16:creationId xmlns:a16="http://schemas.microsoft.com/office/drawing/2014/main" id="{D0615F25-CF0E-0920-3A69-5ACB5F07D617}"/>
+              </a:ext>
+            </a:extLst>
+          </p:cNvPr>
+          <p:cNvSpPr txBox="1"/>
+          <p:nvPr/>
+        </p:nvSpPr>
+        <p:spPr>
+          <a:xfrm>
+            <a:off x="344555" y="212035"/>
+            <a:ext cx="9110827" cy="646331"/>
+          </a:xfrm>
+          <a:prstGeom prst="rect">
+            <a:avLst/>
+          </a:prstGeom>
+          <a:noFill/>
+        </p:spPr>
+        <p:txBody>
+          <a:bodyPr wrap="none" rtlCol="0">
+            <a:spAutoFit/>
+          </a:bodyPr>
+          <a:lstStyle/>
+          <a:p>
+            <a:r>
+              <a:rPr lang="en-US" altLang="zh-CN" sz="3600" b="1" dirty="0">
+                <a:latin typeface="Times New Roman" panose="02020603050405020304" pitchFamily="18" charset="0"/>
+                <a:cs typeface="Times New Roman" panose="02020603050405020304" pitchFamily="18" charset="0"/>
+              </a:rPr>
+              <a:t>Survey: Feature Extraction (texture features)</a:t>
+            </a:r>
+            <a:endParaRPr lang="zh-CN" altLang="en-US" sz="3600" b="1" dirty="0">
+              <a:latin typeface="Times New Roman" panose="02020603050405020304" pitchFamily="18" charset="0"/>
+              <a:cs typeface="Times New Roman" panose="02020603050405020304" pitchFamily="18" charset="0"/>
+            </a:endParaRPr>
+          </a:p>
+        </p:txBody>
+      </p:sp>
+      <p:sp>
+        <p:nvSpPr>
+          <p:cNvPr id="2" name="文本框 1">
+            <a:extLst>
+              <a:ext uri="{FF2B5EF4-FFF2-40B4-BE49-F238E27FC236}">
+                <a16:creationId xmlns:a16="http://schemas.microsoft.com/office/drawing/2014/main" id="{1D47101D-764A-FE93-7FE2-B50EF656E9E6}"/>
+              </a:ext>
+            </a:extLst>
+          </p:cNvPr>
+          <p:cNvSpPr txBox="1"/>
+          <p:nvPr/>
+        </p:nvSpPr>
+        <p:spPr>
+          <a:xfrm>
+            <a:off x="641414" y="1094736"/>
+            <a:ext cx="11013873" cy="5324535"/>
+          </a:xfrm>
+          <a:prstGeom prst="rect">
+            <a:avLst/>
+          </a:prstGeom>
+          <a:noFill/>
+        </p:spPr>
+        <p:txBody>
+          <a:bodyPr wrap="square" rtlCol="0">
+            <a:spAutoFit/>
+          </a:bodyPr>
+          <a:lstStyle/>
+          <a:p>
+            <a:r>
+              <a:rPr lang="en-US" altLang="zh-CN" sz="2800" dirty="0">
+                <a:latin typeface="Times New Roman" panose="02020603050405020304" pitchFamily="18" charset="0"/>
+                <a:cs typeface="Times New Roman" panose="02020603050405020304" pitchFamily="18" charset="0"/>
+              </a:rPr>
+              <a:t>Texture features extracted by </a:t>
+            </a:r>
+            <a:r>
+              <a:rPr lang="en-US" altLang="zh-CN" sz="2800" dirty="0" err="1">
+                <a:latin typeface="Times New Roman" panose="02020603050405020304" pitchFamily="18" charset="0"/>
+                <a:cs typeface="Times New Roman" panose="02020603050405020304" pitchFamily="18" charset="0"/>
+              </a:rPr>
+              <a:t>PyRadiomics</a:t>
+            </a:r>
+            <a:endParaRPr lang="en-US" altLang="zh-CN" sz="2800" dirty="0">
+              <a:latin typeface="Times New Roman" panose="02020603050405020304" pitchFamily="18" charset="0"/>
+              <a:cs typeface="Times New Roman" panose="02020603050405020304" pitchFamily="18" charset="0"/>
+            </a:endParaRPr>
+          </a:p>
+          <a:p>
+            <a:pPr marL="742950" indent="-742950">
+              <a:buAutoNum type="arabicPeriod"/>
+            </a:pPr>
+            <a:r>
+              <a:rPr lang="en-US" altLang="zh-CN" sz="2400" dirty="0">
+                <a:solidFill>
+                  <a:srgbClr val="FF0000"/>
+                </a:solidFill>
+                <a:latin typeface="Times New Roman" panose="02020603050405020304" pitchFamily="18" charset="0"/>
+                <a:cs typeface="Times New Roman" panose="02020603050405020304" pitchFamily="18" charset="0"/>
+              </a:rPr>
+              <a:t>First-order</a:t>
+            </a:r>
+            <a:r>
+              <a:rPr lang="en-US" altLang="zh-CN" sz="2400" dirty="0">
+                <a:latin typeface="Times New Roman" panose="02020603050405020304" pitchFamily="18" charset="0"/>
+                <a:cs typeface="Times New Roman" panose="02020603050405020304" pitchFamily="18" charset="0"/>
+              </a:rPr>
+              <a:t>: Statistical</a:t>
+            </a:r>
+          </a:p>
+          <a:p>
+            <a:pPr lvl="1"/>
+            <a:r>
+              <a:rPr lang="en-US" altLang="zh-CN" sz="2400" dirty="0">
+                <a:latin typeface="Times New Roman" panose="02020603050405020304" pitchFamily="18" charset="0"/>
+                <a:cs typeface="Times New Roman" panose="02020603050405020304" pitchFamily="18" charset="0"/>
+              </a:rPr>
+              <a:t>	avg, variance, kurtosis, skewness, energy …</a:t>
+            </a:r>
+          </a:p>
+          <a:p>
+            <a:pPr marL="742950" indent="-742950">
+              <a:buAutoNum type="arabicPeriod"/>
+            </a:pPr>
+            <a:r>
+              <a:rPr lang="en-US" altLang="zh-CN" sz="2400" dirty="0">
+                <a:solidFill>
+                  <a:srgbClr val="FF0000"/>
+                </a:solidFill>
+                <a:latin typeface="Times New Roman" panose="02020603050405020304" pitchFamily="18" charset="0"/>
+                <a:cs typeface="Times New Roman" panose="02020603050405020304" pitchFamily="18" charset="0"/>
+              </a:rPr>
+              <a:t>Shape</a:t>
+            </a:r>
+            <a:r>
+              <a:rPr lang="en-US" altLang="zh-CN" sz="2400" dirty="0">
+                <a:latin typeface="Times New Roman" panose="02020603050405020304" pitchFamily="18" charset="0"/>
+                <a:cs typeface="Times New Roman" panose="02020603050405020304" pitchFamily="18" charset="0"/>
+              </a:rPr>
+              <a:t>:</a:t>
+            </a:r>
+          </a:p>
+          <a:p>
+            <a:pPr lvl="1"/>
+            <a:r>
+              <a:rPr lang="en-US" altLang="zh-CN" sz="2400" dirty="0">
+                <a:latin typeface="Times New Roman" panose="02020603050405020304" pitchFamily="18" charset="0"/>
+                <a:cs typeface="Times New Roman" panose="02020603050405020304" pitchFamily="18" charset="0"/>
+              </a:rPr>
+              <a:t>	Not used due to registration (all ROIs have the same shape)</a:t>
+            </a:r>
+          </a:p>
+          <a:p>
+            <a:pPr marL="742950" indent="-742950">
+              <a:buAutoNum type="arabicPeriod"/>
+            </a:pPr>
+            <a:r>
+              <a:rPr lang="en-US" altLang="zh-CN" sz="2400" dirty="0">
+                <a:solidFill>
+                  <a:srgbClr val="FF0000"/>
+                </a:solidFill>
+                <a:latin typeface="Times New Roman" panose="02020603050405020304" pitchFamily="18" charset="0"/>
+                <a:cs typeface="Times New Roman" panose="02020603050405020304" pitchFamily="18" charset="0"/>
+              </a:rPr>
+              <a:t>GLCM</a:t>
+            </a:r>
+            <a:r>
+              <a:rPr lang="en-US" altLang="zh-CN" sz="2400" dirty="0">
+                <a:latin typeface="Times New Roman" panose="02020603050405020304" pitchFamily="18" charset="0"/>
+                <a:cs typeface="Times New Roman" panose="02020603050405020304" pitchFamily="18" charset="0"/>
+              </a:rPr>
+              <a:t>: Gray Level Co-occurrence Matrix</a:t>
+            </a:r>
+          </a:p>
+          <a:p>
+            <a:pPr lvl="1"/>
+            <a:r>
+              <a:rPr lang="en-US" altLang="zh-CN" sz="2400" dirty="0">
+                <a:latin typeface="Times New Roman" panose="02020603050405020304" pitchFamily="18" charset="0"/>
+                <a:cs typeface="Times New Roman" panose="02020603050405020304" pitchFamily="18" charset="0"/>
+              </a:rPr>
+              <a:t>	The distribution of co-occurring pixel values at a given offset</a:t>
+            </a:r>
+          </a:p>
+          <a:p>
+            <a:pPr marL="742950" indent="-742950">
+              <a:buAutoNum type="arabicPeriod"/>
+            </a:pPr>
+            <a:r>
+              <a:rPr lang="en-US" altLang="zh-CN" sz="2400" dirty="0">
+                <a:solidFill>
+                  <a:srgbClr val="FF0000"/>
+                </a:solidFill>
+                <a:latin typeface="Times New Roman" panose="02020603050405020304" pitchFamily="18" charset="0"/>
+                <a:cs typeface="Times New Roman" panose="02020603050405020304" pitchFamily="18" charset="0"/>
+              </a:rPr>
+              <a:t>GLRLM</a:t>
+            </a:r>
+            <a:r>
+              <a:rPr lang="en-US" altLang="zh-CN" sz="2400" dirty="0">
+                <a:latin typeface="Times New Roman" panose="02020603050405020304" pitchFamily="18" charset="0"/>
+                <a:cs typeface="Times New Roman" panose="02020603050405020304" pitchFamily="18" charset="0"/>
+              </a:rPr>
+              <a:t>: Gray Level Run Length Matrix</a:t>
+            </a:r>
+          </a:p>
+          <a:p>
+            <a:pPr lvl="1"/>
+            <a:r>
+              <a:rPr lang="en-US" altLang="zh-CN" sz="2400" dirty="0">
+                <a:latin typeface="Times New Roman" panose="02020603050405020304" pitchFamily="18" charset="0"/>
+                <a:cs typeface="Times New Roman" panose="02020603050405020304" pitchFamily="18" charset="0"/>
+              </a:rPr>
+              <a:t>	A line of pixels in a certain direction with the same intensity value</a:t>
+            </a:r>
+          </a:p>
+          <a:p>
+            <a:pPr marL="742950" indent="-742950">
+              <a:buAutoNum type="arabicPeriod"/>
+            </a:pPr>
+            <a:r>
+              <a:rPr lang="en-US" altLang="zh-CN" sz="2400" dirty="0">
+                <a:solidFill>
+                  <a:srgbClr val="FF0000"/>
+                </a:solidFill>
+                <a:latin typeface="Times New Roman" panose="02020603050405020304" pitchFamily="18" charset="0"/>
+                <a:cs typeface="Times New Roman" panose="02020603050405020304" pitchFamily="18" charset="0"/>
+              </a:rPr>
+              <a:t>GLSZM</a:t>
+            </a:r>
+            <a:r>
+              <a:rPr lang="en-US" altLang="zh-CN" sz="2400" dirty="0">
+                <a:latin typeface="Times New Roman" panose="02020603050405020304" pitchFamily="18" charset="0"/>
+                <a:cs typeface="Times New Roman" panose="02020603050405020304" pitchFamily="18" charset="0"/>
+              </a:rPr>
+              <a:t>: Gray Level Size Zone Matrix</a:t>
+            </a:r>
+          </a:p>
+          <a:p>
+            <a:pPr lvl="1"/>
+            <a:r>
+              <a:rPr lang="en-US" altLang="zh-CN" sz="2400" dirty="0">
+                <a:latin typeface="Times New Roman" panose="02020603050405020304" pitchFamily="18" charset="0"/>
+                <a:cs typeface="Times New Roman" panose="02020603050405020304" pitchFamily="18" charset="0"/>
+              </a:rPr>
+              <a:t>	The number of connected voxels that share the same gray level intensity</a:t>
+            </a:r>
+          </a:p>
+          <a:p>
+            <a:pPr marL="742950" indent="-742950">
+              <a:buAutoNum type="arabicPeriod"/>
+            </a:pPr>
+            <a:r>
+              <a:rPr lang="en-US" altLang="zh-CN" sz="2400" dirty="0">
+                <a:solidFill>
+                  <a:srgbClr val="FF0000"/>
+                </a:solidFill>
+                <a:latin typeface="Times New Roman" panose="02020603050405020304" pitchFamily="18" charset="0"/>
+                <a:cs typeface="Times New Roman" panose="02020603050405020304" pitchFamily="18" charset="0"/>
+              </a:rPr>
+              <a:t>GLDM</a:t>
+            </a:r>
+            <a:r>
+              <a:rPr lang="en-US" altLang="zh-CN" sz="2400" dirty="0">
+                <a:latin typeface="Times New Roman" panose="02020603050405020304" pitchFamily="18" charset="0"/>
+                <a:cs typeface="Times New Roman" panose="02020603050405020304" pitchFamily="18" charset="0"/>
+              </a:rPr>
+              <a:t>: Gray Level Dependence Matrix</a:t>
+            </a:r>
+          </a:p>
+          <a:p>
+            <a:pPr lvl="1"/>
+            <a:r>
+              <a:rPr lang="en-US" altLang="zh-CN" sz="2400" dirty="0">
+                <a:latin typeface="Times New Roman" panose="02020603050405020304" pitchFamily="18" charset="0"/>
+                <a:cs typeface="Times New Roman" panose="02020603050405020304" pitchFamily="18" charset="0"/>
+              </a:rPr>
+              <a:t>	The number of connected voxels within distance that are dependent on the center 	voxel</a:t>
+            </a:r>
+          </a:p>
+        </p:txBody>
+      </p:sp>
+    </p:spTree>
+    <p:extLst>
+      <p:ext uri="{BB962C8B-B14F-4D97-AF65-F5344CB8AC3E}">
+        <p14:creationId xmlns:p14="http://schemas.microsoft.com/office/powerpoint/2010/main" val="943650723"/>
+      </p:ext>
+    </p:extLst>
+  </p:cSld>
+  <p:clrMapOvr>
+    <a:masterClrMapping/>
+  </p:clrMapOvr>
+</p:sld>
+</file>
+
+<file path=ppt/slides/slide8.xml><?xml version="1.0" encoding="utf-8"?>
+<p:sld xmlns:a="http://schemas.openxmlformats.org/drawingml/2006/main" xmlns:r="http://schemas.openxmlformats.org/officeDocument/2006/relationships" xmlns:p="http://schemas.openxmlformats.org/presentationml/2006/main">
+  <p:cSld>
+    <p:spTree>
+      <p:nvGrpSpPr>
+        <p:cNvPr id="1" name=""/>
+        <p:cNvGrpSpPr/>
+        <p:nvPr/>
+      </p:nvGrpSpPr>
+      <p:grpSpPr>
+        <a:xfrm>
+          <a:off x="0" y="0"/>
+          <a:ext cx="0" cy="0"/>
+          <a:chOff x="0" y="0"/>
+          <a:chExt cx="0" cy="0"/>
+        </a:xfrm>
+      </p:grpSpPr>
+      <p:sp>
+        <p:nvSpPr>
+          <p:cNvPr id="4" name="文本框 3">
+            <a:extLst>
+              <a:ext uri="{FF2B5EF4-FFF2-40B4-BE49-F238E27FC236}">
+                <a16:creationId xmlns:a16="http://schemas.microsoft.com/office/drawing/2014/main" id="{D0615F25-CF0E-0920-3A69-5ACB5F07D617}"/>
+              </a:ext>
+            </a:extLst>
+          </p:cNvPr>
+          <p:cNvSpPr txBox="1"/>
+          <p:nvPr/>
+        </p:nvSpPr>
+        <p:spPr>
+          <a:xfrm>
+            <a:off x="344555" y="212035"/>
+            <a:ext cx="8101577" cy="646331"/>
+          </a:xfrm>
+          <a:prstGeom prst="rect">
+            <a:avLst/>
+          </a:prstGeom>
+          <a:noFill/>
+        </p:spPr>
+        <p:txBody>
+          <a:bodyPr wrap="none" rtlCol="0">
+            <a:spAutoFit/>
+          </a:bodyPr>
+          <a:lstStyle/>
+          <a:p>
+            <a:r>
+              <a:rPr lang="en-US" altLang="zh-CN" sz="3600" b="1" dirty="0">
+                <a:latin typeface="Times New Roman" panose="02020603050405020304" pitchFamily="18" charset="0"/>
+                <a:cs typeface="Times New Roman" panose="02020603050405020304" pitchFamily="18" charset="0"/>
+              </a:rPr>
+              <a:t>Survey: Feature Extraction (raw voxels)</a:t>
+            </a:r>
+            <a:endParaRPr lang="zh-CN" altLang="en-US" sz="3600" b="1" dirty="0">
+              <a:latin typeface="Times New Roman" panose="02020603050405020304" pitchFamily="18" charset="0"/>
+              <a:cs typeface="Times New Roman" panose="02020603050405020304" pitchFamily="18" charset="0"/>
+            </a:endParaRPr>
+          </a:p>
+        </p:txBody>
+      </p:sp>
+      <p:sp>
+        <p:nvSpPr>
+          <p:cNvPr id="2" name="文本框 1">
+            <a:extLst>
+              <a:ext uri="{FF2B5EF4-FFF2-40B4-BE49-F238E27FC236}">
+                <a16:creationId xmlns:a16="http://schemas.microsoft.com/office/drawing/2014/main" id="{86E6C079-FF0D-5788-1C3B-4B5E6AADF5B1}"/>
+              </a:ext>
+            </a:extLst>
+          </p:cNvPr>
+          <p:cNvSpPr txBox="1"/>
+          <p:nvPr/>
+        </p:nvSpPr>
+        <p:spPr>
+          <a:xfrm>
+            <a:off x="659192" y="1066838"/>
+            <a:ext cx="1245912" cy="830997"/>
+          </a:xfrm>
+          <a:prstGeom prst="rect">
+            <a:avLst/>
+          </a:prstGeom>
+          <a:noFill/>
+        </p:spPr>
+        <p:txBody>
+          <a:bodyPr wrap="square" rtlCol="0">
+            <a:spAutoFit/>
+          </a:bodyPr>
+          <a:lstStyle/>
+          <a:p>
+            <a:r>
+              <a:rPr lang="en-US" altLang="zh-CN" sz="2400" dirty="0">
+                <a:solidFill>
+                  <a:schemeClr val="bg1">
+                    <a:lumMod val="65000"/>
+                  </a:schemeClr>
+                </a:solidFill>
+                <a:latin typeface="Times New Roman" panose="02020603050405020304" pitchFamily="18" charset="0"/>
+                <a:cs typeface="Times New Roman" panose="02020603050405020304" pitchFamily="18" charset="0"/>
+              </a:rPr>
+              <a:t>PCA</a:t>
+            </a:r>
+          </a:p>
+          <a:p>
+            <a:r>
+              <a:rPr lang="en-US" altLang="zh-CN" sz="2400" dirty="0">
+                <a:latin typeface="Times New Roman" panose="02020603050405020304" pitchFamily="18" charset="0"/>
+                <a:cs typeface="Times New Roman" panose="02020603050405020304" pitchFamily="18" charset="0"/>
+              </a:rPr>
+              <a:t>ICA</a:t>
+            </a:r>
+          </a:p>
+        </p:txBody>
+      </p:sp>
+      <p:pic>
+        <p:nvPicPr>
+          <p:cNvPr id="3" name="图片 2">
+            <a:extLst>
+              <a:ext uri="{FF2B5EF4-FFF2-40B4-BE49-F238E27FC236}">
+                <a16:creationId xmlns:a16="http://schemas.microsoft.com/office/drawing/2014/main" id="{D3714938-6A41-5890-A45F-55E809E269B1}"/>
+              </a:ext>
+            </a:extLst>
+          </p:cNvPr>
+          <p:cNvPicPr>
+            <a:picLocks noChangeAspect="1"/>
+          </p:cNvPicPr>
+          <p:nvPr/>
+        </p:nvPicPr>
+        <p:blipFill>
+          <a:blip r:embed="rId2">
+            <a:extLst>
+              <a:ext uri="{28A0092B-C50C-407E-A947-70E740481C1C}">
+                <a14:useLocalDpi xmlns:a14="http://schemas.microsoft.com/office/drawing/2010/main" val="0"/>
+              </a:ext>
+            </a:extLst>
+          </a:blip>
+          <a:stretch>
+            <a:fillRect/>
+          </a:stretch>
+        </p:blipFill>
+        <p:spPr>
+          <a:xfrm>
+            <a:off x="2219740" y="858366"/>
+            <a:ext cx="9014640" cy="5719950"/>
+          </a:xfrm>
+          <a:prstGeom prst="rect">
+            <a:avLst/>
+          </a:prstGeom>
+        </p:spPr>
+      </p:pic>
+    </p:spTree>
+    <p:extLst>
+      <p:ext uri="{BB962C8B-B14F-4D97-AF65-F5344CB8AC3E}">
+        <p14:creationId xmlns:p14="http://schemas.microsoft.com/office/powerpoint/2010/main" val="1412007093"/>
+      </p:ext>
+    </p:extLst>
+  </p:cSld>
+  <p:clrMapOvr>
+    <a:masterClrMapping/>
+  </p:clrMapOvr>
+</p:sld>
+</file>
+
 <file path=ppt/slides/slide9.xml><?xml version="1.0" encoding="utf-8"?>
 <p:sld xmlns:a="http://schemas.openxmlformats.org/drawingml/2006/main" xmlns:r="http://schemas.openxmlformats.org/officeDocument/2006/relationships" xmlns:p="http://schemas.openxmlformats.org/presentationml/2006/main">
   <p:cSld>
@@ -13153,7 +14211,7 @@
         <p:spPr>
           <a:xfrm>
             <a:off x="344555" y="212035"/>
-            <a:ext cx="9580828" cy="646331"/>
+            <a:ext cx="5254644" cy="646331"/>
           </a:xfrm>
           <a:prstGeom prst="rect">
             <a:avLst/>
@@ -13171,7 +14229,7 @@
                 <a:latin typeface="Times New Roman" panose="02020603050405020304" pitchFamily="18" charset="0"/>
                 <a:cs typeface="Times New Roman" panose="02020603050405020304" pitchFamily="18" charset="0"/>
               </a:rPr>
-              <a:t>Survey: Feature Extraction (statistical features)</a:t>
+              <a:t>Survey: Feature Selection</a:t>
             </a:r>
             <a:endParaRPr lang="zh-CN" altLang="en-US" sz="3600" b="1" dirty="0">
               <a:latin typeface="Times New Roman" panose="02020603050405020304" pitchFamily="18" charset="0"/>
@@ -13185,7 +14243,7 @@
           <p:cNvPr id="3" name="文本框 2">
             <a:extLst>
               <a:ext uri="{FF2B5EF4-FFF2-40B4-BE49-F238E27FC236}">
-                <a16:creationId xmlns:a16="http://schemas.microsoft.com/office/drawing/2014/main" id="{1CBE41C3-4C28-D818-525E-CB7220D82001}"/>
+                <a16:creationId xmlns:a16="http://schemas.microsoft.com/office/drawing/2014/main" id="{25EFD457-4A1B-E272-4D21-7E89964A9C51}"/>
               </a:ext>
             </a:extLst>
           </p:cNvPr>
@@ -13194,8 +14252,8 @@
         </p:nvSpPr>
         <p:spPr>
           <a:xfrm>
-            <a:off x="8265766" y="1309907"/>
-            <a:ext cx="3694322" cy="3785652"/>
+            <a:off x="966092" y="1803724"/>
+            <a:ext cx="10443125" cy="3416320"/>
           </a:xfrm>
           <a:prstGeom prst="rect">
             <a:avLst/>
@@ -13208,176 +14266,125 @@
           </a:bodyPr>
           <a:lstStyle/>
           <a:p>
-            <a:r>
-              <a:rPr lang="en-US" altLang="zh-CN" sz="2000" dirty="0">
+            <a:pPr marL="742950" indent="-742950">
+              <a:buAutoNum type="arabicPeriod"/>
+            </a:pPr>
+            <a:r>
+              <a:rPr lang="en-US" altLang="zh-CN" sz="3600" dirty="0">
+                <a:latin typeface="Times New Roman" panose="02020603050405020304" pitchFamily="18" charset="0"/>
+                <a:cs typeface="Times New Roman" panose="02020603050405020304" pitchFamily="18" charset="0"/>
+              </a:rPr>
+              <a:t>Data-driven methods</a:t>
+            </a:r>
+          </a:p>
+          <a:p>
+            <a:pPr lvl="1"/>
+            <a:r>
+              <a:rPr lang="en-US" altLang="zh-CN" sz="3600" dirty="0">
+                <a:latin typeface="Times New Roman" panose="02020603050405020304" pitchFamily="18" charset="0"/>
+                <a:cs typeface="Times New Roman" panose="02020603050405020304" pitchFamily="18" charset="0"/>
+              </a:rPr>
+              <a:t>	</a:t>
+            </a:r>
+            <a:r>
+              <a:rPr lang="en-US" altLang="zh-CN" sz="3600" dirty="0" err="1">
                 <a:solidFill>
                   <a:srgbClr val="FF0000"/>
                 </a:solidFill>
                 <a:latin typeface="Times New Roman" panose="02020603050405020304" pitchFamily="18" charset="0"/>
                 <a:cs typeface="Times New Roman" panose="02020603050405020304" pitchFamily="18" charset="0"/>
               </a:rPr>
-              <a:t>Volume</a:t>
-            </a:r>
-            <a:r>
-              <a:rPr lang="en-US" altLang="zh-CN" sz="2000" dirty="0">
-                <a:latin typeface="Times New Roman" panose="02020603050405020304" pitchFamily="18" charset="0"/>
-                <a:cs typeface="Times New Roman" panose="02020603050405020304" pitchFamily="18" charset="0"/>
-              </a:rPr>
-              <a:t>: GM, WM, subcortical</a:t>
-            </a:r>
-          </a:p>
-          <a:p>
-            <a:r>
-              <a:rPr lang="en-US" altLang="zh-CN" sz="2000" dirty="0">
+              <a:t>mRMR</a:t>
+            </a:r>
+            <a:r>
+              <a:rPr lang="en-US" altLang="zh-CN" sz="3600" dirty="0">
+                <a:latin typeface="Times New Roman" panose="02020603050405020304" pitchFamily="18" charset="0"/>
+                <a:cs typeface="Times New Roman" panose="02020603050405020304" pitchFamily="18" charset="0"/>
+              </a:rPr>
+              <a:t>(</a:t>
+            </a:r>
+            <a:r>
+              <a:rPr lang="zh-CN" altLang="en-US" sz="3600" dirty="0">
+                <a:latin typeface="Times New Roman" panose="02020603050405020304" pitchFamily="18" charset="0"/>
+                <a:cs typeface="Times New Roman" panose="02020603050405020304" pitchFamily="18" charset="0"/>
+              </a:rPr>
+              <a:t>最大相关和最小冗余</a:t>
+            </a:r>
+            <a:r>
+              <a:rPr lang="en-US" altLang="zh-CN" sz="3600" dirty="0">
+                <a:latin typeface="Times New Roman" panose="02020603050405020304" pitchFamily="18" charset="0"/>
+                <a:cs typeface="Times New Roman" panose="02020603050405020304" pitchFamily="18" charset="0"/>
+              </a:rPr>
+              <a:t>), PCA, ICA</a:t>
+            </a:r>
+          </a:p>
+          <a:p>
+            <a:pPr marL="742950" indent="-742950">
+              <a:buAutoNum type="arabicPeriod"/>
+            </a:pPr>
+            <a:r>
+              <a:rPr lang="en-US" altLang="zh-CN" sz="3600" dirty="0">
+                <a:latin typeface="Times New Roman" panose="02020603050405020304" pitchFamily="18" charset="0"/>
+                <a:cs typeface="Times New Roman" panose="02020603050405020304" pitchFamily="18" charset="0"/>
+              </a:rPr>
+              <a:t>Statistical methods</a:t>
+            </a:r>
+          </a:p>
+          <a:p>
+            <a:pPr lvl="1"/>
+            <a:r>
+              <a:rPr lang="en-US" altLang="zh-CN" sz="3600" dirty="0">
+                <a:latin typeface="Times New Roman" panose="02020603050405020304" pitchFamily="18" charset="0"/>
+                <a:cs typeface="Times New Roman" panose="02020603050405020304" pitchFamily="18" charset="0"/>
+              </a:rPr>
+              <a:t>	T-test, Chi2, Pearson’s Correlation Coefficient</a:t>
+            </a:r>
+          </a:p>
+          <a:p>
+            <a:pPr marL="742950" indent="-742950">
+              <a:buAutoNum type="arabicPeriod"/>
+            </a:pPr>
+            <a:r>
+              <a:rPr lang="en-US" altLang="zh-CN" sz="3600" dirty="0">
+                <a:latin typeface="Times New Roman" panose="02020603050405020304" pitchFamily="18" charset="0"/>
+                <a:cs typeface="Times New Roman" panose="02020603050405020304" pitchFamily="18" charset="0"/>
+              </a:rPr>
+              <a:t>Regression/Classification models</a:t>
+            </a:r>
+          </a:p>
+          <a:p>
+            <a:pPr lvl="1"/>
+            <a:r>
+              <a:rPr lang="en-US" altLang="zh-CN" sz="3600" dirty="0">
+                <a:latin typeface="Times New Roman" panose="02020603050405020304" pitchFamily="18" charset="0"/>
+                <a:cs typeface="Times New Roman" panose="02020603050405020304" pitchFamily="18" charset="0"/>
+              </a:rPr>
+              <a:t>	</a:t>
+            </a:r>
+            <a:r>
+              <a:rPr lang="en-US" altLang="zh-CN" sz="3600" dirty="0">
                 <a:solidFill>
                   <a:srgbClr val="FF0000"/>
                 </a:solidFill>
                 <a:latin typeface="Times New Roman" panose="02020603050405020304" pitchFamily="18" charset="0"/>
                 <a:cs typeface="Times New Roman" panose="02020603050405020304" pitchFamily="18" charset="0"/>
               </a:rPr>
-              <a:t>CT</a:t>
-            </a:r>
-            <a:r>
-              <a:rPr lang="en-US" altLang="zh-CN" sz="2000" dirty="0">
-                <a:latin typeface="Times New Roman" panose="02020603050405020304" pitchFamily="18" charset="0"/>
-                <a:cs typeface="Times New Roman" panose="02020603050405020304" pitchFamily="18" charset="0"/>
-              </a:rPr>
-              <a:t> (cortical thickness)</a:t>
-            </a:r>
-          </a:p>
-          <a:p>
-            <a:r>
-              <a:rPr lang="en-US" altLang="zh-CN" sz="2000" dirty="0">
-                <a:solidFill>
-                  <a:srgbClr val="FF0000"/>
-                </a:solidFill>
-                <a:latin typeface="Times New Roman" panose="02020603050405020304" pitchFamily="18" charset="0"/>
-                <a:cs typeface="Times New Roman" panose="02020603050405020304" pitchFamily="18" charset="0"/>
-              </a:rPr>
-              <a:t>AI</a:t>
-            </a:r>
-            <a:r>
-              <a:rPr lang="en-US" altLang="zh-CN" sz="2000" dirty="0">
-                <a:latin typeface="Times New Roman" panose="02020603050405020304" pitchFamily="18" charset="0"/>
-                <a:cs typeface="Times New Roman" panose="02020603050405020304" pitchFamily="18" charset="0"/>
-              </a:rPr>
-              <a:t> (asymmetry degree)</a:t>
-            </a:r>
-          </a:p>
-          <a:p>
-            <a:r>
-              <a:rPr lang="en-US" altLang="zh-CN" sz="2000" dirty="0">
-                <a:solidFill>
-                  <a:srgbClr val="FF0000"/>
-                </a:solidFill>
-                <a:latin typeface="Times New Roman" panose="02020603050405020304" pitchFamily="18" charset="0"/>
-                <a:cs typeface="Times New Roman" panose="02020603050405020304" pitchFamily="18" charset="0"/>
-              </a:rPr>
-              <a:t>LGI</a:t>
-            </a:r>
-            <a:r>
-              <a:rPr lang="en-US" altLang="zh-CN" sz="2000" dirty="0">
-                <a:latin typeface="Times New Roman" panose="02020603050405020304" pitchFamily="18" charset="0"/>
-                <a:cs typeface="Times New Roman" panose="02020603050405020304" pitchFamily="18" charset="0"/>
-              </a:rPr>
-              <a:t>: the degree of gyrification at the vertex level</a:t>
-            </a:r>
-          </a:p>
-          <a:p>
-            <a:r>
-              <a:rPr lang="en-US" altLang="zh-CN" sz="2000" dirty="0">
-                <a:solidFill>
-                  <a:srgbClr val="FF0000"/>
-                </a:solidFill>
-                <a:latin typeface="Times New Roman" panose="02020603050405020304" pitchFamily="18" charset="0"/>
-                <a:cs typeface="Times New Roman" panose="02020603050405020304" pitchFamily="18" charset="0"/>
-              </a:rPr>
-              <a:t>LFD</a:t>
-            </a:r>
-            <a:r>
-              <a:rPr lang="en-US" altLang="zh-CN" sz="2000" dirty="0">
-                <a:latin typeface="Times New Roman" panose="02020603050405020304" pitchFamily="18" charset="0"/>
-                <a:cs typeface="Times New Roman" panose="02020603050405020304" pitchFamily="18" charset="0"/>
-              </a:rPr>
-              <a:t>: structural complexity in the cerebral cortex</a:t>
-            </a:r>
-          </a:p>
-          <a:p>
-            <a:r>
-              <a:rPr lang="en-US" altLang="zh-CN" sz="2000" dirty="0">
-                <a:solidFill>
-                  <a:srgbClr val="FF0000"/>
-                </a:solidFill>
-                <a:latin typeface="Times New Roman" panose="02020603050405020304" pitchFamily="18" charset="0"/>
-                <a:cs typeface="Times New Roman" panose="02020603050405020304" pitchFamily="18" charset="0"/>
-              </a:rPr>
-              <a:t>SD</a:t>
-            </a:r>
-            <a:r>
-              <a:rPr lang="en-US" altLang="zh-CN" sz="2000" dirty="0">
-                <a:latin typeface="Times New Roman" panose="02020603050405020304" pitchFamily="18" charset="0"/>
-                <a:cs typeface="Times New Roman" panose="02020603050405020304" pitchFamily="18" charset="0"/>
-              </a:rPr>
-              <a:t>: the linear distance from the inner surface of the brain to the outer surface</a:t>
-            </a:r>
-          </a:p>
-          <a:p>
-            <a:endParaRPr lang="en-US" altLang="zh-CN" sz="2000" dirty="0">
+              <a:t>LASSO</a:t>
+            </a:r>
+            <a:endParaRPr lang="zh-CN" altLang="en-US" sz="3600" dirty="0">
+              <a:solidFill>
+                <a:srgbClr val="FF0000"/>
+              </a:solidFill>
               <a:latin typeface="Times New Roman" panose="02020603050405020304" pitchFamily="18" charset="0"/>
               <a:cs typeface="Times New Roman" panose="02020603050405020304" pitchFamily="18" charset="0"/>
             </a:endParaRPr>
           </a:p>
-          <a:p>
-            <a:r>
-              <a:rPr lang="en-US" altLang="zh-CN" sz="2000" dirty="0">
-                <a:latin typeface="Times New Roman" panose="02020603050405020304" pitchFamily="18" charset="0"/>
-                <a:cs typeface="Times New Roman" panose="02020603050405020304" pitchFamily="18" charset="0"/>
-              </a:rPr>
-              <a:t>To be implemented …</a:t>
-            </a:r>
-          </a:p>
-        </p:txBody>
-      </p:sp>
-      <p:pic>
-        <p:nvPicPr>
-          <p:cNvPr id="5" name="图片 4">
-            <a:extLst>
-              <a:ext uri="{FF2B5EF4-FFF2-40B4-BE49-F238E27FC236}">
-                <a16:creationId xmlns:a16="http://schemas.microsoft.com/office/drawing/2014/main" id="{6C8119E0-BDCF-88DA-A5F7-D3EB8436D96F}"/>
-              </a:ext>
-            </a:extLst>
-          </p:cNvPr>
-          <p:cNvPicPr>
-            <a:picLocks noChangeAspect="1"/>
-          </p:cNvPicPr>
-          <p:nvPr/>
-        </p:nvPicPr>
-        <p:blipFill>
-          <a:blip r:embed="rId2">
-            <a:extLst>
-              <a:ext uri="{28A0092B-C50C-407E-A947-70E740481C1C}">
-                <a14:useLocalDpi xmlns:a14="http://schemas.microsoft.com/office/drawing/2010/main" val="0"/>
-              </a:ext>
-            </a:extLst>
-          </a:blip>
-          <a:stretch>
-            <a:fillRect/>
-          </a:stretch>
-        </p:blipFill>
-        <p:spPr>
-          <a:xfrm>
-            <a:off x="140277" y="1136956"/>
-            <a:ext cx="7958552" cy="5492444"/>
-          </a:xfrm>
-          <a:prstGeom prst="rect">
-            <a:avLst/>
-          </a:prstGeom>
-        </p:spPr>
-      </p:pic>
+        </p:txBody>
+      </p:sp>
     </p:spTree>
     <p:extLst>
       <p:ext uri="{BB962C8B-B14F-4D97-AF65-F5344CB8AC3E}">
-        <p14:creationId xmlns:p14="http://schemas.microsoft.com/office/powerpoint/2010/main" val="4138953656"/>
+        <p14:creationId xmlns:p14="http://schemas.microsoft.com/office/powerpoint/2010/main" val="1435040135"/>
       </p:ext>
     </p:extLst>
   </p:cSld>

--- a/doc/0221.pptx
+++ b/doc/0221.pptx
@@ -18,13 +18,11 @@
     <p:sldId id="270" r:id="rId12"/>
     <p:sldId id="274" r:id="rId13"/>
     <p:sldId id="264" r:id="rId14"/>
-    <p:sldId id="275" r:id="rId15"/>
-    <p:sldId id="265" r:id="rId16"/>
+    <p:sldId id="265" r:id="rId15"/>
+    <p:sldId id="275" r:id="rId16"/>
     <p:sldId id="258" r:id="rId17"/>
     <p:sldId id="257" r:id="rId18"/>
     <p:sldId id="263" r:id="rId19"/>
-    <p:sldId id="276" r:id="rId20"/>
-    <p:sldId id="277" r:id="rId21"/>
   </p:sldIdLst>
   <p:sldSz cx="12192000" cy="6858000"/>
   <p:notesSz cx="6858000" cy="9144000"/>
@@ -278,7 +276,7 @@
           <a:p>
             <a:fld id="{49C90431-B350-42E9-96A5-A07B551460A1}" type="datetimeFigureOut">
               <a:rPr lang="zh-CN" altLang="en-US" smtClean="0"/>
-              <a:t>2023/2/21</a:t>
+              <a:t>2023/2/23</a:t>
             </a:fld>
             <a:endParaRPr lang="zh-CN" altLang="en-US"/>
           </a:p>
@@ -476,7 +474,7 @@
           <a:p>
             <a:fld id="{49C90431-B350-42E9-96A5-A07B551460A1}" type="datetimeFigureOut">
               <a:rPr lang="zh-CN" altLang="en-US" smtClean="0"/>
-              <a:t>2023/2/21</a:t>
+              <a:t>2023/2/23</a:t>
             </a:fld>
             <a:endParaRPr lang="zh-CN" altLang="en-US"/>
           </a:p>
@@ -684,7 +682,7 @@
           <a:p>
             <a:fld id="{49C90431-B350-42E9-96A5-A07B551460A1}" type="datetimeFigureOut">
               <a:rPr lang="zh-CN" altLang="en-US" smtClean="0"/>
-              <a:t>2023/2/21</a:t>
+              <a:t>2023/2/23</a:t>
             </a:fld>
             <a:endParaRPr lang="zh-CN" altLang="en-US"/>
           </a:p>
@@ -904,7 +902,7 @@
           <a:p>
             <a:fld id="{219F273E-891D-473E-943D-9327A318BFD0}" type="datetimeFigureOut">
               <a:rPr lang="zh-CN" altLang="en-US" smtClean="0"/>
-              <a:t>2023/2/21</a:t>
+              <a:t>2023/2/23</a:t>
             </a:fld>
             <a:endParaRPr lang="zh-CN" altLang="en-US"/>
           </a:p>
@@ -1102,7 +1100,7 @@
           <a:p>
             <a:fld id="{219F273E-891D-473E-943D-9327A318BFD0}" type="datetimeFigureOut">
               <a:rPr lang="zh-CN" altLang="en-US" smtClean="0"/>
-              <a:t>2023/2/21</a:t>
+              <a:t>2023/2/23</a:t>
             </a:fld>
             <a:endParaRPr lang="zh-CN" altLang="en-US"/>
           </a:p>
@@ -1377,7 +1375,7 @@
           <a:p>
             <a:fld id="{219F273E-891D-473E-943D-9327A318BFD0}" type="datetimeFigureOut">
               <a:rPr lang="zh-CN" altLang="en-US" smtClean="0"/>
-              <a:t>2023/2/21</a:t>
+              <a:t>2023/2/23</a:t>
             </a:fld>
             <a:endParaRPr lang="zh-CN" altLang="en-US"/>
           </a:p>
@@ -1642,7 +1640,7 @@
           <a:p>
             <a:fld id="{219F273E-891D-473E-943D-9327A318BFD0}" type="datetimeFigureOut">
               <a:rPr lang="zh-CN" altLang="en-US" smtClean="0"/>
-              <a:t>2023/2/21</a:t>
+              <a:t>2023/2/23</a:t>
             </a:fld>
             <a:endParaRPr lang="zh-CN" altLang="en-US"/>
           </a:p>
@@ -2054,7 +2052,7 @@
           <a:p>
             <a:fld id="{219F273E-891D-473E-943D-9327A318BFD0}" type="datetimeFigureOut">
               <a:rPr lang="zh-CN" altLang="en-US" smtClean="0"/>
-              <a:t>2023/2/21</a:t>
+              <a:t>2023/2/23</a:t>
             </a:fld>
             <a:endParaRPr lang="zh-CN" altLang="en-US"/>
           </a:p>
@@ -2195,7 +2193,7 @@
           <a:p>
             <a:fld id="{219F273E-891D-473E-943D-9327A318BFD0}" type="datetimeFigureOut">
               <a:rPr lang="zh-CN" altLang="en-US" smtClean="0"/>
-              <a:t>2023/2/21</a:t>
+              <a:t>2023/2/23</a:t>
             </a:fld>
             <a:endParaRPr lang="zh-CN" altLang="en-US"/>
           </a:p>
@@ -2308,7 +2306,7 @@
           <a:p>
             <a:fld id="{219F273E-891D-473E-943D-9327A318BFD0}" type="datetimeFigureOut">
               <a:rPr lang="zh-CN" altLang="en-US" smtClean="0"/>
-              <a:t>2023/2/21</a:t>
+              <a:t>2023/2/23</a:t>
             </a:fld>
             <a:endParaRPr lang="zh-CN" altLang="en-US"/>
           </a:p>
@@ -2619,7 +2617,7 @@
           <a:p>
             <a:fld id="{219F273E-891D-473E-943D-9327A318BFD0}" type="datetimeFigureOut">
               <a:rPr lang="zh-CN" altLang="en-US" smtClean="0"/>
-              <a:t>2023/2/21</a:t>
+              <a:t>2023/2/23</a:t>
             </a:fld>
             <a:endParaRPr lang="zh-CN" altLang="en-US"/>
           </a:p>
@@ -2817,7 +2815,7 @@
           <a:p>
             <a:fld id="{49C90431-B350-42E9-96A5-A07B551460A1}" type="datetimeFigureOut">
               <a:rPr lang="zh-CN" altLang="en-US" smtClean="0"/>
-              <a:t>2023/2/21</a:t>
+              <a:t>2023/2/23</a:t>
             </a:fld>
             <a:endParaRPr lang="zh-CN" altLang="en-US"/>
           </a:p>
@@ -3105,7 +3103,7 @@
           <a:p>
             <a:fld id="{219F273E-891D-473E-943D-9327A318BFD0}" type="datetimeFigureOut">
               <a:rPr lang="zh-CN" altLang="en-US" smtClean="0"/>
-              <a:t>2023/2/21</a:t>
+              <a:t>2023/2/23</a:t>
             </a:fld>
             <a:endParaRPr lang="zh-CN" altLang="en-US"/>
           </a:p>
@@ -3303,7 +3301,7 @@
           <a:p>
             <a:fld id="{219F273E-891D-473E-943D-9327A318BFD0}" type="datetimeFigureOut">
               <a:rPr lang="zh-CN" altLang="en-US" smtClean="0"/>
-              <a:t>2023/2/21</a:t>
+              <a:t>2023/2/23</a:t>
             </a:fld>
             <a:endParaRPr lang="zh-CN" altLang="en-US"/>
           </a:p>
@@ -3511,7 +3509,7 @@
           <a:p>
             <a:fld id="{219F273E-891D-473E-943D-9327A318BFD0}" type="datetimeFigureOut">
               <a:rPr lang="zh-CN" altLang="en-US" smtClean="0"/>
-              <a:t>2023/2/21</a:t>
+              <a:t>2023/2/23</a:t>
             </a:fld>
             <a:endParaRPr lang="zh-CN" altLang="en-US"/>
           </a:p>
@@ -3786,7 +3784,7 @@
           <a:p>
             <a:fld id="{49C90431-B350-42E9-96A5-A07B551460A1}" type="datetimeFigureOut">
               <a:rPr lang="zh-CN" altLang="en-US" smtClean="0"/>
-              <a:t>2023/2/21</a:t>
+              <a:t>2023/2/23</a:t>
             </a:fld>
             <a:endParaRPr lang="zh-CN" altLang="en-US"/>
           </a:p>
@@ -4051,7 +4049,7 @@
           <a:p>
             <a:fld id="{49C90431-B350-42E9-96A5-A07B551460A1}" type="datetimeFigureOut">
               <a:rPr lang="zh-CN" altLang="en-US" smtClean="0"/>
-              <a:t>2023/2/21</a:t>
+              <a:t>2023/2/23</a:t>
             </a:fld>
             <a:endParaRPr lang="zh-CN" altLang="en-US"/>
           </a:p>
@@ -4463,7 +4461,7 @@
           <a:p>
             <a:fld id="{49C90431-B350-42E9-96A5-A07B551460A1}" type="datetimeFigureOut">
               <a:rPr lang="zh-CN" altLang="en-US" smtClean="0"/>
-              <a:t>2023/2/21</a:t>
+              <a:t>2023/2/23</a:t>
             </a:fld>
             <a:endParaRPr lang="zh-CN" altLang="en-US"/>
           </a:p>
@@ -4604,7 +4602,7 @@
           <a:p>
             <a:fld id="{49C90431-B350-42E9-96A5-A07B551460A1}" type="datetimeFigureOut">
               <a:rPr lang="zh-CN" altLang="en-US" smtClean="0"/>
-              <a:t>2023/2/21</a:t>
+              <a:t>2023/2/23</a:t>
             </a:fld>
             <a:endParaRPr lang="zh-CN" altLang="en-US"/>
           </a:p>
@@ -4717,7 +4715,7 @@
           <a:p>
             <a:fld id="{49C90431-B350-42E9-96A5-A07B551460A1}" type="datetimeFigureOut">
               <a:rPr lang="zh-CN" altLang="en-US" smtClean="0"/>
-              <a:t>2023/2/21</a:t>
+              <a:t>2023/2/23</a:t>
             </a:fld>
             <a:endParaRPr lang="zh-CN" altLang="en-US"/>
           </a:p>
@@ -5028,7 +5026,7 @@
           <a:p>
             <a:fld id="{49C90431-B350-42E9-96A5-A07B551460A1}" type="datetimeFigureOut">
               <a:rPr lang="zh-CN" altLang="en-US" smtClean="0"/>
-              <a:t>2023/2/21</a:t>
+              <a:t>2023/2/23</a:t>
             </a:fld>
             <a:endParaRPr lang="zh-CN" altLang="en-US"/>
           </a:p>
@@ -5316,7 +5314,7 @@
           <a:p>
             <a:fld id="{49C90431-B350-42E9-96A5-A07B551460A1}" type="datetimeFigureOut">
               <a:rPr lang="zh-CN" altLang="en-US" smtClean="0"/>
-              <a:t>2023/2/21</a:t>
+              <a:t>2023/2/23</a:t>
             </a:fld>
             <a:endParaRPr lang="zh-CN" altLang="en-US"/>
           </a:p>
@@ -5557,7 +5555,7 @@
           <a:p>
             <a:fld id="{49C90431-B350-42E9-96A5-A07B551460A1}" type="datetimeFigureOut">
               <a:rPr lang="zh-CN" altLang="en-US" smtClean="0"/>
-              <a:t>2023/2/21</a:t>
+              <a:t>2023/2/23</a:t>
             </a:fld>
             <a:endParaRPr lang="zh-CN" altLang="en-US"/>
           </a:p>
@@ -6125,7 +6123,7 @@
           <a:p>
             <a:fld id="{219F273E-891D-473E-943D-9327A318BFD0}" type="datetimeFigureOut">
               <a:rPr lang="zh-CN" altLang="en-US" smtClean="0"/>
-              <a:t>2023/2/21</a:t>
+              <a:t>2023/2/23</a:t>
             </a:fld>
             <a:endParaRPr lang="zh-CN" altLang="en-US"/>
           </a:p>
@@ -9135,7 +9133,7 @@
         <p:spPr>
           <a:xfrm>
             <a:off x="344555" y="212035"/>
-            <a:ext cx="10256397" cy="646331"/>
+            <a:ext cx="5665012" cy="646331"/>
           </a:xfrm>
           <a:prstGeom prst="rect">
             <a:avLst/>
@@ -9153,7 +9151,14 @@
                 <a:latin typeface="Times New Roman" panose="02020603050405020304" pitchFamily="18" charset="0"/>
                 <a:cs typeface="Times New Roman" panose="02020603050405020304" pitchFamily="18" charset="0"/>
               </a:rPr>
-              <a:t>Radiomic Features: Pearson’s Correlation Analysis</a:t>
+              <a:t>Radiomic Features: </a:t>
+            </a:r>
+            <a:r>
+              <a:rPr lang="en-US" altLang="zh-CN" sz="3600" b="1" dirty="0" err="1">
+                <a:latin typeface="Times New Roman" panose="02020603050405020304" pitchFamily="18" charset="0"/>
+                <a:cs typeface="Times New Roman" panose="02020603050405020304" pitchFamily="18" charset="0"/>
+              </a:rPr>
+              <a:t>mRMR</a:t>
             </a:r>
             <a:endParaRPr lang="zh-CN" altLang="en-US" sz="3600" b="1" dirty="0">
               <a:latin typeface="Times New Roman" panose="02020603050405020304" pitchFamily="18" charset="0"/>
@@ -9162,12 +9167,59 @@
           </a:p>
         </p:txBody>
       </p:sp>
+      <p:sp>
+        <p:nvSpPr>
+          <p:cNvPr id="6" name="文本框 5">
+            <a:extLst>
+              <a:ext uri="{FF2B5EF4-FFF2-40B4-BE49-F238E27FC236}">
+                <a16:creationId xmlns:a16="http://schemas.microsoft.com/office/drawing/2014/main" id="{E24C62B5-DFB9-3519-28A5-CAD4F82FC3CD}"/>
+              </a:ext>
+            </a:extLst>
+          </p:cNvPr>
+          <p:cNvSpPr txBox="1"/>
+          <p:nvPr/>
+        </p:nvSpPr>
+        <p:spPr>
+          <a:xfrm>
+            <a:off x="1022932" y="2367144"/>
+            <a:ext cx="583814" cy="523220"/>
+          </a:xfrm>
+          <a:prstGeom prst="rect">
+            <a:avLst/>
+          </a:prstGeom>
+          <a:noFill/>
+          <a:ln>
+            <a:solidFill>
+              <a:schemeClr val="tx1"/>
+            </a:solidFill>
+          </a:ln>
+        </p:spPr>
+        <p:txBody>
+          <a:bodyPr wrap="none" rtlCol="0">
+            <a:spAutoFit/>
+          </a:bodyPr>
+          <a:lstStyle/>
+          <a:p>
+            <a:r>
+              <a:rPr lang="en-US" altLang="zh-CN" sz="2800" dirty="0">
+                <a:latin typeface="Times New Roman" panose="02020603050405020304" pitchFamily="18" charset="0"/>
+                <a:cs typeface="Times New Roman" panose="02020603050405020304" pitchFamily="18" charset="0"/>
+              </a:rPr>
+              <a:t>T1</a:t>
+            </a:r>
+            <a:endParaRPr lang="zh-CN" altLang="en-US" sz="2800" dirty="0">
+              <a:latin typeface="Times New Roman" panose="02020603050405020304" pitchFamily="18" charset="0"/>
+              <a:cs typeface="Times New Roman" panose="02020603050405020304" pitchFamily="18" charset="0"/>
+            </a:endParaRPr>
+          </a:p>
+        </p:txBody>
+      </p:sp>
       <p:pic>
         <p:nvPicPr>
-          <p:cNvPr id="7" name="图片 6">
-            <a:extLst>
-              <a:ext uri="{FF2B5EF4-FFF2-40B4-BE49-F238E27FC236}">
-                <a16:creationId xmlns:a16="http://schemas.microsoft.com/office/drawing/2014/main" id="{7CE05060-3B31-C4F7-A0AA-FB607D120CAD}"/>
+          <p:cNvPr id="10" name="图片 9" descr="图片包含 游戏机&#10;&#10;描述已自动生成">
+            <a:extLst>
+              <a:ext uri="{FF2B5EF4-FFF2-40B4-BE49-F238E27FC236}">
+                <a16:creationId xmlns:a16="http://schemas.microsoft.com/office/drawing/2014/main" id="{38910E01-828D-8D74-DC5D-33DEC04F72BC}"/>
               </a:ext>
             </a:extLst>
           </p:cNvPr>
@@ -9177,57 +9229,33 @@
           <p:nvPr/>
         </p:nvPicPr>
         <p:blipFill>
-          <a:blip r:embed="rId2"/>
+          <a:blip r:embed="rId2">
+            <a:extLst>
+              <a:ext uri="{28A0092B-C50C-407E-A947-70E740481C1C}">
+                <a14:useLocalDpi xmlns:a14="http://schemas.microsoft.com/office/drawing/2010/main" val="0"/>
+              </a:ext>
+            </a:extLst>
+          </a:blip>
           <a:stretch>
             <a:fillRect/>
           </a:stretch>
         </p:blipFill>
         <p:spPr>
           <a:xfrm>
-            <a:off x="212036" y="2171073"/>
-            <a:ext cx="6660029" cy="3924924"/>
+            <a:off x="2058465" y="1761935"/>
+            <a:ext cx="1422473" cy="1733639"/>
           </a:xfrm>
           <a:prstGeom prst="rect">
             <a:avLst/>
           </a:prstGeom>
         </p:spPr>
       </p:pic>
-      <p:pic>
-        <p:nvPicPr>
-          <p:cNvPr id="9" name="图片 8">
-            <a:extLst>
-              <a:ext uri="{FF2B5EF4-FFF2-40B4-BE49-F238E27FC236}">
-                <a16:creationId xmlns:a16="http://schemas.microsoft.com/office/drawing/2014/main" id="{AA46E244-FDAB-2FC9-DFF2-374AEBB355CC}"/>
-              </a:ext>
-            </a:extLst>
-          </p:cNvPr>
-          <p:cNvPicPr>
-            <a:picLocks noChangeAspect="1"/>
-          </p:cNvPicPr>
-          <p:nvPr/>
-        </p:nvPicPr>
-        <p:blipFill>
-          <a:blip r:embed="rId3"/>
-          <a:stretch>
-            <a:fillRect/>
-          </a:stretch>
-        </p:blipFill>
-        <p:spPr>
-          <a:xfrm>
-            <a:off x="7209183" y="2171073"/>
-            <a:ext cx="4440291" cy="3922257"/>
-          </a:xfrm>
-          <a:prstGeom prst="rect">
-            <a:avLst/>
-          </a:prstGeom>
-        </p:spPr>
-      </p:pic>
-      <p:sp>
-        <p:nvSpPr>
-          <p:cNvPr id="17" name="文本框 16">
-            <a:extLst>
-              <a:ext uri="{FF2B5EF4-FFF2-40B4-BE49-F238E27FC236}">
-                <a16:creationId xmlns:a16="http://schemas.microsoft.com/office/drawing/2014/main" id="{078A3136-D849-4F29-DF1B-6F2E2D47CC19}"/>
+      <p:sp>
+        <p:nvSpPr>
+          <p:cNvPr id="12" name="文本框 11">
+            <a:extLst>
+              <a:ext uri="{FF2B5EF4-FFF2-40B4-BE49-F238E27FC236}">
+                <a16:creationId xmlns:a16="http://schemas.microsoft.com/office/drawing/2014/main" id="{FFDB97FA-2DFE-821B-963D-F7196DA252DE}"/>
               </a:ext>
             </a:extLst>
           </p:cNvPr>
@@ -9236,15 +9264,17 @@
         </p:nvSpPr>
         <p:spPr>
           <a:xfrm>
-            <a:off x="3091964" y="1400803"/>
-            <a:ext cx="1063112" cy="523220"/>
+            <a:off x="1824570" y="3546785"/>
+            <a:ext cx="1890261" cy="1631216"/>
           </a:xfrm>
           <a:prstGeom prst="rect">
             <a:avLst/>
           </a:prstGeom>
           <a:noFill/>
           <a:ln>
-            <a:noFill/>
+            <a:solidFill>
+              <a:schemeClr val="tx1"/>
+            </a:solidFill>
           </a:ln>
         </p:spPr>
         <p:txBody>
@@ -9254,25 +9284,150 @@
           <a:lstStyle/>
           <a:p>
             <a:r>
-              <a:rPr lang="en-US" altLang="zh-CN" sz="2800" dirty="0" err="1">
+              <a:rPr lang="en-US" altLang="zh-CN" sz="2800" dirty="0">
+                <a:latin typeface="Times New Roman" panose="02020603050405020304" pitchFamily="18" charset="0"/>
+                <a:cs typeface="Times New Roman" panose="02020603050405020304" pitchFamily="18" charset="0"/>
+              </a:rPr>
+              <a:t>ROIs: 6</a:t>
+            </a:r>
+          </a:p>
+          <a:p>
+            <a:pPr algn="ctr"/>
+            <a:r>
+              <a:rPr lang="en-US" altLang="zh-CN" sz="2400" dirty="0" err="1">
+                <a:latin typeface="Times New Roman" panose="02020603050405020304" pitchFamily="18" charset="0"/>
+                <a:cs typeface="Times New Roman" panose="02020603050405020304" pitchFamily="18" charset="0"/>
+              </a:rPr>
+              <a:t>lCAU</a:t>
+            </a:r>
+            <a:r>
+              <a:rPr lang="en-US" altLang="zh-CN" sz="2400" dirty="0">
+                <a:latin typeface="Times New Roman" panose="02020603050405020304" pitchFamily="18" charset="0"/>
+                <a:cs typeface="Times New Roman" panose="02020603050405020304" pitchFamily="18" charset="0"/>
+              </a:rPr>
+              <a:t> </a:t>
+            </a:r>
+            <a:r>
+              <a:rPr lang="en-US" altLang="zh-CN" sz="2400" dirty="0" err="1">
                 <a:latin typeface="Times New Roman" panose="02020603050405020304" pitchFamily="18" charset="0"/>
                 <a:cs typeface="Times New Roman" panose="02020603050405020304" pitchFamily="18" charset="0"/>
               </a:rPr>
               <a:t>rCAU</a:t>
             </a:r>
-            <a:endParaRPr lang="zh-CN" altLang="en-US" sz="2800" dirty="0">
+            <a:endParaRPr lang="en-US" altLang="zh-CN" sz="2400" dirty="0">
               <a:latin typeface="Times New Roman" panose="02020603050405020304" pitchFamily="18" charset="0"/>
               <a:cs typeface="Times New Roman" panose="02020603050405020304" pitchFamily="18" charset="0"/>
             </a:endParaRPr>
           </a:p>
-        </p:txBody>
-      </p:sp>
-      <p:sp>
-        <p:nvSpPr>
-          <p:cNvPr id="18" name="文本框 17">
-            <a:extLst>
-              <a:ext uri="{FF2B5EF4-FFF2-40B4-BE49-F238E27FC236}">
-                <a16:creationId xmlns:a16="http://schemas.microsoft.com/office/drawing/2014/main" id="{1842E6FE-1FD1-6FDB-990B-2297B551EE77}"/>
+          <a:p>
+            <a:pPr algn="ctr"/>
+            <a:r>
+              <a:rPr lang="en-US" altLang="zh-CN" sz="2400" dirty="0" err="1">
+                <a:latin typeface="Times New Roman" panose="02020603050405020304" pitchFamily="18" charset="0"/>
+                <a:cs typeface="Times New Roman" panose="02020603050405020304" pitchFamily="18" charset="0"/>
+              </a:rPr>
+              <a:t>lPUT</a:t>
+            </a:r>
+            <a:r>
+              <a:rPr lang="en-US" altLang="zh-CN" sz="2400" dirty="0">
+                <a:latin typeface="Times New Roman" panose="02020603050405020304" pitchFamily="18" charset="0"/>
+                <a:cs typeface="Times New Roman" panose="02020603050405020304" pitchFamily="18" charset="0"/>
+              </a:rPr>
+              <a:t> </a:t>
+            </a:r>
+            <a:r>
+              <a:rPr lang="en-US" altLang="zh-CN" sz="2400" dirty="0" err="1">
+                <a:latin typeface="Times New Roman" panose="02020603050405020304" pitchFamily="18" charset="0"/>
+                <a:cs typeface="Times New Roman" panose="02020603050405020304" pitchFamily="18" charset="0"/>
+              </a:rPr>
+              <a:t>rPUT</a:t>
+            </a:r>
+            <a:endParaRPr lang="en-US" altLang="zh-CN" sz="2400" dirty="0">
+              <a:latin typeface="Times New Roman" panose="02020603050405020304" pitchFamily="18" charset="0"/>
+              <a:cs typeface="Times New Roman" panose="02020603050405020304" pitchFamily="18" charset="0"/>
+            </a:endParaRPr>
+          </a:p>
+          <a:p>
+            <a:pPr algn="ctr"/>
+            <a:r>
+              <a:rPr lang="en-US" altLang="zh-CN" sz="2400" dirty="0" err="1">
+                <a:latin typeface="Times New Roman" panose="02020603050405020304" pitchFamily="18" charset="0"/>
+                <a:cs typeface="Times New Roman" panose="02020603050405020304" pitchFamily="18" charset="0"/>
+              </a:rPr>
+              <a:t>lSN</a:t>
+            </a:r>
+            <a:r>
+              <a:rPr lang="en-US" altLang="zh-CN" sz="2400" dirty="0">
+                <a:latin typeface="Times New Roman" panose="02020603050405020304" pitchFamily="18" charset="0"/>
+                <a:cs typeface="Times New Roman" panose="02020603050405020304" pitchFamily="18" charset="0"/>
+              </a:rPr>
+              <a:t> </a:t>
+            </a:r>
+            <a:r>
+              <a:rPr lang="en-US" altLang="zh-CN" sz="2400" dirty="0" err="1">
+                <a:latin typeface="Times New Roman" panose="02020603050405020304" pitchFamily="18" charset="0"/>
+                <a:cs typeface="Times New Roman" panose="02020603050405020304" pitchFamily="18" charset="0"/>
+              </a:rPr>
+              <a:t>rSN</a:t>
+            </a:r>
+            <a:endParaRPr lang="zh-CN" altLang="en-US" sz="2400" dirty="0">
+              <a:latin typeface="Times New Roman" panose="02020603050405020304" pitchFamily="18" charset="0"/>
+              <a:cs typeface="Times New Roman" panose="02020603050405020304" pitchFamily="18" charset="0"/>
+            </a:endParaRPr>
+          </a:p>
+        </p:txBody>
+      </p:sp>
+      <p:cxnSp>
+        <p:nvCxnSpPr>
+          <p:cNvPr id="14" name="连接符: 肘形 13">
+            <a:extLst>
+              <a:ext uri="{FF2B5EF4-FFF2-40B4-BE49-F238E27FC236}">
+                <a16:creationId xmlns:a16="http://schemas.microsoft.com/office/drawing/2014/main" id="{D280FE04-5B4B-5D5A-6172-2FEBB535D6F9}"/>
+              </a:ext>
+            </a:extLst>
+          </p:cNvPr>
+          <p:cNvCxnSpPr>
+            <a:cxnSpLocks/>
+            <a:stCxn id="6" idx="3"/>
+            <a:endCxn id="10" idx="1"/>
+          </p:cNvCxnSpPr>
+          <p:nvPr/>
+        </p:nvCxnSpPr>
+        <p:spPr>
+          <a:xfrm>
+            <a:off x="1606746" y="2628754"/>
+            <a:ext cx="451719" cy="1"/>
+          </a:xfrm>
+          <a:prstGeom prst="bentConnector3">
+            <a:avLst>
+              <a:gd name="adj1" fmla="val 50000"/>
+            </a:avLst>
+          </a:prstGeom>
+          <a:ln>
+            <a:tailEnd type="triangle"/>
+          </a:ln>
+        </p:spPr>
+        <p:style>
+          <a:lnRef idx="1">
+            <a:schemeClr val="dk1"/>
+          </a:lnRef>
+          <a:fillRef idx="0">
+            <a:schemeClr val="dk1"/>
+          </a:fillRef>
+          <a:effectRef idx="0">
+            <a:schemeClr val="dk1"/>
+          </a:effectRef>
+          <a:fontRef idx="minor">
+            <a:schemeClr val="tx1"/>
+          </a:fontRef>
+        </p:style>
+      </p:cxnSp>
+      <p:sp>
+        <p:nvSpPr>
+          <p:cNvPr id="31" name="文本框 30">
+            <a:extLst>
+              <a:ext uri="{FF2B5EF4-FFF2-40B4-BE49-F238E27FC236}">
+                <a16:creationId xmlns:a16="http://schemas.microsoft.com/office/drawing/2014/main" id="{305033FF-64A4-560B-9AF5-EF10FAB1A8A5}"/>
               </a:ext>
             </a:extLst>
           </p:cNvPr>
@@ -9281,15 +9436,17 @@
         </p:nvSpPr>
         <p:spPr>
           <a:xfrm>
-            <a:off x="8559841" y="1327916"/>
-            <a:ext cx="1063112" cy="523220"/>
+            <a:off x="4115020" y="2367144"/>
+            <a:ext cx="2097049" cy="523220"/>
           </a:xfrm>
           <a:prstGeom prst="rect">
             <a:avLst/>
           </a:prstGeom>
           <a:noFill/>
           <a:ln>
-            <a:noFill/>
+            <a:solidFill>
+              <a:schemeClr val="tx1"/>
+            </a:solidFill>
           </a:ln>
         </p:spPr>
         <p:txBody>
@@ -9303,7 +9460,7 @@
                 <a:latin typeface="Times New Roman" panose="02020603050405020304" pitchFamily="18" charset="0"/>
                 <a:cs typeface="Times New Roman" panose="02020603050405020304" pitchFamily="18" charset="0"/>
               </a:rPr>
-              <a:t>lCAU</a:t>
+              <a:t>PyRadiomics</a:t>
             </a:r>
             <a:endParaRPr lang="zh-CN" altLang="en-US" sz="2800" dirty="0">
               <a:latin typeface="Times New Roman" panose="02020603050405020304" pitchFamily="18" charset="0"/>
@@ -9312,10 +9469,484 @@
           </a:p>
         </p:txBody>
       </p:sp>
+      <p:cxnSp>
+        <p:nvCxnSpPr>
+          <p:cNvPr id="32" name="连接符: 肘形 31">
+            <a:extLst>
+              <a:ext uri="{FF2B5EF4-FFF2-40B4-BE49-F238E27FC236}">
+                <a16:creationId xmlns:a16="http://schemas.microsoft.com/office/drawing/2014/main" id="{D9375578-FE00-364E-CC5D-771F74F77CF5}"/>
+              </a:ext>
+            </a:extLst>
+          </p:cNvPr>
+          <p:cNvCxnSpPr>
+            <a:cxnSpLocks/>
+            <a:stCxn id="10" idx="3"/>
+            <a:endCxn id="31" idx="1"/>
+          </p:cNvCxnSpPr>
+          <p:nvPr/>
+        </p:nvCxnSpPr>
+        <p:spPr>
+          <a:xfrm flipV="1">
+            <a:off x="3480938" y="2628754"/>
+            <a:ext cx="634082" cy="1"/>
+          </a:xfrm>
+          <a:prstGeom prst="bentConnector3">
+            <a:avLst>
+              <a:gd name="adj1" fmla="val 50000"/>
+            </a:avLst>
+          </a:prstGeom>
+          <a:ln>
+            <a:tailEnd type="triangle"/>
+          </a:ln>
+        </p:spPr>
+        <p:style>
+          <a:lnRef idx="1">
+            <a:schemeClr val="dk1"/>
+          </a:lnRef>
+          <a:fillRef idx="0">
+            <a:schemeClr val="dk1"/>
+          </a:fillRef>
+          <a:effectRef idx="0">
+            <a:schemeClr val="dk1"/>
+          </a:effectRef>
+          <a:fontRef idx="minor">
+            <a:schemeClr val="tx1"/>
+          </a:fontRef>
+        </p:style>
+      </p:cxnSp>
+      <p:sp>
+        <p:nvSpPr>
+          <p:cNvPr id="40" name="文本框 39">
+            <a:extLst>
+              <a:ext uri="{FF2B5EF4-FFF2-40B4-BE49-F238E27FC236}">
+                <a16:creationId xmlns:a16="http://schemas.microsoft.com/office/drawing/2014/main" id="{AF68DC16-A74A-99BD-7D02-574016F1ED1C}"/>
+              </a:ext>
+            </a:extLst>
+          </p:cNvPr>
+          <p:cNvSpPr txBox="1"/>
+          <p:nvPr/>
+        </p:nvSpPr>
+        <p:spPr>
+          <a:xfrm>
+            <a:off x="3985978" y="2960084"/>
+            <a:ext cx="2355132" cy="2369880"/>
+          </a:xfrm>
+          <a:prstGeom prst="rect">
+            <a:avLst/>
+          </a:prstGeom>
+          <a:noFill/>
+          <a:ln>
+            <a:solidFill>
+              <a:schemeClr val="tx1"/>
+            </a:solidFill>
+          </a:ln>
+        </p:spPr>
+        <p:txBody>
+          <a:bodyPr wrap="none" rtlCol="0">
+            <a:spAutoFit/>
+          </a:bodyPr>
+          <a:lstStyle/>
+          <a:p>
+            <a:r>
+              <a:rPr lang="en-US" altLang="zh-CN" sz="2800" dirty="0">
+                <a:latin typeface="Times New Roman" panose="02020603050405020304" pitchFamily="18" charset="0"/>
+                <a:cs typeface="Times New Roman" panose="02020603050405020304" pitchFamily="18" charset="0"/>
+              </a:rPr>
+              <a:t>Radiomics: 86 </a:t>
+            </a:r>
+          </a:p>
+          <a:p>
+            <a:pPr algn="ctr"/>
+            <a:r>
+              <a:rPr lang="en-US" altLang="zh-CN" sz="2400" dirty="0" err="1">
+                <a:latin typeface="Times New Roman" panose="02020603050405020304" pitchFamily="18" charset="0"/>
+                <a:cs typeface="Times New Roman" panose="02020603050405020304" pitchFamily="18" charset="0"/>
+              </a:rPr>
+              <a:t>Firstorder</a:t>
+            </a:r>
+            <a:endParaRPr lang="en-US" altLang="zh-CN" sz="2400" dirty="0">
+              <a:latin typeface="Times New Roman" panose="02020603050405020304" pitchFamily="18" charset="0"/>
+              <a:cs typeface="Times New Roman" panose="02020603050405020304" pitchFamily="18" charset="0"/>
+            </a:endParaRPr>
+          </a:p>
+          <a:p>
+            <a:pPr algn="ctr"/>
+            <a:r>
+              <a:rPr lang="en-US" altLang="zh-CN" sz="2400" dirty="0">
+                <a:latin typeface="Times New Roman" panose="02020603050405020304" pitchFamily="18" charset="0"/>
+                <a:cs typeface="Times New Roman" panose="02020603050405020304" pitchFamily="18" charset="0"/>
+              </a:rPr>
+              <a:t>GLCM</a:t>
+            </a:r>
+          </a:p>
+          <a:p>
+            <a:pPr algn="ctr"/>
+            <a:r>
+              <a:rPr lang="en-US" altLang="zh-CN" sz="2400" dirty="0">
+                <a:latin typeface="Times New Roman" panose="02020603050405020304" pitchFamily="18" charset="0"/>
+                <a:cs typeface="Times New Roman" panose="02020603050405020304" pitchFamily="18" charset="0"/>
+              </a:rPr>
+              <a:t>GLRLM</a:t>
+            </a:r>
+          </a:p>
+          <a:p>
+            <a:pPr algn="ctr"/>
+            <a:r>
+              <a:rPr lang="en-US" altLang="zh-CN" sz="2400" dirty="0">
+                <a:latin typeface="Times New Roman" panose="02020603050405020304" pitchFamily="18" charset="0"/>
+                <a:cs typeface="Times New Roman" panose="02020603050405020304" pitchFamily="18" charset="0"/>
+              </a:rPr>
+              <a:t>GLSZM</a:t>
+            </a:r>
+          </a:p>
+          <a:p>
+            <a:pPr algn="ctr"/>
+            <a:r>
+              <a:rPr lang="en-US" altLang="zh-CN" sz="2400" dirty="0">
+                <a:latin typeface="Times New Roman" panose="02020603050405020304" pitchFamily="18" charset="0"/>
+                <a:cs typeface="Times New Roman" panose="02020603050405020304" pitchFamily="18" charset="0"/>
+              </a:rPr>
+              <a:t>GLDM</a:t>
+            </a:r>
+            <a:endParaRPr lang="zh-CN" altLang="en-US" sz="2400" dirty="0">
+              <a:latin typeface="Times New Roman" panose="02020603050405020304" pitchFamily="18" charset="0"/>
+              <a:cs typeface="Times New Roman" panose="02020603050405020304" pitchFamily="18" charset="0"/>
+            </a:endParaRPr>
+          </a:p>
+        </p:txBody>
+      </p:sp>
+      <p:sp>
+        <p:nvSpPr>
+          <p:cNvPr id="2" name="文本框 1">
+            <a:extLst>
+              <a:ext uri="{FF2B5EF4-FFF2-40B4-BE49-F238E27FC236}">
+                <a16:creationId xmlns:a16="http://schemas.microsoft.com/office/drawing/2014/main" id="{6F5F28F5-EDF5-4271-A11E-4FA6725CEA00}"/>
+              </a:ext>
+            </a:extLst>
+          </p:cNvPr>
+          <p:cNvSpPr txBox="1"/>
+          <p:nvPr/>
+        </p:nvSpPr>
+        <p:spPr>
+          <a:xfrm>
+            <a:off x="6725298" y="2367144"/>
+            <a:ext cx="1260281" cy="523220"/>
+          </a:xfrm>
+          <a:prstGeom prst="rect">
+            <a:avLst/>
+          </a:prstGeom>
+          <a:noFill/>
+          <a:ln>
+            <a:solidFill>
+              <a:schemeClr val="tx1"/>
+            </a:solidFill>
+          </a:ln>
+        </p:spPr>
+        <p:txBody>
+          <a:bodyPr wrap="none" rtlCol="0">
+            <a:spAutoFit/>
+          </a:bodyPr>
+          <a:lstStyle/>
+          <a:p>
+            <a:r>
+              <a:rPr lang="en-US" altLang="zh-CN" sz="2800" dirty="0" err="1">
+                <a:latin typeface="Times New Roman" panose="02020603050405020304" pitchFamily="18" charset="0"/>
+                <a:cs typeface="Times New Roman" panose="02020603050405020304" pitchFamily="18" charset="0"/>
+              </a:rPr>
+              <a:t>mRMR</a:t>
+            </a:r>
+            <a:endParaRPr lang="zh-CN" altLang="en-US" sz="2800" dirty="0">
+              <a:latin typeface="Times New Roman" panose="02020603050405020304" pitchFamily="18" charset="0"/>
+              <a:cs typeface="Times New Roman" panose="02020603050405020304" pitchFamily="18" charset="0"/>
+            </a:endParaRPr>
+          </a:p>
+        </p:txBody>
+      </p:sp>
+      <p:sp>
+        <p:nvSpPr>
+          <p:cNvPr id="3" name="文本框 2">
+            <a:extLst>
+              <a:ext uri="{FF2B5EF4-FFF2-40B4-BE49-F238E27FC236}">
+                <a16:creationId xmlns:a16="http://schemas.microsoft.com/office/drawing/2014/main" id="{D985B60A-A480-C19C-DD72-2ED37B8489E7}"/>
+              </a:ext>
+            </a:extLst>
+          </p:cNvPr>
+          <p:cNvSpPr txBox="1"/>
+          <p:nvPr/>
+        </p:nvSpPr>
+        <p:spPr>
+          <a:xfrm>
+            <a:off x="6612257" y="2960084"/>
+            <a:ext cx="1486365" cy="2000548"/>
+          </a:xfrm>
+          <a:prstGeom prst="rect">
+            <a:avLst/>
+          </a:prstGeom>
+          <a:noFill/>
+          <a:ln>
+            <a:solidFill>
+              <a:schemeClr val="tx1"/>
+            </a:solidFill>
+          </a:ln>
+        </p:spPr>
+        <p:txBody>
+          <a:bodyPr wrap="square" rtlCol="0">
+            <a:spAutoFit/>
+          </a:bodyPr>
+          <a:lstStyle/>
+          <a:p>
+            <a:r>
+              <a:rPr lang="en-US" altLang="zh-CN" sz="2800" dirty="0">
+                <a:latin typeface="Times New Roman" panose="02020603050405020304" pitchFamily="18" charset="0"/>
+                <a:cs typeface="Times New Roman" panose="02020603050405020304" pitchFamily="18" charset="0"/>
+              </a:rPr>
+              <a:t>Rank: 50</a:t>
+            </a:r>
+          </a:p>
+          <a:p>
+            <a:r>
+              <a:rPr lang="en-US" altLang="zh-CN" sz="2400" dirty="0">
+                <a:latin typeface="Times New Roman" panose="02020603050405020304" pitchFamily="18" charset="0"/>
+                <a:cs typeface="Times New Roman" panose="02020603050405020304" pitchFamily="18" charset="0"/>
+              </a:rPr>
+              <a:t>Feature 1</a:t>
+            </a:r>
+          </a:p>
+          <a:p>
+            <a:r>
+              <a:rPr lang="en-US" altLang="zh-CN" sz="2400" dirty="0">
+                <a:latin typeface="Times New Roman" panose="02020603050405020304" pitchFamily="18" charset="0"/>
+                <a:cs typeface="Times New Roman" panose="02020603050405020304" pitchFamily="18" charset="0"/>
+              </a:rPr>
+              <a:t>Feature 2</a:t>
+            </a:r>
+          </a:p>
+          <a:p>
+            <a:r>
+              <a:rPr lang="en-US" altLang="zh-CN" sz="2400" dirty="0">
+                <a:latin typeface="Times New Roman" panose="02020603050405020304" pitchFamily="18" charset="0"/>
+                <a:cs typeface="Times New Roman" panose="02020603050405020304" pitchFamily="18" charset="0"/>
+              </a:rPr>
+              <a:t>…</a:t>
+            </a:r>
+          </a:p>
+          <a:p>
+            <a:r>
+              <a:rPr lang="en-US" altLang="zh-CN" sz="2400" dirty="0">
+                <a:latin typeface="Times New Roman" panose="02020603050405020304" pitchFamily="18" charset="0"/>
+                <a:cs typeface="Times New Roman" panose="02020603050405020304" pitchFamily="18" charset="0"/>
+              </a:rPr>
+              <a:t>Feature 50</a:t>
+            </a:r>
+          </a:p>
+        </p:txBody>
+      </p:sp>
+      <p:cxnSp>
+        <p:nvCxnSpPr>
+          <p:cNvPr id="11" name="直接箭头连接符 10">
+            <a:extLst>
+              <a:ext uri="{FF2B5EF4-FFF2-40B4-BE49-F238E27FC236}">
+                <a16:creationId xmlns:a16="http://schemas.microsoft.com/office/drawing/2014/main" id="{5A1292ED-A95D-14B8-FEA1-439EAB5C868C}"/>
+              </a:ext>
+            </a:extLst>
+          </p:cNvPr>
+          <p:cNvCxnSpPr>
+            <a:stCxn id="31" idx="3"/>
+            <a:endCxn id="2" idx="1"/>
+          </p:cNvCxnSpPr>
+          <p:nvPr/>
+        </p:nvCxnSpPr>
+        <p:spPr>
+          <a:xfrm>
+            <a:off x="6212069" y="2628754"/>
+            <a:ext cx="513229" cy="0"/>
+          </a:xfrm>
+          <a:prstGeom prst="straightConnector1">
+            <a:avLst/>
+          </a:prstGeom>
+          <a:ln>
+            <a:tailEnd type="triangle"/>
+          </a:ln>
+        </p:spPr>
+        <p:style>
+          <a:lnRef idx="1">
+            <a:schemeClr val="dk1"/>
+          </a:lnRef>
+          <a:fillRef idx="0">
+            <a:schemeClr val="dk1"/>
+          </a:fillRef>
+          <a:effectRef idx="0">
+            <a:schemeClr val="dk1"/>
+          </a:effectRef>
+          <a:fontRef idx="minor">
+            <a:schemeClr val="tx1"/>
+          </a:fontRef>
+        </p:style>
+      </p:cxnSp>
+      <p:sp>
+        <p:nvSpPr>
+          <p:cNvPr id="13" name="文本框 12">
+            <a:extLst>
+              <a:ext uri="{FF2B5EF4-FFF2-40B4-BE49-F238E27FC236}">
+                <a16:creationId xmlns:a16="http://schemas.microsoft.com/office/drawing/2014/main" id="{F665EE0D-1A9D-FB0A-C76D-F6BF6EAE8E02}"/>
+              </a:ext>
+            </a:extLst>
+          </p:cNvPr>
+          <p:cNvSpPr txBox="1"/>
+          <p:nvPr/>
+        </p:nvSpPr>
+        <p:spPr>
+          <a:xfrm>
+            <a:off x="8369769" y="2367144"/>
+            <a:ext cx="2842445" cy="523220"/>
+          </a:xfrm>
+          <a:prstGeom prst="rect">
+            <a:avLst/>
+          </a:prstGeom>
+          <a:noFill/>
+          <a:ln>
+            <a:solidFill>
+              <a:schemeClr val="tx1"/>
+            </a:solidFill>
+          </a:ln>
+        </p:spPr>
+        <p:txBody>
+          <a:bodyPr wrap="none" rtlCol="0">
+            <a:spAutoFit/>
+          </a:bodyPr>
+          <a:lstStyle/>
+          <a:p>
+            <a:r>
+              <a:rPr lang="en-US" altLang="zh-CN" sz="2800" dirty="0">
+                <a:latin typeface="Times New Roman" panose="02020603050405020304" pitchFamily="18" charset="0"/>
+                <a:cs typeface="Times New Roman" panose="02020603050405020304" pitchFamily="18" charset="0"/>
+              </a:rPr>
+              <a:t>Feature Collection</a:t>
+            </a:r>
+            <a:endParaRPr lang="zh-CN" altLang="en-US" sz="2800" dirty="0">
+              <a:latin typeface="Times New Roman" panose="02020603050405020304" pitchFamily="18" charset="0"/>
+              <a:cs typeface="Times New Roman" panose="02020603050405020304" pitchFamily="18" charset="0"/>
+            </a:endParaRPr>
+          </a:p>
+        </p:txBody>
+      </p:sp>
+      <p:sp>
+        <p:nvSpPr>
+          <p:cNvPr id="15" name="文本框 14">
+            <a:extLst>
+              <a:ext uri="{FF2B5EF4-FFF2-40B4-BE49-F238E27FC236}">
+                <a16:creationId xmlns:a16="http://schemas.microsoft.com/office/drawing/2014/main" id="{3851160E-FC5E-33FC-4B50-222852AA2302}"/>
+              </a:ext>
+            </a:extLst>
+          </p:cNvPr>
+          <p:cNvSpPr txBox="1"/>
+          <p:nvPr/>
+        </p:nvSpPr>
+        <p:spPr>
+          <a:xfrm>
+            <a:off x="8409164" y="2960084"/>
+            <a:ext cx="2763653" cy="1569660"/>
+          </a:xfrm>
+          <a:prstGeom prst="rect">
+            <a:avLst/>
+          </a:prstGeom>
+          <a:noFill/>
+          <a:ln>
+            <a:solidFill>
+              <a:schemeClr val="tx1"/>
+            </a:solidFill>
+          </a:ln>
+        </p:spPr>
+        <p:txBody>
+          <a:bodyPr wrap="square" rtlCol="0">
+            <a:spAutoFit/>
+          </a:bodyPr>
+          <a:lstStyle/>
+          <a:p>
+            <a:r>
+              <a:rPr lang="en-US" altLang="zh-CN" sz="2400" dirty="0">
+                <a:latin typeface="Times New Roman" panose="02020603050405020304" pitchFamily="18" charset="0"/>
+                <a:cs typeface="Times New Roman" panose="02020603050405020304" pitchFamily="18" charset="0"/>
+              </a:rPr>
+              <a:t>Feature 1</a:t>
+            </a:r>
+          </a:p>
+          <a:p>
+            <a:r>
+              <a:rPr lang="en-US" altLang="zh-CN" sz="2400" dirty="0">
+                <a:latin typeface="Times New Roman" panose="02020603050405020304" pitchFamily="18" charset="0"/>
+                <a:cs typeface="Times New Roman" panose="02020603050405020304" pitchFamily="18" charset="0"/>
+              </a:rPr>
+              <a:t>Feature 1+2</a:t>
+            </a:r>
+          </a:p>
+          <a:p>
+            <a:r>
+              <a:rPr lang="en-US" altLang="zh-CN" sz="2400" dirty="0">
+                <a:latin typeface="Times New Roman" panose="02020603050405020304" pitchFamily="18" charset="0"/>
+                <a:cs typeface="Times New Roman" panose="02020603050405020304" pitchFamily="18" charset="0"/>
+              </a:rPr>
+              <a:t>…</a:t>
+            </a:r>
+          </a:p>
+          <a:p>
+            <a:r>
+              <a:rPr lang="en-US" altLang="zh-CN" sz="2400" dirty="0">
+                <a:latin typeface="Times New Roman" panose="02020603050405020304" pitchFamily="18" charset="0"/>
+                <a:cs typeface="Times New Roman" panose="02020603050405020304" pitchFamily="18" charset="0"/>
+              </a:rPr>
+              <a:t>Feature 1+2+…+50</a:t>
+            </a:r>
+          </a:p>
+        </p:txBody>
+      </p:sp>
+      <p:cxnSp>
+        <p:nvCxnSpPr>
+          <p:cNvPr id="16" name="直接箭头连接符 15">
+            <a:extLst>
+              <a:ext uri="{FF2B5EF4-FFF2-40B4-BE49-F238E27FC236}">
+                <a16:creationId xmlns:a16="http://schemas.microsoft.com/office/drawing/2014/main" id="{7FF23605-1231-07F2-0211-08F1B743C8CD}"/>
+              </a:ext>
+            </a:extLst>
+          </p:cNvPr>
+          <p:cNvCxnSpPr>
+            <a:cxnSpLocks/>
+            <a:stCxn id="2" idx="3"/>
+            <a:endCxn id="13" idx="1"/>
+          </p:cNvCxnSpPr>
+          <p:nvPr/>
+        </p:nvCxnSpPr>
+        <p:spPr>
+          <a:xfrm>
+            <a:off x="7985579" y="2628754"/>
+            <a:ext cx="384190" cy="0"/>
+          </a:xfrm>
+          <a:prstGeom prst="straightConnector1">
+            <a:avLst/>
+          </a:prstGeom>
+          <a:ln>
+            <a:tailEnd type="triangle"/>
+          </a:ln>
+        </p:spPr>
+        <p:style>
+          <a:lnRef idx="1">
+            <a:schemeClr val="dk1"/>
+          </a:lnRef>
+          <a:fillRef idx="0">
+            <a:schemeClr val="dk1"/>
+          </a:fillRef>
+          <a:effectRef idx="0">
+            <a:schemeClr val="dk1"/>
+          </a:effectRef>
+          <a:fontRef idx="minor">
+            <a:schemeClr val="tx1"/>
+          </a:fontRef>
+        </p:style>
+      </p:cxnSp>
     </p:spTree>
     <p:extLst>
       <p:ext uri="{BB962C8B-B14F-4D97-AF65-F5344CB8AC3E}">
-        <p14:creationId xmlns:p14="http://schemas.microsoft.com/office/powerpoint/2010/main" val="2644075740"/>
+        <p14:creationId xmlns:p14="http://schemas.microsoft.com/office/powerpoint/2010/main" val="1593338965"/>
       </p:ext>
     </p:extLst>
   </p:cSld>
@@ -9357,7 +9988,7 @@
         <p:spPr>
           <a:xfrm>
             <a:off x="344555" y="212035"/>
-            <a:ext cx="5665012" cy="646331"/>
+            <a:ext cx="10256397" cy="646331"/>
           </a:xfrm>
           <a:prstGeom prst="rect">
             <a:avLst/>
@@ -9375,14 +10006,7 @@
                 <a:latin typeface="Times New Roman" panose="02020603050405020304" pitchFamily="18" charset="0"/>
                 <a:cs typeface="Times New Roman" panose="02020603050405020304" pitchFamily="18" charset="0"/>
               </a:rPr>
-              <a:t>Radiomic Features: </a:t>
-            </a:r>
-            <a:r>
-              <a:rPr lang="en-US" altLang="zh-CN" sz="3600" b="1" dirty="0" err="1">
-                <a:latin typeface="Times New Roman" panose="02020603050405020304" pitchFamily="18" charset="0"/>
-                <a:cs typeface="Times New Roman" panose="02020603050405020304" pitchFamily="18" charset="0"/>
-              </a:rPr>
-              <a:t>mRMR</a:t>
+              <a:t>Radiomic Features: Pearson’s Correlation Analysis</a:t>
             </a:r>
             <a:endParaRPr lang="zh-CN" altLang="en-US" sz="3600" b="1" dirty="0">
               <a:latin typeface="Times New Roman" panose="02020603050405020304" pitchFamily="18" charset="0"/>
@@ -9391,59 +10015,12 @@
           </a:p>
         </p:txBody>
       </p:sp>
-      <p:sp>
-        <p:nvSpPr>
-          <p:cNvPr id="6" name="文本框 5">
-            <a:extLst>
-              <a:ext uri="{FF2B5EF4-FFF2-40B4-BE49-F238E27FC236}">
-                <a16:creationId xmlns:a16="http://schemas.microsoft.com/office/drawing/2014/main" id="{E24C62B5-DFB9-3519-28A5-CAD4F82FC3CD}"/>
-              </a:ext>
-            </a:extLst>
-          </p:cNvPr>
-          <p:cNvSpPr txBox="1"/>
-          <p:nvPr/>
-        </p:nvSpPr>
-        <p:spPr>
-          <a:xfrm>
-            <a:off x="1022932" y="2367144"/>
-            <a:ext cx="583814" cy="523220"/>
-          </a:xfrm>
-          <a:prstGeom prst="rect">
-            <a:avLst/>
-          </a:prstGeom>
-          <a:noFill/>
-          <a:ln>
-            <a:solidFill>
-              <a:schemeClr val="tx1"/>
-            </a:solidFill>
-          </a:ln>
-        </p:spPr>
-        <p:txBody>
-          <a:bodyPr wrap="none" rtlCol="0">
-            <a:spAutoFit/>
-          </a:bodyPr>
-          <a:lstStyle/>
-          <a:p>
-            <a:r>
-              <a:rPr lang="en-US" altLang="zh-CN" sz="2800" dirty="0">
-                <a:latin typeface="Times New Roman" panose="02020603050405020304" pitchFamily="18" charset="0"/>
-                <a:cs typeface="Times New Roman" panose="02020603050405020304" pitchFamily="18" charset="0"/>
-              </a:rPr>
-              <a:t>T1</a:t>
-            </a:r>
-            <a:endParaRPr lang="zh-CN" altLang="en-US" sz="2800" dirty="0">
-              <a:latin typeface="Times New Roman" panose="02020603050405020304" pitchFamily="18" charset="0"/>
-              <a:cs typeface="Times New Roman" panose="02020603050405020304" pitchFamily="18" charset="0"/>
-            </a:endParaRPr>
-          </a:p>
-        </p:txBody>
-      </p:sp>
       <p:pic>
         <p:nvPicPr>
-          <p:cNvPr id="10" name="图片 9" descr="图片包含 游戏机&#10;&#10;描述已自动生成">
-            <a:extLst>
-              <a:ext uri="{FF2B5EF4-FFF2-40B4-BE49-F238E27FC236}">
-                <a16:creationId xmlns:a16="http://schemas.microsoft.com/office/drawing/2014/main" id="{38910E01-828D-8D74-DC5D-33DEC04F72BC}"/>
+          <p:cNvPr id="12" name="图片 11">
+            <a:extLst>
+              <a:ext uri="{FF2B5EF4-FFF2-40B4-BE49-F238E27FC236}">
+                <a16:creationId xmlns:a16="http://schemas.microsoft.com/office/drawing/2014/main" id="{98282463-0794-B3C9-56B7-AA70FF1CE2EC}"/>
               </a:ext>
             </a:extLst>
           </p:cNvPr>
@@ -9453,181 +10030,196 @@
           <p:nvPr/>
         </p:nvPicPr>
         <p:blipFill>
-          <a:blip r:embed="rId2">
-            <a:extLst>
-              <a:ext uri="{28A0092B-C50C-407E-A947-70E740481C1C}">
-                <a14:useLocalDpi xmlns:a14="http://schemas.microsoft.com/office/drawing/2010/main" val="0"/>
-              </a:ext>
-            </a:extLst>
-          </a:blip>
+          <a:blip r:embed="rId2"/>
           <a:stretch>
             <a:fillRect/>
           </a:stretch>
         </p:blipFill>
         <p:spPr>
           <a:xfrm>
-            <a:off x="2058465" y="1761935"/>
-            <a:ext cx="1422473" cy="1733639"/>
+            <a:off x="516832" y="1329153"/>
+            <a:ext cx="2103905" cy="1623130"/>
           </a:xfrm>
           <a:prstGeom prst="rect">
             <a:avLst/>
           </a:prstGeom>
         </p:spPr>
       </p:pic>
-      <p:sp>
-        <p:nvSpPr>
-          <p:cNvPr id="12" name="文本框 11">
-            <a:extLst>
-              <a:ext uri="{FF2B5EF4-FFF2-40B4-BE49-F238E27FC236}">
-                <a16:creationId xmlns:a16="http://schemas.microsoft.com/office/drawing/2014/main" id="{FFDB97FA-2DFE-821B-963D-F7196DA252DE}"/>
-              </a:ext>
-            </a:extLst>
-          </p:cNvPr>
-          <p:cNvSpPr txBox="1"/>
+      <p:pic>
+        <p:nvPicPr>
+          <p:cNvPr id="14" name="图片 13">
+            <a:extLst>
+              <a:ext uri="{FF2B5EF4-FFF2-40B4-BE49-F238E27FC236}">
+                <a16:creationId xmlns:a16="http://schemas.microsoft.com/office/drawing/2014/main" id="{A898FDE6-8785-0B33-0DEF-BB7E93B0DF80}"/>
+              </a:ext>
+            </a:extLst>
+          </p:cNvPr>
+          <p:cNvPicPr>
+            <a:picLocks noChangeAspect="1"/>
+          </p:cNvPicPr>
           <p:nvPr/>
-        </p:nvSpPr>
-        <p:spPr>
-          <a:xfrm>
-            <a:off x="1824570" y="3546785"/>
-            <a:ext cx="1890261" cy="1631216"/>
+        </p:nvPicPr>
+        <p:blipFill>
+          <a:blip r:embed="rId3"/>
+          <a:stretch>
+            <a:fillRect/>
+          </a:stretch>
+        </p:blipFill>
+        <p:spPr>
+          <a:xfrm>
+            <a:off x="2981736" y="1329153"/>
+            <a:ext cx="2103905" cy="1623130"/>
           </a:xfrm>
           <a:prstGeom prst="rect">
             <a:avLst/>
           </a:prstGeom>
-          <a:noFill/>
-          <a:ln>
-            <a:solidFill>
-              <a:schemeClr val="tx1"/>
-            </a:solidFill>
-          </a:ln>
-        </p:spPr>
-        <p:txBody>
-          <a:bodyPr wrap="none" rtlCol="0">
-            <a:spAutoFit/>
-          </a:bodyPr>
-          <a:lstStyle/>
-          <a:p>
-            <a:r>
-              <a:rPr lang="en-US" altLang="zh-CN" sz="2800" dirty="0">
-                <a:latin typeface="Times New Roman" panose="02020603050405020304" pitchFamily="18" charset="0"/>
-                <a:cs typeface="Times New Roman" panose="02020603050405020304" pitchFamily="18" charset="0"/>
-              </a:rPr>
-              <a:t>ROIs: 6</a:t>
-            </a:r>
-          </a:p>
-          <a:p>
-            <a:pPr algn="ctr"/>
-            <a:r>
-              <a:rPr lang="en-US" altLang="zh-CN" sz="2400" dirty="0" err="1">
-                <a:latin typeface="Times New Roman" panose="02020603050405020304" pitchFamily="18" charset="0"/>
-                <a:cs typeface="Times New Roman" panose="02020603050405020304" pitchFamily="18" charset="0"/>
-              </a:rPr>
-              <a:t>lCAU</a:t>
-            </a:r>
-            <a:r>
-              <a:rPr lang="en-US" altLang="zh-CN" sz="2400" dirty="0">
-                <a:latin typeface="Times New Roman" panose="02020603050405020304" pitchFamily="18" charset="0"/>
-                <a:cs typeface="Times New Roman" panose="02020603050405020304" pitchFamily="18" charset="0"/>
-              </a:rPr>
-              <a:t> </a:t>
-            </a:r>
-            <a:r>
-              <a:rPr lang="en-US" altLang="zh-CN" sz="2400" dirty="0" err="1">
-                <a:latin typeface="Times New Roman" panose="02020603050405020304" pitchFamily="18" charset="0"/>
-                <a:cs typeface="Times New Roman" panose="02020603050405020304" pitchFamily="18" charset="0"/>
-              </a:rPr>
-              <a:t>rCAU</a:t>
-            </a:r>
-            <a:endParaRPr lang="en-US" altLang="zh-CN" sz="2400" dirty="0">
-              <a:latin typeface="Times New Roman" panose="02020603050405020304" pitchFamily="18" charset="0"/>
-              <a:cs typeface="Times New Roman" panose="02020603050405020304" pitchFamily="18" charset="0"/>
-            </a:endParaRPr>
-          </a:p>
-          <a:p>
-            <a:pPr algn="ctr"/>
-            <a:r>
-              <a:rPr lang="en-US" altLang="zh-CN" sz="2400" dirty="0" err="1">
-                <a:latin typeface="Times New Roman" panose="02020603050405020304" pitchFamily="18" charset="0"/>
-                <a:cs typeface="Times New Roman" panose="02020603050405020304" pitchFamily="18" charset="0"/>
-              </a:rPr>
-              <a:t>lPUT</a:t>
-            </a:r>
-            <a:r>
-              <a:rPr lang="en-US" altLang="zh-CN" sz="2400" dirty="0">
-                <a:latin typeface="Times New Roman" panose="02020603050405020304" pitchFamily="18" charset="0"/>
-                <a:cs typeface="Times New Roman" panose="02020603050405020304" pitchFamily="18" charset="0"/>
-              </a:rPr>
-              <a:t> </a:t>
-            </a:r>
-            <a:r>
-              <a:rPr lang="en-US" altLang="zh-CN" sz="2400" dirty="0" err="1">
-                <a:latin typeface="Times New Roman" panose="02020603050405020304" pitchFamily="18" charset="0"/>
-                <a:cs typeface="Times New Roman" panose="02020603050405020304" pitchFamily="18" charset="0"/>
-              </a:rPr>
-              <a:t>rPUT</a:t>
-            </a:r>
-            <a:endParaRPr lang="en-US" altLang="zh-CN" sz="2400" dirty="0">
-              <a:latin typeface="Times New Roman" panose="02020603050405020304" pitchFamily="18" charset="0"/>
-              <a:cs typeface="Times New Roman" panose="02020603050405020304" pitchFamily="18" charset="0"/>
-            </a:endParaRPr>
-          </a:p>
-          <a:p>
-            <a:pPr algn="ctr"/>
-            <a:r>
-              <a:rPr lang="en-US" altLang="zh-CN" sz="2400" dirty="0" err="1">
-                <a:latin typeface="Times New Roman" panose="02020603050405020304" pitchFamily="18" charset="0"/>
-                <a:cs typeface="Times New Roman" panose="02020603050405020304" pitchFamily="18" charset="0"/>
-              </a:rPr>
-              <a:t>lSN</a:t>
-            </a:r>
-            <a:r>
-              <a:rPr lang="en-US" altLang="zh-CN" sz="2400" dirty="0">
-                <a:latin typeface="Times New Roman" panose="02020603050405020304" pitchFamily="18" charset="0"/>
-                <a:cs typeface="Times New Roman" panose="02020603050405020304" pitchFamily="18" charset="0"/>
-              </a:rPr>
-              <a:t> </a:t>
-            </a:r>
-            <a:r>
-              <a:rPr lang="en-US" altLang="zh-CN" sz="2400" dirty="0" err="1">
-                <a:latin typeface="Times New Roman" panose="02020603050405020304" pitchFamily="18" charset="0"/>
-                <a:cs typeface="Times New Roman" panose="02020603050405020304" pitchFamily="18" charset="0"/>
-              </a:rPr>
-              <a:t>rSN</a:t>
-            </a:r>
-            <a:endParaRPr lang="zh-CN" altLang="en-US" sz="2400" dirty="0">
-              <a:latin typeface="Times New Roman" panose="02020603050405020304" pitchFamily="18" charset="0"/>
-              <a:cs typeface="Times New Roman" panose="02020603050405020304" pitchFamily="18" charset="0"/>
-            </a:endParaRPr>
-          </a:p>
-        </p:txBody>
-      </p:sp>
+        </p:spPr>
+      </p:pic>
+      <p:pic>
+        <p:nvPicPr>
+          <p:cNvPr id="16" name="图片 15">
+            <a:extLst>
+              <a:ext uri="{FF2B5EF4-FFF2-40B4-BE49-F238E27FC236}">
+                <a16:creationId xmlns:a16="http://schemas.microsoft.com/office/drawing/2014/main" id="{3F68AD5B-8AD6-FA2C-9BE4-9C78AA76BCBC}"/>
+              </a:ext>
+            </a:extLst>
+          </p:cNvPr>
+          <p:cNvPicPr>
+            <a:picLocks noChangeAspect="1"/>
+          </p:cNvPicPr>
+          <p:nvPr/>
+        </p:nvPicPr>
+        <p:blipFill>
+          <a:blip r:embed="rId4"/>
+          <a:stretch>
+            <a:fillRect/>
+          </a:stretch>
+        </p:blipFill>
+        <p:spPr>
+          <a:xfrm>
+            <a:off x="516831" y="3025331"/>
+            <a:ext cx="2103905" cy="1623130"/>
+          </a:xfrm>
+          <a:prstGeom prst="rect">
+            <a:avLst/>
+          </a:prstGeom>
+        </p:spPr>
+      </p:pic>
+      <p:pic>
+        <p:nvPicPr>
+          <p:cNvPr id="20" name="图片 19">
+            <a:extLst>
+              <a:ext uri="{FF2B5EF4-FFF2-40B4-BE49-F238E27FC236}">
+                <a16:creationId xmlns:a16="http://schemas.microsoft.com/office/drawing/2014/main" id="{06AD8AC6-CE13-BE9E-89AF-9DF8F21D880A}"/>
+              </a:ext>
+            </a:extLst>
+          </p:cNvPr>
+          <p:cNvPicPr>
+            <a:picLocks noChangeAspect="1"/>
+          </p:cNvPicPr>
+          <p:nvPr/>
+        </p:nvPicPr>
+        <p:blipFill>
+          <a:blip r:embed="rId5"/>
+          <a:stretch>
+            <a:fillRect/>
+          </a:stretch>
+        </p:blipFill>
+        <p:spPr>
+          <a:xfrm>
+            <a:off x="2981735" y="3025331"/>
+            <a:ext cx="2103905" cy="1623130"/>
+          </a:xfrm>
+          <a:prstGeom prst="rect">
+            <a:avLst/>
+          </a:prstGeom>
+        </p:spPr>
+      </p:pic>
+      <p:pic>
+        <p:nvPicPr>
+          <p:cNvPr id="22" name="图片 21">
+            <a:extLst>
+              <a:ext uri="{FF2B5EF4-FFF2-40B4-BE49-F238E27FC236}">
+                <a16:creationId xmlns:a16="http://schemas.microsoft.com/office/drawing/2014/main" id="{E1529434-EF62-B537-2050-2174A7313938}"/>
+              </a:ext>
+            </a:extLst>
+          </p:cNvPr>
+          <p:cNvPicPr>
+            <a:picLocks noChangeAspect="1"/>
+          </p:cNvPicPr>
+          <p:nvPr/>
+        </p:nvPicPr>
+        <p:blipFill>
+          <a:blip r:embed="rId6"/>
+          <a:stretch>
+            <a:fillRect/>
+          </a:stretch>
+        </p:blipFill>
+        <p:spPr>
+          <a:xfrm>
+            <a:off x="516831" y="4721509"/>
+            <a:ext cx="2103905" cy="1623130"/>
+          </a:xfrm>
+          <a:prstGeom prst="rect">
+            <a:avLst/>
+          </a:prstGeom>
+        </p:spPr>
+      </p:pic>
+      <p:pic>
+        <p:nvPicPr>
+          <p:cNvPr id="24" name="图片 23">
+            <a:extLst>
+              <a:ext uri="{FF2B5EF4-FFF2-40B4-BE49-F238E27FC236}">
+                <a16:creationId xmlns:a16="http://schemas.microsoft.com/office/drawing/2014/main" id="{D32CC8B9-FBC9-E98B-71B8-FEDA7AF99189}"/>
+              </a:ext>
+            </a:extLst>
+          </p:cNvPr>
+          <p:cNvPicPr>
+            <a:picLocks noChangeAspect="1"/>
+          </p:cNvPicPr>
+          <p:nvPr/>
+        </p:nvPicPr>
+        <p:blipFill>
+          <a:blip r:embed="rId7"/>
+          <a:stretch>
+            <a:fillRect/>
+          </a:stretch>
+        </p:blipFill>
+        <p:spPr>
+          <a:xfrm>
+            <a:off x="2981734" y="4717282"/>
+            <a:ext cx="2103905" cy="1623130"/>
+          </a:xfrm>
+          <a:prstGeom prst="rect">
+            <a:avLst/>
+          </a:prstGeom>
+        </p:spPr>
+      </p:pic>
       <p:cxnSp>
         <p:nvCxnSpPr>
-          <p:cNvPr id="14" name="连接符: 肘形 13">
-            <a:extLst>
-              <a:ext uri="{FF2B5EF4-FFF2-40B4-BE49-F238E27FC236}">
-                <a16:creationId xmlns:a16="http://schemas.microsoft.com/office/drawing/2014/main" id="{D280FE04-5B4B-5D5A-6172-2FEBB535D6F9}"/>
+          <p:cNvPr id="26" name="直接箭头连接符 25">
+            <a:extLst>
+              <a:ext uri="{FF2B5EF4-FFF2-40B4-BE49-F238E27FC236}">
+                <a16:creationId xmlns:a16="http://schemas.microsoft.com/office/drawing/2014/main" id="{1AD42593-92D3-1CE9-FF5E-4644CC071095}"/>
               </a:ext>
             </a:extLst>
           </p:cNvPr>
           <p:cNvCxnSpPr>
             <a:cxnSpLocks/>
-            <a:stCxn id="6" idx="3"/>
-            <a:endCxn id="10" idx="1"/>
+            <a:stCxn id="20" idx="3"/>
+            <a:endCxn id="30" idx="1"/>
           </p:cNvCxnSpPr>
           <p:nvPr/>
         </p:nvCxnSpPr>
         <p:spPr>
           <a:xfrm>
-            <a:off x="1606746" y="2628754"/>
-            <a:ext cx="451719" cy="1"/>
-          </a:xfrm>
-          <a:prstGeom prst="bentConnector3">
-            <a:avLst>
-              <a:gd name="adj1" fmla="val 50000"/>
-            </a:avLst>
+            <a:off x="5085640" y="3836896"/>
+            <a:ext cx="1991401" cy="0"/>
+          </a:xfrm>
+          <a:prstGeom prst="straightConnector1">
+            <a:avLst/>
           </a:prstGeom>
-          <a:ln>
+          <a:ln w="12700">
             <a:tailEnd type="triangle"/>
           </a:ln>
         </p:spPr>
@@ -9648,10 +10240,10 @@
       </p:cxnSp>
       <p:sp>
         <p:nvSpPr>
-          <p:cNvPr id="31" name="文本框 30">
-            <a:extLst>
-              <a:ext uri="{FF2B5EF4-FFF2-40B4-BE49-F238E27FC236}">
-                <a16:creationId xmlns:a16="http://schemas.microsoft.com/office/drawing/2014/main" id="{305033FF-64A4-560B-9AF5-EF10FAB1A8A5}"/>
+          <p:cNvPr id="28" name="文本框 27">
+            <a:extLst>
+              <a:ext uri="{FF2B5EF4-FFF2-40B4-BE49-F238E27FC236}">
+                <a16:creationId xmlns:a16="http://schemas.microsoft.com/office/drawing/2014/main" id="{C8DD9A6A-419B-A1BB-864B-778B850A8EE5}"/>
               </a:ext>
             </a:extLst>
           </p:cNvPr>
@@ -9660,17 +10252,15 @@
         </p:nvSpPr>
         <p:spPr>
           <a:xfrm>
-            <a:off x="4115020" y="2367144"/>
-            <a:ext cx="2097049" cy="523220"/>
+            <a:off x="5274685" y="3013110"/>
+            <a:ext cx="1642629" cy="830997"/>
           </a:xfrm>
           <a:prstGeom prst="rect">
             <a:avLst/>
           </a:prstGeom>
           <a:noFill/>
           <a:ln>
-            <a:solidFill>
-              <a:schemeClr val="tx1"/>
-            </a:solidFill>
+            <a:noFill/>
           </a:ln>
         </p:spPr>
         <p:txBody>
@@ -9679,498 +10269,72 @@
           </a:bodyPr>
           <a:lstStyle/>
           <a:p>
-            <a:r>
-              <a:rPr lang="en-US" altLang="zh-CN" sz="2800" dirty="0" err="1">
-                <a:latin typeface="Times New Roman" panose="02020603050405020304" pitchFamily="18" charset="0"/>
-                <a:cs typeface="Times New Roman" panose="02020603050405020304" pitchFamily="18" charset="0"/>
-              </a:rPr>
-              <a:t>PyRadiomics</a:t>
-            </a:r>
-            <a:endParaRPr lang="zh-CN" altLang="en-US" sz="2800" dirty="0">
+            <a:pPr algn="ctr"/>
+            <a:r>
+              <a:rPr lang="en-US" altLang="zh-CN" sz="2400" b="1" dirty="0">
+                <a:latin typeface="Times New Roman" panose="02020603050405020304" pitchFamily="18" charset="0"/>
+                <a:cs typeface="Times New Roman" panose="02020603050405020304" pitchFamily="18" charset="0"/>
+              </a:rPr>
+              <a:t>Drop when</a:t>
+            </a:r>
+          </a:p>
+          <a:p>
+            <a:pPr algn="ctr"/>
+            <a:r>
+              <a:rPr lang="en-US" altLang="zh-CN" sz="2400" b="1" dirty="0" err="1">
+                <a:latin typeface="Times New Roman" panose="02020603050405020304" pitchFamily="18" charset="0"/>
+                <a:cs typeface="Times New Roman" panose="02020603050405020304" pitchFamily="18" charset="0"/>
+              </a:rPr>
+              <a:t>corr</a:t>
+            </a:r>
+            <a:r>
+              <a:rPr lang="en-US" altLang="zh-CN" sz="2400" b="1" dirty="0">
+                <a:latin typeface="Times New Roman" panose="02020603050405020304" pitchFamily="18" charset="0"/>
+                <a:cs typeface="Times New Roman" panose="02020603050405020304" pitchFamily="18" charset="0"/>
+              </a:rPr>
+              <a:t>&gt;0.5</a:t>
+            </a:r>
+            <a:endParaRPr lang="zh-CN" altLang="en-US" dirty="0">
               <a:latin typeface="Times New Roman" panose="02020603050405020304" pitchFamily="18" charset="0"/>
               <a:cs typeface="Times New Roman" panose="02020603050405020304" pitchFamily="18" charset="0"/>
             </a:endParaRPr>
           </a:p>
         </p:txBody>
       </p:sp>
-      <p:cxnSp>
-        <p:nvCxnSpPr>
-          <p:cNvPr id="32" name="连接符: 肘形 31">
-            <a:extLst>
-              <a:ext uri="{FF2B5EF4-FFF2-40B4-BE49-F238E27FC236}">
-                <a16:creationId xmlns:a16="http://schemas.microsoft.com/office/drawing/2014/main" id="{D9375578-FE00-364E-CC5D-771F74F77CF5}"/>
-              </a:ext>
-            </a:extLst>
-          </p:cNvPr>
-          <p:cNvCxnSpPr>
-            <a:cxnSpLocks/>
-            <a:stCxn id="10" idx="3"/>
-            <a:endCxn id="31" idx="1"/>
-          </p:cNvCxnSpPr>
+      <p:pic>
+        <p:nvPicPr>
+          <p:cNvPr id="30" name="图片 29">
+            <a:extLst>
+              <a:ext uri="{FF2B5EF4-FFF2-40B4-BE49-F238E27FC236}">
+                <a16:creationId xmlns:a16="http://schemas.microsoft.com/office/drawing/2014/main" id="{18E5B92D-21CF-F774-00D7-36BD6289BF5A}"/>
+              </a:ext>
+            </a:extLst>
+          </p:cNvPr>
+          <p:cNvPicPr>
+            <a:picLocks noChangeAspect="1"/>
+          </p:cNvPicPr>
           <p:nvPr/>
-        </p:nvCxnSpPr>
-        <p:spPr>
-          <a:xfrm flipV="1">
-            <a:off x="3480938" y="2628754"/>
-            <a:ext cx="634082" cy="1"/>
-          </a:xfrm>
-          <a:prstGeom prst="bentConnector3">
-            <a:avLst>
-              <a:gd name="adj1" fmla="val 50000"/>
-            </a:avLst>
-          </a:prstGeom>
-          <a:ln>
-            <a:tailEnd type="triangle"/>
-          </a:ln>
-        </p:spPr>
-        <p:style>
-          <a:lnRef idx="1">
-            <a:schemeClr val="dk1"/>
-          </a:lnRef>
-          <a:fillRef idx="0">
-            <a:schemeClr val="dk1"/>
-          </a:fillRef>
-          <a:effectRef idx="0">
-            <a:schemeClr val="dk1"/>
-          </a:effectRef>
-          <a:fontRef idx="minor">
-            <a:schemeClr val="tx1"/>
-          </a:fontRef>
-        </p:style>
-      </p:cxnSp>
-      <p:sp>
-        <p:nvSpPr>
-          <p:cNvPr id="40" name="文本框 39">
-            <a:extLst>
-              <a:ext uri="{FF2B5EF4-FFF2-40B4-BE49-F238E27FC236}">
-                <a16:creationId xmlns:a16="http://schemas.microsoft.com/office/drawing/2014/main" id="{AF68DC16-A74A-99BD-7D02-574016F1ED1C}"/>
-              </a:ext>
-            </a:extLst>
-          </p:cNvPr>
-          <p:cNvSpPr txBox="1"/>
-          <p:nvPr/>
-        </p:nvSpPr>
-        <p:spPr>
-          <a:xfrm>
-            <a:off x="3985978" y="2960084"/>
-            <a:ext cx="2355132" cy="2369880"/>
+        </p:nvPicPr>
+        <p:blipFill>
+          <a:blip r:embed="rId8"/>
+          <a:stretch>
+            <a:fillRect/>
+          </a:stretch>
+        </p:blipFill>
+        <p:spPr>
+          <a:xfrm>
+            <a:off x="7077041" y="1627813"/>
+            <a:ext cx="5001696" cy="4418165"/>
           </a:xfrm>
           <a:prstGeom prst="rect">
             <a:avLst/>
           </a:prstGeom>
-          <a:noFill/>
-          <a:ln>
-            <a:solidFill>
-              <a:schemeClr val="tx1"/>
-            </a:solidFill>
-          </a:ln>
-        </p:spPr>
-        <p:txBody>
-          <a:bodyPr wrap="none" rtlCol="0">
-            <a:spAutoFit/>
-          </a:bodyPr>
-          <a:lstStyle/>
-          <a:p>
-            <a:r>
-              <a:rPr lang="en-US" altLang="zh-CN" sz="2800" dirty="0">
-                <a:latin typeface="Times New Roman" panose="02020603050405020304" pitchFamily="18" charset="0"/>
-                <a:cs typeface="Times New Roman" panose="02020603050405020304" pitchFamily="18" charset="0"/>
-              </a:rPr>
-              <a:t>Radiomics: 86 </a:t>
-            </a:r>
-          </a:p>
-          <a:p>
-            <a:pPr algn="ctr"/>
-            <a:r>
-              <a:rPr lang="en-US" altLang="zh-CN" sz="2400" dirty="0" err="1">
-                <a:latin typeface="Times New Roman" panose="02020603050405020304" pitchFamily="18" charset="0"/>
-                <a:cs typeface="Times New Roman" panose="02020603050405020304" pitchFamily="18" charset="0"/>
-              </a:rPr>
-              <a:t>Firstorder</a:t>
-            </a:r>
-            <a:endParaRPr lang="en-US" altLang="zh-CN" sz="2400" dirty="0">
-              <a:latin typeface="Times New Roman" panose="02020603050405020304" pitchFamily="18" charset="0"/>
-              <a:cs typeface="Times New Roman" panose="02020603050405020304" pitchFamily="18" charset="0"/>
-            </a:endParaRPr>
-          </a:p>
-          <a:p>
-            <a:pPr algn="ctr"/>
-            <a:r>
-              <a:rPr lang="en-US" altLang="zh-CN" sz="2400" dirty="0">
-                <a:latin typeface="Times New Roman" panose="02020603050405020304" pitchFamily="18" charset="0"/>
-                <a:cs typeface="Times New Roman" panose="02020603050405020304" pitchFamily="18" charset="0"/>
-              </a:rPr>
-              <a:t>GLCM</a:t>
-            </a:r>
-          </a:p>
-          <a:p>
-            <a:pPr algn="ctr"/>
-            <a:r>
-              <a:rPr lang="en-US" altLang="zh-CN" sz="2400" dirty="0">
-                <a:latin typeface="Times New Roman" panose="02020603050405020304" pitchFamily="18" charset="0"/>
-                <a:cs typeface="Times New Roman" panose="02020603050405020304" pitchFamily="18" charset="0"/>
-              </a:rPr>
-              <a:t>GLRLM</a:t>
-            </a:r>
-          </a:p>
-          <a:p>
-            <a:pPr algn="ctr"/>
-            <a:r>
-              <a:rPr lang="en-US" altLang="zh-CN" sz="2400" dirty="0">
-                <a:latin typeface="Times New Roman" panose="02020603050405020304" pitchFamily="18" charset="0"/>
-                <a:cs typeface="Times New Roman" panose="02020603050405020304" pitchFamily="18" charset="0"/>
-              </a:rPr>
-              <a:t>GLSZM</a:t>
-            </a:r>
-          </a:p>
-          <a:p>
-            <a:pPr algn="ctr"/>
-            <a:r>
-              <a:rPr lang="en-US" altLang="zh-CN" sz="2400" dirty="0">
-                <a:latin typeface="Times New Roman" panose="02020603050405020304" pitchFamily="18" charset="0"/>
-                <a:cs typeface="Times New Roman" panose="02020603050405020304" pitchFamily="18" charset="0"/>
-              </a:rPr>
-              <a:t>GLDM</a:t>
-            </a:r>
-            <a:endParaRPr lang="zh-CN" altLang="en-US" sz="2400" dirty="0">
-              <a:latin typeface="Times New Roman" panose="02020603050405020304" pitchFamily="18" charset="0"/>
-              <a:cs typeface="Times New Roman" panose="02020603050405020304" pitchFamily="18" charset="0"/>
-            </a:endParaRPr>
-          </a:p>
-        </p:txBody>
-      </p:sp>
-      <p:sp>
-        <p:nvSpPr>
-          <p:cNvPr id="2" name="文本框 1">
-            <a:extLst>
-              <a:ext uri="{FF2B5EF4-FFF2-40B4-BE49-F238E27FC236}">
-                <a16:creationId xmlns:a16="http://schemas.microsoft.com/office/drawing/2014/main" id="{6F5F28F5-EDF5-4271-A11E-4FA6725CEA00}"/>
-              </a:ext>
-            </a:extLst>
-          </p:cNvPr>
-          <p:cNvSpPr txBox="1"/>
-          <p:nvPr/>
-        </p:nvSpPr>
-        <p:spPr>
-          <a:xfrm>
-            <a:off x="6725298" y="2367144"/>
-            <a:ext cx="1260281" cy="523220"/>
-          </a:xfrm>
-          <a:prstGeom prst="rect">
-            <a:avLst/>
-          </a:prstGeom>
-          <a:noFill/>
-          <a:ln>
-            <a:solidFill>
-              <a:schemeClr val="tx1"/>
-            </a:solidFill>
-          </a:ln>
-        </p:spPr>
-        <p:txBody>
-          <a:bodyPr wrap="none" rtlCol="0">
-            <a:spAutoFit/>
-          </a:bodyPr>
-          <a:lstStyle/>
-          <a:p>
-            <a:r>
-              <a:rPr lang="en-US" altLang="zh-CN" sz="2800" dirty="0" err="1">
-                <a:latin typeface="Times New Roman" panose="02020603050405020304" pitchFamily="18" charset="0"/>
-                <a:cs typeface="Times New Roman" panose="02020603050405020304" pitchFamily="18" charset="0"/>
-              </a:rPr>
-              <a:t>mRMR</a:t>
-            </a:r>
-            <a:endParaRPr lang="zh-CN" altLang="en-US" sz="2800" dirty="0">
-              <a:latin typeface="Times New Roman" panose="02020603050405020304" pitchFamily="18" charset="0"/>
-              <a:cs typeface="Times New Roman" panose="02020603050405020304" pitchFamily="18" charset="0"/>
-            </a:endParaRPr>
-          </a:p>
-        </p:txBody>
-      </p:sp>
-      <p:sp>
-        <p:nvSpPr>
-          <p:cNvPr id="3" name="文本框 2">
-            <a:extLst>
-              <a:ext uri="{FF2B5EF4-FFF2-40B4-BE49-F238E27FC236}">
-                <a16:creationId xmlns:a16="http://schemas.microsoft.com/office/drawing/2014/main" id="{D985B60A-A480-C19C-DD72-2ED37B8489E7}"/>
-              </a:ext>
-            </a:extLst>
-          </p:cNvPr>
-          <p:cNvSpPr txBox="1"/>
-          <p:nvPr/>
-        </p:nvSpPr>
-        <p:spPr>
-          <a:xfrm>
-            <a:off x="6612257" y="2960084"/>
-            <a:ext cx="1486365" cy="2000548"/>
-          </a:xfrm>
-          <a:prstGeom prst="rect">
-            <a:avLst/>
-          </a:prstGeom>
-          <a:noFill/>
-          <a:ln>
-            <a:solidFill>
-              <a:schemeClr val="tx1"/>
-            </a:solidFill>
-          </a:ln>
-        </p:spPr>
-        <p:txBody>
-          <a:bodyPr wrap="square" rtlCol="0">
-            <a:spAutoFit/>
-          </a:bodyPr>
-          <a:lstStyle/>
-          <a:p>
-            <a:r>
-              <a:rPr lang="en-US" altLang="zh-CN" sz="2800" dirty="0">
-                <a:latin typeface="Times New Roman" panose="02020603050405020304" pitchFamily="18" charset="0"/>
-                <a:cs typeface="Times New Roman" panose="02020603050405020304" pitchFamily="18" charset="0"/>
-              </a:rPr>
-              <a:t>Rank: 50</a:t>
-            </a:r>
-          </a:p>
-          <a:p>
-            <a:r>
-              <a:rPr lang="en-US" altLang="zh-CN" sz="2400" dirty="0">
-                <a:latin typeface="Times New Roman" panose="02020603050405020304" pitchFamily="18" charset="0"/>
-                <a:cs typeface="Times New Roman" panose="02020603050405020304" pitchFamily="18" charset="0"/>
-              </a:rPr>
-              <a:t>Feature 1</a:t>
-            </a:r>
-          </a:p>
-          <a:p>
-            <a:r>
-              <a:rPr lang="en-US" altLang="zh-CN" sz="2400" dirty="0">
-                <a:latin typeface="Times New Roman" panose="02020603050405020304" pitchFamily="18" charset="0"/>
-                <a:cs typeface="Times New Roman" panose="02020603050405020304" pitchFamily="18" charset="0"/>
-              </a:rPr>
-              <a:t>Feature 2</a:t>
-            </a:r>
-          </a:p>
-          <a:p>
-            <a:r>
-              <a:rPr lang="en-US" altLang="zh-CN" sz="2400" dirty="0">
-                <a:latin typeface="Times New Roman" panose="02020603050405020304" pitchFamily="18" charset="0"/>
-                <a:cs typeface="Times New Roman" panose="02020603050405020304" pitchFamily="18" charset="0"/>
-              </a:rPr>
-              <a:t>…</a:t>
-            </a:r>
-          </a:p>
-          <a:p>
-            <a:r>
-              <a:rPr lang="en-US" altLang="zh-CN" sz="2400" dirty="0">
-                <a:latin typeface="Times New Roman" panose="02020603050405020304" pitchFamily="18" charset="0"/>
-                <a:cs typeface="Times New Roman" panose="02020603050405020304" pitchFamily="18" charset="0"/>
-              </a:rPr>
-              <a:t>Feature 50</a:t>
-            </a:r>
-          </a:p>
-        </p:txBody>
-      </p:sp>
-      <p:cxnSp>
-        <p:nvCxnSpPr>
-          <p:cNvPr id="11" name="直接箭头连接符 10">
-            <a:extLst>
-              <a:ext uri="{FF2B5EF4-FFF2-40B4-BE49-F238E27FC236}">
-                <a16:creationId xmlns:a16="http://schemas.microsoft.com/office/drawing/2014/main" id="{5A1292ED-A95D-14B8-FEA1-439EAB5C868C}"/>
-              </a:ext>
-            </a:extLst>
-          </p:cNvPr>
-          <p:cNvCxnSpPr>
-            <a:stCxn id="31" idx="3"/>
-            <a:endCxn id="2" idx="1"/>
-          </p:cNvCxnSpPr>
-          <p:nvPr/>
-        </p:nvCxnSpPr>
-        <p:spPr>
-          <a:xfrm>
-            <a:off x="6212069" y="2628754"/>
-            <a:ext cx="513229" cy="0"/>
-          </a:xfrm>
-          <a:prstGeom prst="straightConnector1">
-            <a:avLst/>
-          </a:prstGeom>
-          <a:ln>
-            <a:tailEnd type="triangle"/>
-          </a:ln>
-        </p:spPr>
-        <p:style>
-          <a:lnRef idx="1">
-            <a:schemeClr val="dk1"/>
-          </a:lnRef>
-          <a:fillRef idx="0">
-            <a:schemeClr val="dk1"/>
-          </a:fillRef>
-          <a:effectRef idx="0">
-            <a:schemeClr val="dk1"/>
-          </a:effectRef>
-          <a:fontRef idx="minor">
-            <a:schemeClr val="tx1"/>
-          </a:fontRef>
-        </p:style>
-      </p:cxnSp>
-      <p:sp>
-        <p:nvSpPr>
-          <p:cNvPr id="13" name="文本框 12">
-            <a:extLst>
-              <a:ext uri="{FF2B5EF4-FFF2-40B4-BE49-F238E27FC236}">
-                <a16:creationId xmlns:a16="http://schemas.microsoft.com/office/drawing/2014/main" id="{F665EE0D-1A9D-FB0A-C76D-F6BF6EAE8E02}"/>
-              </a:ext>
-            </a:extLst>
-          </p:cNvPr>
-          <p:cNvSpPr txBox="1"/>
-          <p:nvPr/>
-        </p:nvSpPr>
-        <p:spPr>
-          <a:xfrm>
-            <a:off x="8369769" y="2367144"/>
-            <a:ext cx="2842445" cy="523220"/>
-          </a:xfrm>
-          <a:prstGeom prst="rect">
-            <a:avLst/>
-          </a:prstGeom>
-          <a:noFill/>
-          <a:ln>
-            <a:solidFill>
-              <a:schemeClr val="tx1"/>
-            </a:solidFill>
-          </a:ln>
-        </p:spPr>
-        <p:txBody>
-          <a:bodyPr wrap="none" rtlCol="0">
-            <a:spAutoFit/>
-          </a:bodyPr>
-          <a:lstStyle/>
-          <a:p>
-            <a:r>
-              <a:rPr lang="en-US" altLang="zh-CN" sz="2800" dirty="0">
-                <a:latin typeface="Times New Roman" panose="02020603050405020304" pitchFamily="18" charset="0"/>
-                <a:cs typeface="Times New Roman" panose="02020603050405020304" pitchFamily="18" charset="0"/>
-              </a:rPr>
-              <a:t>Feature Collection</a:t>
-            </a:r>
-            <a:endParaRPr lang="zh-CN" altLang="en-US" sz="2800" dirty="0">
-              <a:latin typeface="Times New Roman" panose="02020603050405020304" pitchFamily="18" charset="0"/>
-              <a:cs typeface="Times New Roman" panose="02020603050405020304" pitchFamily="18" charset="0"/>
-            </a:endParaRPr>
-          </a:p>
-        </p:txBody>
-      </p:sp>
-      <p:sp>
-        <p:nvSpPr>
-          <p:cNvPr id="15" name="文本框 14">
-            <a:extLst>
-              <a:ext uri="{FF2B5EF4-FFF2-40B4-BE49-F238E27FC236}">
-                <a16:creationId xmlns:a16="http://schemas.microsoft.com/office/drawing/2014/main" id="{3851160E-FC5E-33FC-4B50-222852AA2302}"/>
-              </a:ext>
-            </a:extLst>
-          </p:cNvPr>
-          <p:cNvSpPr txBox="1"/>
-          <p:nvPr/>
-        </p:nvSpPr>
-        <p:spPr>
-          <a:xfrm>
-            <a:off x="8409164" y="2960084"/>
-            <a:ext cx="2763653" cy="1569660"/>
-          </a:xfrm>
-          <a:prstGeom prst="rect">
-            <a:avLst/>
-          </a:prstGeom>
-          <a:noFill/>
-          <a:ln>
-            <a:solidFill>
-              <a:schemeClr val="tx1"/>
-            </a:solidFill>
-          </a:ln>
-        </p:spPr>
-        <p:txBody>
-          <a:bodyPr wrap="square" rtlCol="0">
-            <a:spAutoFit/>
-          </a:bodyPr>
-          <a:lstStyle/>
-          <a:p>
-            <a:r>
-              <a:rPr lang="en-US" altLang="zh-CN" sz="2400" dirty="0">
-                <a:latin typeface="Times New Roman" panose="02020603050405020304" pitchFamily="18" charset="0"/>
-                <a:cs typeface="Times New Roman" panose="02020603050405020304" pitchFamily="18" charset="0"/>
-              </a:rPr>
-              <a:t>Feature 1</a:t>
-            </a:r>
-          </a:p>
-          <a:p>
-            <a:r>
-              <a:rPr lang="en-US" altLang="zh-CN" sz="2400" dirty="0">
-                <a:latin typeface="Times New Roman" panose="02020603050405020304" pitchFamily="18" charset="0"/>
-                <a:cs typeface="Times New Roman" panose="02020603050405020304" pitchFamily="18" charset="0"/>
-              </a:rPr>
-              <a:t>Feature 1+2</a:t>
-            </a:r>
-          </a:p>
-          <a:p>
-            <a:r>
-              <a:rPr lang="en-US" altLang="zh-CN" sz="2400" dirty="0">
-                <a:latin typeface="Times New Roman" panose="02020603050405020304" pitchFamily="18" charset="0"/>
-                <a:cs typeface="Times New Roman" panose="02020603050405020304" pitchFamily="18" charset="0"/>
-              </a:rPr>
-              <a:t>…</a:t>
-            </a:r>
-          </a:p>
-          <a:p>
-            <a:r>
-              <a:rPr lang="en-US" altLang="zh-CN" sz="2400" dirty="0">
-                <a:latin typeface="Times New Roman" panose="02020603050405020304" pitchFamily="18" charset="0"/>
-                <a:cs typeface="Times New Roman" panose="02020603050405020304" pitchFamily="18" charset="0"/>
-              </a:rPr>
-              <a:t>Feature 1+2+…+50</a:t>
-            </a:r>
-          </a:p>
-        </p:txBody>
-      </p:sp>
-      <p:cxnSp>
-        <p:nvCxnSpPr>
-          <p:cNvPr id="16" name="直接箭头连接符 15">
-            <a:extLst>
-              <a:ext uri="{FF2B5EF4-FFF2-40B4-BE49-F238E27FC236}">
-                <a16:creationId xmlns:a16="http://schemas.microsoft.com/office/drawing/2014/main" id="{7FF23605-1231-07F2-0211-08F1B743C8CD}"/>
-              </a:ext>
-            </a:extLst>
-          </p:cNvPr>
-          <p:cNvCxnSpPr>
-            <a:cxnSpLocks/>
-            <a:stCxn id="2" idx="3"/>
-            <a:endCxn id="13" idx="1"/>
-          </p:cNvCxnSpPr>
-          <p:nvPr/>
-        </p:nvCxnSpPr>
-        <p:spPr>
-          <a:xfrm>
-            <a:off x="7985579" y="2628754"/>
-            <a:ext cx="384190" cy="0"/>
-          </a:xfrm>
-          <a:prstGeom prst="straightConnector1">
-            <a:avLst/>
-          </a:prstGeom>
-          <a:ln>
-            <a:tailEnd type="triangle"/>
-          </a:ln>
-        </p:spPr>
-        <p:style>
-          <a:lnRef idx="1">
-            <a:schemeClr val="dk1"/>
-          </a:lnRef>
-          <a:fillRef idx="0">
-            <a:schemeClr val="dk1"/>
-          </a:fillRef>
-          <a:effectRef idx="0">
-            <a:schemeClr val="dk1"/>
-          </a:effectRef>
-          <a:fontRef idx="minor">
-            <a:schemeClr val="tx1"/>
-          </a:fontRef>
-        </p:style>
-      </p:cxnSp>
+        </p:spPr>
+      </p:pic>
     </p:spTree>
     <p:extLst>
       <p:ext uri="{BB962C8B-B14F-4D97-AF65-F5344CB8AC3E}">
-        <p14:creationId xmlns:p14="http://schemas.microsoft.com/office/powerpoint/2010/main" val="1593338965"/>
+        <p14:creationId xmlns:p14="http://schemas.microsoft.com/office/powerpoint/2010/main" val="2644075740"/>
       </p:ext>
     </p:extLst>
   </p:cSld>
@@ -11011,700 +11175,6 @@
     <p:extLst>
       <p:ext uri="{BB962C8B-B14F-4D97-AF65-F5344CB8AC3E}">
         <p14:creationId xmlns:p14="http://schemas.microsoft.com/office/powerpoint/2010/main" val="2098087733"/>
-      </p:ext>
-    </p:extLst>
-  </p:cSld>
-  <p:clrMapOvr>
-    <a:masterClrMapping/>
-  </p:clrMapOvr>
-</p:sld>
-</file>
-
-<file path=ppt/slides/slide18.xml><?xml version="1.0" encoding="utf-8"?>
-<p:sld xmlns:a="http://schemas.openxmlformats.org/drawingml/2006/main" xmlns:r="http://schemas.openxmlformats.org/officeDocument/2006/relationships" xmlns:p="http://schemas.openxmlformats.org/presentationml/2006/main">
-  <p:cSld>
-    <p:spTree>
-      <p:nvGrpSpPr>
-        <p:cNvPr id="1" name=""/>
-        <p:cNvGrpSpPr/>
-        <p:nvPr/>
-      </p:nvGrpSpPr>
-      <p:grpSpPr>
-        <a:xfrm>
-          <a:off x="0" y="0"/>
-          <a:ext cx="0" cy="0"/>
-          <a:chOff x="0" y="0"/>
-          <a:chExt cx="0" cy="0"/>
-        </a:xfrm>
-      </p:grpSpPr>
-      <p:sp>
-        <p:nvSpPr>
-          <p:cNvPr id="4" name="文本框 3">
-            <a:extLst>
-              <a:ext uri="{FF2B5EF4-FFF2-40B4-BE49-F238E27FC236}">
-                <a16:creationId xmlns:a16="http://schemas.microsoft.com/office/drawing/2014/main" id="{D0615F25-CF0E-0920-3A69-5ACB5F07D617}"/>
-              </a:ext>
-            </a:extLst>
-          </p:cNvPr>
-          <p:cNvSpPr txBox="1"/>
-          <p:nvPr/>
-        </p:nvSpPr>
-        <p:spPr>
-          <a:xfrm>
-            <a:off x="344555" y="212035"/>
-            <a:ext cx="7103227" cy="646331"/>
-          </a:xfrm>
-          <a:prstGeom prst="rect">
-            <a:avLst/>
-          </a:prstGeom>
-          <a:noFill/>
-        </p:spPr>
-        <p:txBody>
-          <a:bodyPr wrap="none" rtlCol="0">
-            <a:spAutoFit/>
-          </a:bodyPr>
-          <a:lstStyle/>
-          <a:p>
-            <a:r>
-              <a:rPr lang="en-US" altLang="zh-CN" sz="3600" b="1" dirty="0">
-                <a:latin typeface="Times New Roman" panose="02020603050405020304" pitchFamily="18" charset="0"/>
-                <a:cs typeface="Times New Roman" panose="02020603050405020304" pitchFamily="18" charset="0"/>
-              </a:rPr>
-              <a:t>Results: SVM w/ </a:t>
-            </a:r>
-            <a:r>
-              <a:rPr lang="en-US" altLang="zh-CN" sz="3600" b="1" dirty="0" err="1">
-                <a:latin typeface="Times New Roman" panose="02020603050405020304" pitchFamily="18" charset="0"/>
-                <a:cs typeface="Times New Roman" panose="02020603050405020304" pitchFamily="18" charset="0"/>
-              </a:rPr>
-              <a:t>mRMR</a:t>
-            </a:r>
-            <a:r>
-              <a:rPr lang="en-US" altLang="zh-CN" sz="3600" b="1" dirty="0">
-                <a:latin typeface="Times New Roman" panose="02020603050405020304" pitchFamily="18" charset="0"/>
-                <a:cs typeface="Times New Roman" panose="02020603050405020304" pitchFamily="18" charset="0"/>
-              </a:rPr>
-              <a:t> + LASSO</a:t>
-            </a:r>
-            <a:endParaRPr lang="zh-CN" altLang="en-US" sz="3600" b="1" dirty="0">
-              <a:latin typeface="Times New Roman" panose="02020603050405020304" pitchFamily="18" charset="0"/>
-              <a:cs typeface="Times New Roman" panose="02020603050405020304" pitchFamily="18" charset="0"/>
-            </a:endParaRPr>
-          </a:p>
-        </p:txBody>
-      </p:sp>
-      <p:sp>
-        <p:nvSpPr>
-          <p:cNvPr id="13" name="文本框 12">
-            <a:extLst>
-              <a:ext uri="{FF2B5EF4-FFF2-40B4-BE49-F238E27FC236}">
-                <a16:creationId xmlns:a16="http://schemas.microsoft.com/office/drawing/2014/main" id="{4D28E66D-D00D-F611-9704-A05F10068EEB}"/>
-              </a:ext>
-            </a:extLst>
-          </p:cNvPr>
-          <p:cNvSpPr txBox="1"/>
-          <p:nvPr/>
-        </p:nvSpPr>
-        <p:spPr>
-          <a:xfrm>
-            <a:off x="978382" y="1753189"/>
-            <a:ext cx="2650084" cy="1384995"/>
-          </a:xfrm>
-          <a:prstGeom prst="rect">
-            <a:avLst/>
-          </a:prstGeom>
-          <a:noFill/>
-        </p:spPr>
-        <p:txBody>
-          <a:bodyPr wrap="none" rtlCol="0">
-            <a:spAutoFit/>
-          </a:bodyPr>
-          <a:lstStyle/>
-          <a:p>
-            <a:r>
-              <a:rPr lang="en-US" altLang="zh-CN" sz="2800" b="1" dirty="0" err="1">
-                <a:latin typeface="Times New Roman" panose="02020603050405020304" pitchFamily="18" charset="0"/>
-                <a:cs typeface="Times New Roman" panose="02020603050405020304" pitchFamily="18" charset="0"/>
-              </a:rPr>
-              <a:t>Demo+Clinic</a:t>
-            </a:r>
-            <a:r>
-              <a:rPr lang="en-US" altLang="zh-CN" sz="2800" b="1" dirty="0">
-                <a:latin typeface="Times New Roman" panose="02020603050405020304" pitchFamily="18" charset="0"/>
-                <a:cs typeface="Times New Roman" panose="02020603050405020304" pitchFamily="18" charset="0"/>
-              </a:rPr>
-              <a:t>:</a:t>
-            </a:r>
-          </a:p>
-          <a:p>
-            <a:r>
-              <a:rPr lang="fr-FR" altLang="zh-CN" sz="2800" b="1" dirty="0">
-                <a:latin typeface="Times New Roman" panose="02020603050405020304" pitchFamily="18" charset="0"/>
-                <a:cs typeface="Times New Roman" panose="02020603050405020304" pitchFamily="18" charset="0"/>
-              </a:rPr>
-              <a:t>AUC train: 0.76</a:t>
-            </a:r>
-          </a:p>
-          <a:p>
-            <a:r>
-              <a:rPr lang="fr-FR" altLang="zh-CN" sz="2800" b="1" dirty="0">
-                <a:latin typeface="Times New Roman" panose="02020603050405020304" pitchFamily="18" charset="0"/>
-                <a:cs typeface="Times New Roman" panose="02020603050405020304" pitchFamily="18" charset="0"/>
-              </a:rPr>
-              <a:t>AUC test: 0.71</a:t>
-            </a:r>
-            <a:endParaRPr lang="zh-CN" altLang="en-US" sz="2800" b="1" dirty="0">
-              <a:latin typeface="Times New Roman" panose="02020603050405020304" pitchFamily="18" charset="0"/>
-              <a:cs typeface="Times New Roman" panose="02020603050405020304" pitchFamily="18" charset="0"/>
-            </a:endParaRPr>
-          </a:p>
-        </p:txBody>
-      </p:sp>
-      <p:sp>
-        <p:nvSpPr>
-          <p:cNvPr id="14" name="文本框 13">
-            <a:extLst>
-              <a:ext uri="{FF2B5EF4-FFF2-40B4-BE49-F238E27FC236}">
-                <a16:creationId xmlns:a16="http://schemas.microsoft.com/office/drawing/2014/main" id="{76D36F27-ED73-AA89-6D17-D6F9028C78C1}"/>
-              </a:ext>
-            </a:extLst>
-          </p:cNvPr>
-          <p:cNvSpPr txBox="1"/>
-          <p:nvPr/>
-        </p:nvSpPr>
-        <p:spPr>
-          <a:xfrm>
-            <a:off x="978382" y="4660051"/>
-            <a:ext cx="3148619" cy="1384995"/>
-          </a:xfrm>
-          <a:prstGeom prst="rect">
-            <a:avLst/>
-          </a:prstGeom>
-          <a:noFill/>
-        </p:spPr>
-        <p:txBody>
-          <a:bodyPr wrap="none" rtlCol="0">
-            <a:spAutoFit/>
-          </a:bodyPr>
-          <a:lstStyle/>
-          <a:p>
-            <a:r>
-              <a:rPr lang="en-US" altLang="zh-CN" sz="2800" b="1" dirty="0" err="1">
-                <a:latin typeface="Times New Roman" panose="02020603050405020304" pitchFamily="18" charset="0"/>
-                <a:cs typeface="Times New Roman" panose="02020603050405020304" pitchFamily="18" charset="0"/>
-              </a:rPr>
-              <a:t>Demo+Clinic+Img</a:t>
-            </a:r>
-            <a:r>
-              <a:rPr lang="en-US" altLang="zh-CN" sz="2800" b="1" dirty="0">
-                <a:latin typeface="Times New Roman" panose="02020603050405020304" pitchFamily="18" charset="0"/>
-                <a:cs typeface="Times New Roman" panose="02020603050405020304" pitchFamily="18" charset="0"/>
-              </a:rPr>
-              <a:t>:</a:t>
-            </a:r>
-          </a:p>
-          <a:p>
-            <a:r>
-              <a:rPr lang="fr-FR" altLang="zh-CN" sz="2800" b="1" dirty="0">
-                <a:latin typeface="Times New Roman" panose="02020603050405020304" pitchFamily="18" charset="0"/>
-                <a:cs typeface="Times New Roman" panose="02020603050405020304" pitchFamily="18" charset="0"/>
-              </a:rPr>
-              <a:t>AUC train: 0.78</a:t>
-            </a:r>
-          </a:p>
-          <a:p>
-            <a:r>
-              <a:rPr lang="fr-FR" altLang="zh-CN" sz="2800" b="1" dirty="0">
-                <a:latin typeface="Times New Roman" panose="02020603050405020304" pitchFamily="18" charset="0"/>
-                <a:cs typeface="Times New Roman" panose="02020603050405020304" pitchFamily="18" charset="0"/>
-              </a:rPr>
-              <a:t>AUC test: 0.76</a:t>
-            </a:r>
-            <a:endParaRPr lang="zh-CN" altLang="en-US" sz="2800" b="1" dirty="0">
-              <a:latin typeface="Times New Roman" panose="02020603050405020304" pitchFamily="18" charset="0"/>
-              <a:cs typeface="Times New Roman" panose="02020603050405020304" pitchFamily="18" charset="0"/>
-            </a:endParaRPr>
-          </a:p>
-        </p:txBody>
-      </p:sp>
-      <p:pic>
-        <p:nvPicPr>
-          <p:cNvPr id="8" name="图片 7">
-            <a:extLst>
-              <a:ext uri="{FF2B5EF4-FFF2-40B4-BE49-F238E27FC236}">
-                <a16:creationId xmlns:a16="http://schemas.microsoft.com/office/drawing/2014/main" id="{8F1E659E-78C6-A09B-4B3A-708958F9D6EE}"/>
-              </a:ext>
-            </a:extLst>
-          </p:cNvPr>
-          <p:cNvPicPr>
-            <a:picLocks noChangeAspect="1"/>
-          </p:cNvPicPr>
-          <p:nvPr/>
-        </p:nvPicPr>
-        <p:blipFill>
-          <a:blip r:embed="rId2"/>
-          <a:stretch>
-            <a:fillRect/>
-          </a:stretch>
-        </p:blipFill>
-        <p:spPr>
-          <a:xfrm>
-            <a:off x="4756081" y="1158465"/>
-            <a:ext cx="3270390" cy="2574442"/>
-          </a:xfrm>
-          <a:prstGeom prst="rect">
-            <a:avLst/>
-          </a:prstGeom>
-        </p:spPr>
-      </p:pic>
-      <p:pic>
-        <p:nvPicPr>
-          <p:cNvPr id="10" name="图片 9">
-            <a:extLst>
-              <a:ext uri="{FF2B5EF4-FFF2-40B4-BE49-F238E27FC236}">
-                <a16:creationId xmlns:a16="http://schemas.microsoft.com/office/drawing/2014/main" id="{DDEBC69B-F4F9-6D20-CF8D-1E3DFB6999D2}"/>
-              </a:ext>
-            </a:extLst>
-          </p:cNvPr>
-          <p:cNvPicPr>
-            <a:picLocks noChangeAspect="1"/>
-          </p:cNvPicPr>
-          <p:nvPr/>
-        </p:nvPicPr>
-        <p:blipFill>
-          <a:blip r:embed="rId3"/>
-          <a:stretch>
-            <a:fillRect/>
-          </a:stretch>
-        </p:blipFill>
-        <p:spPr>
-          <a:xfrm>
-            <a:off x="8699741" y="1220431"/>
-            <a:ext cx="2948919" cy="2450510"/>
-          </a:xfrm>
-          <a:prstGeom prst="rect">
-            <a:avLst/>
-          </a:prstGeom>
-        </p:spPr>
-      </p:pic>
-      <p:pic>
-        <p:nvPicPr>
-          <p:cNvPr id="3" name="图片 2">
-            <a:extLst>
-              <a:ext uri="{FF2B5EF4-FFF2-40B4-BE49-F238E27FC236}">
-                <a16:creationId xmlns:a16="http://schemas.microsoft.com/office/drawing/2014/main" id="{E235B2D7-3670-7E98-5956-01726B7F9EDC}"/>
-              </a:ext>
-            </a:extLst>
-          </p:cNvPr>
-          <p:cNvPicPr>
-            <a:picLocks noChangeAspect="1"/>
-          </p:cNvPicPr>
-          <p:nvPr/>
-        </p:nvPicPr>
-        <p:blipFill>
-          <a:blip r:embed="rId4"/>
-          <a:stretch>
-            <a:fillRect/>
-          </a:stretch>
-        </p:blipFill>
-        <p:spPr>
-          <a:xfrm>
-            <a:off x="4756081" y="4071523"/>
-            <a:ext cx="3270390" cy="2574442"/>
-          </a:xfrm>
-          <a:prstGeom prst="rect">
-            <a:avLst/>
-          </a:prstGeom>
-        </p:spPr>
-      </p:pic>
-      <p:pic>
-        <p:nvPicPr>
-          <p:cNvPr id="6" name="图片 5">
-            <a:extLst>
-              <a:ext uri="{FF2B5EF4-FFF2-40B4-BE49-F238E27FC236}">
-                <a16:creationId xmlns:a16="http://schemas.microsoft.com/office/drawing/2014/main" id="{D7E2C1A8-7158-DDD0-0083-6B7F64D3C330}"/>
-              </a:ext>
-            </a:extLst>
-          </p:cNvPr>
-          <p:cNvPicPr>
-            <a:picLocks noChangeAspect="1"/>
-          </p:cNvPicPr>
-          <p:nvPr/>
-        </p:nvPicPr>
-        <p:blipFill>
-          <a:blip r:embed="rId5"/>
-          <a:stretch>
-            <a:fillRect/>
-          </a:stretch>
-        </p:blipFill>
-        <p:spPr>
-          <a:xfrm>
-            <a:off x="8699741" y="4127126"/>
-            <a:ext cx="2895911" cy="2450843"/>
-          </a:xfrm>
-          <a:prstGeom prst="rect">
-            <a:avLst/>
-          </a:prstGeom>
-        </p:spPr>
-      </p:pic>
-    </p:spTree>
-    <p:extLst>
-      <p:ext uri="{BB962C8B-B14F-4D97-AF65-F5344CB8AC3E}">
-        <p14:creationId xmlns:p14="http://schemas.microsoft.com/office/powerpoint/2010/main" val="1143426746"/>
-      </p:ext>
-    </p:extLst>
-  </p:cSld>
-  <p:clrMapOvr>
-    <a:masterClrMapping/>
-  </p:clrMapOvr>
-</p:sld>
-</file>
-
-<file path=ppt/slides/slide19.xml><?xml version="1.0" encoding="utf-8"?>
-<p:sld xmlns:a="http://schemas.openxmlformats.org/drawingml/2006/main" xmlns:r="http://schemas.openxmlformats.org/officeDocument/2006/relationships" xmlns:p="http://schemas.openxmlformats.org/presentationml/2006/main">
-  <p:cSld>
-    <p:spTree>
-      <p:nvGrpSpPr>
-        <p:cNvPr id="1" name=""/>
-        <p:cNvGrpSpPr/>
-        <p:nvPr/>
-      </p:nvGrpSpPr>
-      <p:grpSpPr>
-        <a:xfrm>
-          <a:off x="0" y="0"/>
-          <a:ext cx="0" cy="0"/>
-          <a:chOff x="0" y="0"/>
-          <a:chExt cx="0" cy="0"/>
-        </a:xfrm>
-      </p:grpSpPr>
-      <p:sp>
-        <p:nvSpPr>
-          <p:cNvPr id="4" name="文本框 3">
-            <a:extLst>
-              <a:ext uri="{FF2B5EF4-FFF2-40B4-BE49-F238E27FC236}">
-                <a16:creationId xmlns:a16="http://schemas.microsoft.com/office/drawing/2014/main" id="{D0615F25-CF0E-0920-3A69-5ACB5F07D617}"/>
-              </a:ext>
-            </a:extLst>
-          </p:cNvPr>
-          <p:cNvSpPr txBox="1"/>
-          <p:nvPr/>
-        </p:nvSpPr>
-        <p:spPr>
-          <a:xfrm>
-            <a:off x="344555" y="212035"/>
-            <a:ext cx="7872668" cy="646331"/>
-          </a:xfrm>
-          <a:prstGeom prst="rect">
-            <a:avLst/>
-          </a:prstGeom>
-          <a:noFill/>
-        </p:spPr>
-        <p:txBody>
-          <a:bodyPr wrap="none" rtlCol="0">
-            <a:spAutoFit/>
-          </a:bodyPr>
-          <a:lstStyle/>
-          <a:p>
-            <a:r>
-              <a:rPr lang="en-US" altLang="zh-CN" sz="3600" b="1" dirty="0">
-                <a:latin typeface="Times New Roman" panose="02020603050405020304" pitchFamily="18" charset="0"/>
-                <a:cs typeface="Times New Roman" panose="02020603050405020304" pitchFamily="18" charset="0"/>
-              </a:rPr>
-              <a:t>Results: </a:t>
-            </a:r>
-            <a:r>
-              <a:rPr lang="en-US" altLang="zh-CN" sz="3600" b="1" dirty="0" err="1">
-                <a:latin typeface="Times New Roman" panose="02020603050405020304" pitchFamily="18" charset="0"/>
-                <a:cs typeface="Times New Roman" panose="02020603050405020304" pitchFamily="18" charset="0"/>
-              </a:rPr>
-              <a:t>XGBoost</a:t>
-            </a:r>
-            <a:r>
-              <a:rPr lang="en-US" altLang="zh-CN" sz="3600" b="1" dirty="0">
-                <a:latin typeface="Times New Roman" panose="02020603050405020304" pitchFamily="18" charset="0"/>
-                <a:cs typeface="Times New Roman" panose="02020603050405020304" pitchFamily="18" charset="0"/>
-              </a:rPr>
-              <a:t> w/ </a:t>
-            </a:r>
-            <a:r>
-              <a:rPr lang="en-US" altLang="zh-CN" sz="3600" b="1" dirty="0" err="1">
-                <a:latin typeface="Times New Roman" panose="02020603050405020304" pitchFamily="18" charset="0"/>
-                <a:cs typeface="Times New Roman" panose="02020603050405020304" pitchFamily="18" charset="0"/>
-              </a:rPr>
-              <a:t>mRMR</a:t>
-            </a:r>
-            <a:r>
-              <a:rPr lang="en-US" altLang="zh-CN" sz="3600" b="1" dirty="0">
-                <a:latin typeface="Times New Roman" panose="02020603050405020304" pitchFamily="18" charset="0"/>
-                <a:cs typeface="Times New Roman" panose="02020603050405020304" pitchFamily="18" charset="0"/>
-              </a:rPr>
-              <a:t> + LASSO</a:t>
-            </a:r>
-            <a:endParaRPr lang="zh-CN" altLang="en-US" sz="3600" b="1" dirty="0">
-              <a:latin typeface="Times New Roman" panose="02020603050405020304" pitchFamily="18" charset="0"/>
-              <a:cs typeface="Times New Roman" panose="02020603050405020304" pitchFamily="18" charset="0"/>
-            </a:endParaRPr>
-          </a:p>
-        </p:txBody>
-      </p:sp>
-      <p:sp>
-        <p:nvSpPr>
-          <p:cNvPr id="13" name="文本框 12">
-            <a:extLst>
-              <a:ext uri="{FF2B5EF4-FFF2-40B4-BE49-F238E27FC236}">
-                <a16:creationId xmlns:a16="http://schemas.microsoft.com/office/drawing/2014/main" id="{4D28E66D-D00D-F611-9704-A05F10068EEB}"/>
-              </a:ext>
-            </a:extLst>
-          </p:cNvPr>
-          <p:cNvSpPr txBox="1"/>
-          <p:nvPr/>
-        </p:nvSpPr>
-        <p:spPr>
-          <a:xfrm>
-            <a:off x="978382" y="1753189"/>
-            <a:ext cx="2650084" cy="1384995"/>
-          </a:xfrm>
-          <a:prstGeom prst="rect">
-            <a:avLst/>
-          </a:prstGeom>
-          <a:noFill/>
-        </p:spPr>
-        <p:txBody>
-          <a:bodyPr wrap="none" rtlCol="0">
-            <a:spAutoFit/>
-          </a:bodyPr>
-          <a:lstStyle/>
-          <a:p>
-            <a:r>
-              <a:rPr lang="en-US" altLang="zh-CN" sz="2800" b="1" dirty="0" err="1">
-                <a:latin typeface="Times New Roman" panose="02020603050405020304" pitchFamily="18" charset="0"/>
-                <a:cs typeface="Times New Roman" panose="02020603050405020304" pitchFamily="18" charset="0"/>
-              </a:rPr>
-              <a:t>Demo+Clinic</a:t>
-            </a:r>
-            <a:r>
-              <a:rPr lang="en-US" altLang="zh-CN" sz="2800" b="1" dirty="0">
-                <a:latin typeface="Times New Roman" panose="02020603050405020304" pitchFamily="18" charset="0"/>
-                <a:cs typeface="Times New Roman" panose="02020603050405020304" pitchFamily="18" charset="0"/>
-              </a:rPr>
-              <a:t>:</a:t>
-            </a:r>
-          </a:p>
-          <a:p>
-            <a:r>
-              <a:rPr lang="fr-FR" altLang="zh-CN" sz="2800" b="1" dirty="0">
-                <a:latin typeface="Times New Roman" panose="02020603050405020304" pitchFamily="18" charset="0"/>
-                <a:cs typeface="Times New Roman" panose="02020603050405020304" pitchFamily="18" charset="0"/>
-              </a:rPr>
-              <a:t>AUC train: 0.98</a:t>
-            </a:r>
-          </a:p>
-          <a:p>
-            <a:r>
-              <a:rPr lang="fr-FR" altLang="zh-CN" sz="2800" b="1" dirty="0">
-                <a:latin typeface="Times New Roman" panose="02020603050405020304" pitchFamily="18" charset="0"/>
-                <a:cs typeface="Times New Roman" panose="02020603050405020304" pitchFamily="18" charset="0"/>
-              </a:rPr>
-              <a:t>AUC test: 0.76</a:t>
-            </a:r>
-            <a:endParaRPr lang="zh-CN" altLang="en-US" sz="2800" b="1" dirty="0">
-              <a:latin typeface="Times New Roman" panose="02020603050405020304" pitchFamily="18" charset="0"/>
-              <a:cs typeface="Times New Roman" panose="02020603050405020304" pitchFamily="18" charset="0"/>
-            </a:endParaRPr>
-          </a:p>
-        </p:txBody>
-      </p:sp>
-      <p:sp>
-        <p:nvSpPr>
-          <p:cNvPr id="14" name="文本框 13">
-            <a:extLst>
-              <a:ext uri="{FF2B5EF4-FFF2-40B4-BE49-F238E27FC236}">
-                <a16:creationId xmlns:a16="http://schemas.microsoft.com/office/drawing/2014/main" id="{76D36F27-ED73-AA89-6D17-D6F9028C78C1}"/>
-              </a:ext>
-            </a:extLst>
-          </p:cNvPr>
-          <p:cNvSpPr txBox="1"/>
-          <p:nvPr/>
-        </p:nvSpPr>
-        <p:spPr>
-          <a:xfrm>
-            <a:off x="978382" y="4660051"/>
-            <a:ext cx="3148619" cy="1384995"/>
-          </a:xfrm>
-          <a:prstGeom prst="rect">
-            <a:avLst/>
-          </a:prstGeom>
-          <a:noFill/>
-        </p:spPr>
-        <p:txBody>
-          <a:bodyPr wrap="none" rtlCol="0">
-            <a:spAutoFit/>
-          </a:bodyPr>
-          <a:lstStyle/>
-          <a:p>
-            <a:r>
-              <a:rPr lang="en-US" altLang="zh-CN" sz="2800" b="1" dirty="0" err="1">
-                <a:latin typeface="Times New Roman" panose="02020603050405020304" pitchFamily="18" charset="0"/>
-                <a:cs typeface="Times New Roman" panose="02020603050405020304" pitchFamily="18" charset="0"/>
-              </a:rPr>
-              <a:t>Demo+Clinic+Img</a:t>
-            </a:r>
-            <a:r>
-              <a:rPr lang="en-US" altLang="zh-CN" sz="2800" b="1" dirty="0">
-                <a:latin typeface="Times New Roman" panose="02020603050405020304" pitchFamily="18" charset="0"/>
-                <a:cs typeface="Times New Roman" panose="02020603050405020304" pitchFamily="18" charset="0"/>
-              </a:rPr>
-              <a:t>:</a:t>
-            </a:r>
-          </a:p>
-          <a:p>
-            <a:r>
-              <a:rPr lang="fr-FR" altLang="zh-CN" sz="2800" b="1" dirty="0">
-                <a:latin typeface="Times New Roman" panose="02020603050405020304" pitchFamily="18" charset="0"/>
-                <a:cs typeface="Times New Roman" panose="02020603050405020304" pitchFamily="18" charset="0"/>
-              </a:rPr>
-              <a:t>AUC train: 0.999</a:t>
-            </a:r>
-          </a:p>
-          <a:p>
-            <a:r>
-              <a:rPr lang="fr-FR" altLang="zh-CN" sz="2800" b="1" dirty="0">
-                <a:latin typeface="Times New Roman" panose="02020603050405020304" pitchFamily="18" charset="0"/>
-                <a:cs typeface="Times New Roman" panose="02020603050405020304" pitchFamily="18" charset="0"/>
-              </a:rPr>
-              <a:t>AUC test: 0.66</a:t>
-            </a:r>
-            <a:endParaRPr lang="zh-CN" altLang="en-US" sz="2800" b="1" dirty="0">
-              <a:latin typeface="Times New Roman" panose="02020603050405020304" pitchFamily="18" charset="0"/>
-              <a:cs typeface="Times New Roman" panose="02020603050405020304" pitchFamily="18" charset="0"/>
-            </a:endParaRPr>
-          </a:p>
-        </p:txBody>
-      </p:sp>
-      <p:pic>
-        <p:nvPicPr>
-          <p:cNvPr id="6" name="图片 5">
-            <a:extLst>
-              <a:ext uri="{FF2B5EF4-FFF2-40B4-BE49-F238E27FC236}">
-                <a16:creationId xmlns:a16="http://schemas.microsoft.com/office/drawing/2014/main" id="{B8A61EB7-52B7-4067-DAB0-FD32B270BC1E}"/>
-              </a:ext>
-            </a:extLst>
-          </p:cNvPr>
-          <p:cNvPicPr>
-            <a:picLocks noChangeAspect="1"/>
-          </p:cNvPicPr>
-          <p:nvPr/>
-        </p:nvPicPr>
-        <p:blipFill>
-          <a:blip r:embed="rId2"/>
-          <a:stretch>
-            <a:fillRect/>
-          </a:stretch>
-        </p:blipFill>
-        <p:spPr>
-          <a:xfrm>
-            <a:off x="4756081" y="1158465"/>
-            <a:ext cx="3270390" cy="2574442"/>
-          </a:xfrm>
-          <a:prstGeom prst="rect">
-            <a:avLst/>
-          </a:prstGeom>
-        </p:spPr>
-      </p:pic>
-      <p:pic>
-        <p:nvPicPr>
-          <p:cNvPr id="10" name="图片 9">
-            <a:extLst>
-              <a:ext uri="{FF2B5EF4-FFF2-40B4-BE49-F238E27FC236}">
-                <a16:creationId xmlns:a16="http://schemas.microsoft.com/office/drawing/2014/main" id="{8FBE5AB7-5422-7D6B-289E-3925C5B5EF33}"/>
-              </a:ext>
-            </a:extLst>
-          </p:cNvPr>
-          <p:cNvPicPr>
-            <a:picLocks noChangeAspect="1"/>
-          </p:cNvPicPr>
-          <p:nvPr/>
-        </p:nvPicPr>
-        <p:blipFill>
-          <a:blip r:embed="rId3"/>
-          <a:stretch>
-            <a:fillRect/>
-          </a:stretch>
-        </p:blipFill>
-        <p:spPr>
-          <a:xfrm>
-            <a:off x="8699740" y="1225391"/>
-            <a:ext cx="2883797" cy="2440590"/>
-          </a:xfrm>
-          <a:prstGeom prst="rect">
-            <a:avLst/>
-          </a:prstGeom>
-        </p:spPr>
-      </p:pic>
-      <p:pic>
-        <p:nvPicPr>
-          <p:cNvPr id="3" name="图片 2">
-            <a:extLst>
-              <a:ext uri="{FF2B5EF4-FFF2-40B4-BE49-F238E27FC236}">
-                <a16:creationId xmlns:a16="http://schemas.microsoft.com/office/drawing/2014/main" id="{5AFCAF43-C541-F61D-90D6-04F61EFD819E}"/>
-              </a:ext>
-            </a:extLst>
-          </p:cNvPr>
-          <p:cNvPicPr>
-            <a:picLocks noChangeAspect="1"/>
-          </p:cNvPicPr>
-          <p:nvPr/>
-        </p:nvPicPr>
-        <p:blipFill>
-          <a:blip r:embed="rId4"/>
-          <a:stretch>
-            <a:fillRect/>
-          </a:stretch>
-        </p:blipFill>
-        <p:spPr>
-          <a:xfrm>
-            <a:off x="4756081" y="4065327"/>
-            <a:ext cx="3270390" cy="2574442"/>
-          </a:xfrm>
-          <a:prstGeom prst="rect">
-            <a:avLst/>
-          </a:prstGeom>
-        </p:spPr>
-      </p:pic>
-      <p:pic>
-        <p:nvPicPr>
-          <p:cNvPr id="9" name="图片 8">
-            <a:extLst>
-              <a:ext uri="{FF2B5EF4-FFF2-40B4-BE49-F238E27FC236}">
-                <a16:creationId xmlns:a16="http://schemas.microsoft.com/office/drawing/2014/main" id="{447AF7C2-BD73-3C4C-5F24-E784867F0BB6}"/>
-              </a:ext>
-            </a:extLst>
-          </p:cNvPr>
-          <p:cNvPicPr>
-            <a:picLocks noChangeAspect="1"/>
-          </p:cNvPicPr>
-          <p:nvPr/>
-        </p:nvPicPr>
-        <p:blipFill>
-          <a:blip r:embed="rId5"/>
-          <a:stretch>
-            <a:fillRect/>
-          </a:stretch>
-        </p:blipFill>
-        <p:spPr>
-          <a:xfrm>
-            <a:off x="8699740" y="4127292"/>
-            <a:ext cx="2948921" cy="2450512"/>
-          </a:xfrm>
-          <a:prstGeom prst="rect">
-            <a:avLst/>
-          </a:prstGeom>
-        </p:spPr>
-      </p:pic>
-    </p:spTree>
-    <p:extLst>
-      <p:ext uri="{BB962C8B-B14F-4D97-AF65-F5344CB8AC3E}">
-        <p14:creationId xmlns:p14="http://schemas.microsoft.com/office/powerpoint/2010/main" val="988956521"/>
       </p:ext>
     </p:extLst>
   </p:cSld>
